--- a/PPT.pptx
+++ b/PPT.pptx
@@ -10,14 +10,15 @@
     <p:sldId id="260" r:id="rId7"/>
     <p:sldId id="302" r:id="rId8"/>
     <p:sldId id="259" r:id="rId9"/>
-    <p:sldId id="303" r:id="rId10"/>
-    <p:sldId id="273" r:id="rId11"/>
-    <p:sldId id="291" r:id="rId12"/>
-    <p:sldId id="290" r:id="rId13"/>
-    <p:sldId id="261" r:id="rId14"/>
-    <p:sldId id="262" r:id="rId15"/>
-    <p:sldId id="304" r:id="rId16"/>
-    <p:sldId id="292" r:id="rId17"/>
+    <p:sldId id="305" r:id="rId10"/>
+    <p:sldId id="303" r:id="rId11"/>
+    <p:sldId id="273" r:id="rId12"/>
+    <p:sldId id="291" r:id="rId13"/>
+    <p:sldId id="290" r:id="rId14"/>
+    <p:sldId id="261" r:id="rId15"/>
+    <p:sldId id="262" r:id="rId16"/>
+    <p:sldId id="304" r:id="rId17"/>
+    <p:sldId id="292" r:id="rId18"/>
   </p:sldIdLst>
   <p:sldSz cx="12192000" cy="6858000"/>
   <p:notesSz cx="6858000" cy="9144000"/>
@@ -118,7 +119,7 @@
   </p:defaultTextStyle>
   <p:extLst>
     <p:ext uri="{EFAFB233-063F-42B5-8137-9DF3F51BA10A}">
-      <p15:sldGuideLst xmlns:p15="http://schemas.microsoft.com/office/powerpoint/2012/main" xmlns="">
+      <p15:sldGuideLst xmlns="" xmlns:p15="http://schemas.microsoft.com/office/powerpoint/2012/main">
         <p15:guide id="1" orient="horz" pos="2160">
           <p15:clr>
             <a:srgbClr val="A4A3A4"/>
@@ -355,7 +356,7 @@
           <p:cNvPr id="8" name="Date Placeholder 7">
             <a:extLst>
               <a:ext uri="{FF2B5EF4-FFF2-40B4-BE49-F238E27FC236}">
-                <a16:creationId xmlns:a16="http://schemas.microsoft.com/office/drawing/2014/main" xmlns="" id="{7FA0ACE7-29A8-47D3-A7D9-257B711D8023}"/>
+                <a16:creationId xmlns="" xmlns:a16="http://schemas.microsoft.com/office/drawing/2014/main" id="{7FA0ACE7-29A8-47D3-A7D9-257B711D8023}"/>
               </a:ext>
             </a:extLst>
           </p:cNvPr>
@@ -385,7 +386,7 @@
           <p:cNvPr id="9" name="Footer Placeholder 8">
             <a:extLst>
               <a:ext uri="{FF2B5EF4-FFF2-40B4-BE49-F238E27FC236}">
-                <a16:creationId xmlns:a16="http://schemas.microsoft.com/office/drawing/2014/main" xmlns="" id="{DEC604B9-52E9-4810-8359-47206518D038}"/>
+                <a16:creationId xmlns="" xmlns:a16="http://schemas.microsoft.com/office/drawing/2014/main" id="{DEC604B9-52E9-4810-8359-47206518D038}"/>
               </a:ext>
             </a:extLst>
           </p:cNvPr>
@@ -410,7 +411,7 @@
           <p:cNvPr id="10" name="Slide Number Placeholder 9">
             <a:extLst>
               <a:ext uri="{FF2B5EF4-FFF2-40B4-BE49-F238E27FC236}">
-                <a16:creationId xmlns:a16="http://schemas.microsoft.com/office/drawing/2014/main" xmlns="" id="{5898A89F-CA25-400F-B05A-AECBF2517E4F}"/>
+                <a16:creationId xmlns="" xmlns:a16="http://schemas.microsoft.com/office/drawing/2014/main" id="{5898A89F-CA25-400F-B05A-AECBF2517E4F}"/>
               </a:ext>
             </a:extLst>
           </p:cNvPr>
@@ -438,7 +439,7 @@
     </p:spTree>
     <p:extLst>
       <p:ext uri="{BB962C8B-B14F-4D97-AF65-F5344CB8AC3E}">
-        <p14:creationId xmlns:p14="http://schemas.microsoft.com/office/powerpoint/2010/main" xmlns="" val="490017585"/>
+        <p14:creationId xmlns="" xmlns:p14="http://schemas.microsoft.com/office/powerpoint/2010/main" val="490017585"/>
       </p:ext>
     </p:extLst>
   </p:cSld>
@@ -631,7 +632,7 @@
     </p:spTree>
     <p:extLst>
       <p:ext uri="{BB962C8B-B14F-4D97-AF65-F5344CB8AC3E}">
-        <p14:creationId xmlns:p14="http://schemas.microsoft.com/office/powerpoint/2010/main" xmlns="" val="1283591147"/>
+        <p14:creationId xmlns="" xmlns:p14="http://schemas.microsoft.com/office/powerpoint/2010/main" val="1283591147"/>
       </p:ext>
     </p:extLst>
   </p:cSld>
@@ -795,7 +796,7 @@
           <p:cNvPr id="8" name="Rectangle 7">
             <a:extLst>
               <a:ext uri="{FF2B5EF4-FFF2-40B4-BE49-F238E27FC236}">
-                <a16:creationId xmlns:a16="http://schemas.microsoft.com/office/drawing/2014/main" xmlns="" id="{F6423B97-A5D4-47B9-8861-73B3707A04CF}"/>
+                <a16:creationId xmlns="" xmlns:a16="http://schemas.microsoft.com/office/drawing/2014/main" id="{F6423B97-A5D4-47B9-8861-73B3707A04CF}"/>
               </a:ext>
             </a:extLst>
           </p:cNvPr>
@@ -838,7 +839,7 @@
           <p:cNvPr id="9" name="Rectangle 8">
             <a:extLst>
               <a:ext uri="{FF2B5EF4-FFF2-40B4-BE49-F238E27FC236}">
-                <a16:creationId xmlns:a16="http://schemas.microsoft.com/office/drawing/2014/main" xmlns="" id="{1AEC0421-37B4-4481-A10D-69FDF5EC7909}"/>
+                <a16:creationId xmlns="" xmlns:a16="http://schemas.microsoft.com/office/drawing/2014/main" id="{1AEC0421-37B4-4481-A10D-69FDF5EC7909}"/>
               </a:ext>
             </a:extLst>
           </p:cNvPr>
@@ -881,7 +882,7 @@
           <p:cNvPr id="10" name="Rectangle 9">
             <a:extLst>
               <a:ext uri="{FF2B5EF4-FFF2-40B4-BE49-F238E27FC236}">
-                <a16:creationId xmlns:a16="http://schemas.microsoft.com/office/drawing/2014/main" xmlns="" id="{5F7265B5-9F97-4F1E-99E9-74F7B7E62337}"/>
+                <a16:creationId xmlns="" xmlns:a16="http://schemas.microsoft.com/office/drawing/2014/main" id="{5F7265B5-9F97-4F1E-99E9-74F7B7E62337}"/>
               </a:ext>
             </a:extLst>
           </p:cNvPr>
@@ -924,7 +925,7 @@
           <p:cNvPr id="11" name="Date Placeholder 10">
             <a:extLst>
               <a:ext uri="{FF2B5EF4-FFF2-40B4-BE49-F238E27FC236}">
-                <a16:creationId xmlns:a16="http://schemas.microsoft.com/office/drawing/2014/main" xmlns="" id="{5C74A470-3BD3-4F33-80E5-67E6E87FCBE7}"/>
+                <a16:creationId xmlns="" xmlns:a16="http://schemas.microsoft.com/office/drawing/2014/main" id="{5C74A470-3BD3-4F33-80E5-67E6E87FCBE7}"/>
               </a:ext>
             </a:extLst>
           </p:cNvPr>
@@ -954,7 +955,7 @@
           <p:cNvPr id="12" name="Footer Placeholder 11">
             <a:extLst>
               <a:ext uri="{FF2B5EF4-FFF2-40B4-BE49-F238E27FC236}">
-                <a16:creationId xmlns:a16="http://schemas.microsoft.com/office/drawing/2014/main" xmlns="" id="{9A3A30BA-DB50-4D7D-BCDE-17D20FB354DF}"/>
+                <a16:creationId xmlns="" xmlns:a16="http://schemas.microsoft.com/office/drawing/2014/main" id="{9A3A30BA-DB50-4D7D-BCDE-17D20FB354DF}"/>
               </a:ext>
             </a:extLst>
           </p:cNvPr>
@@ -979,7 +980,7 @@
           <p:cNvPr id="13" name="Slide Number Placeholder 12">
             <a:extLst>
               <a:ext uri="{FF2B5EF4-FFF2-40B4-BE49-F238E27FC236}">
-                <a16:creationId xmlns:a16="http://schemas.microsoft.com/office/drawing/2014/main" xmlns="" id="{76FF9E58-C0B2-436B-A21C-DB45A00D6515}"/>
+                <a16:creationId xmlns="" xmlns:a16="http://schemas.microsoft.com/office/drawing/2014/main" id="{76FF9E58-C0B2-436B-A21C-DB45A00D6515}"/>
               </a:ext>
             </a:extLst>
           </p:cNvPr>
@@ -1007,7 +1008,7 @@
     </p:spTree>
     <p:extLst>
       <p:ext uri="{BB962C8B-B14F-4D97-AF65-F5344CB8AC3E}">
-        <p14:creationId xmlns:p14="http://schemas.microsoft.com/office/powerpoint/2010/main" xmlns="" val="3388849626"/>
+        <p14:creationId xmlns="" xmlns:p14="http://schemas.microsoft.com/office/powerpoint/2010/main" val="3388849626"/>
       </p:ext>
     </p:extLst>
   </p:cSld>
@@ -1124,7 +1125,7 @@
           <p:cNvPr id="8" name="Date Placeholder 7">
             <a:extLst>
               <a:ext uri="{FF2B5EF4-FFF2-40B4-BE49-F238E27FC236}">
-                <a16:creationId xmlns:a16="http://schemas.microsoft.com/office/drawing/2014/main" xmlns="" id="{770E6237-3456-439F-802D-3BA93FC7E3E5}"/>
+                <a16:creationId xmlns="" xmlns:a16="http://schemas.microsoft.com/office/drawing/2014/main" id="{770E6237-3456-439F-802D-3BA93FC7E3E5}"/>
               </a:ext>
             </a:extLst>
           </p:cNvPr>
@@ -1154,7 +1155,7 @@
           <p:cNvPr id="9" name="Footer Placeholder 8">
             <a:extLst>
               <a:ext uri="{FF2B5EF4-FFF2-40B4-BE49-F238E27FC236}">
-                <a16:creationId xmlns:a16="http://schemas.microsoft.com/office/drawing/2014/main" xmlns="" id="{1356D3B5-6063-4A89-B88F-9D3043916FF8}"/>
+                <a16:creationId xmlns="" xmlns:a16="http://schemas.microsoft.com/office/drawing/2014/main" id="{1356D3B5-6063-4A89-B88F-9D3043916FF8}"/>
               </a:ext>
             </a:extLst>
           </p:cNvPr>
@@ -1179,7 +1180,7 @@
           <p:cNvPr id="10" name="Slide Number Placeholder 9">
             <a:extLst>
               <a:ext uri="{FF2B5EF4-FFF2-40B4-BE49-F238E27FC236}">
-                <a16:creationId xmlns:a16="http://schemas.microsoft.com/office/drawing/2014/main" xmlns="" id="{02B78BF7-69D3-4CE0-A631-50EFD41EEEB8}"/>
+                <a16:creationId xmlns="" xmlns:a16="http://schemas.microsoft.com/office/drawing/2014/main" id="{02B78BF7-69D3-4CE0-A631-50EFD41EEEB8}"/>
               </a:ext>
             </a:extLst>
           </p:cNvPr>
@@ -1207,7 +1208,7 @@
     </p:spTree>
     <p:extLst>
       <p:ext uri="{BB962C8B-B14F-4D97-AF65-F5344CB8AC3E}">
-        <p14:creationId xmlns:p14="http://schemas.microsoft.com/office/powerpoint/2010/main" xmlns="" val="852443411"/>
+        <p14:creationId xmlns="" xmlns:p14="http://schemas.microsoft.com/office/powerpoint/2010/main" val="852443411"/>
       </p:ext>
     </p:extLst>
   </p:cSld>
@@ -1438,7 +1439,7 @@
           <p:cNvPr id="7" name="Date Placeholder 6">
             <a:extLst>
               <a:ext uri="{FF2B5EF4-FFF2-40B4-BE49-F238E27FC236}">
-                <a16:creationId xmlns:a16="http://schemas.microsoft.com/office/drawing/2014/main" xmlns="" id="{61582016-5696-4A93-887F-BBB3B9002FE5}"/>
+                <a16:creationId xmlns="" xmlns:a16="http://schemas.microsoft.com/office/drawing/2014/main" id="{61582016-5696-4A93-887F-BBB3B9002FE5}"/>
               </a:ext>
             </a:extLst>
           </p:cNvPr>
@@ -1468,7 +1469,7 @@
           <p:cNvPr id="9" name="Footer Placeholder 8">
             <a:extLst>
               <a:ext uri="{FF2B5EF4-FFF2-40B4-BE49-F238E27FC236}">
-                <a16:creationId xmlns:a16="http://schemas.microsoft.com/office/drawing/2014/main" xmlns="" id="{857CFCD5-1192-4E18-8A8F-29E153B44DA4}"/>
+                <a16:creationId xmlns="" xmlns:a16="http://schemas.microsoft.com/office/drawing/2014/main" id="{857CFCD5-1192-4E18-8A8F-29E153B44DA4}"/>
               </a:ext>
             </a:extLst>
           </p:cNvPr>
@@ -1493,7 +1494,7 @@
           <p:cNvPr id="10" name="Slide Number Placeholder 9">
             <a:extLst>
               <a:ext uri="{FF2B5EF4-FFF2-40B4-BE49-F238E27FC236}">
-                <a16:creationId xmlns:a16="http://schemas.microsoft.com/office/drawing/2014/main" xmlns="" id="{E39A109E-5018-4794-92B3-FD5E5BCD95E8}"/>
+                <a16:creationId xmlns="" xmlns:a16="http://schemas.microsoft.com/office/drawing/2014/main" id="{E39A109E-5018-4794-92B3-FD5E5BCD95E8}"/>
               </a:ext>
             </a:extLst>
           </p:cNvPr>
@@ -1521,7 +1522,7 @@
     </p:spTree>
     <p:extLst>
       <p:ext uri="{BB962C8B-B14F-4D97-AF65-F5344CB8AC3E}">
-        <p14:creationId xmlns:p14="http://schemas.microsoft.com/office/powerpoint/2010/main" xmlns="" val="366680978"/>
+        <p14:creationId xmlns="" xmlns:p14="http://schemas.microsoft.com/office/powerpoint/2010/main" val="366680978"/>
       </p:ext>
     </p:extLst>
   </p:cSld>
@@ -1764,7 +1765,7 @@
     </p:spTree>
     <p:extLst>
       <p:ext uri="{BB962C8B-B14F-4D97-AF65-F5344CB8AC3E}">
-        <p14:creationId xmlns:p14="http://schemas.microsoft.com/office/powerpoint/2010/main" xmlns="" val="2483323219"/>
+        <p14:creationId xmlns="" xmlns:p14="http://schemas.microsoft.com/office/powerpoint/2010/main" val="2483323219"/>
       </p:ext>
     </p:extLst>
   </p:cSld>
@@ -2188,7 +2189,7 @@
     </p:spTree>
     <p:extLst>
       <p:ext uri="{BB962C8B-B14F-4D97-AF65-F5344CB8AC3E}">
-        <p14:creationId xmlns:p14="http://schemas.microsoft.com/office/powerpoint/2010/main" xmlns="" val="1748046589"/>
+        <p14:creationId xmlns="" xmlns:p14="http://schemas.microsoft.com/office/powerpoint/2010/main" val="1748046589"/>
       </p:ext>
     </p:extLst>
   </p:cSld>
@@ -2313,7 +2314,7 @@
     </p:spTree>
     <p:extLst>
       <p:ext uri="{BB962C8B-B14F-4D97-AF65-F5344CB8AC3E}">
-        <p14:creationId xmlns:p14="http://schemas.microsoft.com/office/powerpoint/2010/main" xmlns="" val="112936382"/>
+        <p14:creationId xmlns="" xmlns:p14="http://schemas.microsoft.com/office/powerpoint/2010/main" val="112936382"/>
       </p:ext>
     </p:extLst>
   </p:cSld>
@@ -2410,7 +2411,7 @@
     </p:spTree>
     <p:extLst>
       <p:ext uri="{BB962C8B-B14F-4D97-AF65-F5344CB8AC3E}">
-        <p14:creationId xmlns:p14="http://schemas.microsoft.com/office/powerpoint/2010/main" xmlns="" val="1129494974"/>
+        <p14:creationId xmlns="" xmlns:p14="http://schemas.microsoft.com/office/powerpoint/2010/main" val="1129494974"/>
       </p:ext>
     </p:extLst>
   </p:cSld>
@@ -2713,7 +2714,7 @@
           <p:cNvPr id="8" name="Date Placeholder 7">
             <a:extLst>
               <a:ext uri="{FF2B5EF4-FFF2-40B4-BE49-F238E27FC236}">
-                <a16:creationId xmlns:a16="http://schemas.microsoft.com/office/drawing/2014/main" xmlns="" id="{0B919CC2-2A65-446F-B538-9E6249035445}"/>
+                <a16:creationId xmlns="" xmlns:a16="http://schemas.microsoft.com/office/drawing/2014/main" id="{0B919CC2-2A65-446F-B538-9E6249035445}"/>
               </a:ext>
             </a:extLst>
           </p:cNvPr>
@@ -2748,7 +2749,7 @@
           <p:cNvPr id="10" name="Footer Placeholder 9">
             <a:extLst>
               <a:ext uri="{FF2B5EF4-FFF2-40B4-BE49-F238E27FC236}">
-                <a16:creationId xmlns:a16="http://schemas.microsoft.com/office/drawing/2014/main" xmlns="" id="{B72412AE-119E-4982-8B24-63365EFCA796}"/>
+                <a16:creationId xmlns="" xmlns:a16="http://schemas.microsoft.com/office/drawing/2014/main" id="{B72412AE-119E-4982-8B24-63365EFCA796}"/>
               </a:ext>
             </a:extLst>
           </p:cNvPr>
@@ -2778,7 +2779,7 @@
           <p:cNvPr id="11" name="Slide Number Placeholder 10">
             <a:extLst>
               <a:ext uri="{FF2B5EF4-FFF2-40B4-BE49-F238E27FC236}">
-                <a16:creationId xmlns:a16="http://schemas.microsoft.com/office/drawing/2014/main" xmlns="" id="{7FC4BB19-6AD1-45CF-9F99-00B109890FAB}"/>
+                <a16:creationId xmlns="" xmlns:a16="http://schemas.microsoft.com/office/drawing/2014/main" id="{7FC4BB19-6AD1-45CF-9F99-00B109890FAB}"/>
               </a:ext>
             </a:extLst>
           </p:cNvPr>
@@ -2811,7 +2812,7 @@
     </p:spTree>
     <p:extLst>
       <p:ext uri="{BB962C8B-B14F-4D97-AF65-F5344CB8AC3E}">
-        <p14:creationId xmlns:p14="http://schemas.microsoft.com/office/powerpoint/2010/main" xmlns="" val="1261766693"/>
+        <p14:creationId xmlns="" xmlns:p14="http://schemas.microsoft.com/office/powerpoint/2010/main" val="1261766693"/>
       </p:ext>
     </p:extLst>
   </p:cSld>
@@ -3084,7 +3085,7 @@
     </p:spTree>
     <p:extLst>
       <p:ext uri="{BB962C8B-B14F-4D97-AF65-F5344CB8AC3E}">
-        <p14:creationId xmlns:p14="http://schemas.microsoft.com/office/powerpoint/2010/main" xmlns="" val="3573289553"/>
+        <p14:creationId xmlns="" xmlns:p14="http://schemas.microsoft.com/office/powerpoint/2010/main" val="3573289553"/>
       </p:ext>
     </p:extLst>
   </p:cSld>
@@ -3449,7 +3450,7 @@
     </p:spTree>
     <p:extLst>
       <p:ext uri="{BB962C8B-B14F-4D97-AF65-F5344CB8AC3E}">
-        <p14:creationId xmlns:p14="http://schemas.microsoft.com/office/powerpoint/2010/main" xmlns="" val="3000897896"/>
+        <p14:creationId xmlns="" xmlns:p14="http://schemas.microsoft.com/office/powerpoint/2010/main" val="3000897896"/>
       </p:ext>
     </p:extLst>
   </p:cSld>
@@ -3894,10 +3895,10 @@
           <p:cNvPr id="18" name="Rectangle 17">
             <a:extLst>
               <a:ext uri="{FF2B5EF4-FFF2-40B4-BE49-F238E27FC236}">
-                <a16:creationId xmlns:a16="http://schemas.microsoft.com/office/drawing/2014/main" xmlns="" id="{D6D7A0BC-0046-4CAA-8E7F-DCAFE511EA0E}"/>
+                <a16:creationId xmlns="" xmlns:a16="http://schemas.microsoft.com/office/drawing/2014/main" id="{D6D7A0BC-0046-4CAA-8E7F-DCAFE511EA0E}"/>
               </a:ext>
               <a:ext uri="{C183D7F6-B498-43B3-948B-1728B52AA6E4}">
-                <adec:decorative xmlns:adec="http://schemas.microsoft.com/office/drawing/2017/decorative" xmlns="" val="1"/>
+                <adec:decorative xmlns="" xmlns:adec="http://schemas.microsoft.com/office/drawing/2017/decorative" val="1"/>
               </a:ext>
             </a:extLst>
           </p:cNvPr>
@@ -3907,7 +3908,7 @@
           <p:nvPr>
             <p:extLst>
               <p:ext uri="{386F3935-93C4-4BCD-93E2-E3B085C9AB24}">
-                <p16:designElem xmlns:p16="http://schemas.microsoft.com/office/powerpoint/2015/main" xmlns="" val="1"/>
+                <p16:designElem xmlns="" xmlns:p16="http://schemas.microsoft.com/office/powerpoint/2015/main" val="1"/>
               </p:ext>
             </p:extLst>
           </p:nvPr>
@@ -3954,7 +3955,7 @@
           <p:cNvPr id="2" name="Title 1">
             <a:extLst>
               <a:ext uri="{FF2B5EF4-FFF2-40B4-BE49-F238E27FC236}">
-                <a16:creationId xmlns:a16="http://schemas.microsoft.com/office/drawing/2014/main" xmlns="" id="{1C21E816-31F5-48BB-BD02-D15F2F18B48A}"/>
+                <a16:creationId xmlns="" xmlns:a16="http://schemas.microsoft.com/office/drawing/2014/main" id="{1C21E816-31F5-48BB-BD02-D15F2F18B48A}"/>
               </a:ext>
             </a:extLst>
           </p:cNvPr>
@@ -4002,7 +4003,7 @@
           <p:cNvPr id="3" name="Subtitle 2">
             <a:extLst>
               <a:ext uri="{FF2B5EF4-FFF2-40B4-BE49-F238E27FC236}">
-                <a16:creationId xmlns:a16="http://schemas.microsoft.com/office/drawing/2014/main" xmlns="" id="{835D6E6B-3353-491C-A3C6-F278D6CED8B3}"/>
+                <a16:creationId xmlns="" xmlns:a16="http://schemas.microsoft.com/office/drawing/2014/main" id="{835D6E6B-3353-491C-A3C6-F278D6CED8B3}"/>
               </a:ext>
             </a:extLst>
           </p:cNvPr>
@@ -4045,10 +4046,10 @@
           <p:cNvPr id="20" name="Rectangle 19">
             <a:extLst>
               <a:ext uri="{FF2B5EF4-FFF2-40B4-BE49-F238E27FC236}">
-                <a16:creationId xmlns:a16="http://schemas.microsoft.com/office/drawing/2014/main" xmlns="" id="{E7C6334F-6411-41EC-AD7D-179EDD8B58CB}"/>
+                <a16:creationId xmlns="" xmlns:a16="http://schemas.microsoft.com/office/drawing/2014/main" id="{E7C6334F-6411-41EC-AD7D-179EDD8B58CB}"/>
               </a:ext>
               <a:ext uri="{C183D7F6-B498-43B3-948B-1728B52AA6E4}">
-                <adec:decorative xmlns:adec="http://schemas.microsoft.com/office/drawing/2017/decorative" xmlns="" val="1"/>
+                <adec:decorative xmlns="" xmlns:adec="http://schemas.microsoft.com/office/drawing/2017/decorative" val="1"/>
               </a:ext>
             </a:extLst>
           </p:cNvPr>
@@ -4058,7 +4059,7 @@
           <p:nvPr>
             <p:extLst>
               <p:ext uri="{386F3935-93C4-4BCD-93E2-E3B085C9AB24}">
-                <p16:designElem xmlns:p16="http://schemas.microsoft.com/office/powerpoint/2015/main" xmlns="" val="1"/>
+                <p16:designElem xmlns="" xmlns:p16="http://schemas.microsoft.com/office/powerpoint/2015/main" val="1"/>
               </p:ext>
             </p:extLst>
           </p:nvPr>
@@ -4099,10 +4100,10 @@
           <p:cNvPr id="22" name="Rectangle 21">
             <a:extLst>
               <a:ext uri="{FF2B5EF4-FFF2-40B4-BE49-F238E27FC236}">
-                <a16:creationId xmlns:a16="http://schemas.microsoft.com/office/drawing/2014/main" xmlns="" id="{E6B02CEE-3AF8-4349-9B3E-8970E6DF62B3}"/>
+                <a16:creationId xmlns="" xmlns:a16="http://schemas.microsoft.com/office/drawing/2014/main" id="{E6B02CEE-3AF8-4349-9B3E-8970E6DF62B3}"/>
               </a:ext>
               <a:ext uri="{C183D7F6-B498-43B3-948B-1728B52AA6E4}">
-                <adec:decorative xmlns:adec="http://schemas.microsoft.com/office/drawing/2017/decorative" xmlns="" val="1"/>
+                <adec:decorative xmlns="" xmlns:adec="http://schemas.microsoft.com/office/drawing/2017/decorative" val="1"/>
               </a:ext>
             </a:extLst>
           </p:cNvPr>
@@ -4112,7 +4113,7 @@
           <p:nvPr>
             <p:extLst>
               <p:ext uri="{386F3935-93C4-4BCD-93E2-E3B085C9AB24}">
-                <p16:designElem xmlns:p16="http://schemas.microsoft.com/office/powerpoint/2015/main" xmlns="" val="1"/>
+                <p16:designElem xmlns="" xmlns:p16="http://schemas.microsoft.com/office/powerpoint/2015/main" val="1"/>
               </p:ext>
             </p:extLst>
           </p:nvPr>
@@ -4153,10 +4154,10 @@
           <p:cNvPr id="24" name="Rectangle 23">
             <a:extLst>
               <a:ext uri="{FF2B5EF4-FFF2-40B4-BE49-F238E27FC236}">
-                <a16:creationId xmlns:a16="http://schemas.microsoft.com/office/drawing/2014/main" xmlns="" id="{AAA01CF0-3FB5-44EB-B7DE-F2E86374C2FB}"/>
+                <a16:creationId xmlns="" xmlns:a16="http://schemas.microsoft.com/office/drawing/2014/main" id="{AAA01CF0-3FB5-44EB-B7DE-F2E86374C2FB}"/>
               </a:ext>
               <a:ext uri="{C183D7F6-B498-43B3-948B-1728B52AA6E4}">
-                <adec:decorative xmlns:adec="http://schemas.microsoft.com/office/drawing/2017/decorative" xmlns="" val="1"/>
+                <adec:decorative xmlns="" xmlns:adec="http://schemas.microsoft.com/office/drawing/2017/decorative" val="1"/>
               </a:ext>
             </a:extLst>
           </p:cNvPr>
@@ -4166,7 +4167,7 @@
           <p:nvPr>
             <p:extLst>
               <p:ext uri="{386F3935-93C4-4BCD-93E2-E3B085C9AB24}">
-                <p16:designElem xmlns:p16="http://schemas.microsoft.com/office/powerpoint/2015/main" xmlns="" val="1"/>
+                <p16:designElem xmlns="" xmlns:p16="http://schemas.microsoft.com/office/powerpoint/2015/main" val="1"/>
               </p:ext>
             </p:extLst>
           </p:nvPr>
@@ -4207,7 +4208,7 @@
           <p:cNvPr id="6" name="Picture 5">
             <a:extLst>
               <a:ext uri="{FF2B5EF4-FFF2-40B4-BE49-F238E27FC236}">
-                <a16:creationId xmlns:a16="http://schemas.microsoft.com/office/drawing/2014/main" xmlns="" id="{F1A8C364-94D4-4630-BAD0-78722F347055}"/>
+                <a16:creationId xmlns="" xmlns:a16="http://schemas.microsoft.com/office/drawing/2014/main" id="{F1A8C364-94D4-4630-BAD0-78722F347055}"/>
               </a:ext>
             </a:extLst>
           </p:cNvPr>
@@ -4236,7 +4237,7 @@
           <p:cNvPr id="5" name="Picture 4">
             <a:extLst>
               <a:ext uri="{FF2B5EF4-FFF2-40B4-BE49-F238E27FC236}">
-                <a16:creationId xmlns:a16="http://schemas.microsoft.com/office/drawing/2014/main" xmlns="" id="{2DF2DA5F-92AD-4BB3-A745-CA1ECB503B1F}"/>
+                <a16:creationId xmlns="" xmlns:a16="http://schemas.microsoft.com/office/drawing/2014/main" id="{2DF2DA5F-92AD-4BB3-A745-CA1ECB503B1F}"/>
               </a:ext>
             </a:extLst>
           </p:cNvPr>
@@ -4264,7 +4265,7 @@
     </p:spTree>
     <p:extLst>
       <p:ext uri="{BB962C8B-B14F-4D97-AF65-F5344CB8AC3E}">
-        <p14:creationId xmlns:p14="http://schemas.microsoft.com/office/powerpoint/2010/main" xmlns="" val="2475805559"/>
+        <p14:creationId xmlns="" xmlns:p14="http://schemas.microsoft.com/office/powerpoint/2010/main" val="2475805559"/>
       </p:ext>
     </p:extLst>
   </p:cSld>
@@ -4296,7 +4297,7 @@
           <p:cNvPr id="2" name="Title 1">
             <a:extLst>
               <a:ext uri="{FF2B5EF4-FFF2-40B4-BE49-F238E27FC236}">
-                <a16:creationId xmlns:a16="http://schemas.microsoft.com/office/drawing/2014/main" xmlns="" id="{DBC6775C-1BF0-434F-A429-28C52C8BEFD7}"/>
+                <a16:creationId xmlns="" xmlns:a16="http://schemas.microsoft.com/office/drawing/2014/main" id="{B332D024-7CF7-40A7-8F6F-984DC362FDF1}"/>
               </a:ext>
             </a:extLst>
           </p:cNvPr>
@@ -4307,54 +4308,207 @@
             <p:ph type="title"/>
           </p:nvPr>
         </p:nvSpPr>
-        <p:spPr>
-          <a:xfrm>
-            <a:off x="3224813" y="2341486"/>
-            <a:ext cx="5742373" cy="2175028"/>
-          </a:xfrm>
-        </p:spPr>
-        <p:txBody>
-          <a:bodyPr>
-            <a:noAutofit/>
-          </a:bodyPr>
-          <a:lstStyle/>
-          <a:p>
-            <a:pPr algn="ctr"/>
-            <a:r>
-              <a:rPr lang="en-US" sz="4400" dirty="0">
+        <p:spPr/>
+        <p:txBody>
+          <a:bodyPr/>
+          <a:lstStyle/>
+          <a:p>
+            <a:r>
+              <a:rPr lang="en-US" dirty="0"/>
+              <a:t>Why EOSIO?</a:t>
+            </a:r>
+          </a:p>
+        </p:txBody>
+      </p:sp>
+      <p:sp>
+        <p:nvSpPr>
+          <p:cNvPr id="3" name="Content Placeholder 2">
+            <a:extLst>
+              <a:ext uri="{FF2B5EF4-FFF2-40B4-BE49-F238E27FC236}">
+                <a16:creationId xmlns="" xmlns:a16="http://schemas.microsoft.com/office/drawing/2014/main" id="{1361F634-45EC-4A65-94AE-CFEB178B8661}"/>
+              </a:ext>
+            </a:extLst>
+          </p:cNvPr>
+          <p:cNvSpPr>
+            <a:spLocks noGrp="1"/>
+          </p:cNvSpPr>
+          <p:nvPr>
+            <p:ph idx="1"/>
+          </p:nvPr>
+        </p:nvSpPr>
+        <p:spPr>
+          <a:xfrm>
+            <a:off x="581193" y="2197682"/>
+            <a:ext cx="5514807" cy="3634486"/>
+          </a:xfrm>
+        </p:spPr>
+        <p:txBody>
+          <a:bodyPr/>
+          <a:lstStyle/>
+          <a:p>
+            <a:r>
+              <a:rPr lang="en-US" b="0" i="0" dirty="0" smtClean="0">
                 <a:solidFill>
-                  <a:schemeClr val="tx1">
-                    <a:lumMod val="50000"/>
-                    <a:lumOff val="50000"/>
-                  </a:schemeClr>
+                  <a:srgbClr val="24292E"/>
                 </a:solidFill>
+                <a:effectLst/>
+                <a:latin typeface="-apple-system"/>
               </a:rPr>
-              <a:t>Block Explorer</a:t>
-            </a:r>
-            <a:r>
-              <a:rPr lang="en-US" sz="3200" dirty="0"/>
-              <a:t/>
-            </a:r>
-            <a:br>
-              <a:rPr lang="en-US" sz="3200" dirty="0"/>
-            </a:br>
-            <a:endParaRPr lang="en-US" sz="4400" dirty="0">
+              <a:t>The protocol can </a:t>
+            </a:r>
+            <a:r>
+              <a:rPr lang="en-US" b="0" i="0" dirty="0" smtClean="0">
+                <a:solidFill>
+                  <a:srgbClr val="24292E"/>
+                </a:solidFill>
+                <a:effectLst/>
+                <a:latin typeface="-apple-system"/>
+              </a:rPr>
+              <a:t>be used as </a:t>
+            </a:r>
+            <a:r>
+              <a:rPr lang="en-US" b="0" i="0" dirty="0" smtClean="0">
+                <a:solidFill>
+                  <a:srgbClr val="24292E"/>
+                </a:solidFill>
+                <a:effectLst/>
+                <a:latin typeface="-apple-system"/>
+              </a:rPr>
+              <a:t>either of the 4 </a:t>
+            </a:r>
+            <a:r>
+              <a:rPr lang="en-US" b="0" i="0" dirty="0" smtClean="0">
+                <a:solidFill>
+                  <a:srgbClr val="24292E"/>
+                </a:solidFill>
+                <a:effectLst/>
+                <a:latin typeface="-apple-system"/>
+              </a:rPr>
+              <a:t>different types of </a:t>
+            </a:r>
+            <a:r>
+              <a:rPr lang="en-US" b="0" i="0" dirty="0" err="1" smtClean="0">
+                <a:solidFill>
+                  <a:srgbClr val="24292E"/>
+                </a:solidFill>
+                <a:effectLst/>
+                <a:latin typeface="-apple-system"/>
+              </a:rPr>
+              <a:t>Blockchain</a:t>
+            </a:r>
+            <a:r>
+              <a:rPr lang="en-US" dirty="0" smtClean="0">
+                <a:solidFill>
+                  <a:srgbClr val="24292E"/>
+                </a:solidFill>
+                <a:latin typeface="-apple-system"/>
+              </a:rPr>
+              <a:t>  </a:t>
+            </a:r>
+            <a:r>
+              <a:rPr lang="en-US" dirty="0" smtClean="0">
+                <a:solidFill>
+                  <a:srgbClr val="24292E"/>
+                </a:solidFill>
+                <a:latin typeface="-apple-system"/>
+              </a:rPr>
+              <a:t>i.e. for any type of industry use cases, in order to power their own cloud servers.</a:t>
+            </a:r>
+          </a:p>
+          <a:p>
+            <a:r>
+              <a:rPr lang="en-IN" b="0" i="0" dirty="0" smtClean="0">
+                <a:solidFill>
+                  <a:srgbClr val="24292E"/>
+                </a:solidFill>
+                <a:effectLst/>
+                <a:latin typeface="-apple-system"/>
+              </a:rPr>
+              <a:t>Both the business models can be implemented </a:t>
+            </a:r>
+            <a:r>
+              <a:rPr lang="en-IN" b="0" i="0" dirty="0" smtClean="0">
+                <a:solidFill>
+                  <a:srgbClr val="24292E"/>
+                </a:solidFill>
+                <a:effectLst/>
+                <a:latin typeface="-apple-system"/>
+                <a:sym typeface="Wingdings" pitchFamily="2" charset="2"/>
+              </a:rPr>
+              <a:t> “</a:t>
+            </a:r>
+            <a:r>
+              <a:rPr lang="en-IN" b="1" i="0" dirty="0" smtClean="0">
+                <a:solidFill>
+                  <a:srgbClr val="24292E"/>
+                </a:solidFill>
+                <a:effectLst/>
+                <a:latin typeface="-apple-system"/>
+                <a:sym typeface="Wingdings" pitchFamily="2" charset="2"/>
+              </a:rPr>
+              <a:t>Pay as per use</a:t>
+            </a:r>
+            <a:r>
+              <a:rPr lang="en-IN" b="0" i="0" dirty="0" smtClean="0">
+                <a:solidFill>
+                  <a:srgbClr val="24292E"/>
+                </a:solidFill>
+                <a:effectLst/>
+                <a:latin typeface="-apple-system"/>
+                <a:sym typeface="Wingdings" pitchFamily="2" charset="2"/>
+              </a:rPr>
+              <a:t>” &amp; “</a:t>
+            </a:r>
+            <a:r>
+              <a:rPr lang="en-IN" b="1" i="0" dirty="0" smtClean="0">
+                <a:solidFill>
+                  <a:srgbClr val="24292E"/>
+                </a:solidFill>
+                <a:effectLst/>
+                <a:latin typeface="-apple-system"/>
+                <a:sym typeface="Wingdings" pitchFamily="2" charset="2"/>
+              </a:rPr>
+              <a:t>One time investment  by investors</a:t>
+            </a:r>
+            <a:r>
+              <a:rPr lang="en-IN" b="0" i="0" dirty="0" smtClean="0">
+                <a:solidFill>
+                  <a:srgbClr val="24292E"/>
+                </a:solidFill>
+                <a:effectLst/>
+                <a:latin typeface="-apple-system"/>
+                <a:sym typeface="Wingdings" pitchFamily="2" charset="2"/>
+              </a:rPr>
+              <a:t>”</a:t>
+            </a:r>
+            <a:endParaRPr lang="en-US" b="0" i="0" dirty="0">
               <a:solidFill>
-                <a:schemeClr val="tx1">
-                  <a:lumMod val="50000"/>
-                  <a:lumOff val="50000"/>
-                </a:schemeClr>
+                <a:srgbClr val="24292E"/>
               </a:solidFill>
+              <a:effectLst/>
+              <a:latin typeface="-apple-system"/>
             </a:endParaRPr>
+          </a:p>
+          <a:p>
+            <a:endParaRPr lang="en-US" b="0" i="0" dirty="0">
+              <a:solidFill>
+                <a:srgbClr val="24292E"/>
+              </a:solidFill>
+              <a:effectLst/>
+              <a:latin typeface="-apple-system"/>
+            </a:endParaRPr>
+          </a:p>
+          <a:p>
+            <a:endParaRPr lang="en-US" dirty="0"/>
           </a:p>
         </p:txBody>
       </p:sp>
       <p:pic>
         <p:nvPicPr>
-          <p:cNvPr id="3" name="Picture 2">
+          <p:cNvPr id="5" name="Picture 4">
             <a:extLst>
               <a:ext uri="{FF2B5EF4-FFF2-40B4-BE49-F238E27FC236}">
-                <a16:creationId xmlns:a16="http://schemas.microsoft.com/office/drawing/2014/main" xmlns="" id="{23290E1D-59B3-445E-8085-B4BA2CF51FB1}"/>
+                <a16:creationId xmlns="" xmlns:a16="http://schemas.microsoft.com/office/drawing/2014/main" id="{F537BEB0-FF60-41FD-BF15-88BEB38D8587}"/>
               </a:ext>
             </a:extLst>
           </p:cNvPr>
@@ -4382,7 +4536,7 @@
     </p:spTree>
     <p:extLst>
       <p:ext uri="{BB962C8B-B14F-4D97-AF65-F5344CB8AC3E}">
-        <p14:creationId xmlns:p14="http://schemas.microsoft.com/office/powerpoint/2010/main" xmlns="" val="3315502033"/>
+        <p14:creationId xmlns="" xmlns:p14="http://schemas.microsoft.com/office/powerpoint/2010/main" val="588069994"/>
       </p:ext>
     </p:extLst>
   </p:cSld>
@@ -4409,42 +4563,70 @@
           <a:chExt cx="0" cy="0"/>
         </a:xfrm>
       </p:grpSpPr>
-      <p:pic>
-        <p:nvPicPr>
-          <p:cNvPr id="7" name="Content Placeholder 6">
-            <a:hlinkClick r:id="rId2"/>
+      <p:sp>
+        <p:nvSpPr>
+          <p:cNvPr id="2" name="Title 1">
             <a:extLst>
               <a:ext uri="{FF2B5EF4-FFF2-40B4-BE49-F238E27FC236}">
-                <a16:creationId xmlns:a16="http://schemas.microsoft.com/office/drawing/2014/main" xmlns="" id="{63816459-461E-4B4F-81FA-AF665B4B7FBF}"/>
+                <a16:creationId xmlns="" xmlns:a16="http://schemas.microsoft.com/office/drawing/2014/main" id="{DBC6775C-1BF0-434F-A429-28C52C8BEFD7}"/>
               </a:ext>
             </a:extLst>
           </p:cNvPr>
-          <p:cNvPicPr>
-            <a:picLocks noGrp="1" noChangeAspect="1"/>
-          </p:cNvPicPr>
-          <p:nvPr>
-            <p:ph idx="1"/>
-          </p:nvPr>
-        </p:nvPicPr>
-        <p:blipFill>
-          <a:blip r:embed="rId3"/>
-          <a:stretch>
-            <a:fillRect/>
-          </a:stretch>
-        </p:blipFill>
-        <p:spPr>
-          <a:xfrm>
-            <a:off x="0" y="790936"/>
-            <a:ext cx="12192000" cy="6047849"/>
-          </a:xfrm>
-        </p:spPr>
-      </p:pic>
+          <p:cNvSpPr>
+            <a:spLocks noGrp="1"/>
+          </p:cNvSpPr>
+          <p:nvPr>
+            <p:ph type="title"/>
+          </p:nvPr>
+        </p:nvSpPr>
+        <p:spPr>
+          <a:xfrm>
+            <a:off x="3224813" y="2341486"/>
+            <a:ext cx="5742373" cy="2175028"/>
+          </a:xfrm>
+        </p:spPr>
+        <p:txBody>
+          <a:bodyPr>
+            <a:noAutofit/>
+          </a:bodyPr>
+          <a:lstStyle/>
+          <a:p>
+            <a:pPr algn="ctr"/>
+            <a:r>
+              <a:rPr lang="en-US" sz="4400" dirty="0">
+                <a:solidFill>
+                  <a:schemeClr val="tx1">
+                    <a:lumMod val="50000"/>
+                    <a:lumOff val="50000"/>
+                  </a:schemeClr>
+                </a:solidFill>
+              </a:rPr>
+              <a:t>Block Explorer</a:t>
+            </a:r>
+            <a:r>
+              <a:rPr lang="en-US" sz="3200" dirty="0"/>
+              <a:t/>
+            </a:r>
+            <a:br>
+              <a:rPr lang="en-US" sz="3200" dirty="0"/>
+            </a:br>
+            <a:endParaRPr lang="en-US" sz="4400" dirty="0">
+              <a:solidFill>
+                <a:schemeClr val="tx1">
+                  <a:lumMod val="50000"/>
+                  <a:lumOff val="50000"/>
+                </a:schemeClr>
+              </a:solidFill>
+            </a:endParaRPr>
+          </a:p>
+        </p:txBody>
+      </p:sp>
       <p:pic>
         <p:nvPicPr>
-          <p:cNvPr id="4" name="Picture 3">
+          <p:cNvPr id="3" name="Picture 2">
             <a:extLst>
               <a:ext uri="{FF2B5EF4-FFF2-40B4-BE49-F238E27FC236}">
-                <a16:creationId xmlns:a16="http://schemas.microsoft.com/office/drawing/2014/main" xmlns="" id="{448DD441-D7B1-4AAC-90BF-1D766109F833}"/>
+                <a16:creationId xmlns="" xmlns:a16="http://schemas.microsoft.com/office/drawing/2014/main" id="{23290E1D-59B3-445E-8085-B4BA2CF51FB1}"/>
               </a:ext>
             </a:extLst>
           </p:cNvPr>
@@ -4454,14 +4636,14 @@
           <p:nvPr/>
         </p:nvPicPr>
         <p:blipFill>
-          <a:blip r:embed="rId4"/>
+          <a:blip r:embed="rId2"/>
           <a:stretch>
             <a:fillRect/>
           </a:stretch>
         </p:blipFill>
         <p:spPr>
           <a:xfrm>
-            <a:off x="9663888" y="-135054"/>
+            <a:off x="9575111" y="497237"/>
             <a:ext cx="2457091" cy="793645"/>
           </a:xfrm>
           <a:prstGeom prst="rect">
@@ -4472,7 +4654,7 @@
     </p:spTree>
     <p:extLst>
       <p:ext uri="{BB962C8B-B14F-4D97-AF65-F5344CB8AC3E}">
-        <p14:creationId xmlns:p14="http://schemas.microsoft.com/office/powerpoint/2010/main" xmlns="" val="13144033"/>
+        <p14:creationId xmlns="" xmlns:p14="http://schemas.microsoft.com/office/powerpoint/2010/main" val="3315502033"/>
       </p:ext>
     </p:extLst>
   </p:cSld>
@@ -4499,63 +4681,42 @@
           <a:chExt cx="0" cy="0"/>
         </a:xfrm>
       </p:grpSpPr>
-      <p:sp>
-        <p:nvSpPr>
-          <p:cNvPr id="2" name="Title 1">
+      <p:pic>
+        <p:nvPicPr>
+          <p:cNvPr id="7" name="Content Placeholder 6">
+            <a:hlinkClick r:id="rId2"/>
             <a:extLst>
               <a:ext uri="{FF2B5EF4-FFF2-40B4-BE49-F238E27FC236}">
-                <a16:creationId xmlns:a16="http://schemas.microsoft.com/office/drawing/2014/main" xmlns="" id="{DBC6775C-1BF0-434F-A429-28C52C8BEFD7}"/>
+                <a16:creationId xmlns="" xmlns:a16="http://schemas.microsoft.com/office/drawing/2014/main" id="{63816459-461E-4B4F-81FA-AF665B4B7FBF}"/>
               </a:ext>
             </a:extLst>
           </p:cNvPr>
-          <p:cNvSpPr>
-            <a:spLocks noGrp="1"/>
-          </p:cNvSpPr>
-          <p:nvPr>
-            <p:ph type="title"/>
-          </p:nvPr>
-        </p:nvSpPr>
-        <p:spPr>
-          <a:xfrm>
-            <a:off x="3211751" y="3122022"/>
-            <a:ext cx="5742373" cy="845851"/>
-          </a:xfrm>
-        </p:spPr>
-        <p:txBody>
-          <a:bodyPr>
-            <a:noAutofit/>
-          </a:bodyPr>
-          <a:lstStyle/>
-          <a:p>
-            <a:pPr algn="ctr"/>
-            <a:r>
-              <a:rPr lang="en-US" sz="4400" dirty="0" smtClean="0">
-                <a:solidFill>
-                  <a:schemeClr val="tx1">
-                    <a:lumMod val="50000"/>
-                    <a:lumOff val="50000"/>
-                  </a:schemeClr>
-                </a:solidFill>
-              </a:rPr>
-              <a:t>Applications</a:t>
-            </a:r>
-            <a:endParaRPr lang="en-US" sz="4400" dirty="0">
-              <a:solidFill>
-                <a:schemeClr val="tx1">
-                  <a:lumMod val="50000"/>
-                  <a:lumOff val="50000"/>
-                </a:schemeClr>
-              </a:solidFill>
-            </a:endParaRPr>
-          </a:p>
-        </p:txBody>
-      </p:sp>
+          <p:cNvPicPr>
+            <a:picLocks noGrp="1" noChangeAspect="1"/>
+          </p:cNvPicPr>
+          <p:nvPr>
+            <p:ph idx="1"/>
+          </p:nvPr>
+        </p:nvPicPr>
+        <p:blipFill>
+          <a:blip r:embed="rId3"/>
+          <a:stretch>
+            <a:fillRect/>
+          </a:stretch>
+        </p:blipFill>
+        <p:spPr>
+          <a:xfrm>
+            <a:off x="0" y="790936"/>
+            <a:ext cx="12192000" cy="6047849"/>
+          </a:xfrm>
+        </p:spPr>
+      </p:pic>
       <p:pic>
         <p:nvPicPr>
-          <p:cNvPr id="3" name="Picture 2">
+          <p:cNvPr id="4" name="Picture 3">
             <a:extLst>
               <a:ext uri="{FF2B5EF4-FFF2-40B4-BE49-F238E27FC236}">
-                <a16:creationId xmlns:a16="http://schemas.microsoft.com/office/drawing/2014/main" xmlns="" id="{23290E1D-59B3-445E-8085-B4BA2CF51FB1}"/>
+                <a16:creationId xmlns="" xmlns:a16="http://schemas.microsoft.com/office/drawing/2014/main" id="{448DD441-D7B1-4AAC-90BF-1D766109F833}"/>
               </a:ext>
             </a:extLst>
           </p:cNvPr>
@@ -4565,14 +4726,14 @@
           <p:nvPr/>
         </p:nvPicPr>
         <p:blipFill>
-          <a:blip r:embed="rId2"/>
+          <a:blip r:embed="rId4"/>
           <a:stretch>
             <a:fillRect/>
           </a:stretch>
         </p:blipFill>
         <p:spPr>
           <a:xfrm>
-            <a:off x="9575111" y="497237"/>
+            <a:off x="9663888" y="-135054"/>
             <a:ext cx="2457091" cy="793645"/>
           </a:xfrm>
           <a:prstGeom prst="rect">
@@ -4583,7 +4744,7 @@
     </p:spTree>
     <p:extLst>
       <p:ext uri="{BB962C8B-B14F-4D97-AF65-F5344CB8AC3E}">
-        <p14:creationId xmlns:p14="http://schemas.microsoft.com/office/powerpoint/2010/main" xmlns="" val="3315502033"/>
+        <p14:creationId xmlns="" xmlns:p14="http://schemas.microsoft.com/office/powerpoint/2010/main" val="13144033"/>
       </p:ext>
     </p:extLst>
   </p:cSld>
@@ -4612,6 +4773,117 @@
       </p:grpSpPr>
       <p:sp>
         <p:nvSpPr>
+          <p:cNvPr id="2" name="Title 1">
+            <a:extLst>
+              <a:ext uri="{FF2B5EF4-FFF2-40B4-BE49-F238E27FC236}">
+                <a16:creationId xmlns="" xmlns:a16="http://schemas.microsoft.com/office/drawing/2014/main" id="{DBC6775C-1BF0-434F-A429-28C52C8BEFD7}"/>
+              </a:ext>
+            </a:extLst>
+          </p:cNvPr>
+          <p:cNvSpPr>
+            <a:spLocks noGrp="1"/>
+          </p:cNvSpPr>
+          <p:nvPr>
+            <p:ph type="title"/>
+          </p:nvPr>
+        </p:nvSpPr>
+        <p:spPr>
+          <a:xfrm>
+            <a:off x="3211751" y="3122022"/>
+            <a:ext cx="5742373" cy="845851"/>
+          </a:xfrm>
+        </p:spPr>
+        <p:txBody>
+          <a:bodyPr>
+            <a:noAutofit/>
+          </a:bodyPr>
+          <a:lstStyle/>
+          <a:p>
+            <a:pPr algn="ctr"/>
+            <a:r>
+              <a:rPr lang="en-US" sz="4400" dirty="0" smtClean="0">
+                <a:solidFill>
+                  <a:schemeClr val="tx1">
+                    <a:lumMod val="50000"/>
+                    <a:lumOff val="50000"/>
+                  </a:schemeClr>
+                </a:solidFill>
+              </a:rPr>
+              <a:t>Applications</a:t>
+            </a:r>
+            <a:endParaRPr lang="en-US" sz="4400" dirty="0">
+              <a:solidFill>
+                <a:schemeClr val="tx1">
+                  <a:lumMod val="50000"/>
+                  <a:lumOff val="50000"/>
+                </a:schemeClr>
+              </a:solidFill>
+            </a:endParaRPr>
+          </a:p>
+        </p:txBody>
+      </p:sp>
+      <p:pic>
+        <p:nvPicPr>
+          <p:cNvPr id="3" name="Picture 2">
+            <a:extLst>
+              <a:ext uri="{FF2B5EF4-FFF2-40B4-BE49-F238E27FC236}">
+                <a16:creationId xmlns="" xmlns:a16="http://schemas.microsoft.com/office/drawing/2014/main" id="{23290E1D-59B3-445E-8085-B4BA2CF51FB1}"/>
+              </a:ext>
+            </a:extLst>
+          </p:cNvPr>
+          <p:cNvPicPr>
+            <a:picLocks noChangeAspect="1"/>
+          </p:cNvPicPr>
+          <p:nvPr/>
+        </p:nvPicPr>
+        <p:blipFill>
+          <a:blip r:embed="rId2"/>
+          <a:stretch>
+            <a:fillRect/>
+          </a:stretch>
+        </p:blipFill>
+        <p:spPr>
+          <a:xfrm>
+            <a:off x="9575111" y="497237"/>
+            <a:ext cx="2457091" cy="793645"/>
+          </a:xfrm>
+          <a:prstGeom prst="rect">
+            <a:avLst/>
+          </a:prstGeom>
+        </p:spPr>
+      </p:pic>
+    </p:spTree>
+    <p:extLst>
+      <p:ext uri="{BB962C8B-B14F-4D97-AF65-F5344CB8AC3E}">
+        <p14:creationId xmlns="" xmlns:p14="http://schemas.microsoft.com/office/powerpoint/2010/main" val="3315502033"/>
+      </p:ext>
+    </p:extLst>
+  </p:cSld>
+  <p:clrMapOvr>
+    <a:masterClrMapping/>
+  </p:clrMapOvr>
+</p:sld>
+</file>
+
+<file path=ppt/slides/slide14.xml><?xml version="1.0" encoding="utf-8"?>
+<p:sld xmlns:a="http://schemas.openxmlformats.org/drawingml/2006/main" xmlns:r="http://schemas.openxmlformats.org/officeDocument/2006/relationships" xmlns:p="http://schemas.openxmlformats.org/presentationml/2006/main">
+  <p:cSld>
+    <p:spTree>
+      <p:nvGrpSpPr>
+        <p:cNvPr id="1" name=""/>
+        <p:cNvGrpSpPr/>
+        <p:nvPr/>
+      </p:nvGrpSpPr>
+      <p:grpSpPr>
+        <a:xfrm>
+          <a:off x="0" y="0"/>
+          <a:ext cx="0" cy="0"/>
+          <a:chOff x="0" y="0"/>
+          <a:chExt cx="0" cy="0"/>
+        </a:xfrm>
+      </p:grpSpPr>
+      <p:sp>
+        <p:nvSpPr>
           <p:cNvPr id="1026" name="AutoShape 2" descr="data:image/png;base64,iVBORw0KGgoAAAANSUhEUgAAAOEAAADhCAMAAAAJbSJIAAABHVBMVEX/vwv////o6O4aGlTR0dz/vgD/vAAAAFf/vwD/xQD/wQjn6vT/ugDn6fLp6e7/wwX/+/H/8tL/4p8VF1X/+egADVb/674AClbZ2eL/yj//xzP/xCLy8vX/5q7//fX/2oT/3pT/9dv/1XX/0Wr/57P/zl3/78zp5+b0043f3+f/0mb/zlQRFVX/yEf/2H//4Z3v3LUAAEv10X7KmCUcHFHxtRCadTbu3sHs4tGRbzjmrRcHEFU0LE6yhy0tJ0+6jSrdph89M0qgejMAAEaPj6fs4c6sgjSGZjrQnR+KajohIE95XkBIOkhxV0NZRkjqsBRkTkRbSESnqb1NTXfCwtFfX4NFOEuCgpxrU0JBQWxxcZBSQUmfn7MuMWarmYvkEbI1AAAPOElEQVR4nO2de1/ayBrHQ3QmIQSiIFBAUVCKFbBWxapooXZXvLXb7u30nO457/9lnEkCkstMMjPJIGH394efXjP5Zp65PDPPMyOlhKveKG3ld5qdSrVWq2mShn5WK53mTn6r1KiLL14S+Oy1Rml7t6LpOjQFAJCmQr+2/kzXtcrudqmxJvAtRBE29pq9mg0mBclGrfWaew1BbyKCsJHvaOFsPk6tk28IeJu4CddKh5oOgUoNN5MKoK4dluK22FgJN7ZaKsLjoHuuTKirra2NOF8qPsL6XkeNRDejVDt78XWycRGu78JY8KaQcHc9pjeLhXAtX9VhbHi2oF7Nx9IkYyBsHMZjnV4haz1sRH+9yITrLQh5ek4aqRC2IhtrRMLXldjN0y2oV16/IOHrji7CPN0CeicSYwTC9Q4UW39TQdiJYKvchGtNwfbpYtSb3P0qL+FbMD8+ixG8nSvh66o+Vz5TepWvOfIQ1ptCxr8wAdjkmctxEJbmbKAzQVCaA+HagS5qgA+Xqh8w9zishKXaS1WgLVhjrUZGwu0XaYFOAbgtkHCj+rIVaAtWmTxkFsKS+tIVaAuoLJbKQLjz4hY6FYA7AgjrnUWw0Klgh3popCXceOE+1CtYo22MlITr0qJY6FRAovQ36AhLDKu78xKgnOBQEebnP8+mkZ6Pi3BBASkRKQh3FquPcYpm1Agn3F7UGjSlh0/hQgkXGpAGMYxwZ7EBEWKYoYYQ5he3DU4FQ7qbYMKF7UWdCulRAwlLSQBEiIFDfxDh+uJNZPACQRO4AMKNhZuLkgSkgGk4mbBeSwogQqyRnSky4UL5g2GCHXbCBZ6r4USev5EIS8kCRIikDpVAuLEgi070AiqhtyEQVpMGiBCrLITbSbNRU4SlYixh4hqhLXxTxBGuJWgkdArUcNs2OMKDZFYhqsQDOsKEzLdxws3B/YR1rtDJxZAK/LM3P2EzqTZqCjbDCV8nGRAh+sIZfIQJHOud8o/7XsK3ye1mbOneuBsP4Vqya9AUWAskTHQ3Y8vb2bgJ15Nuo6b09QDCRPn1JMEWmTDhI8VUcJ1IuBRV6F20cRK+XoZWaEp/TSCsJH+osAUqeMKl6EhtObtTB2FrOVqhKWd3OiNsLA8gQmxgCA+XivDQT7imJtfx9UtV13yECdjtZdFsZ/iZMOF+oVczP3FKuERDha3nAWNKuLtcRorMdNdNWF82QIRYdxHuLSHhnouws1z9jCnQcRJuLNNYONVkQ9Em3Fo+I0VmuuUgbC2fkSIzbc0I15bRSJGZrj0TJni3KUj2TpS0dG7FTLaDYRFqy9gMUUPUpoSN5TRSZKaNCeGSOU4zWS6UxD2h0QwjbcowtLjfzFGEMSmCqwxrWmMSSsyDhZZOS6Ph7cV4PL64Hd710UvEjYmK6N8Nb8/ux+P7s+uTSwTKXISq2YSsS1CG0T95/KAoSrlcRCqjXz083l5q7G9AlJaWTsYPriKUp7ORxFqEuSAlsfoVaWn4uaAUCytOFQbWGxgG2wvgZeI9nnqLWOmWlavxiI3R9C8ktj1DQ7q5Ugaesp/f4MtQis6Y/uXsI6GIQrn4eJlmeJa5l4gIe9QdjZYenpaxZU8glYfrdCRGLd1/LJa75CKKxTHDVwQ9k5A+xkvrf1UC+KyvrFydROh0jP69UgwuYaV8ekJdjWYcmETf0RiXH8JKt+rxc5+3GtPDh3J4CQXlgroA1NVI1IGIxmglwHocKp4OWdrKszTtMcxEJlIeaRFhCRFSxpJql6d0gGwfeSaj/0RRgRPEz5QFwG1ESLuO+HFAWz56g68Sa2M0RqcsBVzQmQncRYR0+6LpR+oPbKr8gxHRuCvQmoiNeEJVi6CCCKlcJ+1OYSkfIX5jItRGbIArhVOq5yMHSqpTuU7pJ7YXQB95zNQWH5iff0v1fL0uUTqHD45ertAdlK2p4lTl4qDr7QULDwx82onPRFAhRXchaIrqmOoUH6laot6Q6AYL44P9jbtFc5795fHsdnhyNxqNLi8vRyfDm/H3jwXzJbqF51fo/mAwU2cjML8fetbp0+f7m+GdVcJodHcyvD67GH+9sgox/1n5jKoOYUmiWyo1hsoAVdzgz/H1yJxbGabLNhVy4tA8pj8aXny7KgzQNygP0E+6rmD6/O/o+ajOkDWcfvx+NjQLMdLuQgzLRzu5+VJAL1JW+lRfEG5JlA5++u7x6+1IDXIENdsj/uXu+uzx8+Md26iv3X5+HJ9ZrmY60Ns0wUdnny8u6UwE5iXaDC6N1svVbOefeTxkWC4wvyXl8+GOtATxlkGCTWkJd52cAi1paUK98AIVackiFLwCVan20u8gWLV/CBOvGrMflzQtO5+pZWfU/gbt8B/CpKv2N5jTLP+8dD6+hXVfzoscIN2ai38IQGf/6Gi/Mr1EAVBcIhSTkH84h1NaYOs8k8lmM/KRtTYLYG//6Oej456wWyOcZe/QrtNEKeQ4m5UtZdo9KMHqexnxZjO5ozmc3QDzlGttUcpoZuSpsrkO3M1Nf4+AhSPCLcr1Un6pmuxUuzWtUBO4LXysgiXaNW/+IvYzMlGZ96ItSG9Q7lvwC567od64EUVXol6n3HviFqjmXEirq6suwn2xlWjuPQnOqwS7LiN9hQhfOX6fFWym1v6h2FwSTzP0EsptsWOitQcs9kwo+D4bSCiLHTCsfXyxw4V6HkyYORZLWGKJp+ERqLg7Gh9h9kisCTWYYqI4BA4ywYTyuciGaMdEMcS1sQvmwwhzVYGIdlyb0PNMPB0NhjCzK/IDNzniS9mktkMJRU79J/GlArsaUPVMSv2E2fci69COEU5pwloCOAwllHOiCp/FeQtMPoR74YQZcT3dc6y+ODcfusd7POG+uA+cF54zo3qqMGcRuicBAsf855wZYQ4UaHm9Xwyh3BZFOMt7Epa75vfvMVYqZ0RNqhy5a6LyD+FRlobwUBChI/9QVA6pd7wnEIoa8x05pILygEHP0+LwhPK5GEJnHrCgXG7Q9C2zra56FmpMtWtCbMiVyx05H9+Mj/QXcURHmBFjQq58/IjTGkPqX476kjd6UfWO9yRC34KbZgWXRnkl75kKkfwLrX/zZ1lRBh+/XwxHjlREteprhnhC14KbGVkpXY6u7y+G0aIoPOdiRDjbRBt9UKwQ6e6gqJQ//BgPRzalf7wnEZ5rz3BgNBx/uVpRlGJZuaKMkiUQus82ibCmqF05M0EKXYS58u3mDr3vFiWhnKkgOE0aXY8/DspKcRot3j2li3TGA3rOp+E/YwgTZo8wkdU+3Z/7UEiEx6Pb8ZOCKs6dk1CmzIzByXfGEPc5UekzQjJN912Wsh3KuV/flYuYhAumeH+3/OdEcbtQ6XtCyl73t03aOsytvsM+onDV5yXEnPXFe16bcU3IF3r3k78KCYTypi8hxf5IT7x1iDuvjdvB6OPfbuXT7wyEf2Dz1pQz3naIO3OPe0HKGOLzIot+ECJh7i+cmZb/5OQjnJvIffalcbeCqYHuH5gqJBL+/glTg9+4h3z82Zf8A4bR/+Fvi+9+wnQ0JEJZ9tVht3wTw1DhJuTfK9XUe5+lYpshkTD3m2ewGDwwphU5RTqDNso5wulh2WOppz43MIhw81+uSiwoP7gTwqWAc4SjnAVteHL1u3/gjJRch786G+JgcBvlJBHyWdCRzvPW0sMHx9iPb4ZkwlezOiwoX37ht1Ap8DzvaAd6G/3vs2p8h22G5J5G/ve0IRa7t3yn0TwDBpzJHvGMT804+TBhLJxiMciEm/+x23GUIxkmCjxXP+peomHc2keDEJohmRBNvi2+H4zns/gVfDdC9Pst0v2zB1SP7/7CGmkA4WrX5ItybMhEIfdbxHBHSbp/86B8WmUklDf/q3w70aIfbxN2R0kc5wmj1xw+4Y00gDD3v8s4jigKv2cmnhsgtF1CQCKZMHsUy6IpxV1BsQQu+HZGwwnj2YKiue8plju7oG/DIpwwji0ouju7YtiJAj08RDBhDPFfdPeuxXB3HjgmGOmbAMIYAjFp786LHgfmjRPyEL7B/2U76lBIf/9h1HBFVSI1w0DCyBs09HdYRr2HFHRIwevBhBFjQljuIY047pPD8yeE+PlO9jxSHbLdJRvtPmBAaoa5QEI5F+W7st4HHKUpqhoBMIwwUsgC653OUe7lBqQpWxhhlNgh9nu5I/j7/hgTSkK5zV2HPHerp+q8oyJsEwBCCbmD+EDNP1sLJ0xtSFzl4bZ+aQk5Y0KAROhlQghT61yEELP1O1XgeGiOF5yE6wEUQYR8c3BMBAYtoZzlahm4+TYlYSpPg6iqwBK01SEDhhJm9icPgfYjqfY09a1AhmDC0J1hxAVq1V6ntds83rdFGu6p6vB88pD94+Zuq9OrSiA0I3q228tFmNoJqEUVgt7x0c/tXMapAMBQQjnrelQm1zYzokFQSrROHAgpCVPbREQo7Z9bOcsBSKyEPmIzBfx8XyOako6fbrMQkhAByMsB+a8xEdrKyPsEWw0HpCDEz99A9ZyZj5sQMZ5jZ+XkuRoTIa5HBdU2ByA/oZzBpX3rIZ0MNSEGEfDUYBRCVIs+QipAOsJUydMMAlPQA/TKIsTuDocjemI0AQgc6BkJU+vuOapKnFwH600EQk/KMJCCpmrshKmNmuML+tKZ5kLocpBhLWCyzUWYqjv8RbIHGKIoVupykGGH7C7xEpqjxvQb+rMM5kL47CADmlGCgzBVmixPqVXOZhiNUG5PEmqBStfHsBOmNqqWnZC3JcQSTnL3YZW2CbITmkvFINCLF0poLYoDwsJvXISpEupTyYtpggl3AepDWSyUhzC1dqC/YB3qB7jNl3gJzQnOyxGyViAfYar+lnOwiEiYfUs9CEYkTKU4XzFqX8r1rnMlDFsvTT4hPg94uQizRz3eOW1CCDNN6E+7XERCbjuTK6DC/X9zCSA0N7JBwKr/4hAS4vJCZa5E8K6AyPLmHAm5h4uaKqm1uQ4W8yW09weDtt8Wh5DLTLOTtSTOJQI+I+Ul5ELMToKeQIuHkBOQm5C9O81mjqcrSfA4cIcKK76ONAohay1mco5kaniQY2yLvDUYhRAx0tdjJvveueCKXPX3WXrGHD9fNEJqyGz7qOc63trcEu8d0XU4kfCiE9qYpnI5BIvjzW1uNrbe7jRblWqtVtMkDf2sVlrNnbdbjU3sFzIflMtZT43h7f4PLJ2Fp8YnxpUAAAAASUVORK5CYII="/>
           <p:cNvSpPr>
             <a:spLocks noChangeAspect="1" noChangeArrowheads="1"/>
@@ -4659,7 +4931,7 @@
             <p:cNvPr id="4" name="TextBox 3">
               <a:extLst>
                 <a:ext uri="{FF2B5EF4-FFF2-40B4-BE49-F238E27FC236}">
-                  <a16:creationId xmlns:a16="http://schemas.microsoft.com/office/drawing/2014/main" xmlns="" id="{9674CE2F-8E4B-4E87-8AD5-2A4452B2662D}"/>
+                  <a16:creationId xmlns="" xmlns:a16="http://schemas.microsoft.com/office/drawing/2014/main" id="{9674CE2F-8E4B-4E87-8AD5-2A4452B2662D}"/>
                 </a:ext>
               </a:extLst>
             </p:cNvPr>
@@ -4772,7 +5044,7 @@
           <p:cNvPr id="2" name="Title 1">
             <a:extLst>
               <a:ext uri="{FF2B5EF4-FFF2-40B4-BE49-F238E27FC236}">
-                <a16:creationId xmlns:a16="http://schemas.microsoft.com/office/drawing/2014/main" xmlns="" id="{5E562972-3449-42D1-8185-B4BEFD52AB44}"/>
+                <a16:creationId xmlns="" xmlns:a16="http://schemas.microsoft.com/office/drawing/2014/main" id="{5E562972-3449-42D1-8185-B4BEFD52AB44}"/>
               </a:ext>
             </a:extLst>
           </p:cNvPr>
@@ -4800,7 +5072,7 @@
           <p:cNvPr id="5" name="Content Placeholder 4">
             <a:extLst>
               <a:ext uri="{FF2B5EF4-FFF2-40B4-BE49-F238E27FC236}">
-                <a16:creationId xmlns:a16="http://schemas.microsoft.com/office/drawing/2014/main" xmlns="" id="{926AD263-543C-4FCA-8623-005292E20604}"/>
+                <a16:creationId xmlns="" xmlns:a16="http://schemas.microsoft.com/office/drawing/2014/main" id="{926AD263-543C-4FCA-8623-005292E20604}"/>
               </a:ext>
             </a:extLst>
           </p:cNvPr>
@@ -4857,7 +5129,7 @@
           <p:cNvPr id="4" name="Picture 3">
             <a:extLst>
               <a:ext uri="{FF2B5EF4-FFF2-40B4-BE49-F238E27FC236}">
-                <a16:creationId xmlns:a16="http://schemas.microsoft.com/office/drawing/2014/main" xmlns="" id="{CC39BCE5-6BEA-466E-BEFB-C39FA08D7DC7}"/>
+                <a16:creationId xmlns="" xmlns:a16="http://schemas.microsoft.com/office/drawing/2014/main" id="{CC39BCE5-6BEA-466E-BEFB-C39FA08D7DC7}"/>
               </a:ext>
             </a:extLst>
           </p:cNvPr>
@@ -4885,7 +5157,7 @@
     </p:spTree>
     <p:extLst>
       <p:ext uri="{BB962C8B-B14F-4D97-AF65-F5344CB8AC3E}">
-        <p14:creationId xmlns:p14="http://schemas.microsoft.com/office/powerpoint/2010/main" xmlns="" val="263784652"/>
+        <p14:creationId xmlns="" xmlns:p14="http://schemas.microsoft.com/office/powerpoint/2010/main" val="263784652"/>
       </p:ext>
     </p:extLst>
   </p:cSld>
@@ -4917,7 +5189,7 @@
           <p:cNvPr id="2" name="Title 1">
             <a:extLst>
               <a:ext uri="{FF2B5EF4-FFF2-40B4-BE49-F238E27FC236}">
-                <a16:creationId xmlns:a16="http://schemas.microsoft.com/office/drawing/2014/main" xmlns="" id="{DBC6775C-1BF0-434F-A429-28C52C8BEFD7}"/>
+                <a16:creationId xmlns="" xmlns:a16="http://schemas.microsoft.com/office/drawing/2014/main" id="{DBC6775C-1BF0-434F-A429-28C52C8BEFD7}"/>
               </a:ext>
             </a:extLst>
           </p:cNvPr>
@@ -4960,7 +5232,7 @@
           <p:cNvPr id="3" name="Picture 2">
             <a:extLst>
               <a:ext uri="{FF2B5EF4-FFF2-40B4-BE49-F238E27FC236}">
-                <a16:creationId xmlns:a16="http://schemas.microsoft.com/office/drawing/2014/main" xmlns="" id="{CDA99D69-C0AD-430E-8EFD-7CD800A1FCC0}"/>
+                <a16:creationId xmlns="" xmlns:a16="http://schemas.microsoft.com/office/drawing/2014/main" id="{CDA99D69-C0AD-430E-8EFD-7CD800A1FCC0}"/>
               </a:ext>
             </a:extLst>
           </p:cNvPr>
@@ -4988,7 +5260,7 @@
     </p:spTree>
     <p:extLst>
       <p:ext uri="{BB962C8B-B14F-4D97-AF65-F5344CB8AC3E}">
-        <p14:creationId xmlns:p14="http://schemas.microsoft.com/office/powerpoint/2010/main" xmlns="" val="3020031122"/>
+        <p14:creationId xmlns="" xmlns:p14="http://schemas.microsoft.com/office/powerpoint/2010/main" val="3020031122"/>
       </p:ext>
     </p:extLst>
   </p:cSld>
@@ -5067,7 +5339,7 @@
           <p:cNvPr id="4" name="Picture 2" descr="Image for post">
             <a:extLst>
               <a:ext uri="{FF2B5EF4-FFF2-40B4-BE49-F238E27FC236}">
-                <a16:creationId xmlns:a16="http://schemas.microsoft.com/office/drawing/2014/main" xmlns="" id="{4FC6EBF6-9E9B-4027-8418-B6DDB02DA89F}"/>
+                <a16:creationId xmlns="" xmlns:a16="http://schemas.microsoft.com/office/drawing/2014/main" id="{4FC6EBF6-9E9B-4027-8418-B6DDB02DA89F}"/>
               </a:ext>
             </a:extLst>
           </p:cNvPr>
@@ -5080,7 +5352,7 @@
           <a:blip r:embed="rId2">
             <a:extLst>
               <a:ext uri="{28A0092B-C50C-407E-A947-70E740481C1C}">
-                <a14:useLocalDpi xmlns:a14="http://schemas.microsoft.com/office/drawing/2010/main" xmlns="" val="0"/>
+                <a14:useLocalDpi xmlns="" xmlns:a14="http://schemas.microsoft.com/office/drawing/2010/main" val="0"/>
               </a:ext>
             </a:extLst>
           </a:blip>
@@ -5100,7 +5372,7 @@
           <a:noFill/>
           <a:extLst>
             <a:ext uri="{909E8E84-426E-40DD-AFC4-6F175D3DCCD1}">
-              <a14:hiddenFill xmlns:a14="http://schemas.microsoft.com/office/drawing/2010/main" xmlns="">
+              <a14:hiddenFill xmlns="" xmlns:a14="http://schemas.microsoft.com/office/drawing/2010/main">
                 <a:solidFill>
                   <a:srgbClr val="FFFFFF"/>
                 </a:solidFill>
@@ -5139,7 +5411,7 @@
           <p:cNvPr id="2" name="Title 1">
             <a:extLst>
               <a:ext uri="{FF2B5EF4-FFF2-40B4-BE49-F238E27FC236}">
-                <a16:creationId xmlns:a16="http://schemas.microsoft.com/office/drawing/2014/main" xmlns="" id="{1C618411-50A8-4BE8-AA9F-ADFDF09EFE42}"/>
+                <a16:creationId xmlns="" xmlns:a16="http://schemas.microsoft.com/office/drawing/2014/main" id="{1C618411-50A8-4BE8-AA9F-ADFDF09EFE42}"/>
               </a:ext>
             </a:extLst>
           </p:cNvPr>
@@ -5168,7 +5440,7 @@
           <p:cNvPr id="3" name="Content Placeholder 2">
             <a:extLst>
               <a:ext uri="{FF2B5EF4-FFF2-40B4-BE49-F238E27FC236}">
-                <a16:creationId xmlns:a16="http://schemas.microsoft.com/office/drawing/2014/main" xmlns="" id="{6D59F83B-DE4F-430A-9857-9FF87DC6F4FC}"/>
+                <a16:creationId xmlns="" xmlns:a16="http://schemas.microsoft.com/office/drawing/2014/main" id="{6D59F83B-DE4F-430A-9857-9FF87DC6F4FC}"/>
               </a:ext>
             </a:extLst>
           </p:cNvPr>
@@ -5253,7 +5525,7 @@
           <p:cNvPr id="5" name="AutoShape 24">
             <a:extLst>
               <a:ext uri="{FF2B5EF4-FFF2-40B4-BE49-F238E27FC236}">
-                <a16:creationId xmlns:a16="http://schemas.microsoft.com/office/drawing/2014/main" xmlns="" id="{8BA9AC28-F55F-449F-AAE5-F4900F3C2C64}"/>
+                <a16:creationId xmlns="" xmlns:a16="http://schemas.microsoft.com/office/drawing/2014/main" id="{8BA9AC28-F55F-449F-AAE5-F4900F3C2C64}"/>
               </a:ext>
             </a:extLst>
           </p:cNvPr>
@@ -5273,7 +5545,7 @@
           <a:noFill/>
           <a:extLst>
             <a:ext uri="{909E8E84-426E-40DD-AFC4-6F175D3DCCD1}">
-              <a14:hiddenFill xmlns:a14="http://schemas.microsoft.com/office/drawing/2010/main" xmlns="">
+              <a14:hiddenFill xmlns="" xmlns:a14="http://schemas.microsoft.com/office/drawing/2010/main">
                 <a:solidFill>
                   <a:srgbClr val="FFFFFF"/>
                 </a:solidFill>
@@ -5298,7 +5570,7 @@
           <p:cNvPr id="9" name="Picture 8">
             <a:extLst>
               <a:ext uri="{FF2B5EF4-FFF2-40B4-BE49-F238E27FC236}">
-                <a16:creationId xmlns:a16="http://schemas.microsoft.com/office/drawing/2014/main" xmlns="" id="{34640D63-4EB2-40A2-BCAC-583083C78C97}"/>
+                <a16:creationId xmlns="" xmlns:a16="http://schemas.microsoft.com/office/drawing/2014/main" id="{34640D63-4EB2-40A2-BCAC-583083C78C97}"/>
               </a:ext>
             </a:extLst>
           </p:cNvPr>
@@ -5328,7 +5600,7 @@
           <p:cNvPr id="8" name="Picture 7">
             <a:extLst>
               <a:ext uri="{FF2B5EF4-FFF2-40B4-BE49-F238E27FC236}">
-                <a16:creationId xmlns:a16="http://schemas.microsoft.com/office/drawing/2014/main" xmlns="" id="{2E6E5EE1-AD63-4067-A19B-83EA7E228AF4}"/>
+                <a16:creationId xmlns="" xmlns:a16="http://schemas.microsoft.com/office/drawing/2014/main" id="{2E6E5EE1-AD63-4067-A19B-83EA7E228AF4}"/>
               </a:ext>
             </a:extLst>
           </p:cNvPr>
@@ -5356,7 +5628,7 @@
     </p:spTree>
     <p:extLst>
       <p:ext uri="{BB962C8B-B14F-4D97-AF65-F5344CB8AC3E}">
-        <p14:creationId xmlns:p14="http://schemas.microsoft.com/office/powerpoint/2010/main" xmlns="" val="3659069593"/>
+        <p14:creationId xmlns="" xmlns:p14="http://schemas.microsoft.com/office/powerpoint/2010/main" val="3659069593"/>
       </p:ext>
     </p:extLst>
   </p:cSld>
@@ -5385,13 +5657,7 @@
       </p:grpSpPr>
       <p:sp>
         <p:nvSpPr>
-          <p:cNvPr id="2" name="Title 1">
-            <a:extLst>
-              <a:ext uri="{FF2B5EF4-FFF2-40B4-BE49-F238E27FC236}">
-                <a16:creationId xmlns:a16="http://schemas.microsoft.com/office/drawing/2014/main" xmlns="" id="{1C618411-50A8-4BE8-AA9F-ADFDF09EFE42}"/>
-              </a:ext>
-            </a:extLst>
-          </p:cNvPr>
+          <p:cNvPr id="2" name="Title 1"/>
           <p:cNvSpPr>
             <a:spLocks noGrp="1"/>
           </p:cNvSpPr>
@@ -5405,26 +5671,16 @@
           <a:lstStyle/>
           <a:p>
             <a:r>
-              <a:rPr lang="en-US" dirty="0" err="1" smtClean="0"/>
-              <a:t>Cryptocurrency</a:t>
-            </a:r>
-            <a:r>
-              <a:rPr lang="en-US" dirty="0" smtClean="0"/>
-              <a:t>/COIN/TOKEN</a:t>
-            </a:r>
-            <a:endParaRPr lang="en-US" dirty="0"/>
-          </a:p>
-        </p:txBody>
-      </p:sp>
-      <p:sp>
-        <p:nvSpPr>
-          <p:cNvPr id="3" name="Content Placeholder 2">
-            <a:extLst>
-              <a:ext uri="{FF2B5EF4-FFF2-40B4-BE49-F238E27FC236}">
-                <a16:creationId xmlns:a16="http://schemas.microsoft.com/office/drawing/2014/main" xmlns="" id="{6D59F83B-DE4F-430A-9857-9FF87DC6F4FC}"/>
-              </a:ext>
-            </a:extLst>
-          </p:cNvPr>
+              <a:rPr lang="en-IN" dirty="0" smtClean="0"/>
+              <a:t>types</a:t>
+            </a:r>
+            <a:endParaRPr lang="en-US" dirty="0"/>
+          </a:p>
+        </p:txBody>
+      </p:sp>
+      <p:sp>
+        <p:nvSpPr>
+          <p:cNvPr id="3" name="Content Placeholder 2"/>
           <p:cNvSpPr>
             <a:spLocks noGrp="1"/>
           </p:cNvSpPr>
@@ -5432,186 +5688,16 @@
             <p:ph idx="1"/>
           </p:nvPr>
         </p:nvSpPr>
-        <p:spPr>
-          <a:xfrm>
-            <a:off x="581192" y="2340864"/>
-            <a:ext cx="6387779" cy="3634486"/>
-          </a:xfrm>
-        </p:spPr>
+        <p:spPr/>
         <p:txBody>
           <a:bodyPr/>
           <a:lstStyle/>
           <a:p>
-            <a:r>
-              <a:rPr lang="en-US" dirty="0"/>
-              <a:t>EOS Launched in June 2018.</a:t>
-            </a:r>
-          </a:p>
-          <a:p>
-            <a:r>
-              <a:rPr lang="en-US" dirty="0"/>
-              <a:t>EOS use EOS.IO Software which is open-sourced on </a:t>
-            </a:r>
-            <a:r>
-              <a:rPr lang="en-US" dirty="0">
-                <a:hlinkClick r:id="rId2"/>
-              </a:rPr>
-              <a:t>Github</a:t>
-            </a:r>
-            <a:r>
-              <a:rPr lang="en-US" dirty="0"/>
-              <a:t>.</a:t>
-            </a:r>
-          </a:p>
-          <a:p>
-            <a:r>
-              <a:rPr lang="en-US" dirty="0"/>
-              <a:t>Using EOS.IO Software, many Blockchains like TELOS, WAX, Proton, BOS, </a:t>
-            </a:r>
-            <a:r>
-              <a:rPr lang="en-US" dirty="0" err="1"/>
-              <a:t>Worbli</a:t>
-            </a:r>
-            <a:r>
-              <a:rPr lang="en-US" dirty="0"/>
-              <a:t>, FIO, MEET.ONE, </a:t>
-            </a:r>
-            <a:r>
-              <a:rPr lang="en-US" dirty="0" err="1"/>
-              <a:t>Europechain</a:t>
-            </a:r>
-            <a:r>
-              <a:rPr lang="en-US" dirty="0"/>
-              <a:t>, COFEE, </a:t>
-            </a:r>
-            <a:r>
-              <a:rPr lang="en-US" dirty="0" err="1"/>
-              <a:t>Remme</a:t>
-            </a:r>
-            <a:r>
-              <a:rPr lang="en-US" dirty="0"/>
-              <a:t> have been launched so far and many others will be in future.</a:t>
-            </a:r>
-          </a:p>
-          <a:p>
-            <a:endParaRPr lang="en-US" dirty="0"/>
-          </a:p>
-          <a:p>
-            <a:endParaRPr lang="en-US" dirty="0"/>
-          </a:p>
-        </p:txBody>
-      </p:sp>
-      <p:sp>
-        <p:nvSpPr>
-          <p:cNvPr id="5" name="AutoShape 24">
-            <a:extLst>
-              <a:ext uri="{FF2B5EF4-FFF2-40B4-BE49-F238E27FC236}">
-                <a16:creationId xmlns:a16="http://schemas.microsoft.com/office/drawing/2014/main" xmlns="" id="{8BA9AC28-F55F-449F-AAE5-F4900F3C2C64}"/>
-              </a:ext>
-            </a:extLst>
-          </p:cNvPr>
-          <p:cNvSpPr>
-            <a:spLocks noChangeAspect="1" noChangeArrowheads="1"/>
-          </p:cNvSpPr>
-          <p:nvPr/>
-        </p:nvSpPr>
-        <p:spPr bwMode="auto">
-          <a:xfrm>
-            <a:off x="5943600" y="3276600"/>
-            <a:ext cx="304800" cy="304800"/>
-          </a:xfrm>
-          <a:prstGeom prst="rect">
-            <a:avLst/>
-          </a:prstGeom>
-          <a:noFill/>
-          <a:extLst>
-            <a:ext uri="{909E8E84-426E-40DD-AFC4-6F175D3DCCD1}">
-              <a14:hiddenFill xmlns:a14="http://schemas.microsoft.com/office/drawing/2010/main" xmlns="">
-                <a:solidFill>
-                  <a:srgbClr val="FFFFFF"/>
-                </a:solidFill>
-              </a14:hiddenFill>
-            </a:ext>
-          </a:extLst>
-        </p:spPr>
-        <p:txBody>
-          <a:bodyPr vert="horz" wrap="square" lIns="91440" tIns="45720" rIns="91440" bIns="45720" numCol="1" anchor="t" anchorCtr="0" compatLnSpc="1">
-            <a:prstTxWarp prst="textNoShape">
-              <a:avLst/>
-            </a:prstTxWarp>
-          </a:bodyPr>
-          <a:lstStyle/>
-          <a:p>
             <a:endParaRPr lang="en-US"/>
           </a:p>
         </p:txBody>
       </p:sp>
-      <p:pic>
-        <p:nvPicPr>
-          <p:cNvPr id="9" name="Picture 8">
-            <a:extLst>
-              <a:ext uri="{FF2B5EF4-FFF2-40B4-BE49-F238E27FC236}">
-                <a16:creationId xmlns:a16="http://schemas.microsoft.com/office/drawing/2014/main" xmlns="" id="{34640D63-4EB2-40A2-BCAC-583083C78C97}"/>
-              </a:ext>
-            </a:extLst>
-          </p:cNvPr>
-          <p:cNvPicPr>
-            <a:picLocks noChangeAspect="1"/>
-          </p:cNvPicPr>
-          <p:nvPr/>
-        </p:nvPicPr>
-        <p:blipFill>
-          <a:blip r:embed="rId3"/>
-          <a:stretch>
-            <a:fillRect/>
-          </a:stretch>
-        </p:blipFill>
-        <p:spPr>
-          <a:xfrm>
-            <a:off x="7770342" y="3581400"/>
-            <a:ext cx="3078747" cy="1944793"/>
-          </a:xfrm>
-          <a:prstGeom prst="rect">
-            <a:avLst/>
-          </a:prstGeom>
-        </p:spPr>
-      </p:pic>
-      <p:pic>
-        <p:nvPicPr>
-          <p:cNvPr id="8" name="Picture 7">
-            <a:extLst>
-              <a:ext uri="{FF2B5EF4-FFF2-40B4-BE49-F238E27FC236}">
-                <a16:creationId xmlns:a16="http://schemas.microsoft.com/office/drawing/2014/main" xmlns="" id="{2E6E5EE1-AD63-4067-A19B-83EA7E228AF4}"/>
-              </a:ext>
-            </a:extLst>
-          </p:cNvPr>
-          <p:cNvPicPr>
-            <a:picLocks noChangeAspect="1"/>
-          </p:cNvPicPr>
-          <p:nvPr/>
-        </p:nvPicPr>
-        <p:blipFill>
-          <a:blip r:embed="rId4"/>
-          <a:stretch>
-            <a:fillRect/>
-          </a:stretch>
-        </p:blipFill>
-        <p:spPr>
-          <a:xfrm>
-            <a:off x="9575111" y="497237"/>
-            <a:ext cx="2457091" cy="793645"/>
-          </a:xfrm>
-          <a:prstGeom prst="rect">
-            <a:avLst/>
-          </a:prstGeom>
-        </p:spPr>
-      </p:pic>
     </p:spTree>
-    <p:extLst>
-      <p:ext uri="{BB962C8B-B14F-4D97-AF65-F5344CB8AC3E}">
-        <p14:creationId xmlns:p14="http://schemas.microsoft.com/office/powerpoint/2010/main" xmlns="" val="3659069593"/>
-      </p:ext>
-    </p:extLst>
   </p:cSld>
   <p:clrMapOvr>
     <a:masterClrMapping/>
@@ -5636,12 +5722,175 @@
           <a:chExt cx="0" cy="0"/>
         </a:xfrm>
       </p:grpSpPr>
+      <p:sp>
+        <p:nvSpPr>
+          <p:cNvPr id="2" name="Title 1">
+            <a:extLst>
+              <a:ext uri="{FF2B5EF4-FFF2-40B4-BE49-F238E27FC236}">
+                <a16:creationId xmlns="" xmlns:a16="http://schemas.microsoft.com/office/drawing/2014/main" id="{1C618411-50A8-4BE8-AA9F-ADFDF09EFE42}"/>
+              </a:ext>
+            </a:extLst>
+          </p:cNvPr>
+          <p:cNvSpPr>
+            <a:spLocks noGrp="1"/>
+          </p:cNvSpPr>
+          <p:nvPr>
+            <p:ph type="title"/>
+          </p:nvPr>
+        </p:nvSpPr>
+        <p:spPr/>
+        <p:txBody>
+          <a:bodyPr/>
+          <a:lstStyle/>
+          <a:p>
+            <a:r>
+              <a:rPr lang="en-US" dirty="0" err="1" smtClean="0"/>
+              <a:t>Cryptocurrency</a:t>
+            </a:r>
+            <a:r>
+              <a:rPr lang="en-US" dirty="0" smtClean="0"/>
+              <a:t>/COIN/TOKEN</a:t>
+            </a:r>
+            <a:endParaRPr lang="en-US" dirty="0"/>
+          </a:p>
+        </p:txBody>
+      </p:sp>
+      <p:sp>
+        <p:nvSpPr>
+          <p:cNvPr id="3" name="Content Placeholder 2">
+            <a:extLst>
+              <a:ext uri="{FF2B5EF4-FFF2-40B4-BE49-F238E27FC236}">
+                <a16:creationId xmlns="" xmlns:a16="http://schemas.microsoft.com/office/drawing/2014/main" id="{6D59F83B-DE4F-430A-9857-9FF87DC6F4FC}"/>
+              </a:ext>
+            </a:extLst>
+          </p:cNvPr>
+          <p:cNvSpPr>
+            <a:spLocks noGrp="1"/>
+          </p:cNvSpPr>
+          <p:nvPr>
+            <p:ph idx="1"/>
+          </p:nvPr>
+        </p:nvSpPr>
+        <p:spPr>
+          <a:xfrm>
+            <a:off x="581192" y="2340864"/>
+            <a:ext cx="6387779" cy="3634486"/>
+          </a:xfrm>
+        </p:spPr>
+        <p:txBody>
+          <a:bodyPr/>
+          <a:lstStyle/>
+          <a:p>
+            <a:r>
+              <a:rPr lang="en-US" dirty="0"/>
+              <a:t>EOS Launched in June 2018.</a:t>
+            </a:r>
+          </a:p>
+          <a:p>
+            <a:r>
+              <a:rPr lang="en-US" dirty="0"/>
+              <a:t>EOS use EOS.IO Software which is open-sourced on </a:t>
+            </a:r>
+            <a:r>
+              <a:rPr lang="en-US" dirty="0">
+                <a:hlinkClick r:id="rId2"/>
+              </a:rPr>
+              <a:t>Github</a:t>
+            </a:r>
+            <a:r>
+              <a:rPr lang="en-US" dirty="0"/>
+              <a:t>.</a:t>
+            </a:r>
+          </a:p>
+          <a:p>
+            <a:r>
+              <a:rPr lang="en-US" dirty="0"/>
+              <a:t>Using EOS.IO Software, many Blockchains like TELOS, WAX, Proton, BOS, </a:t>
+            </a:r>
+            <a:r>
+              <a:rPr lang="en-US" dirty="0" err="1"/>
+              <a:t>Worbli</a:t>
+            </a:r>
+            <a:r>
+              <a:rPr lang="en-US" dirty="0"/>
+              <a:t>, FIO, MEET.ONE, </a:t>
+            </a:r>
+            <a:r>
+              <a:rPr lang="en-US" dirty="0" err="1"/>
+              <a:t>Europechain</a:t>
+            </a:r>
+            <a:r>
+              <a:rPr lang="en-US" dirty="0"/>
+              <a:t>, COFEE, </a:t>
+            </a:r>
+            <a:r>
+              <a:rPr lang="en-US" dirty="0" err="1"/>
+              <a:t>Remme</a:t>
+            </a:r>
+            <a:r>
+              <a:rPr lang="en-US" dirty="0"/>
+              <a:t> have been launched so far and many others will be in future.</a:t>
+            </a:r>
+          </a:p>
+          <a:p>
+            <a:endParaRPr lang="en-US" dirty="0"/>
+          </a:p>
+          <a:p>
+            <a:endParaRPr lang="en-US" dirty="0"/>
+          </a:p>
+        </p:txBody>
+      </p:sp>
+      <p:sp>
+        <p:nvSpPr>
+          <p:cNvPr id="5" name="AutoShape 24">
+            <a:extLst>
+              <a:ext uri="{FF2B5EF4-FFF2-40B4-BE49-F238E27FC236}">
+                <a16:creationId xmlns="" xmlns:a16="http://schemas.microsoft.com/office/drawing/2014/main" id="{8BA9AC28-F55F-449F-AAE5-F4900F3C2C64}"/>
+              </a:ext>
+            </a:extLst>
+          </p:cNvPr>
+          <p:cNvSpPr>
+            <a:spLocks noChangeAspect="1" noChangeArrowheads="1"/>
+          </p:cNvSpPr>
+          <p:nvPr/>
+        </p:nvSpPr>
+        <p:spPr bwMode="auto">
+          <a:xfrm>
+            <a:off x="5943600" y="3276600"/>
+            <a:ext cx="304800" cy="304800"/>
+          </a:xfrm>
+          <a:prstGeom prst="rect">
+            <a:avLst/>
+          </a:prstGeom>
+          <a:noFill/>
+          <a:extLst>
+            <a:ext uri="{909E8E84-426E-40DD-AFC4-6F175D3DCCD1}">
+              <a14:hiddenFill xmlns="" xmlns:a14="http://schemas.microsoft.com/office/drawing/2010/main">
+                <a:solidFill>
+                  <a:srgbClr val="FFFFFF"/>
+                </a:solidFill>
+              </a14:hiddenFill>
+            </a:ext>
+          </a:extLst>
+        </p:spPr>
+        <p:txBody>
+          <a:bodyPr vert="horz" wrap="square" lIns="91440" tIns="45720" rIns="91440" bIns="45720" numCol="1" anchor="t" anchorCtr="0" compatLnSpc="1">
+            <a:prstTxWarp prst="textNoShape">
+              <a:avLst/>
+            </a:prstTxWarp>
+          </a:bodyPr>
+          <a:lstStyle/>
+          <a:p>
+            <a:endParaRPr lang="en-US"/>
+          </a:p>
+        </p:txBody>
+      </p:sp>
       <p:pic>
         <p:nvPicPr>
-          <p:cNvPr id="5" name="Picture 4">
+          <p:cNvPr id="9" name="Picture 8">
             <a:extLst>
               <a:ext uri="{FF2B5EF4-FFF2-40B4-BE49-F238E27FC236}">
-                <a16:creationId xmlns:a16="http://schemas.microsoft.com/office/drawing/2014/main" xmlns="" id="{F537BEB0-FF60-41FD-BF15-88BEB38D8587}"/>
+                <a16:creationId xmlns="" xmlns:a16="http://schemas.microsoft.com/office/drawing/2014/main" id="{34640D63-4EB2-40A2-BCAC-583083C78C97}"/>
               </a:ext>
             </a:extLst>
           </p:cNvPr>
@@ -5651,457 +5900,55 @@
           <p:nvPr/>
         </p:nvPicPr>
         <p:blipFill>
-          <a:blip r:embed="rId2"/>
+          <a:blip r:embed="rId3"/>
           <a:stretch>
             <a:fillRect/>
           </a:stretch>
         </p:blipFill>
         <p:spPr>
           <a:xfrm>
-            <a:off x="9575111" y="497237"/>
-            <a:ext cx="2457091" cy="793645"/>
+            <a:off x="7770342" y="3581400"/>
+            <a:ext cx="3078747" cy="1944793"/>
           </a:xfrm>
           <a:prstGeom prst="rect">
             <a:avLst/>
           </a:prstGeom>
         </p:spPr>
       </p:pic>
-      <p:sp>
-        <p:nvSpPr>
-          <p:cNvPr id="8" name="TextBox 7">
+      <p:pic>
+        <p:nvPicPr>
+          <p:cNvPr id="8" name="Picture 7">
             <a:extLst>
               <a:ext uri="{FF2B5EF4-FFF2-40B4-BE49-F238E27FC236}">
-                <a16:creationId xmlns:a16="http://schemas.microsoft.com/office/drawing/2014/main" xmlns="" id="{D11D760C-71BB-413C-9EEA-DED976BA19E6}"/>
-              </a:ext>
-            </a:extLst>
-          </p:cNvPr>
-          <p:cNvSpPr txBox="1"/>
-          <p:nvPr/>
-        </p:nvSpPr>
-        <p:spPr>
-          <a:xfrm>
-            <a:off x="2223192" y="1459539"/>
-            <a:ext cx="787395" cy="523220"/>
-          </a:xfrm>
-          <a:prstGeom prst="rect">
-            <a:avLst/>
-          </a:prstGeom>
-          <a:solidFill>
-            <a:schemeClr val="bg1">
-              <a:lumMod val="50000"/>
-            </a:schemeClr>
-          </a:solidFill>
-          <a:effectLst>
-            <a:outerShdw blurRad="50800" dist="38100" dir="2700000" algn="tl" rotWithShape="0">
-              <a:prstClr val="black">
-                <a:alpha val="40000"/>
-              </a:prstClr>
-            </a:outerShdw>
-          </a:effectLst>
-        </p:spPr>
-        <p:txBody>
-          <a:bodyPr wrap="none" rtlCol="0">
-            <a:spAutoFit/>
-          </a:bodyPr>
-          <a:lstStyle/>
-          <a:p>
-            <a:r>
-              <a:rPr lang="en-US" sz="2800" b="1" dirty="0">
-                <a:solidFill>
-                  <a:schemeClr val="bg1"/>
-                </a:solidFill>
-              </a:rPr>
-              <a:t>ETH</a:t>
-            </a:r>
-          </a:p>
-        </p:txBody>
-      </p:sp>
-      <p:sp>
-        <p:nvSpPr>
-          <p:cNvPr id="9" name="TextBox 8">
-            <a:extLst>
-              <a:ext uri="{FF2B5EF4-FFF2-40B4-BE49-F238E27FC236}">
-                <a16:creationId xmlns:a16="http://schemas.microsoft.com/office/drawing/2014/main" xmlns="" id="{CEE88A5C-BC11-487A-ADE7-3962DD93F9D2}"/>
-              </a:ext>
-            </a:extLst>
-          </p:cNvPr>
-          <p:cNvSpPr txBox="1"/>
-          <p:nvPr/>
-        </p:nvSpPr>
-        <p:spPr>
-          <a:xfrm>
-            <a:off x="8762068" y="1459539"/>
-            <a:ext cx="813043" cy="523220"/>
-          </a:xfrm>
-          <a:prstGeom prst="rect">
-            <a:avLst/>
-          </a:prstGeom>
-          <a:solidFill>
-            <a:schemeClr val="accent2">
-              <a:lumMod val="75000"/>
-            </a:schemeClr>
-          </a:solidFill>
-          <a:effectLst>
-            <a:outerShdw blurRad="50800" dist="38100" dir="2700000" algn="tl" rotWithShape="0">
-              <a:prstClr val="black">
-                <a:alpha val="40000"/>
-              </a:prstClr>
-            </a:outerShdw>
-          </a:effectLst>
-        </p:spPr>
-        <p:txBody>
-          <a:bodyPr wrap="none" rtlCol="0">
-            <a:spAutoFit/>
-          </a:bodyPr>
-          <a:lstStyle/>
-          <a:p>
-            <a:r>
-              <a:rPr lang="en-US" sz="2800" b="1" dirty="0">
-                <a:solidFill>
-                  <a:schemeClr val="bg1"/>
-                </a:solidFill>
-              </a:rPr>
-              <a:t>EOS</a:t>
-            </a:r>
-          </a:p>
-        </p:txBody>
-      </p:sp>
-      <p:pic>
-        <p:nvPicPr>
-          <p:cNvPr id="7" name="Picture 2">
-            <a:extLst>
-              <a:ext uri="{FF2B5EF4-FFF2-40B4-BE49-F238E27FC236}">
-                <a16:creationId xmlns:a16="http://schemas.microsoft.com/office/drawing/2014/main" xmlns="" id="{784EF727-FCD3-4AB6-B597-A89B3B9B97B1}"/>
+                <a16:creationId xmlns="" xmlns:a16="http://schemas.microsoft.com/office/drawing/2014/main" id="{2E6E5EE1-AD63-4067-A19B-83EA7E228AF4}"/>
               </a:ext>
             </a:extLst>
           </p:cNvPr>
           <p:cNvPicPr>
-            <a:picLocks noChangeAspect="1" noChangeArrowheads="1"/>
+            <a:picLocks noChangeAspect="1"/>
           </p:cNvPicPr>
           <p:nvPr/>
         </p:nvPicPr>
         <p:blipFill>
-          <a:blip r:embed="rId3">
-            <a:extLst>
-              <a:ext uri="{28A0092B-C50C-407E-A947-70E740481C1C}">
-                <a14:useLocalDpi xmlns:a14="http://schemas.microsoft.com/office/drawing/2010/main" xmlns="" val="0"/>
-              </a:ext>
-            </a:extLst>
-          </a:blip>
-          <a:srcRect/>
+          <a:blip r:embed="rId4"/>
           <a:stretch>
             <a:fillRect/>
           </a:stretch>
         </p:blipFill>
-        <p:spPr bwMode="auto">
-          <a:xfrm>
-            <a:off x="8906978" y="862881"/>
-            <a:ext cx="523221" cy="523221"/>
+        <p:spPr>
+          <a:xfrm>
+            <a:off x="9575111" y="497237"/>
+            <a:ext cx="2457091" cy="793645"/>
           </a:xfrm>
           <a:prstGeom prst="rect">
             <a:avLst/>
           </a:prstGeom>
-          <a:noFill/>
-          <a:extLst>
-            <a:ext uri="{909E8E84-426E-40DD-AFC4-6F175D3DCCD1}">
-              <a14:hiddenFill xmlns:a14="http://schemas.microsoft.com/office/drawing/2010/main" xmlns="">
-                <a:solidFill>
-                  <a:srgbClr val="FFFFFF"/>
-                </a:solidFill>
-              </a14:hiddenFill>
-            </a:ext>
-          </a:extLst>
         </p:spPr>
       </p:pic>
-      <p:pic>
-        <p:nvPicPr>
-          <p:cNvPr id="1028" name="Picture 4">
-            <a:extLst>
-              <a:ext uri="{FF2B5EF4-FFF2-40B4-BE49-F238E27FC236}">
-                <a16:creationId xmlns:a16="http://schemas.microsoft.com/office/drawing/2014/main" xmlns="" id="{B0814AAB-9489-4878-9125-14B41C987516}"/>
-              </a:ext>
-            </a:extLst>
-          </p:cNvPr>
-          <p:cNvPicPr>
-            <a:picLocks noChangeAspect="1" noChangeArrowheads="1"/>
-          </p:cNvPicPr>
-          <p:nvPr/>
-        </p:nvPicPr>
-        <p:blipFill>
-          <a:blip r:embed="rId4">
-            <a:extLst>
-              <a:ext uri="{28A0092B-C50C-407E-A947-70E740481C1C}">
-                <a14:useLocalDpi xmlns:a14="http://schemas.microsoft.com/office/drawing/2010/main" xmlns="" val="0"/>
-              </a:ext>
-            </a:extLst>
-          </a:blip>
-          <a:srcRect/>
-          <a:stretch>
-            <a:fillRect/>
-          </a:stretch>
-        </p:blipFill>
-        <p:spPr bwMode="auto">
-          <a:xfrm>
-            <a:off x="2355278" y="862881"/>
-            <a:ext cx="523221" cy="523221"/>
-          </a:xfrm>
-          <a:prstGeom prst="rect">
-            <a:avLst/>
-          </a:prstGeom>
-          <a:noFill/>
-          <a:extLst>
-            <a:ext uri="{909E8E84-426E-40DD-AFC4-6F175D3DCCD1}">
-              <a14:hiddenFill xmlns:a14="http://schemas.microsoft.com/office/drawing/2010/main" xmlns="">
-                <a:solidFill>
-                  <a:srgbClr val="FFFFFF"/>
-                </a:solidFill>
-              </a14:hiddenFill>
-            </a:ext>
-          </a:extLst>
-        </p:spPr>
-      </p:pic>
-      <p:sp>
-        <p:nvSpPr>
-          <p:cNvPr id="12" name="TextBox 11">
-            <a:extLst>
-              <a:ext uri="{FF2B5EF4-FFF2-40B4-BE49-F238E27FC236}">
-                <a16:creationId xmlns:a16="http://schemas.microsoft.com/office/drawing/2014/main" xmlns="" id="{2AF6CFC5-4A78-48C8-8772-3813D12A9B4D}"/>
-              </a:ext>
-            </a:extLst>
-          </p:cNvPr>
-          <p:cNvSpPr txBox="1"/>
-          <p:nvPr/>
-        </p:nvSpPr>
-        <p:spPr>
-          <a:xfrm>
-            <a:off x="715735" y="2247058"/>
-            <a:ext cx="4718118" cy="3693319"/>
-          </a:xfrm>
-          <a:prstGeom prst="rect">
-            <a:avLst/>
-          </a:prstGeom>
-          <a:noFill/>
-        </p:spPr>
-        <p:txBody>
-          <a:bodyPr wrap="square" rtlCol="0">
-            <a:spAutoFit/>
-          </a:bodyPr>
-          <a:lstStyle/>
-          <a:p>
-            <a:pPr marL="285750" indent="-285750">
-              <a:buFont typeface="Arial" panose="020B0604020202020204" pitchFamily="34" charset="0"/>
-              <a:buChar char="•"/>
-            </a:pPr>
-            <a:r>
-              <a:rPr lang="en-US" dirty="0"/>
-              <a:t>Zero account creation fee.</a:t>
-            </a:r>
-          </a:p>
-          <a:p>
-            <a:pPr marL="285750" indent="-285750">
-              <a:buFont typeface="Arial" panose="020B0604020202020204" pitchFamily="34" charset="0"/>
-              <a:buChar char="•"/>
-            </a:pPr>
-            <a:r>
-              <a:rPr lang="en-US" dirty="0"/>
-              <a:t>Has transaction fee (static or variable).</a:t>
-            </a:r>
-          </a:p>
-          <a:p>
-            <a:pPr marL="285750" indent="-285750">
-              <a:buFont typeface="Arial" panose="020B0604020202020204" pitchFamily="34" charset="0"/>
-              <a:buChar char="•"/>
-            </a:pPr>
-            <a:r>
-              <a:rPr lang="en-US" dirty="0"/>
-              <a:t>Resulting into losing of good portion of ETH tokens as </a:t>
-            </a:r>
-            <a:r>
-              <a:rPr lang="en-US" dirty="0" err="1"/>
-              <a:t>txn</a:t>
-            </a:r>
-            <a:r>
-              <a:rPr lang="en-US" dirty="0"/>
-              <a:t>-fee after multiple transactions.</a:t>
-            </a:r>
-          </a:p>
-          <a:p>
-            <a:pPr marL="285750" indent="-285750">
-              <a:buFont typeface="Arial" panose="020B0604020202020204" pitchFamily="34" charset="0"/>
-              <a:buChar char="•"/>
-            </a:pPr>
-            <a:r>
-              <a:rPr lang="en-US" dirty="0"/>
-              <a:t>Transaction fee + mined tokens becomes the earning for Miners/Block Producers.</a:t>
-            </a:r>
-          </a:p>
-          <a:p>
-            <a:pPr marL="285750" indent="-285750">
-              <a:buFont typeface="Arial" panose="020B0604020202020204" pitchFamily="34" charset="0"/>
-              <a:buChar char="•"/>
-            </a:pPr>
-            <a:r>
-              <a:rPr lang="en-IN" dirty="0"/>
-              <a:t>Each account is identified by public address/key.  E.g. </a:t>
-            </a:r>
-            <a:r>
-              <a:rPr lang="en-US" dirty="0">
-                <a:hlinkClick r:id="rId5"/>
-              </a:rPr>
-              <a:t>0x5AeE428438376A87d2FEd1De3920D105465926bB</a:t>
-            </a:r>
-            <a:endParaRPr lang="en-US" dirty="0">
-              <a:hlinkClick r:id="rId6"/>
-            </a:endParaRPr>
-          </a:p>
-          <a:p>
-            <a:pPr marL="285750" indent="-285750">
-              <a:buFont typeface="Arial" panose="020B0604020202020204" pitchFamily="34" charset="0"/>
-              <a:buChar char="•"/>
-            </a:pPr>
-            <a:r>
-              <a:rPr lang="en-US" dirty="0"/>
-              <a:t>Every </a:t>
-            </a:r>
-            <a:r>
-              <a:rPr lang="en-US" dirty="0" err="1"/>
-              <a:t>pub_key</a:t>
-            </a:r>
-            <a:r>
-              <a:rPr lang="en-US" dirty="0"/>
-              <a:t> starts with ‘</a:t>
-            </a:r>
-            <a:r>
-              <a:rPr lang="en-US" b="1" dirty="0"/>
-              <a:t>0x’</a:t>
-            </a:r>
-          </a:p>
-          <a:p>
-            <a:pPr marL="285750" indent="-285750">
-              <a:buFont typeface="Arial" panose="020B0604020202020204" pitchFamily="34" charset="0"/>
-              <a:buChar char="•"/>
-            </a:pPr>
-            <a:endParaRPr lang="en-US" dirty="0"/>
-          </a:p>
-        </p:txBody>
-      </p:sp>
-      <p:sp>
-        <p:nvSpPr>
-          <p:cNvPr id="13" name="TextBox 12">
-            <a:extLst>
-              <a:ext uri="{FF2B5EF4-FFF2-40B4-BE49-F238E27FC236}">
-                <a16:creationId xmlns:a16="http://schemas.microsoft.com/office/drawing/2014/main" xmlns="" id="{2C258202-B71B-4040-ABB7-6D57DFF4D825}"/>
-              </a:ext>
-            </a:extLst>
-          </p:cNvPr>
-          <p:cNvSpPr txBox="1"/>
-          <p:nvPr/>
-        </p:nvSpPr>
-        <p:spPr>
-          <a:xfrm>
-            <a:off x="6348248" y="2247058"/>
-            <a:ext cx="5507421" cy="3970318"/>
-          </a:xfrm>
-          <a:prstGeom prst="rect">
-            <a:avLst/>
-          </a:prstGeom>
-          <a:noFill/>
-        </p:spPr>
-        <p:txBody>
-          <a:bodyPr wrap="square" rtlCol="0">
-            <a:spAutoFit/>
-          </a:bodyPr>
-          <a:lstStyle/>
-          <a:p>
-            <a:pPr marL="285750" indent="-285750">
-              <a:buFont typeface="Arial" panose="020B0604020202020204" pitchFamily="34" charset="0"/>
-              <a:buChar char="•"/>
-            </a:pPr>
-            <a:r>
-              <a:rPr lang="en-US" dirty="0"/>
-              <a:t>One-time account creation fee (based on min. EOSIO resources needed &amp; its marketplace price).</a:t>
-            </a:r>
-          </a:p>
-          <a:p>
-            <a:pPr marL="285750" indent="-285750">
-              <a:buFont typeface="Arial" panose="020B0604020202020204" pitchFamily="34" charset="0"/>
-              <a:buChar char="•"/>
-            </a:pPr>
-            <a:r>
-              <a:rPr lang="en-US" dirty="0"/>
-              <a:t>Has no transaction fee. Instead follows staking model.</a:t>
-            </a:r>
-          </a:p>
-          <a:p>
-            <a:pPr marL="285750" indent="-285750">
-              <a:buFont typeface="Arial" panose="020B0604020202020204" pitchFamily="34" charset="0"/>
-              <a:buChar char="•"/>
-            </a:pPr>
-            <a:r>
-              <a:rPr lang="en-US" dirty="0"/>
-              <a:t>Exit can be made at anytime by unstaking the EOS tokens &amp; resulting into no loss of EOS tokens as there is no txn fee.</a:t>
-            </a:r>
-          </a:p>
-          <a:p>
-            <a:pPr marL="285750" indent="-285750">
-              <a:buFont typeface="Arial" panose="020B0604020202020204" pitchFamily="34" charset="0"/>
-              <a:buChar char="•"/>
-            </a:pPr>
-            <a:r>
-              <a:rPr lang="en-US" dirty="0"/>
-              <a:t>mined tokens (from inflation per year) becomes the earning for Block Producers.</a:t>
-            </a:r>
-          </a:p>
-          <a:p>
-            <a:pPr marL="285750" indent="-285750">
-              <a:buFont typeface="Arial" panose="020B0604020202020204" pitchFamily="34" charset="0"/>
-              <a:buChar char="•"/>
-            </a:pPr>
-            <a:r>
-              <a:rPr lang="en-IN" dirty="0"/>
-              <a:t>Each account is identified by human readable name. e.g. </a:t>
-            </a:r>
-            <a:r>
-              <a:rPr lang="en-IN" dirty="0">
-                <a:hlinkClick r:id="rId7"/>
-              </a:rPr>
-              <a:t>abhieosindia</a:t>
-            </a:r>
-            <a:endParaRPr lang="en-IN" dirty="0"/>
-          </a:p>
-          <a:p>
-            <a:pPr marL="285750" indent="-285750">
-              <a:buFont typeface="Arial" panose="020B0604020202020204" pitchFamily="34" charset="0"/>
-              <a:buChar char="•"/>
-            </a:pPr>
-            <a:r>
-              <a:rPr lang="en-IN" dirty="0"/>
-              <a:t>Every </a:t>
-            </a:r>
-            <a:r>
-              <a:rPr lang="en-IN" dirty="0" err="1"/>
-              <a:t>pub_key</a:t>
-            </a:r>
-            <a:r>
-              <a:rPr lang="en-IN" dirty="0"/>
-              <a:t> starts with </a:t>
-            </a:r>
-            <a:r>
-              <a:rPr lang="en-IN" b="1" dirty="0"/>
-              <a:t>‘EOS’. </a:t>
-            </a:r>
-            <a:r>
-              <a:rPr lang="en-IN" dirty="0"/>
-              <a:t>E.g. EOS5cjMNJETNS8HrKBRZ4zC3PDYHRUhpmje1j21JQfz7FE3QueaiF</a:t>
-            </a:r>
-            <a:endParaRPr lang="en-US" dirty="0"/>
-          </a:p>
-        </p:txBody>
-      </p:sp>
     </p:spTree>
     <p:extLst>
       <p:ext uri="{BB962C8B-B14F-4D97-AF65-F5344CB8AC3E}">
-        <p14:creationId xmlns:p14="http://schemas.microsoft.com/office/powerpoint/2010/main" xmlns="" val="1756368672"/>
+        <p14:creationId xmlns="" xmlns:p14="http://schemas.microsoft.com/office/powerpoint/2010/main" val="3659069593"/>
       </p:ext>
     </p:extLst>
   </p:cSld>
@@ -6128,68 +5975,12 @@
           <a:chExt cx="0" cy="0"/>
         </a:xfrm>
       </p:grpSpPr>
-      <p:sp>
-        <p:nvSpPr>
-          <p:cNvPr id="2" name="Title 1">
+      <p:pic>
+        <p:nvPicPr>
+          <p:cNvPr id="5" name="Picture 4">
             <a:extLst>
               <a:ext uri="{FF2B5EF4-FFF2-40B4-BE49-F238E27FC236}">
-                <a16:creationId xmlns:a16="http://schemas.microsoft.com/office/drawing/2014/main" xmlns="" id="{9B8A52B3-BB66-42EA-ADE2-07AE6302E721}"/>
-              </a:ext>
-            </a:extLst>
-          </p:cNvPr>
-          <p:cNvSpPr>
-            <a:spLocks noGrp="1"/>
-          </p:cNvSpPr>
-          <p:nvPr>
-            <p:ph type="title"/>
-          </p:nvPr>
-        </p:nvSpPr>
-        <p:spPr/>
-        <p:txBody>
-          <a:bodyPr/>
-          <a:lstStyle/>
-          <a:p>
-            <a:r>
-              <a:rPr lang="en-US" dirty="0">
-                <a:solidFill>
-                  <a:schemeClr val="bg1">
-                    <a:lumMod val="50000"/>
-                  </a:schemeClr>
-                </a:solidFill>
-              </a:rPr>
-              <a:t>ETH</a:t>
-            </a:r>
-            <a:r>
-              <a:rPr lang="en-US" dirty="0"/>
-              <a:t> </a:t>
-            </a:r>
-            <a:r>
-              <a:rPr lang="en-US" cap="none" dirty="0"/>
-              <a:t>vs</a:t>
-            </a:r>
-            <a:r>
-              <a:rPr lang="en-US" dirty="0"/>
-              <a:t> </a:t>
-            </a:r>
-            <a:r>
-              <a:rPr lang="en-US" dirty="0">
-                <a:solidFill>
-                  <a:schemeClr val="accent2">
-                    <a:lumMod val="75000"/>
-                  </a:schemeClr>
-                </a:solidFill>
-              </a:rPr>
-              <a:t>EOS</a:t>
-            </a:r>
-          </a:p>
-        </p:txBody>
-      </p:sp>
-      <p:pic>
-        <p:nvPicPr>
-          <p:cNvPr id="4" name="Picture 3">
-            <a:extLst>
-              <a:ext uri="{FF2B5EF4-FFF2-40B4-BE49-F238E27FC236}">
-                <a16:creationId xmlns:a16="http://schemas.microsoft.com/office/drawing/2014/main" xmlns="" id="{AAA9D7D6-1B97-4854-BA9A-EFD9317ACB30}"/>
+                <a16:creationId xmlns="" xmlns:a16="http://schemas.microsoft.com/office/drawing/2014/main" id="{F537BEB0-FF60-41FD-BF15-88BEB38D8587}"/>
               </a:ext>
             </a:extLst>
           </p:cNvPr>
@@ -6205,9 +5996,9 @@
           </a:stretch>
         </p:blipFill>
         <p:spPr>
-          <a:xfrm rot="197462">
-            <a:off x="409612" y="2628429"/>
-            <a:ext cx="11514818" cy="3749365"/>
+          <a:xfrm>
+            <a:off x="9575111" y="497237"/>
+            <a:ext cx="2457091" cy="793645"/>
           </a:xfrm>
           <a:prstGeom prst="rect">
             <a:avLst/>
@@ -6216,10 +6007,10 @@
       </p:pic>
       <p:sp>
         <p:nvSpPr>
-          <p:cNvPr id="5" name="TextBox 4">
+          <p:cNvPr id="8" name="TextBox 7">
             <a:extLst>
               <a:ext uri="{FF2B5EF4-FFF2-40B4-BE49-F238E27FC236}">
-                <a16:creationId xmlns:a16="http://schemas.microsoft.com/office/drawing/2014/main" xmlns="" id="{902EC33E-F7C3-4CFF-8DE4-B7A96777CD52}"/>
+                <a16:creationId xmlns="" xmlns:a16="http://schemas.microsoft.com/office/drawing/2014/main" id="{D11D760C-71BB-413C-9EEA-DED976BA19E6}"/>
               </a:ext>
             </a:extLst>
           </p:cNvPr>
@@ -6228,14 +6019,16 @@
         </p:nvSpPr>
         <p:spPr>
           <a:xfrm>
-            <a:off x="683580" y="1929896"/>
-            <a:ext cx="1012970" cy="369332"/>
+            <a:off x="2223192" y="1459539"/>
+            <a:ext cx="787395" cy="523220"/>
           </a:xfrm>
           <a:prstGeom prst="rect">
             <a:avLst/>
           </a:prstGeom>
           <a:solidFill>
-            <a:srgbClr val="FFC000"/>
+            <a:schemeClr val="bg1">
+              <a:lumMod val="50000"/>
+            </a:schemeClr>
           </a:solidFill>
           <a:effectLst>
             <a:outerShdw blurRad="50800" dist="38100" dir="2700000" algn="tl" rotWithShape="0">
@@ -6252,46 +6045,402 @@
           <a:lstStyle/>
           <a:p>
             <a:r>
-              <a:rPr lang="en-US" dirty="0"/>
-              <a:t>Example</a:t>
+              <a:rPr lang="en-US" sz="2800" b="1" dirty="0">
+                <a:solidFill>
+                  <a:schemeClr val="bg1"/>
+                </a:solidFill>
+              </a:rPr>
+              <a:t>ETH</a:t>
+            </a:r>
+          </a:p>
+        </p:txBody>
+      </p:sp>
+      <p:sp>
+        <p:nvSpPr>
+          <p:cNvPr id="9" name="TextBox 8">
+            <a:extLst>
+              <a:ext uri="{FF2B5EF4-FFF2-40B4-BE49-F238E27FC236}">
+                <a16:creationId xmlns="" xmlns:a16="http://schemas.microsoft.com/office/drawing/2014/main" id="{CEE88A5C-BC11-487A-ADE7-3962DD93F9D2}"/>
+              </a:ext>
+            </a:extLst>
+          </p:cNvPr>
+          <p:cNvSpPr txBox="1"/>
+          <p:nvPr/>
+        </p:nvSpPr>
+        <p:spPr>
+          <a:xfrm>
+            <a:off x="8762068" y="1459539"/>
+            <a:ext cx="813043" cy="523220"/>
+          </a:xfrm>
+          <a:prstGeom prst="rect">
+            <a:avLst/>
+          </a:prstGeom>
+          <a:solidFill>
+            <a:schemeClr val="accent2">
+              <a:lumMod val="75000"/>
+            </a:schemeClr>
+          </a:solidFill>
+          <a:effectLst>
+            <a:outerShdw blurRad="50800" dist="38100" dir="2700000" algn="tl" rotWithShape="0">
+              <a:prstClr val="black">
+                <a:alpha val="40000"/>
+              </a:prstClr>
+            </a:outerShdw>
+          </a:effectLst>
+        </p:spPr>
+        <p:txBody>
+          <a:bodyPr wrap="none" rtlCol="0">
+            <a:spAutoFit/>
+          </a:bodyPr>
+          <a:lstStyle/>
+          <a:p>
+            <a:r>
+              <a:rPr lang="en-US" sz="2800" b="1" dirty="0">
+                <a:solidFill>
+                  <a:schemeClr val="bg1"/>
+                </a:solidFill>
+              </a:rPr>
+              <a:t>EOS</a:t>
             </a:r>
           </a:p>
         </p:txBody>
       </p:sp>
       <p:pic>
         <p:nvPicPr>
-          <p:cNvPr id="6" name="Picture 5">
+          <p:cNvPr id="7" name="Picture 2">
             <a:extLst>
               <a:ext uri="{FF2B5EF4-FFF2-40B4-BE49-F238E27FC236}">
-                <a16:creationId xmlns:a16="http://schemas.microsoft.com/office/drawing/2014/main" xmlns="" id="{66939B56-B43E-4F80-9A70-BEDBC9414853}"/>
+                <a16:creationId xmlns="" xmlns:a16="http://schemas.microsoft.com/office/drawing/2014/main" id="{784EF727-FCD3-4AB6-B597-A89B3B9B97B1}"/>
               </a:ext>
             </a:extLst>
           </p:cNvPr>
           <p:cNvPicPr>
-            <a:picLocks noChangeAspect="1"/>
+            <a:picLocks noChangeAspect="1" noChangeArrowheads="1"/>
           </p:cNvPicPr>
           <p:nvPr/>
         </p:nvPicPr>
         <p:blipFill>
-          <a:blip r:embed="rId3"/>
+          <a:blip r:embed="rId3">
+            <a:extLst>
+              <a:ext uri="{28A0092B-C50C-407E-A947-70E740481C1C}">
+                <a14:useLocalDpi xmlns="" xmlns:a14="http://schemas.microsoft.com/office/drawing/2010/main" val="0"/>
+              </a:ext>
+            </a:extLst>
+          </a:blip>
+          <a:srcRect/>
           <a:stretch>
             <a:fillRect/>
           </a:stretch>
         </p:blipFill>
-        <p:spPr>
-          <a:xfrm>
-            <a:off x="9582860" y="504986"/>
-            <a:ext cx="2457091" cy="793645"/>
+        <p:spPr bwMode="auto">
+          <a:xfrm>
+            <a:off x="8906978" y="862881"/>
+            <a:ext cx="523221" cy="523221"/>
           </a:xfrm>
           <a:prstGeom prst="rect">
             <a:avLst/>
           </a:prstGeom>
+          <a:noFill/>
+          <a:extLst>
+            <a:ext uri="{909E8E84-426E-40DD-AFC4-6F175D3DCCD1}">
+              <a14:hiddenFill xmlns="" xmlns:a14="http://schemas.microsoft.com/office/drawing/2010/main">
+                <a:solidFill>
+                  <a:srgbClr val="FFFFFF"/>
+                </a:solidFill>
+              </a14:hiddenFill>
+            </a:ext>
+          </a:extLst>
         </p:spPr>
       </p:pic>
+      <p:pic>
+        <p:nvPicPr>
+          <p:cNvPr id="1028" name="Picture 4">
+            <a:extLst>
+              <a:ext uri="{FF2B5EF4-FFF2-40B4-BE49-F238E27FC236}">
+                <a16:creationId xmlns="" xmlns:a16="http://schemas.microsoft.com/office/drawing/2014/main" id="{B0814AAB-9489-4878-9125-14B41C987516}"/>
+              </a:ext>
+            </a:extLst>
+          </p:cNvPr>
+          <p:cNvPicPr>
+            <a:picLocks noChangeAspect="1" noChangeArrowheads="1"/>
+          </p:cNvPicPr>
+          <p:nvPr/>
+        </p:nvPicPr>
+        <p:blipFill>
+          <a:blip r:embed="rId4">
+            <a:extLst>
+              <a:ext uri="{28A0092B-C50C-407E-A947-70E740481C1C}">
+                <a14:useLocalDpi xmlns="" xmlns:a14="http://schemas.microsoft.com/office/drawing/2010/main" val="0"/>
+              </a:ext>
+            </a:extLst>
+          </a:blip>
+          <a:srcRect/>
+          <a:stretch>
+            <a:fillRect/>
+          </a:stretch>
+        </p:blipFill>
+        <p:spPr bwMode="auto">
+          <a:xfrm>
+            <a:off x="2355278" y="862881"/>
+            <a:ext cx="523221" cy="523221"/>
+          </a:xfrm>
+          <a:prstGeom prst="rect">
+            <a:avLst/>
+          </a:prstGeom>
+          <a:noFill/>
+          <a:extLst>
+            <a:ext uri="{909E8E84-426E-40DD-AFC4-6F175D3DCCD1}">
+              <a14:hiddenFill xmlns="" xmlns:a14="http://schemas.microsoft.com/office/drawing/2010/main">
+                <a:solidFill>
+                  <a:srgbClr val="FFFFFF"/>
+                </a:solidFill>
+              </a14:hiddenFill>
+            </a:ext>
+          </a:extLst>
+        </p:spPr>
+      </p:pic>
+      <p:sp>
+        <p:nvSpPr>
+          <p:cNvPr id="12" name="TextBox 11">
+            <a:extLst>
+              <a:ext uri="{FF2B5EF4-FFF2-40B4-BE49-F238E27FC236}">
+                <a16:creationId xmlns="" xmlns:a16="http://schemas.microsoft.com/office/drawing/2014/main" id="{2AF6CFC5-4A78-48C8-8772-3813D12A9B4D}"/>
+              </a:ext>
+            </a:extLst>
+          </p:cNvPr>
+          <p:cNvSpPr txBox="1"/>
+          <p:nvPr/>
+        </p:nvSpPr>
+        <p:spPr>
+          <a:xfrm>
+            <a:off x="715735" y="2247058"/>
+            <a:ext cx="4718118" cy="3693319"/>
+          </a:xfrm>
+          <a:prstGeom prst="rect">
+            <a:avLst/>
+          </a:prstGeom>
+          <a:noFill/>
+        </p:spPr>
+        <p:txBody>
+          <a:bodyPr wrap="square" rtlCol="0">
+            <a:spAutoFit/>
+          </a:bodyPr>
+          <a:lstStyle/>
+          <a:p>
+            <a:pPr marL="285750" indent="-285750">
+              <a:buFont typeface="Arial" panose="020B0604020202020204" pitchFamily="34" charset="0"/>
+              <a:buChar char="•"/>
+            </a:pPr>
+            <a:r>
+              <a:rPr lang="en-US" dirty="0"/>
+              <a:t>Zero account creation fee.</a:t>
+            </a:r>
+          </a:p>
+          <a:p>
+            <a:pPr marL="285750" indent="-285750">
+              <a:buFont typeface="Arial" panose="020B0604020202020204" pitchFamily="34" charset="0"/>
+              <a:buChar char="•"/>
+            </a:pPr>
+            <a:r>
+              <a:rPr lang="en-US" dirty="0"/>
+              <a:t>Has transaction fee (static or variable).</a:t>
+            </a:r>
+          </a:p>
+          <a:p>
+            <a:pPr marL="285750" indent="-285750">
+              <a:buFont typeface="Arial" panose="020B0604020202020204" pitchFamily="34" charset="0"/>
+              <a:buChar char="•"/>
+            </a:pPr>
+            <a:r>
+              <a:rPr lang="en-US" dirty="0"/>
+              <a:t>Resulting into losing of good portion of ETH tokens as </a:t>
+            </a:r>
+            <a:r>
+              <a:rPr lang="en-US" dirty="0" err="1"/>
+              <a:t>txn</a:t>
+            </a:r>
+            <a:r>
+              <a:rPr lang="en-US" dirty="0"/>
+              <a:t>-fee after multiple transactions.</a:t>
+            </a:r>
+          </a:p>
+          <a:p>
+            <a:pPr marL="285750" indent="-285750">
+              <a:buFont typeface="Arial" panose="020B0604020202020204" pitchFamily="34" charset="0"/>
+              <a:buChar char="•"/>
+            </a:pPr>
+            <a:r>
+              <a:rPr lang="en-US" dirty="0"/>
+              <a:t>Transaction fee + mined tokens becomes the earning for Miners/Block Producers.</a:t>
+            </a:r>
+          </a:p>
+          <a:p>
+            <a:pPr marL="285750" indent="-285750">
+              <a:buFont typeface="Arial" panose="020B0604020202020204" pitchFamily="34" charset="0"/>
+              <a:buChar char="•"/>
+            </a:pPr>
+            <a:r>
+              <a:rPr lang="en-IN" dirty="0"/>
+              <a:t>Each account is identified by public address/key.  E.g. </a:t>
+            </a:r>
+            <a:r>
+              <a:rPr lang="en-US" dirty="0">
+                <a:hlinkClick r:id="rId5"/>
+              </a:rPr>
+              <a:t>0x5AeE428438376A87d2FEd1De3920D105465926bB</a:t>
+            </a:r>
+            <a:endParaRPr lang="en-US" dirty="0">
+              <a:hlinkClick r:id="rId6"/>
+            </a:endParaRPr>
+          </a:p>
+          <a:p>
+            <a:pPr marL="285750" indent="-285750">
+              <a:buFont typeface="Arial" panose="020B0604020202020204" pitchFamily="34" charset="0"/>
+              <a:buChar char="•"/>
+            </a:pPr>
+            <a:r>
+              <a:rPr lang="en-US" dirty="0"/>
+              <a:t>Every </a:t>
+            </a:r>
+            <a:r>
+              <a:rPr lang="en-US" dirty="0" err="1"/>
+              <a:t>pub_key</a:t>
+            </a:r>
+            <a:r>
+              <a:rPr lang="en-US" dirty="0"/>
+              <a:t> starts with ‘</a:t>
+            </a:r>
+            <a:r>
+              <a:rPr lang="en-US" b="1" dirty="0"/>
+              <a:t>0x’</a:t>
+            </a:r>
+          </a:p>
+          <a:p>
+            <a:pPr marL="285750" indent="-285750">
+              <a:buFont typeface="Arial" panose="020B0604020202020204" pitchFamily="34" charset="0"/>
+              <a:buChar char="•"/>
+            </a:pPr>
+            <a:endParaRPr lang="en-US" dirty="0"/>
+          </a:p>
+        </p:txBody>
+      </p:sp>
+      <p:sp>
+        <p:nvSpPr>
+          <p:cNvPr id="13" name="TextBox 12">
+            <a:extLst>
+              <a:ext uri="{FF2B5EF4-FFF2-40B4-BE49-F238E27FC236}">
+                <a16:creationId xmlns="" xmlns:a16="http://schemas.microsoft.com/office/drawing/2014/main" id="{2C258202-B71B-4040-ABB7-6D57DFF4D825}"/>
+              </a:ext>
+            </a:extLst>
+          </p:cNvPr>
+          <p:cNvSpPr txBox="1"/>
+          <p:nvPr/>
+        </p:nvSpPr>
+        <p:spPr>
+          <a:xfrm>
+            <a:off x="6348248" y="2247058"/>
+            <a:ext cx="5507421" cy="3970318"/>
+          </a:xfrm>
+          <a:prstGeom prst="rect">
+            <a:avLst/>
+          </a:prstGeom>
+          <a:noFill/>
+        </p:spPr>
+        <p:txBody>
+          <a:bodyPr wrap="square" rtlCol="0">
+            <a:spAutoFit/>
+          </a:bodyPr>
+          <a:lstStyle/>
+          <a:p>
+            <a:pPr marL="285750" indent="-285750">
+              <a:buFont typeface="Arial" panose="020B0604020202020204" pitchFamily="34" charset="0"/>
+              <a:buChar char="•"/>
+            </a:pPr>
+            <a:r>
+              <a:rPr lang="en-US" dirty="0"/>
+              <a:t>One-time account creation fee (based on min. EOSIO resources needed &amp; its marketplace price).</a:t>
+            </a:r>
+          </a:p>
+          <a:p>
+            <a:pPr marL="285750" indent="-285750">
+              <a:buFont typeface="Arial" panose="020B0604020202020204" pitchFamily="34" charset="0"/>
+              <a:buChar char="•"/>
+            </a:pPr>
+            <a:r>
+              <a:rPr lang="en-US" dirty="0"/>
+              <a:t>Has no transaction fee. Instead follows staking model.</a:t>
+            </a:r>
+          </a:p>
+          <a:p>
+            <a:pPr marL="285750" indent="-285750">
+              <a:buFont typeface="Arial" panose="020B0604020202020204" pitchFamily="34" charset="0"/>
+              <a:buChar char="•"/>
+            </a:pPr>
+            <a:r>
+              <a:rPr lang="en-US" dirty="0"/>
+              <a:t>Exit can be made at anytime by unstaking the EOS tokens &amp; resulting into no loss of EOS tokens as there is no txn fee.</a:t>
+            </a:r>
+          </a:p>
+          <a:p>
+            <a:pPr marL="285750" indent="-285750">
+              <a:buFont typeface="Arial" panose="020B0604020202020204" pitchFamily="34" charset="0"/>
+              <a:buChar char="•"/>
+            </a:pPr>
+            <a:r>
+              <a:rPr lang="en-US" dirty="0"/>
+              <a:t>mined tokens (from inflation per year) becomes the earning for Block Producers.</a:t>
+            </a:r>
+          </a:p>
+          <a:p>
+            <a:pPr marL="285750" indent="-285750">
+              <a:buFont typeface="Arial" panose="020B0604020202020204" pitchFamily="34" charset="0"/>
+              <a:buChar char="•"/>
+            </a:pPr>
+            <a:r>
+              <a:rPr lang="en-IN" dirty="0"/>
+              <a:t>Each account is identified by human readable name. e.g. </a:t>
+            </a:r>
+            <a:r>
+              <a:rPr lang="en-IN" dirty="0">
+                <a:hlinkClick r:id="rId7"/>
+              </a:rPr>
+              <a:t>abhieosindia</a:t>
+            </a:r>
+            <a:endParaRPr lang="en-IN" dirty="0"/>
+          </a:p>
+          <a:p>
+            <a:pPr marL="285750" indent="-285750">
+              <a:buFont typeface="Arial" panose="020B0604020202020204" pitchFamily="34" charset="0"/>
+              <a:buChar char="•"/>
+            </a:pPr>
+            <a:r>
+              <a:rPr lang="en-IN" dirty="0"/>
+              <a:t>Every </a:t>
+            </a:r>
+            <a:r>
+              <a:rPr lang="en-IN" dirty="0" err="1"/>
+              <a:t>pub_key</a:t>
+            </a:r>
+            <a:r>
+              <a:rPr lang="en-IN" dirty="0"/>
+              <a:t> starts with </a:t>
+            </a:r>
+            <a:r>
+              <a:rPr lang="en-IN" b="1" dirty="0"/>
+              <a:t>‘EOS’. </a:t>
+            </a:r>
+            <a:r>
+              <a:rPr lang="en-IN" dirty="0"/>
+              <a:t>E.g. EOS5cjMNJETNS8HrKBRZ4zC3PDYHRUhpmje1j21JQfz7FE3QueaiF</a:t>
+            </a:r>
+            <a:endParaRPr lang="en-US" dirty="0"/>
+          </a:p>
+        </p:txBody>
+      </p:sp>
     </p:spTree>
     <p:extLst>
       <p:ext uri="{BB962C8B-B14F-4D97-AF65-F5344CB8AC3E}">
-        <p14:creationId xmlns:p14="http://schemas.microsoft.com/office/powerpoint/2010/main" xmlns="" val="2531434088"/>
+        <p14:creationId xmlns="" xmlns:p14="http://schemas.microsoft.com/office/powerpoint/2010/main" val="1756368672"/>
       </p:ext>
     </p:extLst>
   </p:cSld>
@@ -6323,7 +6472,7 @@
           <p:cNvPr id="2" name="Title 1">
             <a:extLst>
               <a:ext uri="{FF2B5EF4-FFF2-40B4-BE49-F238E27FC236}">
-                <a16:creationId xmlns:a16="http://schemas.microsoft.com/office/drawing/2014/main" xmlns="" id="{B332D024-7CF7-40A7-8F6F-984DC362FDF1}"/>
+                <a16:creationId xmlns="" xmlns:a16="http://schemas.microsoft.com/office/drawing/2014/main" id="{9B8A52B3-BB66-42EA-ADE2-07AE6302E721}"/>
               </a:ext>
             </a:extLst>
           </p:cNvPr>
@@ -6340,76 +6489,46 @@
           <a:lstStyle/>
           <a:p>
             <a:r>
+              <a:rPr lang="en-US" dirty="0">
+                <a:solidFill>
+                  <a:schemeClr val="bg1">
+                    <a:lumMod val="50000"/>
+                  </a:schemeClr>
+                </a:solidFill>
+              </a:rPr>
+              <a:t>ETH</a:t>
+            </a:r>
+            <a:r>
               <a:rPr lang="en-US" dirty="0"/>
-              <a:t>Why EOSIO?</a:t>
-            </a:r>
-          </a:p>
-        </p:txBody>
-      </p:sp>
-      <p:sp>
-        <p:nvSpPr>
-          <p:cNvPr id="3" name="Content Placeholder 2">
+              <a:t> </a:t>
+            </a:r>
+            <a:r>
+              <a:rPr lang="en-US" cap="none" dirty="0"/>
+              <a:t>vs</a:t>
+            </a:r>
+            <a:r>
+              <a:rPr lang="en-US" dirty="0"/>
+              <a:t> </a:t>
+            </a:r>
+            <a:r>
+              <a:rPr lang="en-US" dirty="0">
+                <a:solidFill>
+                  <a:schemeClr val="accent2">
+                    <a:lumMod val="75000"/>
+                  </a:schemeClr>
+                </a:solidFill>
+              </a:rPr>
+              <a:t>EOS</a:t>
+            </a:r>
+          </a:p>
+        </p:txBody>
+      </p:sp>
+      <p:pic>
+        <p:nvPicPr>
+          <p:cNvPr id="4" name="Picture 3">
             <a:extLst>
               <a:ext uri="{FF2B5EF4-FFF2-40B4-BE49-F238E27FC236}">
-                <a16:creationId xmlns:a16="http://schemas.microsoft.com/office/drawing/2014/main" xmlns="" id="{1361F634-45EC-4A65-94AE-CFEB178B8661}"/>
-              </a:ext>
-            </a:extLst>
-          </p:cNvPr>
-          <p:cNvSpPr>
-            <a:spLocks noGrp="1"/>
-          </p:cNvSpPr>
-          <p:nvPr>
-            <p:ph idx="1"/>
-          </p:nvPr>
-        </p:nvSpPr>
-        <p:spPr>
-          <a:xfrm>
-            <a:off x="581193" y="2197682"/>
-            <a:ext cx="5514807" cy="3634486"/>
-          </a:xfrm>
-        </p:spPr>
-        <p:txBody>
-          <a:bodyPr/>
-          <a:lstStyle/>
-          <a:p>
-            <a:r>
-              <a:rPr lang="en-US" b="0" i="0" dirty="0" smtClean="0">
-                <a:solidFill>
-                  <a:srgbClr val="24292E"/>
-                </a:solidFill>
-                <a:effectLst/>
-                <a:latin typeface="-apple-system"/>
-              </a:rPr>
-              <a:t>It can be used as 4 different types of Blockchain</a:t>
-            </a:r>
-            <a:endParaRPr lang="en-US" b="0" i="0" dirty="0">
-              <a:solidFill>
-                <a:srgbClr val="24292E"/>
-              </a:solidFill>
-              <a:effectLst/>
-              <a:latin typeface="-apple-system"/>
-            </a:endParaRPr>
-          </a:p>
-          <a:p>
-            <a:endParaRPr lang="en-US" b="0" i="0" dirty="0">
-              <a:solidFill>
-                <a:srgbClr val="24292E"/>
-              </a:solidFill>
-              <a:effectLst/>
-              <a:latin typeface="-apple-system"/>
-            </a:endParaRPr>
-          </a:p>
-          <a:p>
-            <a:endParaRPr lang="en-US" dirty="0"/>
-          </a:p>
-        </p:txBody>
-      </p:sp>
-      <p:pic>
-        <p:nvPicPr>
-          <p:cNvPr id="5" name="Picture 4">
-            <a:extLst>
-              <a:ext uri="{FF2B5EF4-FFF2-40B4-BE49-F238E27FC236}">
-                <a16:creationId xmlns:a16="http://schemas.microsoft.com/office/drawing/2014/main" xmlns="" id="{F537BEB0-FF60-41FD-BF15-88BEB38D8587}"/>
+                <a16:creationId xmlns="" xmlns:a16="http://schemas.microsoft.com/office/drawing/2014/main" id="{AAA9D7D6-1B97-4854-BA9A-EFD9317ACB30}"/>
               </a:ext>
             </a:extLst>
           </p:cNvPr>
@@ -6425,8 +6544,82 @@
           </a:stretch>
         </p:blipFill>
         <p:spPr>
-          <a:xfrm>
-            <a:off x="9575111" y="497237"/>
+          <a:xfrm rot="197462">
+            <a:off x="409612" y="2628429"/>
+            <a:ext cx="11514818" cy="3749365"/>
+          </a:xfrm>
+          <a:prstGeom prst="rect">
+            <a:avLst/>
+          </a:prstGeom>
+        </p:spPr>
+      </p:pic>
+      <p:sp>
+        <p:nvSpPr>
+          <p:cNvPr id="5" name="TextBox 4">
+            <a:extLst>
+              <a:ext uri="{FF2B5EF4-FFF2-40B4-BE49-F238E27FC236}">
+                <a16:creationId xmlns="" xmlns:a16="http://schemas.microsoft.com/office/drawing/2014/main" id="{902EC33E-F7C3-4CFF-8DE4-B7A96777CD52}"/>
+              </a:ext>
+            </a:extLst>
+          </p:cNvPr>
+          <p:cNvSpPr txBox="1"/>
+          <p:nvPr/>
+        </p:nvSpPr>
+        <p:spPr>
+          <a:xfrm>
+            <a:off x="683580" y="1929896"/>
+            <a:ext cx="1012970" cy="369332"/>
+          </a:xfrm>
+          <a:prstGeom prst="rect">
+            <a:avLst/>
+          </a:prstGeom>
+          <a:solidFill>
+            <a:srgbClr val="FFC000"/>
+          </a:solidFill>
+          <a:effectLst>
+            <a:outerShdw blurRad="50800" dist="38100" dir="2700000" algn="tl" rotWithShape="0">
+              <a:prstClr val="black">
+                <a:alpha val="40000"/>
+              </a:prstClr>
+            </a:outerShdw>
+          </a:effectLst>
+        </p:spPr>
+        <p:txBody>
+          <a:bodyPr wrap="none" rtlCol="0">
+            <a:spAutoFit/>
+          </a:bodyPr>
+          <a:lstStyle/>
+          <a:p>
+            <a:r>
+              <a:rPr lang="en-US" dirty="0"/>
+              <a:t>Example</a:t>
+            </a:r>
+          </a:p>
+        </p:txBody>
+      </p:sp>
+      <p:pic>
+        <p:nvPicPr>
+          <p:cNvPr id="6" name="Picture 5">
+            <a:extLst>
+              <a:ext uri="{FF2B5EF4-FFF2-40B4-BE49-F238E27FC236}">
+                <a16:creationId xmlns="" xmlns:a16="http://schemas.microsoft.com/office/drawing/2014/main" id="{66939B56-B43E-4F80-9A70-BEDBC9414853}"/>
+              </a:ext>
+            </a:extLst>
+          </p:cNvPr>
+          <p:cNvPicPr>
+            <a:picLocks noChangeAspect="1"/>
+          </p:cNvPicPr>
+          <p:nvPr/>
+        </p:nvPicPr>
+        <p:blipFill>
+          <a:blip r:embed="rId3"/>
+          <a:stretch>
+            <a:fillRect/>
+          </a:stretch>
+        </p:blipFill>
+        <p:spPr>
+          <a:xfrm>
+            <a:off x="9582860" y="504986"/>
             <a:ext cx="2457091" cy="793645"/>
           </a:xfrm>
           <a:prstGeom prst="rect">
@@ -6437,7 +6630,7 @@
     </p:spTree>
     <p:extLst>
       <p:ext uri="{BB962C8B-B14F-4D97-AF65-F5344CB8AC3E}">
-        <p14:creationId xmlns:p14="http://schemas.microsoft.com/office/powerpoint/2010/main" xmlns="" val="588069994"/>
+        <p14:creationId xmlns="" xmlns:p14="http://schemas.microsoft.com/office/powerpoint/2010/main" val="2531434088"/>
       </p:ext>
     </p:extLst>
   </p:cSld>
@@ -6710,19 +6903,19 @@
   <a:extraClrSchemeLst/>
   <a:extLst>
     <a:ext uri="{05A4C25C-085E-4340-85A3-A5531E510DB2}">
-      <thm15:themeFamily xmlns:thm15="http://schemas.microsoft.com/office/thememl/2012/main" xmlns="" name="DividendVTI" id="{97558BDE-0B66-457C-BB6F-7B1B22DAA9B8}" vid="{F53508A3-AC60-448A-AF37-934D5F1A0D5E}"/>
+      <thm15:themeFamily xmlns="" xmlns:thm15="http://schemas.microsoft.com/office/thememl/2012/main" name="DividendVTI" id="{97558BDE-0B66-457C-BB6F-7B1B22DAA9B8}" vid="{F53508A3-AC60-448A-AF37-934D5F1A0D5E}"/>
     </a:ext>
   </a:extLst>
 </a:theme>
 </file>
 
 <file path=customXml/item1.xml><?xml version="1.0" encoding="utf-8"?>
-<p:properties xmlns:p="http://schemas.microsoft.com/office/2006/metadata/properties" xmlns:xsi="http://www.w3.org/2001/XMLSchema-instance" xmlns:pc="http://schemas.microsoft.com/office/infopath/2007/PartnerControls">
-  <documentManagement>
-    <Status xmlns="71af3243-3dd4-4a8d-8c0d-dd76da1f02a5">Not started</Status>
-    <MediaServiceKeyPoints xmlns="71af3243-3dd4-4a8d-8c0d-dd76da1f02a5" xsi:nil="true"/>
-  </documentManagement>
-</p:properties>
+<?mso-contentType ?>
+<FormTemplates xmlns="http://schemas.microsoft.com/sharepoint/v3/contenttype/forms">
+  <Display>DocumentLibraryForm</Display>
+  <Edit>DocumentLibraryForm</Edit>
+  <New>DocumentLibraryForm</New>
+</FormTemplates>
 </file>
 
 <file path=customXml/item2.xml><?xml version="1.0" encoding="utf-8"?>
@@ -6947,20 +7140,18 @@
 </file>
 
 <file path=customXml/item3.xml><?xml version="1.0" encoding="utf-8"?>
-<?mso-contentType ?>
-<FormTemplates xmlns="http://schemas.microsoft.com/sharepoint/v3/contenttype/forms">
-  <Display>DocumentLibraryForm</Display>
-  <Edit>DocumentLibraryForm</Edit>
-  <New>DocumentLibraryForm</New>
-</FormTemplates>
+<p:properties xmlns:p="http://schemas.microsoft.com/office/2006/metadata/properties" xmlns:xsi="http://www.w3.org/2001/XMLSchema-instance" xmlns:pc="http://schemas.microsoft.com/office/infopath/2007/PartnerControls">
+  <documentManagement>
+    <Status xmlns="71af3243-3dd4-4a8d-8c0d-dd76da1f02a5">Not started</Status>
+    <MediaServiceKeyPoints xmlns="71af3243-3dd4-4a8d-8c0d-dd76da1f02a5" xsi:nil="true"/>
+  </documentManagement>
+</p:properties>
 </file>
 
 <file path=customXml/itemProps1.xml><?xml version="1.0" encoding="utf-8"?>
-<ds:datastoreItem xmlns:ds="http://schemas.openxmlformats.org/officeDocument/2006/customXml" ds:itemID="{8D289AE2-D2AE-49D1-AFAC-3A79F6794255}">
+<ds:datastoreItem xmlns:ds="http://schemas.openxmlformats.org/officeDocument/2006/customXml" ds:itemID="{927BD4C1-B6B1-4715-ABF9-E660A51A4EA0}">
   <ds:schemaRefs>
-    <ds:schemaRef ds:uri="http://schemas.microsoft.com/office/2006/metadata/properties"/>
-    <ds:schemaRef ds:uri="http://schemas.microsoft.com/office/infopath/2007/PartnerControls"/>
-    <ds:schemaRef ds:uri="71af3243-3dd4-4a8d-8c0d-dd76da1f02a5"/>
+    <ds:schemaRef ds:uri="http://schemas.microsoft.com/sharepoint/v3/contenttype/forms"/>
   </ds:schemaRefs>
 </ds:datastoreItem>
 </file>
@@ -6985,9 +7176,11 @@
 </file>
 
 <file path=customXml/itemProps3.xml><?xml version="1.0" encoding="utf-8"?>
-<ds:datastoreItem xmlns:ds="http://schemas.openxmlformats.org/officeDocument/2006/customXml" ds:itemID="{927BD4C1-B6B1-4715-ABF9-E660A51A4EA0}">
+<ds:datastoreItem xmlns:ds="http://schemas.openxmlformats.org/officeDocument/2006/customXml" ds:itemID="{8D289AE2-D2AE-49D1-AFAC-3A79F6794255}">
   <ds:schemaRefs>
-    <ds:schemaRef ds:uri="http://schemas.microsoft.com/sharepoint/v3/contenttype/forms"/>
+    <ds:schemaRef ds:uri="http://schemas.microsoft.com/office/2006/metadata/properties"/>
+    <ds:schemaRef ds:uri="http://schemas.microsoft.com/office/infopath/2007/PartnerControls"/>
+    <ds:schemaRef ds:uri="71af3243-3dd4-4a8d-8c0d-dd76da1f02a5"/>
   </ds:schemaRefs>
 </ds:datastoreItem>
 </file>
--- a/PPT.pptx
+++ b/PPT.pptx
@@ -119,7 +119,7 @@
   </p:defaultTextStyle>
   <p:extLst>
     <p:ext uri="{EFAFB233-063F-42B5-8137-9DF3F51BA10A}">
-      <p15:sldGuideLst xmlns="" xmlns:p15="http://schemas.microsoft.com/office/powerpoint/2012/main">
+      <p15:sldGuideLst xmlns:p15="http://schemas.microsoft.com/office/powerpoint/2012/main" xmlns="">
         <p15:guide id="1" orient="horz" pos="2160">
           <p15:clr>
             <a:srgbClr val="A4A3A4"/>
@@ -356,7 +356,7 @@
           <p:cNvPr id="8" name="Date Placeholder 7">
             <a:extLst>
               <a:ext uri="{FF2B5EF4-FFF2-40B4-BE49-F238E27FC236}">
-                <a16:creationId xmlns="" xmlns:a16="http://schemas.microsoft.com/office/drawing/2014/main" id="{7FA0ACE7-29A8-47D3-A7D9-257B711D8023}"/>
+                <a16:creationId xmlns:a16="http://schemas.microsoft.com/office/drawing/2014/main" xmlns="" id="{7FA0ACE7-29A8-47D3-A7D9-257B711D8023}"/>
               </a:ext>
             </a:extLst>
           </p:cNvPr>
@@ -375,7 +375,7 @@
             <a:fld id="{ED291B17-9318-49DB-B28B-6E5994AE9581}" type="datetime1">
               <a:rPr lang="en-US" smtClean="0"/>
               <a:pPr/>
-              <a:t>4/23/2021</a:t>
+              <a:t>4/29/2021</a:t>
             </a:fld>
             <a:endParaRPr lang="en-US" dirty="0"/>
           </a:p>
@@ -386,7 +386,7 @@
           <p:cNvPr id="9" name="Footer Placeholder 8">
             <a:extLst>
               <a:ext uri="{FF2B5EF4-FFF2-40B4-BE49-F238E27FC236}">
-                <a16:creationId xmlns="" xmlns:a16="http://schemas.microsoft.com/office/drawing/2014/main" id="{DEC604B9-52E9-4810-8359-47206518D038}"/>
+                <a16:creationId xmlns:a16="http://schemas.microsoft.com/office/drawing/2014/main" xmlns="" id="{DEC604B9-52E9-4810-8359-47206518D038}"/>
               </a:ext>
             </a:extLst>
           </p:cNvPr>
@@ -411,7 +411,7 @@
           <p:cNvPr id="10" name="Slide Number Placeholder 9">
             <a:extLst>
               <a:ext uri="{FF2B5EF4-FFF2-40B4-BE49-F238E27FC236}">
-                <a16:creationId xmlns="" xmlns:a16="http://schemas.microsoft.com/office/drawing/2014/main" id="{5898A89F-CA25-400F-B05A-AECBF2517E4F}"/>
+                <a16:creationId xmlns:a16="http://schemas.microsoft.com/office/drawing/2014/main" xmlns="" id="{5898A89F-CA25-400F-B05A-AECBF2517E4F}"/>
               </a:ext>
             </a:extLst>
           </p:cNvPr>
@@ -439,7 +439,7 @@
     </p:spTree>
     <p:extLst>
       <p:ext uri="{BB962C8B-B14F-4D97-AF65-F5344CB8AC3E}">
-        <p14:creationId xmlns="" xmlns:p14="http://schemas.microsoft.com/office/powerpoint/2010/main" val="490017585"/>
+        <p14:creationId xmlns:p14="http://schemas.microsoft.com/office/powerpoint/2010/main" xmlns="" val="490017585"/>
       </p:ext>
     </p:extLst>
   </p:cSld>
@@ -580,7 +580,7 @@
             <a:fld id="{2CED4963-E985-44C4-B8C4-FDD613B7C2F8}" type="datetime1">
               <a:rPr lang="en-US" smtClean="0"/>
               <a:pPr/>
-              <a:t>4/23/2021</a:t>
+              <a:t>4/29/2021</a:t>
             </a:fld>
             <a:endParaRPr lang="en-US" dirty="0"/>
           </a:p>
@@ -632,7 +632,7 @@
     </p:spTree>
     <p:extLst>
       <p:ext uri="{BB962C8B-B14F-4D97-AF65-F5344CB8AC3E}">
-        <p14:creationId xmlns="" xmlns:p14="http://schemas.microsoft.com/office/powerpoint/2010/main" val="1283591147"/>
+        <p14:creationId xmlns:p14="http://schemas.microsoft.com/office/powerpoint/2010/main" xmlns="" val="1283591147"/>
       </p:ext>
     </p:extLst>
   </p:cSld>
@@ -796,7 +796,7 @@
           <p:cNvPr id="8" name="Rectangle 7">
             <a:extLst>
               <a:ext uri="{FF2B5EF4-FFF2-40B4-BE49-F238E27FC236}">
-                <a16:creationId xmlns="" xmlns:a16="http://schemas.microsoft.com/office/drawing/2014/main" id="{F6423B97-A5D4-47B9-8861-73B3707A04CF}"/>
+                <a16:creationId xmlns:a16="http://schemas.microsoft.com/office/drawing/2014/main" xmlns="" id="{F6423B97-A5D4-47B9-8861-73B3707A04CF}"/>
               </a:ext>
             </a:extLst>
           </p:cNvPr>
@@ -839,7 +839,7 @@
           <p:cNvPr id="9" name="Rectangle 8">
             <a:extLst>
               <a:ext uri="{FF2B5EF4-FFF2-40B4-BE49-F238E27FC236}">
-                <a16:creationId xmlns="" xmlns:a16="http://schemas.microsoft.com/office/drawing/2014/main" id="{1AEC0421-37B4-4481-A10D-69FDF5EC7909}"/>
+                <a16:creationId xmlns:a16="http://schemas.microsoft.com/office/drawing/2014/main" xmlns="" id="{1AEC0421-37B4-4481-A10D-69FDF5EC7909}"/>
               </a:ext>
             </a:extLst>
           </p:cNvPr>
@@ -882,7 +882,7 @@
           <p:cNvPr id="10" name="Rectangle 9">
             <a:extLst>
               <a:ext uri="{FF2B5EF4-FFF2-40B4-BE49-F238E27FC236}">
-                <a16:creationId xmlns="" xmlns:a16="http://schemas.microsoft.com/office/drawing/2014/main" id="{5F7265B5-9F97-4F1E-99E9-74F7B7E62337}"/>
+                <a16:creationId xmlns:a16="http://schemas.microsoft.com/office/drawing/2014/main" xmlns="" id="{5F7265B5-9F97-4F1E-99E9-74F7B7E62337}"/>
               </a:ext>
             </a:extLst>
           </p:cNvPr>
@@ -925,7 +925,7 @@
           <p:cNvPr id="11" name="Date Placeholder 10">
             <a:extLst>
               <a:ext uri="{FF2B5EF4-FFF2-40B4-BE49-F238E27FC236}">
-                <a16:creationId xmlns="" xmlns:a16="http://schemas.microsoft.com/office/drawing/2014/main" id="{5C74A470-3BD3-4F33-80E5-67E6E87FCBE7}"/>
+                <a16:creationId xmlns:a16="http://schemas.microsoft.com/office/drawing/2014/main" xmlns="" id="{5C74A470-3BD3-4F33-80E5-67E6E87FCBE7}"/>
               </a:ext>
             </a:extLst>
           </p:cNvPr>
@@ -944,7 +944,7 @@
             <a:fld id="{ED291B17-9318-49DB-B28B-6E5994AE9581}" type="datetime1">
               <a:rPr lang="en-US" smtClean="0"/>
               <a:pPr/>
-              <a:t>4/23/2021</a:t>
+              <a:t>4/29/2021</a:t>
             </a:fld>
             <a:endParaRPr lang="en-US" dirty="0"/>
           </a:p>
@@ -955,7 +955,7 @@
           <p:cNvPr id="12" name="Footer Placeholder 11">
             <a:extLst>
               <a:ext uri="{FF2B5EF4-FFF2-40B4-BE49-F238E27FC236}">
-                <a16:creationId xmlns="" xmlns:a16="http://schemas.microsoft.com/office/drawing/2014/main" id="{9A3A30BA-DB50-4D7D-BCDE-17D20FB354DF}"/>
+                <a16:creationId xmlns:a16="http://schemas.microsoft.com/office/drawing/2014/main" xmlns="" id="{9A3A30BA-DB50-4D7D-BCDE-17D20FB354DF}"/>
               </a:ext>
             </a:extLst>
           </p:cNvPr>
@@ -980,7 +980,7 @@
           <p:cNvPr id="13" name="Slide Number Placeholder 12">
             <a:extLst>
               <a:ext uri="{FF2B5EF4-FFF2-40B4-BE49-F238E27FC236}">
-                <a16:creationId xmlns="" xmlns:a16="http://schemas.microsoft.com/office/drawing/2014/main" id="{76FF9E58-C0B2-436B-A21C-DB45A00D6515}"/>
+                <a16:creationId xmlns:a16="http://schemas.microsoft.com/office/drawing/2014/main" xmlns="" id="{76FF9E58-C0B2-436B-A21C-DB45A00D6515}"/>
               </a:ext>
             </a:extLst>
           </p:cNvPr>
@@ -1008,7 +1008,7 @@
     </p:spTree>
     <p:extLst>
       <p:ext uri="{BB962C8B-B14F-4D97-AF65-F5344CB8AC3E}">
-        <p14:creationId xmlns="" xmlns:p14="http://schemas.microsoft.com/office/powerpoint/2010/main" val="3388849626"/>
+        <p14:creationId xmlns:p14="http://schemas.microsoft.com/office/powerpoint/2010/main" xmlns="" val="3388849626"/>
       </p:ext>
     </p:extLst>
   </p:cSld>
@@ -1125,7 +1125,7 @@
           <p:cNvPr id="8" name="Date Placeholder 7">
             <a:extLst>
               <a:ext uri="{FF2B5EF4-FFF2-40B4-BE49-F238E27FC236}">
-                <a16:creationId xmlns="" xmlns:a16="http://schemas.microsoft.com/office/drawing/2014/main" id="{770E6237-3456-439F-802D-3BA93FC7E3E5}"/>
+                <a16:creationId xmlns:a16="http://schemas.microsoft.com/office/drawing/2014/main" xmlns="" id="{770E6237-3456-439F-802D-3BA93FC7E3E5}"/>
               </a:ext>
             </a:extLst>
           </p:cNvPr>
@@ -1144,7 +1144,7 @@
             <a:fld id="{78DD82B9-B8EE-4375-B6FF-88FA6ABB15D9}" type="datetime1">
               <a:rPr lang="en-US" smtClean="0"/>
               <a:pPr/>
-              <a:t>4/23/2021</a:t>
+              <a:t>4/29/2021</a:t>
             </a:fld>
             <a:endParaRPr lang="en-US" dirty="0"/>
           </a:p>
@@ -1155,7 +1155,7 @@
           <p:cNvPr id="9" name="Footer Placeholder 8">
             <a:extLst>
               <a:ext uri="{FF2B5EF4-FFF2-40B4-BE49-F238E27FC236}">
-                <a16:creationId xmlns="" xmlns:a16="http://schemas.microsoft.com/office/drawing/2014/main" id="{1356D3B5-6063-4A89-B88F-9D3043916FF8}"/>
+                <a16:creationId xmlns:a16="http://schemas.microsoft.com/office/drawing/2014/main" xmlns="" id="{1356D3B5-6063-4A89-B88F-9D3043916FF8}"/>
               </a:ext>
             </a:extLst>
           </p:cNvPr>
@@ -1180,7 +1180,7 @@
           <p:cNvPr id="10" name="Slide Number Placeholder 9">
             <a:extLst>
               <a:ext uri="{FF2B5EF4-FFF2-40B4-BE49-F238E27FC236}">
-                <a16:creationId xmlns="" xmlns:a16="http://schemas.microsoft.com/office/drawing/2014/main" id="{02B78BF7-69D3-4CE0-A631-50EFD41EEEB8}"/>
+                <a16:creationId xmlns:a16="http://schemas.microsoft.com/office/drawing/2014/main" xmlns="" id="{02B78BF7-69D3-4CE0-A631-50EFD41EEEB8}"/>
               </a:ext>
             </a:extLst>
           </p:cNvPr>
@@ -1208,7 +1208,7 @@
     </p:spTree>
     <p:extLst>
       <p:ext uri="{BB962C8B-B14F-4D97-AF65-F5344CB8AC3E}">
-        <p14:creationId xmlns="" xmlns:p14="http://schemas.microsoft.com/office/powerpoint/2010/main" val="852443411"/>
+        <p14:creationId xmlns:p14="http://schemas.microsoft.com/office/powerpoint/2010/main" xmlns="" val="852443411"/>
       </p:ext>
     </p:extLst>
   </p:cSld>
@@ -1439,7 +1439,7 @@
           <p:cNvPr id="7" name="Date Placeholder 6">
             <a:extLst>
               <a:ext uri="{FF2B5EF4-FFF2-40B4-BE49-F238E27FC236}">
-                <a16:creationId xmlns="" xmlns:a16="http://schemas.microsoft.com/office/drawing/2014/main" id="{61582016-5696-4A93-887F-BBB3B9002FE5}"/>
+                <a16:creationId xmlns:a16="http://schemas.microsoft.com/office/drawing/2014/main" xmlns="" id="{61582016-5696-4A93-887F-BBB3B9002FE5}"/>
               </a:ext>
             </a:extLst>
           </p:cNvPr>
@@ -1458,7 +1458,7 @@
             <a:fld id="{B2497495-0637-405E-AE64-5CC7506D51F5}" type="datetime1">
               <a:rPr lang="en-US" smtClean="0"/>
               <a:pPr/>
-              <a:t>4/23/2021</a:t>
+              <a:t>4/29/2021</a:t>
             </a:fld>
             <a:endParaRPr lang="en-US" dirty="0"/>
           </a:p>
@@ -1469,7 +1469,7 @@
           <p:cNvPr id="9" name="Footer Placeholder 8">
             <a:extLst>
               <a:ext uri="{FF2B5EF4-FFF2-40B4-BE49-F238E27FC236}">
-                <a16:creationId xmlns="" xmlns:a16="http://schemas.microsoft.com/office/drawing/2014/main" id="{857CFCD5-1192-4E18-8A8F-29E153B44DA4}"/>
+                <a16:creationId xmlns:a16="http://schemas.microsoft.com/office/drawing/2014/main" xmlns="" id="{857CFCD5-1192-4E18-8A8F-29E153B44DA4}"/>
               </a:ext>
             </a:extLst>
           </p:cNvPr>
@@ -1494,7 +1494,7 @@
           <p:cNvPr id="10" name="Slide Number Placeholder 9">
             <a:extLst>
               <a:ext uri="{FF2B5EF4-FFF2-40B4-BE49-F238E27FC236}">
-                <a16:creationId xmlns="" xmlns:a16="http://schemas.microsoft.com/office/drawing/2014/main" id="{E39A109E-5018-4794-92B3-FD5E5BCD95E8}"/>
+                <a16:creationId xmlns:a16="http://schemas.microsoft.com/office/drawing/2014/main" xmlns="" id="{E39A109E-5018-4794-92B3-FD5E5BCD95E8}"/>
               </a:ext>
             </a:extLst>
           </p:cNvPr>
@@ -1522,7 +1522,7 @@
     </p:spTree>
     <p:extLst>
       <p:ext uri="{BB962C8B-B14F-4D97-AF65-F5344CB8AC3E}">
-        <p14:creationId xmlns="" xmlns:p14="http://schemas.microsoft.com/office/powerpoint/2010/main" val="366680978"/>
+        <p14:creationId xmlns:p14="http://schemas.microsoft.com/office/powerpoint/2010/main" xmlns="" val="366680978"/>
       </p:ext>
     </p:extLst>
   </p:cSld>
@@ -1713,7 +1713,7 @@
             <a:fld id="{7BFFD690-9426-415D-8B65-26881E07B2D4}" type="datetime1">
               <a:rPr lang="en-US" smtClean="0"/>
               <a:pPr/>
-              <a:t>4/23/2021</a:t>
+              <a:t>4/29/2021</a:t>
             </a:fld>
             <a:endParaRPr lang="en-US" dirty="0"/>
           </a:p>
@@ -1765,7 +1765,7 @@
     </p:spTree>
     <p:extLst>
       <p:ext uri="{BB962C8B-B14F-4D97-AF65-F5344CB8AC3E}">
-        <p14:creationId xmlns="" xmlns:p14="http://schemas.microsoft.com/office/powerpoint/2010/main" val="2483323219"/>
+        <p14:creationId xmlns:p14="http://schemas.microsoft.com/office/powerpoint/2010/main" xmlns="" val="2483323219"/>
       </p:ext>
     </p:extLst>
   </p:cSld>
@@ -2137,7 +2137,7 @@
             <a:fld id="{04C4989A-474C-40DE-95B9-011C28B71673}" type="datetime1">
               <a:rPr lang="en-US" smtClean="0"/>
               <a:pPr/>
-              <a:t>4/23/2021</a:t>
+              <a:t>4/29/2021</a:t>
             </a:fld>
             <a:endParaRPr lang="en-US" dirty="0"/>
           </a:p>
@@ -2189,7 +2189,7 @@
     </p:spTree>
     <p:extLst>
       <p:ext uri="{BB962C8B-B14F-4D97-AF65-F5344CB8AC3E}">
-        <p14:creationId xmlns="" xmlns:p14="http://schemas.microsoft.com/office/powerpoint/2010/main" val="1748046589"/>
+        <p14:creationId xmlns:p14="http://schemas.microsoft.com/office/powerpoint/2010/main" xmlns="" val="1748046589"/>
       </p:ext>
     </p:extLst>
   </p:cSld>
@@ -2262,7 +2262,7 @@
             <a:fld id="{5DB4ED54-5B5E-4A04-93D3-5772E3CE3818}" type="datetime1">
               <a:rPr lang="en-US" smtClean="0"/>
               <a:pPr/>
-              <a:t>4/23/2021</a:t>
+              <a:t>4/29/2021</a:t>
             </a:fld>
             <a:endParaRPr lang="en-US" dirty="0"/>
           </a:p>
@@ -2314,7 +2314,7 @@
     </p:spTree>
     <p:extLst>
       <p:ext uri="{BB962C8B-B14F-4D97-AF65-F5344CB8AC3E}">
-        <p14:creationId xmlns="" xmlns:p14="http://schemas.microsoft.com/office/powerpoint/2010/main" val="112936382"/>
+        <p14:creationId xmlns:p14="http://schemas.microsoft.com/office/powerpoint/2010/main" xmlns="" val="112936382"/>
       </p:ext>
     </p:extLst>
   </p:cSld>
@@ -2359,7 +2359,7 @@
             <a:fld id="{4EDE50D6-574B-40AF-946F-D52A04ADE379}" type="datetime1">
               <a:rPr lang="en-US" smtClean="0"/>
               <a:pPr/>
-              <a:t>4/23/2021</a:t>
+              <a:t>4/29/2021</a:t>
             </a:fld>
             <a:endParaRPr lang="en-US" dirty="0"/>
           </a:p>
@@ -2411,7 +2411,7 @@
     </p:spTree>
     <p:extLst>
       <p:ext uri="{BB962C8B-B14F-4D97-AF65-F5344CB8AC3E}">
-        <p14:creationId xmlns="" xmlns:p14="http://schemas.microsoft.com/office/powerpoint/2010/main" val="1129494974"/>
+        <p14:creationId xmlns:p14="http://schemas.microsoft.com/office/powerpoint/2010/main" xmlns="" val="1129494974"/>
       </p:ext>
     </p:extLst>
   </p:cSld>
@@ -2714,7 +2714,7 @@
           <p:cNvPr id="8" name="Date Placeholder 7">
             <a:extLst>
               <a:ext uri="{FF2B5EF4-FFF2-40B4-BE49-F238E27FC236}">
-                <a16:creationId xmlns="" xmlns:a16="http://schemas.microsoft.com/office/drawing/2014/main" id="{0B919CC2-2A65-446F-B538-9E6249035445}"/>
+                <a16:creationId xmlns:a16="http://schemas.microsoft.com/office/drawing/2014/main" xmlns="" id="{0B919CC2-2A65-446F-B538-9E6249035445}"/>
               </a:ext>
             </a:extLst>
           </p:cNvPr>
@@ -2738,7 +2738,7 @@
             <a:fld id="{D82884F1-FFEA-405F-9602-3DCA865EDA4E}" type="datetime1">
               <a:rPr lang="en-US" smtClean="0"/>
               <a:pPr/>
-              <a:t>4/23/2021</a:t>
+              <a:t>4/29/2021</a:t>
             </a:fld>
             <a:endParaRPr lang="en-US" dirty="0"/>
           </a:p>
@@ -2749,7 +2749,7 @@
           <p:cNvPr id="10" name="Footer Placeholder 9">
             <a:extLst>
               <a:ext uri="{FF2B5EF4-FFF2-40B4-BE49-F238E27FC236}">
-                <a16:creationId xmlns="" xmlns:a16="http://schemas.microsoft.com/office/drawing/2014/main" id="{B72412AE-119E-4982-8B24-63365EFCA796}"/>
+                <a16:creationId xmlns:a16="http://schemas.microsoft.com/office/drawing/2014/main" xmlns="" id="{B72412AE-119E-4982-8B24-63365EFCA796}"/>
               </a:ext>
             </a:extLst>
           </p:cNvPr>
@@ -2779,7 +2779,7 @@
           <p:cNvPr id="11" name="Slide Number Placeholder 10">
             <a:extLst>
               <a:ext uri="{FF2B5EF4-FFF2-40B4-BE49-F238E27FC236}">
-                <a16:creationId xmlns="" xmlns:a16="http://schemas.microsoft.com/office/drawing/2014/main" id="{7FC4BB19-6AD1-45CF-9F99-00B109890FAB}"/>
+                <a16:creationId xmlns:a16="http://schemas.microsoft.com/office/drawing/2014/main" xmlns="" id="{7FC4BB19-6AD1-45CF-9F99-00B109890FAB}"/>
               </a:ext>
             </a:extLst>
           </p:cNvPr>
@@ -2812,7 +2812,7 @@
     </p:spTree>
     <p:extLst>
       <p:ext uri="{BB962C8B-B14F-4D97-AF65-F5344CB8AC3E}">
-        <p14:creationId xmlns="" xmlns:p14="http://schemas.microsoft.com/office/powerpoint/2010/main" val="1261766693"/>
+        <p14:creationId xmlns:p14="http://schemas.microsoft.com/office/powerpoint/2010/main" xmlns="" val="1261766693"/>
       </p:ext>
     </p:extLst>
   </p:cSld>
@@ -3032,7 +3032,7 @@
             <a:fld id="{7E18DB4A-8810-4A10-AD5C-D5E2C667F5B3}" type="datetime1">
               <a:rPr lang="en-US" smtClean="0"/>
               <a:pPr/>
-              <a:t>4/23/2021</a:t>
+              <a:t>4/29/2021</a:t>
             </a:fld>
             <a:endParaRPr lang="en-US" dirty="0"/>
           </a:p>
@@ -3085,7 +3085,7 @@
     </p:spTree>
     <p:extLst>
       <p:ext uri="{BB962C8B-B14F-4D97-AF65-F5344CB8AC3E}">
-        <p14:creationId xmlns="" xmlns:p14="http://schemas.microsoft.com/office/powerpoint/2010/main" val="3573289553"/>
+        <p14:creationId xmlns:p14="http://schemas.microsoft.com/office/powerpoint/2010/main" xmlns="" val="3573289553"/>
       </p:ext>
     </p:extLst>
   </p:cSld>
@@ -3249,7 +3249,7 @@
             <a:fld id="{ED291B17-9318-49DB-B28B-6E5994AE9581}" type="datetime1">
               <a:rPr lang="en-US" smtClean="0"/>
               <a:pPr/>
-              <a:t>4/23/2021</a:t>
+              <a:t>4/29/2021</a:t>
             </a:fld>
             <a:endParaRPr lang="en-US" dirty="0"/>
           </a:p>
@@ -3450,7 +3450,7 @@
     </p:spTree>
     <p:extLst>
       <p:ext uri="{BB962C8B-B14F-4D97-AF65-F5344CB8AC3E}">
-        <p14:creationId xmlns="" xmlns:p14="http://schemas.microsoft.com/office/powerpoint/2010/main" val="3000897896"/>
+        <p14:creationId xmlns:p14="http://schemas.microsoft.com/office/powerpoint/2010/main" xmlns="" val="3000897896"/>
       </p:ext>
     </p:extLst>
   </p:cSld>
@@ -3895,10 +3895,10 @@
           <p:cNvPr id="18" name="Rectangle 17">
             <a:extLst>
               <a:ext uri="{FF2B5EF4-FFF2-40B4-BE49-F238E27FC236}">
-                <a16:creationId xmlns="" xmlns:a16="http://schemas.microsoft.com/office/drawing/2014/main" id="{D6D7A0BC-0046-4CAA-8E7F-DCAFE511EA0E}"/>
+                <a16:creationId xmlns:a16="http://schemas.microsoft.com/office/drawing/2014/main" xmlns="" id="{D6D7A0BC-0046-4CAA-8E7F-DCAFE511EA0E}"/>
               </a:ext>
               <a:ext uri="{C183D7F6-B498-43B3-948B-1728B52AA6E4}">
-                <adec:decorative xmlns="" xmlns:adec="http://schemas.microsoft.com/office/drawing/2017/decorative" val="1"/>
+                <adec:decorative xmlns:adec="http://schemas.microsoft.com/office/drawing/2017/decorative" xmlns="" val="1"/>
               </a:ext>
             </a:extLst>
           </p:cNvPr>
@@ -3908,7 +3908,7 @@
           <p:nvPr>
             <p:extLst>
               <p:ext uri="{386F3935-93C4-4BCD-93E2-E3B085C9AB24}">
-                <p16:designElem xmlns="" xmlns:p16="http://schemas.microsoft.com/office/powerpoint/2015/main" val="1"/>
+                <p16:designElem xmlns:p16="http://schemas.microsoft.com/office/powerpoint/2015/main" xmlns="" val="1"/>
               </p:ext>
             </p:extLst>
           </p:nvPr>
@@ -3955,7 +3955,7 @@
           <p:cNvPr id="2" name="Title 1">
             <a:extLst>
               <a:ext uri="{FF2B5EF4-FFF2-40B4-BE49-F238E27FC236}">
-                <a16:creationId xmlns="" xmlns:a16="http://schemas.microsoft.com/office/drawing/2014/main" id="{1C21E816-31F5-48BB-BD02-D15F2F18B48A}"/>
+                <a16:creationId xmlns:a16="http://schemas.microsoft.com/office/drawing/2014/main" xmlns="" id="{1C21E816-31F5-48BB-BD02-D15F2F18B48A}"/>
               </a:ext>
             </a:extLst>
           </p:cNvPr>
@@ -4003,7 +4003,7 @@
           <p:cNvPr id="3" name="Subtitle 2">
             <a:extLst>
               <a:ext uri="{FF2B5EF4-FFF2-40B4-BE49-F238E27FC236}">
-                <a16:creationId xmlns="" xmlns:a16="http://schemas.microsoft.com/office/drawing/2014/main" id="{835D6E6B-3353-491C-A3C6-F278D6CED8B3}"/>
+                <a16:creationId xmlns:a16="http://schemas.microsoft.com/office/drawing/2014/main" xmlns="" id="{835D6E6B-3353-491C-A3C6-F278D6CED8B3}"/>
               </a:ext>
             </a:extLst>
           </p:cNvPr>
@@ -4046,10 +4046,10 @@
           <p:cNvPr id="20" name="Rectangle 19">
             <a:extLst>
               <a:ext uri="{FF2B5EF4-FFF2-40B4-BE49-F238E27FC236}">
-                <a16:creationId xmlns="" xmlns:a16="http://schemas.microsoft.com/office/drawing/2014/main" id="{E7C6334F-6411-41EC-AD7D-179EDD8B58CB}"/>
+                <a16:creationId xmlns:a16="http://schemas.microsoft.com/office/drawing/2014/main" xmlns="" id="{E7C6334F-6411-41EC-AD7D-179EDD8B58CB}"/>
               </a:ext>
               <a:ext uri="{C183D7F6-B498-43B3-948B-1728B52AA6E4}">
-                <adec:decorative xmlns="" xmlns:adec="http://schemas.microsoft.com/office/drawing/2017/decorative" val="1"/>
+                <adec:decorative xmlns:adec="http://schemas.microsoft.com/office/drawing/2017/decorative" xmlns="" val="1"/>
               </a:ext>
             </a:extLst>
           </p:cNvPr>
@@ -4059,7 +4059,7 @@
           <p:nvPr>
             <p:extLst>
               <p:ext uri="{386F3935-93C4-4BCD-93E2-E3B085C9AB24}">
-                <p16:designElem xmlns="" xmlns:p16="http://schemas.microsoft.com/office/powerpoint/2015/main" val="1"/>
+                <p16:designElem xmlns:p16="http://schemas.microsoft.com/office/powerpoint/2015/main" xmlns="" val="1"/>
               </p:ext>
             </p:extLst>
           </p:nvPr>
@@ -4100,10 +4100,10 @@
           <p:cNvPr id="22" name="Rectangle 21">
             <a:extLst>
               <a:ext uri="{FF2B5EF4-FFF2-40B4-BE49-F238E27FC236}">
-                <a16:creationId xmlns="" xmlns:a16="http://schemas.microsoft.com/office/drawing/2014/main" id="{E6B02CEE-3AF8-4349-9B3E-8970E6DF62B3}"/>
+                <a16:creationId xmlns:a16="http://schemas.microsoft.com/office/drawing/2014/main" xmlns="" id="{E6B02CEE-3AF8-4349-9B3E-8970E6DF62B3}"/>
               </a:ext>
               <a:ext uri="{C183D7F6-B498-43B3-948B-1728B52AA6E4}">
-                <adec:decorative xmlns="" xmlns:adec="http://schemas.microsoft.com/office/drawing/2017/decorative" val="1"/>
+                <adec:decorative xmlns:adec="http://schemas.microsoft.com/office/drawing/2017/decorative" xmlns="" val="1"/>
               </a:ext>
             </a:extLst>
           </p:cNvPr>
@@ -4113,7 +4113,7 @@
           <p:nvPr>
             <p:extLst>
               <p:ext uri="{386F3935-93C4-4BCD-93E2-E3B085C9AB24}">
-                <p16:designElem xmlns="" xmlns:p16="http://schemas.microsoft.com/office/powerpoint/2015/main" val="1"/>
+                <p16:designElem xmlns:p16="http://schemas.microsoft.com/office/powerpoint/2015/main" xmlns="" val="1"/>
               </p:ext>
             </p:extLst>
           </p:nvPr>
@@ -4154,10 +4154,10 @@
           <p:cNvPr id="24" name="Rectangle 23">
             <a:extLst>
               <a:ext uri="{FF2B5EF4-FFF2-40B4-BE49-F238E27FC236}">
-                <a16:creationId xmlns="" xmlns:a16="http://schemas.microsoft.com/office/drawing/2014/main" id="{AAA01CF0-3FB5-44EB-B7DE-F2E86374C2FB}"/>
+                <a16:creationId xmlns:a16="http://schemas.microsoft.com/office/drawing/2014/main" xmlns="" id="{AAA01CF0-3FB5-44EB-B7DE-F2E86374C2FB}"/>
               </a:ext>
               <a:ext uri="{C183D7F6-B498-43B3-948B-1728B52AA6E4}">
-                <adec:decorative xmlns="" xmlns:adec="http://schemas.microsoft.com/office/drawing/2017/decorative" val="1"/>
+                <adec:decorative xmlns:adec="http://schemas.microsoft.com/office/drawing/2017/decorative" xmlns="" val="1"/>
               </a:ext>
             </a:extLst>
           </p:cNvPr>
@@ -4167,7 +4167,7 @@
           <p:nvPr>
             <p:extLst>
               <p:ext uri="{386F3935-93C4-4BCD-93E2-E3B085C9AB24}">
-                <p16:designElem xmlns="" xmlns:p16="http://schemas.microsoft.com/office/powerpoint/2015/main" val="1"/>
+                <p16:designElem xmlns:p16="http://schemas.microsoft.com/office/powerpoint/2015/main" xmlns="" val="1"/>
               </p:ext>
             </p:extLst>
           </p:nvPr>
@@ -4208,7 +4208,7 @@
           <p:cNvPr id="6" name="Picture 5">
             <a:extLst>
               <a:ext uri="{FF2B5EF4-FFF2-40B4-BE49-F238E27FC236}">
-                <a16:creationId xmlns="" xmlns:a16="http://schemas.microsoft.com/office/drawing/2014/main" id="{F1A8C364-94D4-4630-BAD0-78722F347055}"/>
+                <a16:creationId xmlns:a16="http://schemas.microsoft.com/office/drawing/2014/main" xmlns="" id="{F1A8C364-94D4-4630-BAD0-78722F347055}"/>
               </a:ext>
             </a:extLst>
           </p:cNvPr>
@@ -4237,7 +4237,7 @@
           <p:cNvPr id="5" name="Picture 4">
             <a:extLst>
               <a:ext uri="{FF2B5EF4-FFF2-40B4-BE49-F238E27FC236}">
-                <a16:creationId xmlns="" xmlns:a16="http://schemas.microsoft.com/office/drawing/2014/main" id="{2DF2DA5F-92AD-4BB3-A745-CA1ECB503B1F}"/>
+                <a16:creationId xmlns:a16="http://schemas.microsoft.com/office/drawing/2014/main" xmlns="" id="{2DF2DA5F-92AD-4BB3-A745-CA1ECB503B1F}"/>
               </a:ext>
             </a:extLst>
           </p:cNvPr>
@@ -4265,13 +4265,20 @@
     </p:spTree>
     <p:extLst>
       <p:ext uri="{BB962C8B-B14F-4D97-AF65-F5344CB8AC3E}">
-        <p14:creationId xmlns="" xmlns:p14="http://schemas.microsoft.com/office/powerpoint/2010/main" val="2475805559"/>
+        <p14:creationId xmlns:p14="http://schemas.microsoft.com/office/powerpoint/2010/main" xmlns="" val="2475805559"/>
       </p:ext>
     </p:extLst>
   </p:cSld>
   <p:clrMapOvr>
     <a:masterClrMapping/>
   </p:clrMapOvr>
+  <p:timing>
+    <p:tnLst>
+      <p:par>
+        <p:cTn id="1" dur="indefinite" restart="never" nodeType="tmRoot"/>
+      </p:par>
+    </p:tnLst>
+  </p:timing>
 </p:sld>
 </file>
 
@@ -4297,7 +4304,7 @@
           <p:cNvPr id="2" name="Title 1">
             <a:extLst>
               <a:ext uri="{FF2B5EF4-FFF2-40B4-BE49-F238E27FC236}">
-                <a16:creationId xmlns="" xmlns:a16="http://schemas.microsoft.com/office/drawing/2014/main" id="{B332D024-7CF7-40A7-8F6F-984DC362FDF1}"/>
+                <a16:creationId xmlns:a16="http://schemas.microsoft.com/office/drawing/2014/main" xmlns="" id="{B332D024-7CF7-40A7-8F6F-984DC362FDF1}"/>
               </a:ext>
             </a:extLst>
           </p:cNvPr>
@@ -4325,7 +4332,7 @@
           <p:cNvPr id="3" name="Content Placeholder 2">
             <a:extLst>
               <a:ext uri="{FF2B5EF4-FFF2-40B4-BE49-F238E27FC236}">
-                <a16:creationId xmlns="" xmlns:a16="http://schemas.microsoft.com/office/drawing/2014/main" id="{1361F634-45EC-4A65-94AE-CFEB178B8661}"/>
+                <a16:creationId xmlns:a16="http://schemas.microsoft.com/office/drawing/2014/main" xmlns="" id="{1361F634-45EC-4A65-94AE-CFEB178B8661}"/>
               </a:ext>
             </a:extLst>
           </p:cNvPr>
@@ -4354,37 +4361,7 @@
                 <a:effectLst/>
                 <a:latin typeface="-apple-system"/>
               </a:rPr>
-              <a:t>The protocol can </a:t>
-            </a:r>
-            <a:r>
-              <a:rPr lang="en-US" b="0" i="0" dirty="0" smtClean="0">
-                <a:solidFill>
-                  <a:srgbClr val="24292E"/>
-                </a:solidFill>
-                <a:effectLst/>
-                <a:latin typeface="-apple-system"/>
-              </a:rPr>
-              <a:t>be used as </a:t>
-            </a:r>
-            <a:r>
-              <a:rPr lang="en-US" b="0" i="0" dirty="0" smtClean="0">
-                <a:solidFill>
-                  <a:srgbClr val="24292E"/>
-                </a:solidFill>
-                <a:effectLst/>
-                <a:latin typeface="-apple-system"/>
-              </a:rPr>
-              <a:t>either of the 4 </a:t>
-            </a:r>
-            <a:r>
-              <a:rPr lang="en-US" b="0" i="0" dirty="0" smtClean="0">
-                <a:solidFill>
-                  <a:srgbClr val="24292E"/>
-                </a:solidFill>
-                <a:effectLst/>
-                <a:latin typeface="-apple-system"/>
-              </a:rPr>
-              <a:t>different types of </a:t>
+              <a:t>The protocol can be used as either of the 4 different types of </a:t>
             </a:r>
             <a:r>
               <a:rPr lang="en-US" b="0" i="0" dirty="0" err="1" smtClean="0">
@@ -4403,16 +4380,7 @@
                 </a:solidFill>
                 <a:latin typeface="-apple-system"/>
               </a:rPr>
-              <a:t>  </a:t>
-            </a:r>
-            <a:r>
-              <a:rPr lang="en-US" dirty="0" smtClean="0">
-                <a:solidFill>
-                  <a:srgbClr val="24292E"/>
-                </a:solidFill>
-                <a:latin typeface="-apple-system"/>
-              </a:rPr>
-              <a:t>i.e. for any type of industry use cases, in order to power their own cloud servers.</a:t>
+              <a:t>  i.e. for any type of industry use cases, in order to power their own cloud servers.</a:t>
             </a:r>
           </a:p>
           <a:p>
@@ -4508,7 +4476,7 @@
           <p:cNvPr id="5" name="Picture 4">
             <a:extLst>
               <a:ext uri="{FF2B5EF4-FFF2-40B4-BE49-F238E27FC236}">
-                <a16:creationId xmlns="" xmlns:a16="http://schemas.microsoft.com/office/drawing/2014/main" id="{F537BEB0-FF60-41FD-BF15-88BEB38D8587}"/>
+                <a16:creationId xmlns:a16="http://schemas.microsoft.com/office/drawing/2014/main" xmlns="" id="{F537BEB0-FF60-41FD-BF15-88BEB38D8587}"/>
               </a:ext>
             </a:extLst>
           </p:cNvPr>
@@ -4536,7 +4504,7 @@
     </p:spTree>
     <p:extLst>
       <p:ext uri="{BB962C8B-B14F-4D97-AF65-F5344CB8AC3E}">
-        <p14:creationId xmlns="" xmlns:p14="http://schemas.microsoft.com/office/powerpoint/2010/main" val="588069994"/>
+        <p14:creationId xmlns:p14="http://schemas.microsoft.com/office/powerpoint/2010/main" xmlns="" val="588069994"/>
       </p:ext>
     </p:extLst>
   </p:cSld>
@@ -4568,7 +4536,7 @@
           <p:cNvPr id="2" name="Title 1">
             <a:extLst>
               <a:ext uri="{FF2B5EF4-FFF2-40B4-BE49-F238E27FC236}">
-                <a16:creationId xmlns="" xmlns:a16="http://schemas.microsoft.com/office/drawing/2014/main" id="{DBC6775C-1BF0-434F-A429-28C52C8BEFD7}"/>
+                <a16:creationId xmlns:a16="http://schemas.microsoft.com/office/drawing/2014/main" xmlns="" id="{DBC6775C-1BF0-434F-A429-28C52C8BEFD7}"/>
               </a:ext>
             </a:extLst>
           </p:cNvPr>
@@ -4626,7 +4594,7 @@
           <p:cNvPr id="3" name="Picture 2">
             <a:extLst>
               <a:ext uri="{FF2B5EF4-FFF2-40B4-BE49-F238E27FC236}">
-                <a16:creationId xmlns="" xmlns:a16="http://schemas.microsoft.com/office/drawing/2014/main" id="{23290E1D-59B3-445E-8085-B4BA2CF51FB1}"/>
+                <a16:creationId xmlns:a16="http://schemas.microsoft.com/office/drawing/2014/main" xmlns="" id="{23290E1D-59B3-445E-8085-B4BA2CF51FB1}"/>
               </a:ext>
             </a:extLst>
           </p:cNvPr>
@@ -4654,7 +4622,7 @@
     </p:spTree>
     <p:extLst>
       <p:ext uri="{BB962C8B-B14F-4D97-AF65-F5344CB8AC3E}">
-        <p14:creationId xmlns="" xmlns:p14="http://schemas.microsoft.com/office/powerpoint/2010/main" val="3315502033"/>
+        <p14:creationId xmlns:p14="http://schemas.microsoft.com/office/powerpoint/2010/main" xmlns="" val="3315502033"/>
       </p:ext>
     </p:extLst>
   </p:cSld>
@@ -4687,7 +4655,7 @@
             <a:hlinkClick r:id="rId2"/>
             <a:extLst>
               <a:ext uri="{FF2B5EF4-FFF2-40B4-BE49-F238E27FC236}">
-                <a16:creationId xmlns="" xmlns:a16="http://schemas.microsoft.com/office/drawing/2014/main" id="{63816459-461E-4B4F-81FA-AF665B4B7FBF}"/>
+                <a16:creationId xmlns:a16="http://schemas.microsoft.com/office/drawing/2014/main" xmlns="" id="{63816459-461E-4B4F-81FA-AF665B4B7FBF}"/>
               </a:ext>
             </a:extLst>
           </p:cNvPr>
@@ -4716,7 +4684,7 @@
           <p:cNvPr id="4" name="Picture 3">
             <a:extLst>
               <a:ext uri="{FF2B5EF4-FFF2-40B4-BE49-F238E27FC236}">
-                <a16:creationId xmlns="" xmlns:a16="http://schemas.microsoft.com/office/drawing/2014/main" id="{448DD441-D7B1-4AAC-90BF-1D766109F833}"/>
+                <a16:creationId xmlns:a16="http://schemas.microsoft.com/office/drawing/2014/main" xmlns="" id="{448DD441-D7B1-4AAC-90BF-1D766109F833}"/>
               </a:ext>
             </a:extLst>
           </p:cNvPr>
@@ -4744,7 +4712,7 @@
     </p:spTree>
     <p:extLst>
       <p:ext uri="{BB962C8B-B14F-4D97-AF65-F5344CB8AC3E}">
-        <p14:creationId xmlns="" xmlns:p14="http://schemas.microsoft.com/office/powerpoint/2010/main" val="13144033"/>
+        <p14:creationId xmlns:p14="http://schemas.microsoft.com/office/powerpoint/2010/main" xmlns="" val="13144033"/>
       </p:ext>
     </p:extLst>
   </p:cSld>
@@ -4776,7 +4744,7 @@
           <p:cNvPr id="2" name="Title 1">
             <a:extLst>
               <a:ext uri="{FF2B5EF4-FFF2-40B4-BE49-F238E27FC236}">
-                <a16:creationId xmlns="" xmlns:a16="http://schemas.microsoft.com/office/drawing/2014/main" id="{DBC6775C-1BF0-434F-A429-28C52C8BEFD7}"/>
+                <a16:creationId xmlns:a16="http://schemas.microsoft.com/office/drawing/2014/main" xmlns="" id="{DBC6775C-1BF0-434F-A429-28C52C8BEFD7}"/>
               </a:ext>
             </a:extLst>
           </p:cNvPr>
@@ -4827,7 +4795,7 @@
           <p:cNvPr id="3" name="Picture 2">
             <a:extLst>
               <a:ext uri="{FF2B5EF4-FFF2-40B4-BE49-F238E27FC236}">
-                <a16:creationId xmlns="" xmlns:a16="http://schemas.microsoft.com/office/drawing/2014/main" id="{23290E1D-59B3-445E-8085-B4BA2CF51FB1}"/>
+                <a16:creationId xmlns:a16="http://schemas.microsoft.com/office/drawing/2014/main" xmlns="" id="{23290E1D-59B3-445E-8085-B4BA2CF51FB1}"/>
               </a:ext>
             </a:extLst>
           </p:cNvPr>
@@ -4855,7 +4823,7 @@
     </p:spTree>
     <p:extLst>
       <p:ext uri="{BB962C8B-B14F-4D97-AF65-F5344CB8AC3E}">
-        <p14:creationId xmlns="" xmlns:p14="http://schemas.microsoft.com/office/powerpoint/2010/main" val="3315502033"/>
+        <p14:creationId xmlns:p14="http://schemas.microsoft.com/office/powerpoint/2010/main" xmlns="" val="3315502033"/>
       </p:ext>
     </p:extLst>
   </p:cSld>
@@ -4931,7 +4899,7 @@
             <p:cNvPr id="4" name="TextBox 3">
               <a:extLst>
                 <a:ext uri="{FF2B5EF4-FFF2-40B4-BE49-F238E27FC236}">
-                  <a16:creationId xmlns="" xmlns:a16="http://schemas.microsoft.com/office/drawing/2014/main" id="{9674CE2F-8E4B-4E87-8AD5-2A4452B2662D}"/>
+                  <a16:creationId xmlns:a16="http://schemas.microsoft.com/office/drawing/2014/main" xmlns="" id="{9674CE2F-8E4B-4E87-8AD5-2A4452B2662D}"/>
                 </a:ext>
               </a:extLst>
             </p:cNvPr>
@@ -5044,7 +5012,7 @@
           <p:cNvPr id="2" name="Title 1">
             <a:extLst>
               <a:ext uri="{FF2B5EF4-FFF2-40B4-BE49-F238E27FC236}">
-                <a16:creationId xmlns="" xmlns:a16="http://schemas.microsoft.com/office/drawing/2014/main" id="{5E562972-3449-42D1-8185-B4BEFD52AB44}"/>
+                <a16:creationId xmlns:a16="http://schemas.microsoft.com/office/drawing/2014/main" xmlns="" id="{5E562972-3449-42D1-8185-B4BEFD52AB44}"/>
               </a:ext>
             </a:extLst>
           </p:cNvPr>
@@ -5055,7 +5023,12 @@
             <p:ph type="title"/>
           </p:nvPr>
         </p:nvSpPr>
-        <p:spPr/>
+        <p:spPr>
+          <a:xfrm>
+            <a:off x="497110" y="281743"/>
+            <a:ext cx="11029616" cy="1188720"/>
+          </a:xfrm>
+        </p:spPr>
         <p:txBody>
           <a:bodyPr/>
           <a:lstStyle/>
@@ -5072,7 +5045,7 @@
           <p:cNvPr id="5" name="Content Placeholder 4">
             <a:extLst>
               <a:ext uri="{FF2B5EF4-FFF2-40B4-BE49-F238E27FC236}">
-                <a16:creationId xmlns="" xmlns:a16="http://schemas.microsoft.com/office/drawing/2014/main" id="{926AD263-543C-4FCA-8623-005292E20604}"/>
+                <a16:creationId xmlns:a16="http://schemas.microsoft.com/office/drawing/2014/main" xmlns="" id="{926AD263-543C-4FCA-8623-005292E20604}"/>
               </a:ext>
             </a:extLst>
           </p:cNvPr>
@@ -5085,38 +5058,352 @@
         </p:nvSpPr>
         <p:spPr>
           <a:xfrm>
-            <a:off x="581193" y="2340864"/>
-            <a:ext cx="6355636" cy="3634486"/>
+            <a:off x="528640" y="1702676"/>
+            <a:ext cx="6744517" cy="5418082"/>
           </a:xfrm>
         </p:spPr>
         <p:txBody>
           <a:bodyPr>
-            <a:normAutofit/>
+            <a:normAutofit fontScale="92500" lnSpcReduction="20000"/>
           </a:bodyPr>
           <a:lstStyle/>
           <a:p>
             <a:r>
-              <a:rPr lang="en-US" dirty="0">
+              <a:rPr lang="en-US" dirty="0" smtClean="0">
                 <a:hlinkClick r:id="rId2" action="ppaction://hlinksldjump"/>
               </a:rPr>
               <a:t>Overview</a:t>
             </a:r>
-            <a:endParaRPr lang="en-US" dirty="0"/>
+            <a:r>
+              <a:rPr lang="en-US" dirty="0" smtClean="0"/>
+              <a:t/>
+            </a:r>
+            <a:br>
+              <a:rPr lang="en-US" dirty="0" smtClean="0"/>
+            </a:br>
+            <a:r>
+              <a:rPr lang="en-US" dirty="0" smtClean="0">
+                <a:latin typeface="Aparajita" pitchFamily="18" charset="0"/>
+                <a:cs typeface="Aparajita" pitchFamily="18" charset="0"/>
+              </a:rPr>
+              <a:t>- Two General’s Problem</a:t>
+            </a:r>
+            <a:br>
+              <a:rPr lang="en-US" dirty="0" smtClean="0">
+                <a:latin typeface="Aparajita" pitchFamily="18" charset="0"/>
+                <a:cs typeface="Aparajita" pitchFamily="18" charset="0"/>
+              </a:rPr>
+            </a:br>
+            <a:r>
+              <a:rPr lang="en-US" dirty="0" smtClean="0">
+                <a:latin typeface="Aparajita" pitchFamily="18" charset="0"/>
+                <a:cs typeface="Aparajita" pitchFamily="18" charset="0"/>
+              </a:rPr>
+              <a:t>- </a:t>
+            </a:r>
+            <a:r>
+              <a:rPr lang="en-US" dirty="0" err="1" smtClean="0">
+                <a:latin typeface="Aparajita" pitchFamily="18" charset="0"/>
+                <a:cs typeface="Aparajita" pitchFamily="18" charset="0"/>
+              </a:rPr>
+              <a:t>Blockchain</a:t>
+            </a:r>
+            <a:r>
+              <a:rPr lang="en-US" dirty="0" smtClean="0">
+                <a:latin typeface="Aparajita" pitchFamily="18" charset="0"/>
+                <a:cs typeface="Aparajita" pitchFamily="18" charset="0"/>
+              </a:rPr>
+              <a:t/>
+            </a:r>
+            <a:br>
+              <a:rPr lang="en-US" dirty="0" smtClean="0">
+                <a:latin typeface="Aparajita" pitchFamily="18" charset="0"/>
+                <a:cs typeface="Aparajita" pitchFamily="18" charset="0"/>
+              </a:rPr>
+            </a:br>
+            <a:r>
+              <a:rPr lang="en-US" dirty="0" smtClean="0">
+                <a:latin typeface="Aparajita" pitchFamily="18" charset="0"/>
+                <a:cs typeface="Aparajita" pitchFamily="18" charset="0"/>
+              </a:rPr>
+              <a:t>- Consensus</a:t>
+            </a:r>
+            <a:br>
+              <a:rPr lang="en-US" dirty="0" smtClean="0">
+                <a:latin typeface="Aparajita" pitchFamily="18" charset="0"/>
+                <a:cs typeface="Aparajita" pitchFamily="18" charset="0"/>
+              </a:rPr>
+            </a:br>
+            <a:r>
+              <a:rPr lang="en-US" dirty="0" smtClean="0">
+                <a:latin typeface="Aparajita" pitchFamily="18" charset="0"/>
+                <a:cs typeface="Aparajita" pitchFamily="18" charset="0"/>
+              </a:rPr>
+              <a:t>- </a:t>
+            </a:r>
+            <a:r>
+              <a:rPr lang="en-US" dirty="0" err="1" smtClean="0">
+                <a:latin typeface="Aparajita" pitchFamily="18" charset="0"/>
+                <a:cs typeface="Aparajita" pitchFamily="18" charset="0"/>
+              </a:rPr>
+              <a:t>Cryptocurrency</a:t>
+            </a:r>
+            <a:r>
+              <a:rPr lang="en-US" dirty="0" smtClean="0">
+                <a:latin typeface="Aparajita" pitchFamily="18" charset="0"/>
+                <a:cs typeface="Aparajita" pitchFamily="18" charset="0"/>
+              </a:rPr>
+              <a:t/>
+            </a:r>
+            <a:br>
+              <a:rPr lang="en-US" dirty="0" smtClean="0">
+                <a:latin typeface="Aparajita" pitchFamily="18" charset="0"/>
+                <a:cs typeface="Aparajita" pitchFamily="18" charset="0"/>
+              </a:rPr>
+            </a:br>
+            <a:r>
+              <a:rPr lang="en-US" dirty="0" smtClean="0">
+                <a:latin typeface="Aparajita" pitchFamily="18" charset="0"/>
+                <a:cs typeface="Aparajita" pitchFamily="18" charset="0"/>
+              </a:rPr>
+              <a:t>- ETH </a:t>
+            </a:r>
+            <a:r>
+              <a:rPr lang="en-US" dirty="0" err="1" smtClean="0">
+                <a:latin typeface="Aparajita" pitchFamily="18" charset="0"/>
+                <a:cs typeface="Aparajita" pitchFamily="18" charset="0"/>
+              </a:rPr>
+              <a:t>vs</a:t>
+            </a:r>
+            <a:r>
+              <a:rPr lang="en-US" dirty="0" smtClean="0">
+                <a:latin typeface="Aparajita" pitchFamily="18" charset="0"/>
+                <a:cs typeface="Aparajita" pitchFamily="18" charset="0"/>
+              </a:rPr>
+              <a:t> EOS</a:t>
+            </a:r>
+            <a:br>
+              <a:rPr lang="en-US" dirty="0" smtClean="0">
+                <a:latin typeface="Aparajita" pitchFamily="18" charset="0"/>
+                <a:cs typeface="Aparajita" pitchFamily="18" charset="0"/>
+              </a:rPr>
+            </a:br>
+            <a:r>
+              <a:rPr lang="en-US" dirty="0" smtClean="0">
+                <a:latin typeface="Aparajita" pitchFamily="18" charset="0"/>
+                <a:cs typeface="Aparajita" pitchFamily="18" charset="0"/>
+              </a:rPr>
+              <a:t>- Why EOSIO?</a:t>
+            </a:r>
+            <a:endParaRPr lang="en-US" dirty="0">
+              <a:latin typeface="Aparajita" pitchFamily="18" charset="0"/>
+              <a:cs typeface="Aparajita" pitchFamily="18" charset="0"/>
+            </a:endParaRPr>
           </a:p>
           <a:p>
             <a:r>
               <a:rPr lang="en-US" dirty="0">
                 <a:hlinkClick r:id="rId3" action="ppaction://hlinksldjump"/>
               </a:rPr>
-              <a:t>Block Explorer</a:t>
-            </a:r>
-            <a:endParaRPr lang="en-US" dirty="0"/>
-          </a:p>
-          <a:p>
+              <a:t>Block </a:t>
+            </a:r>
+            <a:r>
+              <a:rPr lang="en-US" dirty="0" smtClean="0">
+                <a:hlinkClick r:id="rId3" action="ppaction://hlinksldjump"/>
+              </a:rPr>
+              <a:t>Explorer</a:t>
+            </a:r>
             <a:r>
               <a:rPr lang="en-US" dirty="0" smtClean="0"/>
+              <a:t/>
+            </a:r>
+            <a:br>
+              <a:rPr lang="en-US" dirty="0" smtClean="0"/>
+            </a:br>
+            <a:r>
+              <a:rPr lang="en-US" dirty="0" smtClean="0">
+                <a:latin typeface="Aparajita" pitchFamily="18" charset="0"/>
+                <a:cs typeface="Aparajita" pitchFamily="18" charset="0"/>
+              </a:rPr>
+              <a:t>- Producer/Miner/</a:t>
+            </a:r>
+            <a:r>
+              <a:rPr lang="en-US" dirty="0" err="1" smtClean="0">
+                <a:latin typeface="Aparajita" pitchFamily="18" charset="0"/>
+                <a:cs typeface="Aparajita" pitchFamily="18" charset="0"/>
+              </a:rPr>
+              <a:t>Validator</a:t>
+            </a:r>
+            <a:r>
+              <a:rPr lang="en-US" dirty="0" smtClean="0">
+                <a:latin typeface="Aparajita" pitchFamily="18" charset="0"/>
+                <a:cs typeface="Aparajita" pitchFamily="18" charset="0"/>
+              </a:rPr>
+              <a:t/>
+            </a:r>
+            <a:br>
+              <a:rPr lang="en-US" dirty="0" smtClean="0">
+                <a:latin typeface="Aparajita" pitchFamily="18" charset="0"/>
+                <a:cs typeface="Aparajita" pitchFamily="18" charset="0"/>
+              </a:rPr>
+            </a:br>
+            <a:r>
+              <a:rPr lang="en-US" dirty="0" smtClean="0">
+                <a:latin typeface="Aparajita" pitchFamily="18" charset="0"/>
+                <a:cs typeface="Aparajita" pitchFamily="18" charset="0"/>
+              </a:rPr>
+              <a:t>- Blocks</a:t>
+            </a:r>
+            <a:br>
+              <a:rPr lang="en-US" dirty="0" smtClean="0">
+                <a:latin typeface="Aparajita" pitchFamily="18" charset="0"/>
+                <a:cs typeface="Aparajita" pitchFamily="18" charset="0"/>
+              </a:rPr>
+            </a:br>
+            <a:r>
+              <a:rPr lang="en-US" dirty="0" smtClean="0">
+                <a:latin typeface="Aparajita" pitchFamily="18" charset="0"/>
+                <a:cs typeface="Aparajita" pitchFamily="18" charset="0"/>
+              </a:rPr>
+              <a:t>- Transactions</a:t>
+            </a:r>
+            <a:br>
+              <a:rPr lang="en-US" dirty="0" smtClean="0">
+                <a:latin typeface="Aparajita" pitchFamily="18" charset="0"/>
+                <a:cs typeface="Aparajita" pitchFamily="18" charset="0"/>
+              </a:rPr>
+            </a:br>
+            <a:r>
+              <a:rPr lang="en-US" dirty="0" smtClean="0">
+                <a:latin typeface="Aparajita" pitchFamily="18" charset="0"/>
+                <a:cs typeface="Aparajita" pitchFamily="18" charset="0"/>
+              </a:rPr>
+              <a:t>- Activity</a:t>
+            </a:r>
+            <a:br>
+              <a:rPr lang="en-US" dirty="0" smtClean="0">
+                <a:latin typeface="Aparajita" pitchFamily="18" charset="0"/>
+                <a:cs typeface="Aparajita" pitchFamily="18" charset="0"/>
+              </a:rPr>
+            </a:br>
+            <a:r>
+              <a:rPr lang="en-US" dirty="0" smtClean="0">
+                <a:latin typeface="Aparajita" pitchFamily="18" charset="0"/>
+                <a:cs typeface="Aparajita" pitchFamily="18" charset="0"/>
+              </a:rPr>
+              <a:t>- Incentives</a:t>
+            </a:r>
+            <a:endParaRPr lang="en-US" dirty="0">
+              <a:latin typeface="Aparajita" pitchFamily="18" charset="0"/>
+              <a:cs typeface="Aparajita" pitchFamily="18" charset="0"/>
+            </a:endParaRPr>
+          </a:p>
+          <a:p>
+            <a:r>
+              <a:rPr lang="en-US" dirty="0" smtClean="0">
+                <a:hlinkClick r:id="rId4" action="ppaction://hlinksldjump"/>
+              </a:rPr>
               <a:t>Applications</a:t>
             </a:r>
+            <a:r>
+              <a:rPr lang="en-US" dirty="0" smtClean="0"/>
+              <a:t/>
+            </a:r>
+            <a:br>
+              <a:rPr lang="en-US" dirty="0" smtClean="0"/>
+            </a:br>
+            <a:r>
+              <a:rPr lang="en-US" dirty="0" smtClean="0">
+                <a:latin typeface="Aparajita" pitchFamily="18" charset="0"/>
+                <a:cs typeface="Aparajita" pitchFamily="18" charset="0"/>
+              </a:rPr>
+              <a:t>- Banking</a:t>
+            </a:r>
+            <a:br>
+              <a:rPr lang="en-US" dirty="0" smtClean="0">
+                <a:latin typeface="Aparajita" pitchFamily="18" charset="0"/>
+                <a:cs typeface="Aparajita" pitchFamily="18" charset="0"/>
+              </a:rPr>
+            </a:br>
+            <a:r>
+              <a:rPr lang="en-US" dirty="0" smtClean="0">
+                <a:latin typeface="Aparajita" pitchFamily="18" charset="0"/>
+                <a:cs typeface="Aparajita" pitchFamily="18" charset="0"/>
+              </a:rPr>
+              <a:t>- Real Estate</a:t>
+            </a:r>
+            <a:br>
+              <a:rPr lang="en-US" dirty="0" smtClean="0">
+                <a:latin typeface="Aparajita" pitchFamily="18" charset="0"/>
+                <a:cs typeface="Aparajita" pitchFamily="18" charset="0"/>
+              </a:rPr>
+            </a:br>
+            <a:r>
+              <a:rPr lang="en-US" dirty="0" smtClean="0">
+                <a:latin typeface="Aparajita" pitchFamily="18" charset="0"/>
+                <a:cs typeface="Aparajita" pitchFamily="18" charset="0"/>
+              </a:rPr>
+              <a:t>- Logistics</a:t>
+            </a:r>
+            <a:br>
+              <a:rPr lang="en-US" dirty="0" smtClean="0">
+                <a:latin typeface="Aparajita" pitchFamily="18" charset="0"/>
+                <a:cs typeface="Aparajita" pitchFamily="18" charset="0"/>
+              </a:rPr>
+            </a:br>
+            <a:r>
+              <a:rPr lang="en-US" dirty="0" smtClean="0">
+                <a:latin typeface="Aparajita" pitchFamily="18" charset="0"/>
+                <a:cs typeface="Aparajita" pitchFamily="18" charset="0"/>
+              </a:rPr>
+              <a:t>- Healthcare</a:t>
+            </a:r>
+            <a:br>
+              <a:rPr lang="en-US" dirty="0" smtClean="0">
+                <a:latin typeface="Aparajita" pitchFamily="18" charset="0"/>
+                <a:cs typeface="Aparajita" pitchFamily="18" charset="0"/>
+              </a:rPr>
+            </a:br>
+            <a:r>
+              <a:rPr lang="en-US" dirty="0" smtClean="0">
+                <a:latin typeface="Aparajita" pitchFamily="18" charset="0"/>
+                <a:cs typeface="Aparajita" pitchFamily="18" charset="0"/>
+              </a:rPr>
+              <a:t>- Food delivery</a:t>
+            </a:r>
+            <a:br>
+              <a:rPr lang="en-US" dirty="0" smtClean="0">
+                <a:latin typeface="Aparajita" pitchFamily="18" charset="0"/>
+                <a:cs typeface="Aparajita" pitchFamily="18" charset="0"/>
+              </a:rPr>
+            </a:br>
+            <a:r>
+              <a:rPr lang="en-US" dirty="0" smtClean="0">
+                <a:latin typeface="Aparajita" pitchFamily="18" charset="0"/>
+                <a:cs typeface="Aparajita" pitchFamily="18" charset="0"/>
+              </a:rPr>
+              <a:t>- Cab request</a:t>
+            </a:r>
+            <a:br>
+              <a:rPr lang="en-US" dirty="0" smtClean="0">
+                <a:latin typeface="Aparajita" pitchFamily="18" charset="0"/>
+                <a:cs typeface="Aparajita" pitchFamily="18" charset="0"/>
+              </a:rPr>
+            </a:br>
+            <a:r>
+              <a:rPr lang="en-US" dirty="0" smtClean="0">
+                <a:latin typeface="Aparajita" pitchFamily="18" charset="0"/>
+                <a:cs typeface="Aparajita" pitchFamily="18" charset="0"/>
+              </a:rPr>
+              <a:t>- E-commerce</a:t>
+            </a:r>
+            <a:r>
+              <a:rPr lang="en-US" dirty="0" smtClean="0"/>
+              <a:t/>
+            </a:r>
+            <a:br>
+              <a:rPr lang="en-US" dirty="0" smtClean="0"/>
+            </a:br>
             <a:endParaRPr lang="en-US" dirty="0"/>
           </a:p>
           <a:p>
@@ -5129,7 +5416,7 @@
           <p:cNvPr id="4" name="Picture 3">
             <a:extLst>
               <a:ext uri="{FF2B5EF4-FFF2-40B4-BE49-F238E27FC236}">
-                <a16:creationId xmlns="" xmlns:a16="http://schemas.microsoft.com/office/drawing/2014/main" id="{CC39BCE5-6BEA-466E-BEFB-C39FA08D7DC7}"/>
+                <a16:creationId xmlns:a16="http://schemas.microsoft.com/office/drawing/2014/main" xmlns="" id="{CC39BCE5-6BEA-466E-BEFB-C39FA08D7DC7}"/>
               </a:ext>
             </a:extLst>
           </p:cNvPr>
@@ -5139,7 +5426,7 @@
           <p:nvPr/>
         </p:nvPicPr>
         <p:blipFill>
-          <a:blip r:embed="rId4"/>
+          <a:blip r:embed="rId5"/>
           <a:stretch>
             <a:fillRect/>
           </a:stretch>
@@ -5157,13 +5444,20 @@
     </p:spTree>
     <p:extLst>
       <p:ext uri="{BB962C8B-B14F-4D97-AF65-F5344CB8AC3E}">
-        <p14:creationId xmlns="" xmlns:p14="http://schemas.microsoft.com/office/powerpoint/2010/main" val="263784652"/>
+        <p14:creationId xmlns:p14="http://schemas.microsoft.com/office/powerpoint/2010/main" xmlns="" val="263784652"/>
       </p:ext>
     </p:extLst>
   </p:cSld>
   <p:clrMapOvr>
     <a:masterClrMapping/>
   </p:clrMapOvr>
+  <p:timing>
+    <p:tnLst>
+      <p:par>
+        <p:cTn id="1" dur="indefinite" restart="never" nodeType="tmRoot"/>
+      </p:par>
+    </p:tnLst>
+  </p:timing>
 </p:sld>
 </file>
 
@@ -5189,7 +5483,7 @@
           <p:cNvPr id="2" name="Title 1">
             <a:extLst>
               <a:ext uri="{FF2B5EF4-FFF2-40B4-BE49-F238E27FC236}">
-                <a16:creationId xmlns="" xmlns:a16="http://schemas.microsoft.com/office/drawing/2014/main" id="{DBC6775C-1BF0-434F-A429-28C52C8BEFD7}"/>
+                <a16:creationId xmlns:a16="http://schemas.microsoft.com/office/drawing/2014/main" xmlns="" id="{DBC6775C-1BF0-434F-A429-28C52C8BEFD7}"/>
               </a:ext>
             </a:extLst>
           </p:cNvPr>
@@ -5232,7 +5526,7 @@
           <p:cNvPr id="3" name="Picture 2">
             <a:extLst>
               <a:ext uri="{FF2B5EF4-FFF2-40B4-BE49-F238E27FC236}">
-                <a16:creationId xmlns="" xmlns:a16="http://schemas.microsoft.com/office/drawing/2014/main" id="{CDA99D69-C0AD-430E-8EFD-7CD800A1FCC0}"/>
+                <a16:creationId xmlns:a16="http://schemas.microsoft.com/office/drawing/2014/main" xmlns="" id="{CDA99D69-C0AD-430E-8EFD-7CD800A1FCC0}"/>
               </a:ext>
             </a:extLst>
           </p:cNvPr>
@@ -5260,13 +5554,20 @@
     </p:spTree>
     <p:extLst>
       <p:ext uri="{BB962C8B-B14F-4D97-AF65-F5344CB8AC3E}">
-        <p14:creationId xmlns="" xmlns:p14="http://schemas.microsoft.com/office/powerpoint/2010/main" val="3020031122"/>
+        <p14:creationId xmlns:p14="http://schemas.microsoft.com/office/powerpoint/2010/main" xmlns="" val="3020031122"/>
       </p:ext>
     </p:extLst>
   </p:cSld>
   <p:clrMapOvr>
     <a:masterClrMapping/>
   </p:clrMapOvr>
+  <p:timing>
+    <p:tnLst>
+      <p:par>
+        <p:cTn id="1" dur="indefinite" restart="never" nodeType="tmRoot"/>
+      </p:par>
+    </p:tnLst>
+  </p:timing>
 </p:sld>
 </file>
 
@@ -5339,7 +5640,7 @@
           <p:cNvPr id="4" name="Picture 2" descr="Image for post">
             <a:extLst>
               <a:ext uri="{FF2B5EF4-FFF2-40B4-BE49-F238E27FC236}">
-                <a16:creationId xmlns="" xmlns:a16="http://schemas.microsoft.com/office/drawing/2014/main" id="{4FC6EBF6-9E9B-4027-8418-B6DDB02DA89F}"/>
+                <a16:creationId xmlns:a16="http://schemas.microsoft.com/office/drawing/2014/main" xmlns="" id="{4FC6EBF6-9E9B-4027-8418-B6DDB02DA89F}"/>
               </a:ext>
             </a:extLst>
           </p:cNvPr>
@@ -5352,7 +5653,7 @@
           <a:blip r:embed="rId2">
             <a:extLst>
               <a:ext uri="{28A0092B-C50C-407E-A947-70E740481C1C}">
-                <a14:useLocalDpi xmlns="" xmlns:a14="http://schemas.microsoft.com/office/drawing/2010/main" val="0"/>
+                <a14:useLocalDpi xmlns:a14="http://schemas.microsoft.com/office/drawing/2010/main" xmlns="" val="0"/>
               </a:ext>
             </a:extLst>
           </a:blip>
@@ -5372,7 +5673,7 @@
           <a:noFill/>
           <a:extLst>
             <a:ext uri="{909E8E84-426E-40DD-AFC4-6F175D3DCCD1}">
-              <a14:hiddenFill xmlns="" xmlns:a14="http://schemas.microsoft.com/office/drawing/2010/main">
+              <a14:hiddenFill xmlns:a14="http://schemas.microsoft.com/office/drawing/2010/main" xmlns="">
                 <a:solidFill>
                   <a:srgbClr val="FFFFFF"/>
                 </a:solidFill>
@@ -5411,7 +5712,7 @@
           <p:cNvPr id="2" name="Title 1">
             <a:extLst>
               <a:ext uri="{FF2B5EF4-FFF2-40B4-BE49-F238E27FC236}">
-                <a16:creationId xmlns="" xmlns:a16="http://schemas.microsoft.com/office/drawing/2014/main" id="{1C618411-50A8-4BE8-AA9F-ADFDF09EFE42}"/>
+                <a16:creationId xmlns:a16="http://schemas.microsoft.com/office/drawing/2014/main" xmlns="" id="{1C618411-50A8-4BE8-AA9F-ADFDF09EFE42}"/>
               </a:ext>
             </a:extLst>
           </p:cNvPr>
@@ -5440,7 +5741,7 @@
           <p:cNvPr id="3" name="Content Placeholder 2">
             <a:extLst>
               <a:ext uri="{FF2B5EF4-FFF2-40B4-BE49-F238E27FC236}">
-                <a16:creationId xmlns="" xmlns:a16="http://schemas.microsoft.com/office/drawing/2014/main" id="{6D59F83B-DE4F-430A-9857-9FF87DC6F4FC}"/>
+                <a16:creationId xmlns:a16="http://schemas.microsoft.com/office/drawing/2014/main" xmlns="" id="{6D59F83B-DE4F-430A-9857-9FF87DC6F4FC}"/>
               </a:ext>
             </a:extLst>
           </p:cNvPr>
@@ -5525,7 +5826,7 @@
           <p:cNvPr id="5" name="AutoShape 24">
             <a:extLst>
               <a:ext uri="{FF2B5EF4-FFF2-40B4-BE49-F238E27FC236}">
-                <a16:creationId xmlns="" xmlns:a16="http://schemas.microsoft.com/office/drawing/2014/main" id="{8BA9AC28-F55F-449F-AAE5-F4900F3C2C64}"/>
+                <a16:creationId xmlns:a16="http://schemas.microsoft.com/office/drawing/2014/main" xmlns="" id="{8BA9AC28-F55F-449F-AAE5-F4900F3C2C64}"/>
               </a:ext>
             </a:extLst>
           </p:cNvPr>
@@ -5545,7 +5846,7 @@
           <a:noFill/>
           <a:extLst>
             <a:ext uri="{909E8E84-426E-40DD-AFC4-6F175D3DCCD1}">
-              <a14:hiddenFill xmlns="" xmlns:a14="http://schemas.microsoft.com/office/drawing/2010/main">
+              <a14:hiddenFill xmlns:a14="http://schemas.microsoft.com/office/drawing/2010/main" xmlns="">
                 <a:solidFill>
                   <a:srgbClr val="FFFFFF"/>
                 </a:solidFill>
@@ -5570,7 +5871,7 @@
           <p:cNvPr id="9" name="Picture 8">
             <a:extLst>
               <a:ext uri="{FF2B5EF4-FFF2-40B4-BE49-F238E27FC236}">
-                <a16:creationId xmlns="" xmlns:a16="http://schemas.microsoft.com/office/drawing/2014/main" id="{34640D63-4EB2-40A2-BCAC-583083C78C97}"/>
+                <a16:creationId xmlns:a16="http://schemas.microsoft.com/office/drawing/2014/main" xmlns="" id="{34640D63-4EB2-40A2-BCAC-583083C78C97}"/>
               </a:ext>
             </a:extLst>
           </p:cNvPr>
@@ -5600,7 +5901,7 @@
           <p:cNvPr id="8" name="Picture 7">
             <a:extLst>
               <a:ext uri="{FF2B5EF4-FFF2-40B4-BE49-F238E27FC236}">
-                <a16:creationId xmlns="" xmlns:a16="http://schemas.microsoft.com/office/drawing/2014/main" id="{2E6E5EE1-AD63-4067-A19B-83EA7E228AF4}"/>
+                <a16:creationId xmlns:a16="http://schemas.microsoft.com/office/drawing/2014/main" xmlns="" id="{2E6E5EE1-AD63-4067-A19B-83EA7E228AF4}"/>
               </a:ext>
             </a:extLst>
           </p:cNvPr>
@@ -5628,7 +5929,7 @@
     </p:spTree>
     <p:extLst>
       <p:ext uri="{BB962C8B-B14F-4D97-AF65-F5344CB8AC3E}">
-        <p14:creationId xmlns="" xmlns:p14="http://schemas.microsoft.com/office/powerpoint/2010/main" val="3659069593"/>
+        <p14:creationId xmlns:p14="http://schemas.microsoft.com/office/powerpoint/2010/main" xmlns="" val="3659069593"/>
       </p:ext>
     </p:extLst>
   </p:cSld>
@@ -5693,7 +5994,23 @@
           <a:bodyPr/>
           <a:lstStyle/>
           <a:p>
-            <a:endParaRPr lang="en-US"/>
+            <a:r>
+              <a:rPr lang="en-IN" dirty="0" smtClean="0"/>
+              <a:t>Public, </a:t>
+            </a:r>
+            <a:r>
+              <a:rPr lang="en-IN" dirty="0" err="1" smtClean="0"/>
+              <a:t>permissionless</a:t>
+            </a:r>
+            <a:r>
+              <a:rPr lang="en-IN" dirty="0" smtClean="0"/>
+              <a:t>, private, </a:t>
+            </a:r>
+            <a:r>
+              <a:rPr lang="en-IN" dirty="0" err="1" smtClean="0"/>
+              <a:t>permissioned</a:t>
+            </a:r>
+            <a:endParaRPr lang="en-US" dirty="0"/>
           </a:p>
         </p:txBody>
       </p:sp>
@@ -5727,7 +6044,7 @@
           <p:cNvPr id="2" name="Title 1">
             <a:extLst>
               <a:ext uri="{FF2B5EF4-FFF2-40B4-BE49-F238E27FC236}">
-                <a16:creationId xmlns="" xmlns:a16="http://schemas.microsoft.com/office/drawing/2014/main" id="{1C618411-50A8-4BE8-AA9F-ADFDF09EFE42}"/>
+                <a16:creationId xmlns:a16="http://schemas.microsoft.com/office/drawing/2014/main" xmlns="" id="{1C618411-50A8-4BE8-AA9F-ADFDF09EFE42}"/>
               </a:ext>
             </a:extLst>
           </p:cNvPr>
@@ -5760,7 +6077,7 @@
           <p:cNvPr id="3" name="Content Placeholder 2">
             <a:extLst>
               <a:ext uri="{FF2B5EF4-FFF2-40B4-BE49-F238E27FC236}">
-                <a16:creationId xmlns="" xmlns:a16="http://schemas.microsoft.com/office/drawing/2014/main" id="{6D59F83B-DE4F-430A-9857-9FF87DC6F4FC}"/>
+                <a16:creationId xmlns:a16="http://schemas.microsoft.com/office/drawing/2014/main" xmlns="" id="{6D59F83B-DE4F-430A-9857-9FF87DC6F4FC}"/>
               </a:ext>
             </a:extLst>
           </p:cNvPr>
@@ -5845,7 +6162,7 @@
           <p:cNvPr id="5" name="AutoShape 24">
             <a:extLst>
               <a:ext uri="{FF2B5EF4-FFF2-40B4-BE49-F238E27FC236}">
-                <a16:creationId xmlns="" xmlns:a16="http://schemas.microsoft.com/office/drawing/2014/main" id="{8BA9AC28-F55F-449F-AAE5-F4900F3C2C64}"/>
+                <a16:creationId xmlns:a16="http://schemas.microsoft.com/office/drawing/2014/main" xmlns="" id="{8BA9AC28-F55F-449F-AAE5-F4900F3C2C64}"/>
               </a:ext>
             </a:extLst>
           </p:cNvPr>
@@ -5865,7 +6182,7 @@
           <a:noFill/>
           <a:extLst>
             <a:ext uri="{909E8E84-426E-40DD-AFC4-6F175D3DCCD1}">
-              <a14:hiddenFill xmlns="" xmlns:a14="http://schemas.microsoft.com/office/drawing/2010/main">
+              <a14:hiddenFill xmlns:a14="http://schemas.microsoft.com/office/drawing/2010/main" xmlns="">
                 <a:solidFill>
                   <a:srgbClr val="FFFFFF"/>
                 </a:solidFill>
@@ -5890,7 +6207,7 @@
           <p:cNvPr id="9" name="Picture 8">
             <a:extLst>
               <a:ext uri="{FF2B5EF4-FFF2-40B4-BE49-F238E27FC236}">
-                <a16:creationId xmlns="" xmlns:a16="http://schemas.microsoft.com/office/drawing/2014/main" id="{34640D63-4EB2-40A2-BCAC-583083C78C97}"/>
+                <a16:creationId xmlns:a16="http://schemas.microsoft.com/office/drawing/2014/main" xmlns="" id="{34640D63-4EB2-40A2-BCAC-583083C78C97}"/>
               </a:ext>
             </a:extLst>
           </p:cNvPr>
@@ -5920,7 +6237,7 @@
           <p:cNvPr id="8" name="Picture 7">
             <a:extLst>
               <a:ext uri="{FF2B5EF4-FFF2-40B4-BE49-F238E27FC236}">
-                <a16:creationId xmlns="" xmlns:a16="http://schemas.microsoft.com/office/drawing/2014/main" id="{2E6E5EE1-AD63-4067-A19B-83EA7E228AF4}"/>
+                <a16:creationId xmlns:a16="http://schemas.microsoft.com/office/drawing/2014/main" xmlns="" id="{2E6E5EE1-AD63-4067-A19B-83EA7E228AF4}"/>
               </a:ext>
             </a:extLst>
           </p:cNvPr>
@@ -5948,7 +6265,7 @@
     </p:spTree>
     <p:extLst>
       <p:ext uri="{BB962C8B-B14F-4D97-AF65-F5344CB8AC3E}">
-        <p14:creationId xmlns="" xmlns:p14="http://schemas.microsoft.com/office/powerpoint/2010/main" val="3659069593"/>
+        <p14:creationId xmlns:p14="http://schemas.microsoft.com/office/powerpoint/2010/main" xmlns="" val="3659069593"/>
       </p:ext>
     </p:extLst>
   </p:cSld>
@@ -5980,7 +6297,7 @@
           <p:cNvPr id="5" name="Picture 4">
             <a:extLst>
               <a:ext uri="{FF2B5EF4-FFF2-40B4-BE49-F238E27FC236}">
-                <a16:creationId xmlns="" xmlns:a16="http://schemas.microsoft.com/office/drawing/2014/main" id="{F537BEB0-FF60-41FD-BF15-88BEB38D8587}"/>
+                <a16:creationId xmlns:a16="http://schemas.microsoft.com/office/drawing/2014/main" xmlns="" id="{F537BEB0-FF60-41FD-BF15-88BEB38D8587}"/>
               </a:ext>
             </a:extLst>
           </p:cNvPr>
@@ -6010,7 +6327,7 @@
           <p:cNvPr id="8" name="TextBox 7">
             <a:extLst>
               <a:ext uri="{FF2B5EF4-FFF2-40B4-BE49-F238E27FC236}">
-                <a16:creationId xmlns="" xmlns:a16="http://schemas.microsoft.com/office/drawing/2014/main" id="{D11D760C-71BB-413C-9EEA-DED976BA19E6}"/>
+                <a16:creationId xmlns:a16="http://schemas.microsoft.com/office/drawing/2014/main" xmlns="" id="{D11D760C-71BB-413C-9EEA-DED976BA19E6}"/>
               </a:ext>
             </a:extLst>
           </p:cNvPr>
@@ -6060,7 +6377,7 @@
           <p:cNvPr id="9" name="TextBox 8">
             <a:extLst>
               <a:ext uri="{FF2B5EF4-FFF2-40B4-BE49-F238E27FC236}">
-                <a16:creationId xmlns="" xmlns:a16="http://schemas.microsoft.com/office/drawing/2014/main" id="{CEE88A5C-BC11-487A-ADE7-3962DD93F9D2}"/>
+                <a16:creationId xmlns:a16="http://schemas.microsoft.com/office/drawing/2014/main" xmlns="" id="{CEE88A5C-BC11-487A-ADE7-3962DD93F9D2}"/>
               </a:ext>
             </a:extLst>
           </p:cNvPr>
@@ -6110,7 +6427,7 @@
           <p:cNvPr id="7" name="Picture 2">
             <a:extLst>
               <a:ext uri="{FF2B5EF4-FFF2-40B4-BE49-F238E27FC236}">
-                <a16:creationId xmlns="" xmlns:a16="http://schemas.microsoft.com/office/drawing/2014/main" id="{784EF727-FCD3-4AB6-B597-A89B3B9B97B1}"/>
+                <a16:creationId xmlns:a16="http://schemas.microsoft.com/office/drawing/2014/main" xmlns="" id="{784EF727-FCD3-4AB6-B597-A89B3B9B97B1}"/>
               </a:ext>
             </a:extLst>
           </p:cNvPr>
@@ -6123,7 +6440,7 @@
           <a:blip r:embed="rId3">
             <a:extLst>
               <a:ext uri="{28A0092B-C50C-407E-A947-70E740481C1C}">
-                <a14:useLocalDpi xmlns="" xmlns:a14="http://schemas.microsoft.com/office/drawing/2010/main" val="0"/>
+                <a14:useLocalDpi xmlns:a14="http://schemas.microsoft.com/office/drawing/2010/main" xmlns="" val="0"/>
               </a:ext>
             </a:extLst>
           </a:blip>
@@ -6143,7 +6460,7 @@
           <a:noFill/>
           <a:extLst>
             <a:ext uri="{909E8E84-426E-40DD-AFC4-6F175D3DCCD1}">
-              <a14:hiddenFill xmlns="" xmlns:a14="http://schemas.microsoft.com/office/drawing/2010/main">
+              <a14:hiddenFill xmlns:a14="http://schemas.microsoft.com/office/drawing/2010/main" xmlns="">
                 <a:solidFill>
                   <a:srgbClr val="FFFFFF"/>
                 </a:solidFill>
@@ -6157,7 +6474,7 @@
           <p:cNvPr id="1028" name="Picture 4">
             <a:extLst>
               <a:ext uri="{FF2B5EF4-FFF2-40B4-BE49-F238E27FC236}">
-                <a16:creationId xmlns="" xmlns:a16="http://schemas.microsoft.com/office/drawing/2014/main" id="{B0814AAB-9489-4878-9125-14B41C987516}"/>
+                <a16:creationId xmlns:a16="http://schemas.microsoft.com/office/drawing/2014/main" xmlns="" id="{B0814AAB-9489-4878-9125-14B41C987516}"/>
               </a:ext>
             </a:extLst>
           </p:cNvPr>
@@ -6170,7 +6487,7 @@
           <a:blip r:embed="rId4">
             <a:extLst>
               <a:ext uri="{28A0092B-C50C-407E-A947-70E740481C1C}">
-                <a14:useLocalDpi xmlns="" xmlns:a14="http://schemas.microsoft.com/office/drawing/2010/main" val="0"/>
+                <a14:useLocalDpi xmlns:a14="http://schemas.microsoft.com/office/drawing/2010/main" xmlns="" val="0"/>
               </a:ext>
             </a:extLst>
           </a:blip>
@@ -6190,7 +6507,7 @@
           <a:noFill/>
           <a:extLst>
             <a:ext uri="{909E8E84-426E-40DD-AFC4-6F175D3DCCD1}">
-              <a14:hiddenFill xmlns="" xmlns:a14="http://schemas.microsoft.com/office/drawing/2010/main">
+              <a14:hiddenFill xmlns:a14="http://schemas.microsoft.com/office/drawing/2010/main" xmlns="">
                 <a:solidFill>
                   <a:srgbClr val="FFFFFF"/>
                 </a:solidFill>
@@ -6204,7 +6521,7 @@
           <p:cNvPr id="12" name="TextBox 11">
             <a:extLst>
               <a:ext uri="{FF2B5EF4-FFF2-40B4-BE49-F238E27FC236}">
-                <a16:creationId xmlns="" xmlns:a16="http://schemas.microsoft.com/office/drawing/2014/main" id="{2AF6CFC5-4A78-48C8-8772-3813D12A9B4D}"/>
+                <a16:creationId xmlns:a16="http://schemas.microsoft.com/office/drawing/2014/main" xmlns="" id="{2AF6CFC5-4A78-48C8-8772-3813D12A9B4D}"/>
               </a:ext>
             </a:extLst>
           </p:cNvPr>
@@ -6329,7 +6646,7 @@
           <p:cNvPr id="13" name="TextBox 12">
             <a:extLst>
               <a:ext uri="{FF2B5EF4-FFF2-40B4-BE49-F238E27FC236}">
-                <a16:creationId xmlns="" xmlns:a16="http://schemas.microsoft.com/office/drawing/2014/main" id="{2C258202-B71B-4040-ABB7-6D57DFF4D825}"/>
+                <a16:creationId xmlns:a16="http://schemas.microsoft.com/office/drawing/2014/main" xmlns="" id="{2C258202-B71B-4040-ABB7-6D57DFF4D825}"/>
               </a:ext>
             </a:extLst>
           </p:cNvPr>
@@ -6440,7 +6757,7 @@
     </p:spTree>
     <p:extLst>
       <p:ext uri="{BB962C8B-B14F-4D97-AF65-F5344CB8AC3E}">
-        <p14:creationId xmlns="" xmlns:p14="http://schemas.microsoft.com/office/powerpoint/2010/main" val="1756368672"/>
+        <p14:creationId xmlns:p14="http://schemas.microsoft.com/office/powerpoint/2010/main" xmlns="" val="1756368672"/>
       </p:ext>
     </p:extLst>
   </p:cSld>
@@ -6472,7 +6789,7 @@
           <p:cNvPr id="2" name="Title 1">
             <a:extLst>
               <a:ext uri="{FF2B5EF4-FFF2-40B4-BE49-F238E27FC236}">
-                <a16:creationId xmlns="" xmlns:a16="http://schemas.microsoft.com/office/drawing/2014/main" id="{9B8A52B3-BB66-42EA-ADE2-07AE6302E721}"/>
+                <a16:creationId xmlns:a16="http://schemas.microsoft.com/office/drawing/2014/main" xmlns="" id="{9B8A52B3-BB66-42EA-ADE2-07AE6302E721}"/>
               </a:ext>
             </a:extLst>
           </p:cNvPr>
@@ -6528,7 +6845,7 @@
           <p:cNvPr id="4" name="Picture 3">
             <a:extLst>
               <a:ext uri="{FF2B5EF4-FFF2-40B4-BE49-F238E27FC236}">
-                <a16:creationId xmlns="" xmlns:a16="http://schemas.microsoft.com/office/drawing/2014/main" id="{AAA9D7D6-1B97-4854-BA9A-EFD9317ACB30}"/>
+                <a16:creationId xmlns:a16="http://schemas.microsoft.com/office/drawing/2014/main" xmlns="" id="{AAA9D7D6-1B97-4854-BA9A-EFD9317ACB30}"/>
               </a:ext>
             </a:extLst>
           </p:cNvPr>
@@ -6558,7 +6875,7 @@
           <p:cNvPr id="5" name="TextBox 4">
             <a:extLst>
               <a:ext uri="{FF2B5EF4-FFF2-40B4-BE49-F238E27FC236}">
-                <a16:creationId xmlns="" xmlns:a16="http://schemas.microsoft.com/office/drawing/2014/main" id="{902EC33E-F7C3-4CFF-8DE4-B7A96777CD52}"/>
+                <a16:creationId xmlns:a16="http://schemas.microsoft.com/office/drawing/2014/main" xmlns="" id="{902EC33E-F7C3-4CFF-8DE4-B7A96777CD52}"/>
               </a:ext>
             </a:extLst>
           </p:cNvPr>
@@ -6602,7 +6919,7 @@
           <p:cNvPr id="6" name="Picture 5">
             <a:extLst>
               <a:ext uri="{FF2B5EF4-FFF2-40B4-BE49-F238E27FC236}">
-                <a16:creationId xmlns="" xmlns:a16="http://schemas.microsoft.com/office/drawing/2014/main" id="{66939B56-B43E-4F80-9A70-BEDBC9414853}"/>
+                <a16:creationId xmlns:a16="http://schemas.microsoft.com/office/drawing/2014/main" xmlns="" id="{66939B56-B43E-4F80-9A70-BEDBC9414853}"/>
               </a:ext>
             </a:extLst>
           </p:cNvPr>
@@ -6630,7 +6947,7 @@
     </p:spTree>
     <p:extLst>
       <p:ext uri="{BB962C8B-B14F-4D97-AF65-F5344CB8AC3E}">
-        <p14:creationId xmlns="" xmlns:p14="http://schemas.microsoft.com/office/powerpoint/2010/main" val="2531434088"/>
+        <p14:creationId xmlns:p14="http://schemas.microsoft.com/office/powerpoint/2010/main" xmlns="" val="2531434088"/>
       </p:ext>
     </p:extLst>
   </p:cSld>
@@ -6903,19 +7220,19 @@
   <a:extraClrSchemeLst/>
   <a:extLst>
     <a:ext uri="{05A4C25C-085E-4340-85A3-A5531E510DB2}">
-      <thm15:themeFamily xmlns="" xmlns:thm15="http://schemas.microsoft.com/office/thememl/2012/main" name="DividendVTI" id="{97558BDE-0B66-457C-BB6F-7B1B22DAA9B8}" vid="{F53508A3-AC60-448A-AF37-934D5F1A0D5E}"/>
+      <thm15:themeFamily xmlns:thm15="http://schemas.microsoft.com/office/thememl/2012/main" xmlns="" name="DividendVTI" id="{97558BDE-0B66-457C-BB6F-7B1B22DAA9B8}" vid="{F53508A3-AC60-448A-AF37-934D5F1A0D5E}"/>
     </a:ext>
   </a:extLst>
 </a:theme>
 </file>
 
 <file path=customXml/item1.xml><?xml version="1.0" encoding="utf-8"?>
-<?mso-contentType ?>
-<FormTemplates xmlns="http://schemas.microsoft.com/sharepoint/v3/contenttype/forms">
-  <Display>DocumentLibraryForm</Display>
-  <Edit>DocumentLibraryForm</Edit>
-  <New>DocumentLibraryForm</New>
-</FormTemplates>
+<p:properties xmlns:p="http://schemas.microsoft.com/office/2006/metadata/properties" xmlns:xsi="http://www.w3.org/2001/XMLSchema-instance" xmlns:pc="http://schemas.microsoft.com/office/infopath/2007/PartnerControls">
+  <documentManagement>
+    <Status xmlns="71af3243-3dd4-4a8d-8c0d-dd76da1f02a5">Not started</Status>
+    <MediaServiceKeyPoints xmlns="71af3243-3dd4-4a8d-8c0d-dd76da1f02a5" xsi:nil="true"/>
+  </documentManagement>
+</p:properties>
 </file>
 
 <file path=customXml/item2.xml><?xml version="1.0" encoding="utf-8"?>
@@ -7140,18 +7457,20 @@
 </file>
 
 <file path=customXml/item3.xml><?xml version="1.0" encoding="utf-8"?>
-<p:properties xmlns:p="http://schemas.microsoft.com/office/2006/metadata/properties" xmlns:xsi="http://www.w3.org/2001/XMLSchema-instance" xmlns:pc="http://schemas.microsoft.com/office/infopath/2007/PartnerControls">
-  <documentManagement>
-    <Status xmlns="71af3243-3dd4-4a8d-8c0d-dd76da1f02a5">Not started</Status>
-    <MediaServiceKeyPoints xmlns="71af3243-3dd4-4a8d-8c0d-dd76da1f02a5" xsi:nil="true"/>
-  </documentManagement>
-</p:properties>
+<?mso-contentType ?>
+<FormTemplates xmlns="http://schemas.microsoft.com/sharepoint/v3/contenttype/forms">
+  <Display>DocumentLibraryForm</Display>
+  <Edit>DocumentLibraryForm</Edit>
+  <New>DocumentLibraryForm</New>
+</FormTemplates>
 </file>
 
 <file path=customXml/itemProps1.xml><?xml version="1.0" encoding="utf-8"?>
-<ds:datastoreItem xmlns:ds="http://schemas.openxmlformats.org/officeDocument/2006/customXml" ds:itemID="{927BD4C1-B6B1-4715-ABF9-E660A51A4EA0}">
+<ds:datastoreItem xmlns:ds="http://schemas.openxmlformats.org/officeDocument/2006/customXml" ds:itemID="{8D289AE2-D2AE-49D1-AFAC-3A79F6794255}">
   <ds:schemaRefs>
-    <ds:schemaRef ds:uri="http://schemas.microsoft.com/sharepoint/v3/contenttype/forms"/>
+    <ds:schemaRef ds:uri="http://schemas.microsoft.com/office/2006/metadata/properties"/>
+    <ds:schemaRef ds:uri="http://schemas.microsoft.com/office/infopath/2007/PartnerControls"/>
+    <ds:schemaRef ds:uri="71af3243-3dd4-4a8d-8c0d-dd76da1f02a5"/>
   </ds:schemaRefs>
 </ds:datastoreItem>
 </file>
@@ -7176,11 +7495,9 @@
 </file>
 
 <file path=customXml/itemProps3.xml><?xml version="1.0" encoding="utf-8"?>
-<ds:datastoreItem xmlns:ds="http://schemas.openxmlformats.org/officeDocument/2006/customXml" ds:itemID="{8D289AE2-D2AE-49D1-AFAC-3A79F6794255}">
+<ds:datastoreItem xmlns:ds="http://schemas.openxmlformats.org/officeDocument/2006/customXml" ds:itemID="{927BD4C1-B6B1-4715-ABF9-E660A51A4EA0}">
   <ds:schemaRefs>
-    <ds:schemaRef ds:uri="http://schemas.microsoft.com/office/2006/metadata/properties"/>
-    <ds:schemaRef ds:uri="http://schemas.microsoft.com/office/infopath/2007/PartnerControls"/>
-    <ds:schemaRef ds:uri="71af3243-3dd4-4a8d-8c0d-dd76da1f02a5"/>
+    <ds:schemaRef ds:uri="http://schemas.microsoft.com/sharepoint/v3/contenttype/forms"/>
   </ds:schemaRefs>
 </ds:datastoreItem>
 </file>
--- a/PPT.pptx
+++ b/PPT.pptx
@@ -10,15 +10,16 @@
     <p:sldId id="260" r:id="rId7"/>
     <p:sldId id="302" r:id="rId8"/>
     <p:sldId id="259" r:id="rId9"/>
-    <p:sldId id="305" r:id="rId10"/>
-    <p:sldId id="303" r:id="rId11"/>
-    <p:sldId id="273" r:id="rId12"/>
-    <p:sldId id="291" r:id="rId13"/>
-    <p:sldId id="290" r:id="rId14"/>
-    <p:sldId id="261" r:id="rId15"/>
-    <p:sldId id="262" r:id="rId16"/>
-    <p:sldId id="304" r:id="rId17"/>
-    <p:sldId id="292" r:id="rId18"/>
+    <p:sldId id="306" r:id="rId10"/>
+    <p:sldId id="305" r:id="rId11"/>
+    <p:sldId id="303" r:id="rId12"/>
+    <p:sldId id="273" r:id="rId13"/>
+    <p:sldId id="291" r:id="rId14"/>
+    <p:sldId id="290" r:id="rId15"/>
+    <p:sldId id="261" r:id="rId16"/>
+    <p:sldId id="262" r:id="rId17"/>
+    <p:sldId id="304" r:id="rId18"/>
+    <p:sldId id="292" r:id="rId19"/>
   </p:sldIdLst>
   <p:sldSz cx="12192000" cy="6858000"/>
   <p:notesSz cx="6858000" cy="9144000"/>
@@ -119,7 +120,7 @@
   </p:defaultTextStyle>
   <p:extLst>
     <p:ext uri="{EFAFB233-063F-42B5-8137-9DF3F51BA10A}">
-      <p15:sldGuideLst xmlns:p15="http://schemas.microsoft.com/office/powerpoint/2012/main" xmlns="">
+      <p15:sldGuideLst xmlns="" xmlns:p15="http://schemas.microsoft.com/office/powerpoint/2012/main">
         <p15:guide id="1" orient="horz" pos="2160">
           <p15:clr>
             <a:srgbClr val="A4A3A4"/>
@@ -356,7 +357,7 @@
           <p:cNvPr id="8" name="Date Placeholder 7">
             <a:extLst>
               <a:ext uri="{FF2B5EF4-FFF2-40B4-BE49-F238E27FC236}">
-                <a16:creationId xmlns:a16="http://schemas.microsoft.com/office/drawing/2014/main" xmlns="" id="{7FA0ACE7-29A8-47D3-A7D9-257B711D8023}"/>
+                <a16:creationId xmlns="" xmlns:a16="http://schemas.microsoft.com/office/drawing/2014/main" id="{7FA0ACE7-29A8-47D3-A7D9-257B711D8023}"/>
               </a:ext>
             </a:extLst>
           </p:cNvPr>
@@ -386,7 +387,7 @@
           <p:cNvPr id="9" name="Footer Placeholder 8">
             <a:extLst>
               <a:ext uri="{FF2B5EF4-FFF2-40B4-BE49-F238E27FC236}">
-                <a16:creationId xmlns:a16="http://schemas.microsoft.com/office/drawing/2014/main" xmlns="" id="{DEC604B9-52E9-4810-8359-47206518D038}"/>
+                <a16:creationId xmlns="" xmlns:a16="http://schemas.microsoft.com/office/drawing/2014/main" id="{DEC604B9-52E9-4810-8359-47206518D038}"/>
               </a:ext>
             </a:extLst>
           </p:cNvPr>
@@ -411,7 +412,7 @@
           <p:cNvPr id="10" name="Slide Number Placeholder 9">
             <a:extLst>
               <a:ext uri="{FF2B5EF4-FFF2-40B4-BE49-F238E27FC236}">
-                <a16:creationId xmlns:a16="http://schemas.microsoft.com/office/drawing/2014/main" xmlns="" id="{5898A89F-CA25-400F-B05A-AECBF2517E4F}"/>
+                <a16:creationId xmlns="" xmlns:a16="http://schemas.microsoft.com/office/drawing/2014/main" id="{5898A89F-CA25-400F-B05A-AECBF2517E4F}"/>
               </a:ext>
             </a:extLst>
           </p:cNvPr>
@@ -439,7 +440,7 @@
     </p:spTree>
     <p:extLst>
       <p:ext uri="{BB962C8B-B14F-4D97-AF65-F5344CB8AC3E}">
-        <p14:creationId xmlns:p14="http://schemas.microsoft.com/office/powerpoint/2010/main" xmlns="" val="490017585"/>
+        <p14:creationId xmlns="" xmlns:p14="http://schemas.microsoft.com/office/powerpoint/2010/main" val="490017585"/>
       </p:ext>
     </p:extLst>
   </p:cSld>
@@ -632,7 +633,7 @@
     </p:spTree>
     <p:extLst>
       <p:ext uri="{BB962C8B-B14F-4D97-AF65-F5344CB8AC3E}">
-        <p14:creationId xmlns:p14="http://schemas.microsoft.com/office/powerpoint/2010/main" xmlns="" val="1283591147"/>
+        <p14:creationId xmlns="" xmlns:p14="http://schemas.microsoft.com/office/powerpoint/2010/main" val="1283591147"/>
       </p:ext>
     </p:extLst>
   </p:cSld>
@@ -796,7 +797,7 @@
           <p:cNvPr id="8" name="Rectangle 7">
             <a:extLst>
               <a:ext uri="{FF2B5EF4-FFF2-40B4-BE49-F238E27FC236}">
-                <a16:creationId xmlns:a16="http://schemas.microsoft.com/office/drawing/2014/main" xmlns="" id="{F6423B97-A5D4-47B9-8861-73B3707A04CF}"/>
+                <a16:creationId xmlns="" xmlns:a16="http://schemas.microsoft.com/office/drawing/2014/main" id="{F6423B97-A5D4-47B9-8861-73B3707A04CF}"/>
               </a:ext>
             </a:extLst>
           </p:cNvPr>
@@ -839,7 +840,7 @@
           <p:cNvPr id="9" name="Rectangle 8">
             <a:extLst>
               <a:ext uri="{FF2B5EF4-FFF2-40B4-BE49-F238E27FC236}">
-                <a16:creationId xmlns:a16="http://schemas.microsoft.com/office/drawing/2014/main" xmlns="" id="{1AEC0421-37B4-4481-A10D-69FDF5EC7909}"/>
+                <a16:creationId xmlns="" xmlns:a16="http://schemas.microsoft.com/office/drawing/2014/main" id="{1AEC0421-37B4-4481-A10D-69FDF5EC7909}"/>
               </a:ext>
             </a:extLst>
           </p:cNvPr>
@@ -882,7 +883,7 @@
           <p:cNvPr id="10" name="Rectangle 9">
             <a:extLst>
               <a:ext uri="{FF2B5EF4-FFF2-40B4-BE49-F238E27FC236}">
-                <a16:creationId xmlns:a16="http://schemas.microsoft.com/office/drawing/2014/main" xmlns="" id="{5F7265B5-9F97-4F1E-99E9-74F7B7E62337}"/>
+                <a16:creationId xmlns="" xmlns:a16="http://schemas.microsoft.com/office/drawing/2014/main" id="{5F7265B5-9F97-4F1E-99E9-74F7B7E62337}"/>
               </a:ext>
             </a:extLst>
           </p:cNvPr>
@@ -925,7 +926,7 @@
           <p:cNvPr id="11" name="Date Placeholder 10">
             <a:extLst>
               <a:ext uri="{FF2B5EF4-FFF2-40B4-BE49-F238E27FC236}">
-                <a16:creationId xmlns:a16="http://schemas.microsoft.com/office/drawing/2014/main" xmlns="" id="{5C74A470-3BD3-4F33-80E5-67E6E87FCBE7}"/>
+                <a16:creationId xmlns="" xmlns:a16="http://schemas.microsoft.com/office/drawing/2014/main" id="{5C74A470-3BD3-4F33-80E5-67E6E87FCBE7}"/>
               </a:ext>
             </a:extLst>
           </p:cNvPr>
@@ -955,7 +956,7 @@
           <p:cNvPr id="12" name="Footer Placeholder 11">
             <a:extLst>
               <a:ext uri="{FF2B5EF4-FFF2-40B4-BE49-F238E27FC236}">
-                <a16:creationId xmlns:a16="http://schemas.microsoft.com/office/drawing/2014/main" xmlns="" id="{9A3A30BA-DB50-4D7D-BCDE-17D20FB354DF}"/>
+                <a16:creationId xmlns="" xmlns:a16="http://schemas.microsoft.com/office/drawing/2014/main" id="{9A3A30BA-DB50-4D7D-BCDE-17D20FB354DF}"/>
               </a:ext>
             </a:extLst>
           </p:cNvPr>
@@ -980,7 +981,7 @@
           <p:cNvPr id="13" name="Slide Number Placeholder 12">
             <a:extLst>
               <a:ext uri="{FF2B5EF4-FFF2-40B4-BE49-F238E27FC236}">
-                <a16:creationId xmlns:a16="http://schemas.microsoft.com/office/drawing/2014/main" xmlns="" id="{76FF9E58-C0B2-436B-A21C-DB45A00D6515}"/>
+                <a16:creationId xmlns="" xmlns:a16="http://schemas.microsoft.com/office/drawing/2014/main" id="{76FF9E58-C0B2-436B-A21C-DB45A00D6515}"/>
               </a:ext>
             </a:extLst>
           </p:cNvPr>
@@ -1008,7 +1009,7 @@
     </p:spTree>
     <p:extLst>
       <p:ext uri="{BB962C8B-B14F-4D97-AF65-F5344CB8AC3E}">
-        <p14:creationId xmlns:p14="http://schemas.microsoft.com/office/powerpoint/2010/main" xmlns="" val="3388849626"/>
+        <p14:creationId xmlns="" xmlns:p14="http://schemas.microsoft.com/office/powerpoint/2010/main" val="3388849626"/>
       </p:ext>
     </p:extLst>
   </p:cSld>
@@ -1125,7 +1126,7 @@
           <p:cNvPr id="8" name="Date Placeholder 7">
             <a:extLst>
               <a:ext uri="{FF2B5EF4-FFF2-40B4-BE49-F238E27FC236}">
-                <a16:creationId xmlns:a16="http://schemas.microsoft.com/office/drawing/2014/main" xmlns="" id="{770E6237-3456-439F-802D-3BA93FC7E3E5}"/>
+                <a16:creationId xmlns="" xmlns:a16="http://schemas.microsoft.com/office/drawing/2014/main" id="{770E6237-3456-439F-802D-3BA93FC7E3E5}"/>
               </a:ext>
             </a:extLst>
           </p:cNvPr>
@@ -1155,7 +1156,7 @@
           <p:cNvPr id="9" name="Footer Placeholder 8">
             <a:extLst>
               <a:ext uri="{FF2B5EF4-FFF2-40B4-BE49-F238E27FC236}">
-                <a16:creationId xmlns:a16="http://schemas.microsoft.com/office/drawing/2014/main" xmlns="" id="{1356D3B5-6063-4A89-B88F-9D3043916FF8}"/>
+                <a16:creationId xmlns="" xmlns:a16="http://schemas.microsoft.com/office/drawing/2014/main" id="{1356D3B5-6063-4A89-B88F-9D3043916FF8}"/>
               </a:ext>
             </a:extLst>
           </p:cNvPr>
@@ -1180,7 +1181,7 @@
           <p:cNvPr id="10" name="Slide Number Placeholder 9">
             <a:extLst>
               <a:ext uri="{FF2B5EF4-FFF2-40B4-BE49-F238E27FC236}">
-                <a16:creationId xmlns:a16="http://schemas.microsoft.com/office/drawing/2014/main" xmlns="" id="{02B78BF7-69D3-4CE0-A631-50EFD41EEEB8}"/>
+                <a16:creationId xmlns="" xmlns:a16="http://schemas.microsoft.com/office/drawing/2014/main" id="{02B78BF7-69D3-4CE0-A631-50EFD41EEEB8}"/>
               </a:ext>
             </a:extLst>
           </p:cNvPr>
@@ -1208,7 +1209,7 @@
     </p:spTree>
     <p:extLst>
       <p:ext uri="{BB962C8B-B14F-4D97-AF65-F5344CB8AC3E}">
-        <p14:creationId xmlns:p14="http://schemas.microsoft.com/office/powerpoint/2010/main" xmlns="" val="852443411"/>
+        <p14:creationId xmlns="" xmlns:p14="http://schemas.microsoft.com/office/powerpoint/2010/main" val="852443411"/>
       </p:ext>
     </p:extLst>
   </p:cSld>
@@ -1439,7 +1440,7 @@
           <p:cNvPr id="7" name="Date Placeholder 6">
             <a:extLst>
               <a:ext uri="{FF2B5EF4-FFF2-40B4-BE49-F238E27FC236}">
-                <a16:creationId xmlns:a16="http://schemas.microsoft.com/office/drawing/2014/main" xmlns="" id="{61582016-5696-4A93-887F-BBB3B9002FE5}"/>
+                <a16:creationId xmlns="" xmlns:a16="http://schemas.microsoft.com/office/drawing/2014/main" id="{61582016-5696-4A93-887F-BBB3B9002FE5}"/>
               </a:ext>
             </a:extLst>
           </p:cNvPr>
@@ -1469,7 +1470,7 @@
           <p:cNvPr id="9" name="Footer Placeholder 8">
             <a:extLst>
               <a:ext uri="{FF2B5EF4-FFF2-40B4-BE49-F238E27FC236}">
-                <a16:creationId xmlns:a16="http://schemas.microsoft.com/office/drawing/2014/main" xmlns="" id="{857CFCD5-1192-4E18-8A8F-29E153B44DA4}"/>
+                <a16:creationId xmlns="" xmlns:a16="http://schemas.microsoft.com/office/drawing/2014/main" id="{857CFCD5-1192-4E18-8A8F-29E153B44DA4}"/>
               </a:ext>
             </a:extLst>
           </p:cNvPr>
@@ -1494,7 +1495,7 @@
           <p:cNvPr id="10" name="Slide Number Placeholder 9">
             <a:extLst>
               <a:ext uri="{FF2B5EF4-FFF2-40B4-BE49-F238E27FC236}">
-                <a16:creationId xmlns:a16="http://schemas.microsoft.com/office/drawing/2014/main" xmlns="" id="{E39A109E-5018-4794-92B3-FD5E5BCD95E8}"/>
+                <a16:creationId xmlns="" xmlns:a16="http://schemas.microsoft.com/office/drawing/2014/main" id="{E39A109E-5018-4794-92B3-FD5E5BCD95E8}"/>
               </a:ext>
             </a:extLst>
           </p:cNvPr>
@@ -1522,7 +1523,7 @@
     </p:spTree>
     <p:extLst>
       <p:ext uri="{BB962C8B-B14F-4D97-AF65-F5344CB8AC3E}">
-        <p14:creationId xmlns:p14="http://schemas.microsoft.com/office/powerpoint/2010/main" xmlns="" val="366680978"/>
+        <p14:creationId xmlns="" xmlns:p14="http://schemas.microsoft.com/office/powerpoint/2010/main" val="366680978"/>
       </p:ext>
     </p:extLst>
   </p:cSld>
@@ -1765,7 +1766,7 @@
     </p:spTree>
     <p:extLst>
       <p:ext uri="{BB962C8B-B14F-4D97-AF65-F5344CB8AC3E}">
-        <p14:creationId xmlns:p14="http://schemas.microsoft.com/office/powerpoint/2010/main" xmlns="" val="2483323219"/>
+        <p14:creationId xmlns="" xmlns:p14="http://schemas.microsoft.com/office/powerpoint/2010/main" val="2483323219"/>
       </p:ext>
     </p:extLst>
   </p:cSld>
@@ -2189,7 +2190,7 @@
     </p:spTree>
     <p:extLst>
       <p:ext uri="{BB962C8B-B14F-4D97-AF65-F5344CB8AC3E}">
-        <p14:creationId xmlns:p14="http://schemas.microsoft.com/office/powerpoint/2010/main" xmlns="" val="1748046589"/>
+        <p14:creationId xmlns="" xmlns:p14="http://schemas.microsoft.com/office/powerpoint/2010/main" val="1748046589"/>
       </p:ext>
     </p:extLst>
   </p:cSld>
@@ -2314,7 +2315,7 @@
     </p:spTree>
     <p:extLst>
       <p:ext uri="{BB962C8B-B14F-4D97-AF65-F5344CB8AC3E}">
-        <p14:creationId xmlns:p14="http://schemas.microsoft.com/office/powerpoint/2010/main" xmlns="" val="112936382"/>
+        <p14:creationId xmlns="" xmlns:p14="http://schemas.microsoft.com/office/powerpoint/2010/main" val="112936382"/>
       </p:ext>
     </p:extLst>
   </p:cSld>
@@ -2411,7 +2412,7 @@
     </p:spTree>
     <p:extLst>
       <p:ext uri="{BB962C8B-B14F-4D97-AF65-F5344CB8AC3E}">
-        <p14:creationId xmlns:p14="http://schemas.microsoft.com/office/powerpoint/2010/main" xmlns="" val="1129494974"/>
+        <p14:creationId xmlns="" xmlns:p14="http://schemas.microsoft.com/office/powerpoint/2010/main" val="1129494974"/>
       </p:ext>
     </p:extLst>
   </p:cSld>
@@ -2714,7 +2715,7 @@
           <p:cNvPr id="8" name="Date Placeholder 7">
             <a:extLst>
               <a:ext uri="{FF2B5EF4-FFF2-40B4-BE49-F238E27FC236}">
-                <a16:creationId xmlns:a16="http://schemas.microsoft.com/office/drawing/2014/main" xmlns="" id="{0B919CC2-2A65-446F-B538-9E6249035445}"/>
+                <a16:creationId xmlns="" xmlns:a16="http://schemas.microsoft.com/office/drawing/2014/main" id="{0B919CC2-2A65-446F-B538-9E6249035445}"/>
               </a:ext>
             </a:extLst>
           </p:cNvPr>
@@ -2749,7 +2750,7 @@
           <p:cNvPr id="10" name="Footer Placeholder 9">
             <a:extLst>
               <a:ext uri="{FF2B5EF4-FFF2-40B4-BE49-F238E27FC236}">
-                <a16:creationId xmlns:a16="http://schemas.microsoft.com/office/drawing/2014/main" xmlns="" id="{B72412AE-119E-4982-8B24-63365EFCA796}"/>
+                <a16:creationId xmlns="" xmlns:a16="http://schemas.microsoft.com/office/drawing/2014/main" id="{B72412AE-119E-4982-8B24-63365EFCA796}"/>
               </a:ext>
             </a:extLst>
           </p:cNvPr>
@@ -2779,7 +2780,7 @@
           <p:cNvPr id="11" name="Slide Number Placeholder 10">
             <a:extLst>
               <a:ext uri="{FF2B5EF4-FFF2-40B4-BE49-F238E27FC236}">
-                <a16:creationId xmlns:a16="http://schemas.microsoft.com/office/drawing/2014/main" xmlns="" id="{7FC4BB19-6AD1-45CF-9F99-00B109890FAB}"/>
+                <a16:creationId xmlns="" xmlns:a16="http://schemas.microsoft.com/office/drawing/2014/main" id="{7FC4BB19-6AD1-45CF-9F99-00B109890FAB}"/>
               </a:ext>
             </a:extLst>
           </p:cNvPr>
@@ -2812,7 +2813,7 @@
     </p:spTree>
     <p:extLst>
       <p:ext uri="{BB962C8B-B14F-4D97-AF65-F5344CB8AC3E}">
-        <p14:creationId xmlns:p14="http://schemas.microsoft.com/office/powerpoint/2010/main" xmlns="" val="1261766693"/>
+        <p14:creationId xmlns="" xmlns:p14="http://schemas.microsoft.com/office/powerpoint/2010/main" val="1261766693"/>
       </p:ext>
     </p:extLst>
   </p:cSld>
@@ -3085,7 +3086,7 @@
     </p:spTree>
     <p:extLst>
       <p:ext uri="{BB962C8B-B14F-4D97-AF65-F5344CB8AC3E}">
-        <p14:creationId xmlns:p14="http://schemas.microsoft.com/office/powerpoint/2010/main" xmlns="" val="3573289553"/>
+        <p14:creationId xmlns="" xmlns:p14="http://schemas.microsoft.com/office/powerpoint/2010/main" val="3573289553"/>
       </p:ext>
     </p:extLst>
   </p:cSld>
@@ -3450,7 +3451,7 @@
     </p:spTree>
     <p:extLst>
       <p:ext uri="{BB962C8B-B14F-4D97-AF65-F5344CB8AC3E}">
-        <p14:creationId xmlns:p14="http://schemas.microsoft.com/office/powerpoint/2010/main" xmlns="" val="3000897896"/>
+        <p14:creationId xmlns="" xmlns:p14="http://schemas.microsoft.com/office/powerpoint/2010/main" val="3000897896"/>
       </p:ext>
     </p:extLst>
   </p:cSld>
@@ -3895,10 +3896,10 @@
           <p:cNvPr id="18" name="Rectangle 17">
             <a:extLst>
               <a:ext uri="{FF2B5EF4-FFF2-40B4-BE49-F238E27FC236}">
-                <a16:creationId xmlns:a16="http://schemas.microsoft.com/office/drawing/2014/main" xmlns="" id="{D6D7A0BC-0046-4CAA-8E7F-DCAFE511EA0E}"/>
+                <a16:creationId xmlns="" xmlns:a16="http://schemas.microsoft.com/office/drawing/2014/main" id="{D6D7A0BC-0046-4CAA-8E7F-DCAFE511EA0E}"/>
               </a:ext>
               <a:ext uri="{C183D7F6-B498-43B3-948B-1728B52AA6E4}">
-                <adec:decorative xmlns:adec="http://schemas.microsoft.com/office/drawing/2017/decorative" xmlns="" val="1"/>
+                <adec:decorative xmlns="" xmlns:adec="http://schemas.microsoft.com/office/drawing/2017/decorative" val="1"/>
               </a:ext>
             </a:extLst>
           </p:cNvPr>
@@ -3908,7 +3909,7 @@
           <p:nvPr>
             <p:extLst>
               <p:ext uri="{386F3935-93C4-4BCD-93E2-E3B085C9AB24}">
-                <p16:designElem xmlns:p16="http://schemas.microsoft.com/office/powerpoint/2015/main" xmlns="" val="1"/>
+                <p16:designElem xmlns="" xmlns:p16="http://schemas.microsoft.com/office/powerpoint/2015/main" val="1"/>
               </p:ext>
             </p:extLst>
           </p:nvPr>
@@ -3955,7 +3956,7 @@
           <p:cNvPr id="2" name="Title 1">
             <a:extLst>
               <a:ext uri="{FF2B5EF4-FFF2-40B4-BE49-F238E27FC236}">
-                <a16:creationId xmlns:a16="http://schemas.microsoft.com/office/drawing/2014/main" xmlns="" id="{1C21E816-31F5-48BB-BD02-D15F2F18B48A}"/>
+                <a16:creationId xmlns="" xmlns:a16="http://schemas.microsoft.com/office/drawing/2014/main" id="{1C21E816-31F5-48BB-BD02-D15F2F18B48A}"/>
               </a:ext>
             </a:extLst>
           </p:cNvPr>
@@ -4003,7 +4004,7 @@
           <p:cNvPr id="3" name="Subtitle 2">
             <a:extLst>
               <a:ext uri="{FF2B5EF4-FFF2-40B4-BE49-F238E27FC236}">
-                <a16:creationId xmlns:a16="http://schemas.microsoft.com/office/drawing/2014/main" xmlns="" id="{835D6E6B-3353-491C-A3C6-F278D6CED8B3}"/>
+                <a16:creationId xmlns="" xmlns:a16="http://schemas.microsoft.com/office/drawing/2014/main" id="{835D6E6B-3353-491C-A3C6-F278D6CED8B3}"/>
               </a:ext>
             </a:extLst>
           </p:cNvPr>
@@ -4046,10 +4047,10 @@
           <p:cNvPr id="20" name="Rectangle 19">
             <a:extLst>
               <a:ext uri="{FF2B5EF4-FFF2-40B4-BE49-F238E27FC236}">
-                <a16:creationId xmlns:a16="http://schemas.microsoft.com/office/drawing/2014/main" xmlns="" id="{E7C6334F-6411-41EC-AD7D-179EDD8B58CB}"/>
+                <a16:creationId xmlns="" xmlns:a16="http://schemas.microsoft.com/office/drawing/2014/main" id="{E7C6334F-6411-41EC-AD7D-179EDD8B58CB}"/>
               </a:ext>
               <a:ext uri="{C183D7F6-B498-43B3-948B-1728B52AA6E4}">
-                <adec:decorative xmlns:adec="http://schemas.microsoft.com/office/drawing/2017/decorative" xmlns="" val="1"/>
+                <adec:decorative xmlns="" xmlns:adec="http://schemas.microsoft.com/office/drawing/2017/decorative" val="1"/>
               </a:ext>
             </a:extLst>
           </p:cNvPr>
@@ -4059,7 +4060,7 @@
           <p:nvPr>
             <p:extLst>
               <p:ext uri="{386F3935-93C4-4BCD-93E2-E3B085C9AB24}">
-                <p16:designElem xmlns:p16="http://schemas.microsoft.com/office/powerpoint/2015/main" xmlns="" val="1"/>
+                <p16:designElem xmlns="" xmlns:p16="http://schemas.microsoft.com/office/powerpoint/2015/main" val="1"/>
               </p:ext>
             </p:extLst>
           </p:nvPr>
@@ -4100,10 +4101,10 @@
           <p:cNvPr id="22" name="Rectangle 21">
             <a:extLst>
               <a:ext uri="{FF2B5EF4-FFF2-40B4-BE49-F238E27FC236}">
-                <a16:creationId xmlns:a16="http://schemas.microsoft.com/office/drawing/2014/main" xmlns="" id="{E6B02CEE-3AF8-4349-9B3E-8970E6DF62B3}"/>
+                <a16:creationId xmlns="" xmlns:a16="http://schemas.microsoft.com/office/drawing/2014/main" id="{E6B02CEE-3AF8-4349-9B3E-8970E6DF62B3}"/>
               </a:ext>
               <a:ext uri="{C183D7F6-B498-43B3-948B-1728B52AA6E4}">
-                <adec:decorative xmlns:adec="http://schemas.microsoft.com/office/drawing/2017/decorative" xmlns="" val="1"/>
+                <adec:decorative xmlns="" xmlns:adec="http://schemas.microsoft.com/office/drawing/2017/decorative" val="1"/>
               </a:ext>
             </a:extLst>
           </p:cNvPr>
@@ -4113,7 +4114,7 @@
           <p:nvPr>
             <p:extLst>
               <p:ext uri="{386F3935-93C4-4BCD-93E2-E3B085C9AB24}">
-                <p16:designElem xmlns:p16="http://schemas.microsoft.com/office/powerpoint/2015/main" xmlns="" val="1"/>
+                <p16:designElem xmlns="" xmlns:p16="http://schemas.microsoft.com/office/powerpoint/2015/main" val="1"/>
               </p:ext>
             </p:extLst>
           </p:nvPr>
@@ -4154,10 +4155,10 @@
           <p:cNvPr id="24" name="Rectangle 23">
             <a:extLst>
               <a:ext uri="{FF2B5EF4-FFF2-40B4-BE49-F238E27FC236}">
-                <a16:creationId xmlns:a16="http://schemas.microsoft.com/office/drawing/2014/main" xmlns="" id="{AAA01CF0-3FB5-44EB-B7DE-F2E86374C2FB}"/>
+                <a16:creationId xmlns="" xmlns:a16="http://schemas.microsoft.com/office/drawing/2014/main" id="{AAA01CF0-3FB5-44EB-B7DE-F2E86374C2FB}"/>
               </a:ext>
               <a:ext uri="{C183D7F6-B498-43B3-948B-1728B52AA6E4}">
-                <adec:decorative xmlns:adec="http://schemas.microsoft.com/office/drawing/2017/decorative" xmlns="" val="1"/>
+                <adec:decorative xmlns="" xmlns:adec="http://schemas.microsoft.com/office/drawing/2017/decorative" val="1"/>
               </a:ext>
             </a:extLst>
           </p:cNvPr>
@@ -4167,7 +4168,7 @@
           <p:nvPr>
             <p:extLst>
               <p:ext uri="{386F3935-93C4-4BCD-93E2-E3B085C9AB24}">
-                <p16:designElem xmlns:p16="http://schemas.microsoft.com/office/powerpoint/2015/main" xmlns="" val="1"/>
+                <p16:designElem xmlns="" xmlns:p16="http://schemas.microsoft.com/office/powerpoint/2015/main" val="1"/>
               </p:ext>
             </p:extLst>
           </p:nvPr>
@@ -4208,7 +4209,7 @@
           <p:cNvPr id="6" name="Picture 5">
             <a:extLst>
               <a:ext uri="{FF2B5EF4-FFF2-40B4-BE49-F238E27FC236}">
-                <a16:creationId xmlns:a16="http://schemas.microsoft.com/office/drawing/2014/main" xmlns="" id="{F1A8C364-94D4-4630-BAD0-78722F347055}"/>
+                <a16:creationId xmlns="" xmlns:a16="http://schemas.microsoft.com/office/drawing/2014/main" id="{F1A8C364-94D4-4630-BAD0-78722F347055}"/>
               </a:ext>
             </a:extLst>
           </p:cNvPr>
@@ -4237,7 +4238,7 @@
           <p:cNvPr id="5" name="Picture 4">
             <a:extLst>
               <a:ext uri="{FF2B5EF4-FFF2-40B4-BE49-F238E27FC236}">
-                <a16:creationId xmlns:a16="http://schemas.microsoft.com/office/drawing/2014/main" xmlns="" id="{2DF2DA5F-92AD-4BB3-A745-CA1ECB503B1F}"/>
+                <a16:creationId xmlns="" xmlns:a16="http://schemas.microsoft.com/office/drawing/2014/main" id="{2DF2DA5F-92AD-4BB3-A745-CA1ECB503B1F}"/>
               </a:ext>
             </a:extLst>
           </p:cNvPr>
@@ -4265,7 +4266,7 @@
     </p:spTree>
     <p:extLst>
       <p:ext uri="{BB962C8B-B14F-4D97-AF65-F5344CB8AC3E}">
-        <p14:creationId xmlns:p14="http://schemas.microsoft.com/office/powerpoint/2010/main" xmlns="" val="2475805559"/>
+        <p14:creationId xmlns="" xmlns:p14="http://schemas.microsoft.com/office/powerpoint/2010/main" val="2475805559"/>
       </p:ext>
     </p:extLst>
   </p:cSld>
@@ -4304,7 +4305,7 @@
           <p:cNvPr id="2" name="Title 1">
             <a:extLst>
               <a:ext uri="{FF2B5EF4-FFF2-40B4-BE49-F238E27FC236}">
-                <a16:creationId xmlns:a16="http://schemas.microsoft.com/office/drawing/2014/main" xmlns="" id="{B332D024-7CF7-40A7-8F6F-984DC362FDF1}"/>
+                <a16:creationId xmlns="" xmlns:a16="http://schemas.microsoft.com/office/drawing/2014/main" id="{9B8A52B3-BB66-42EA-ADE2-07AE6302E721}"/>
               </a:ext>
             </a:extLst>
           </p:cNvPr>
@@ -4321,162 +4322,46 @@
           <a:lstStyle/>
           <a:p>
             <a:r>
+              <a:rPr lang="en-US" dirty="0">
+                <a:solidFill>
+                  <a:schemeClr val="bg1">
+                    <a:lumMod val="50000"/>
+                  </a:schemeClr>
+                </a:solidFill>
+              </a:rPr>
+              <a:t>ETH</a:t>
+            </a:r>
+            <a:r>
               <a:rPr lang="en-US" dirty="0"/>
-              <a:t>Why EOSIO?</a:t>
-            </a:r>
-          </a:p>
-        </p:txBody>
-      </p:sp>
-      <p:sp>
-        <p:nvSpPr>
-          <p:cNvPr id="3" name="Content Placeholder 2">
+              <a:t> </a:t>
+            </a:r>
+            <a:r>
+              <a:rPr lang="en-US" cap="none" dirty="0"/>
+              <a:t>vs</a:t>
+            </a:r>
+            <a:r>
+              <a:rPr lang="en-US" dirty="0"/>
+              <a:t> </a:t>
+            </a:r>
+            <a:r>
+              <a:rPr lang="en-US" dirty="0">
+                <a:solidFill>
+                  <a:schemeClr val="accent2">
+                    <a:lumMod val="75000"/>
+                  </a:schemeClr>
+                </a:solidFill>
+              </a:rPr>
+              <a:t>EOS</a:t>
+            </a:r>
+          </a:p>
+        </p:txBody>
+      </p:sp>
+      <p:pic>
+        <p:nvPicPr>
+          <p:cNvPr id="4" name="Picture 3">
             <a:extLst>
               <a:ext uri="{FF2B5EF4-FFF2-40B4-BE49-F238E27FC236}">
-                <a16:creationId xmlns:a16="http://schemas.microsoft.com/office/drawing/2014/main" xmlns="" id="{1361F634-45EC-4A65-94AE-CFEB178B8661}"/>
-              </a:ext>
-            </a:extLst>
-          </p:cNvPr>
-          <p:cNvSpPr>
-            <a:spLocks noGrp="1"/>
-          </p:cNvSpPr>
-          <p:nvPr>
-            <p:ph idx="1"/>
-          </p:nvPr>
-        </p:nvSpPr>
-        <p:spPr>
-          <a:xfrm>
-            <a:off x="581193" y="2197682"/>
-            <a:ext cx="5514807" cy="3634486"/>
-          </a:xfrm>
-        </p:spPr>
-        <p:txBody>
-          <a:bodyPr/>
-          <a:lstStyle/>
-          <a:p>
-            <a:r>
-              <a:rPr lang="en-US" b="0" i="0" dirty="0" smtClean="0">
-                <a:solidFill>
-                  <a:srgbClr val="24292E"/>
-                </a:solidFill>
-                <a:effectLst/>
-                <a:latin typeface="-apple-system"/>
-              </a:rPr>
-              <a:t>The protocol can be used as either of the 4 different types of </a:t>
-            </a:r>
-            <a:r>
-              <a:rPr lang="en-US" b="0" i="0" dirty="0" err="1" smtClean="0">
-                <a:solidFill>
-                  <a:srgbClr val="24292E"/>
-                </a:solidFill>
-                <a:effectLst/>
-                <a:latin typeface="-apple-system"/>
-              </a:rPr>
-              <a:t>Blockchain</a:t>
-            </a:r>
-            <a:r>
-              <a:rPr lang="en-US" dirty="0" smtClean="0">
-                <a:solidFill>
-                  <a:srgbClr val="24292E"/>
-                </a:solidFill>
-                <a:latin typeface="-apple-system"/>
-              </a:rPr>
-              <a:t>  i.e. for any type of industry use cases, in order to power their own cloud servers.</a:t>
-            </a:r>
-          </a:p>
-          <a:p>
-            <a:r>
-              <a:rPr lang="en-IN" b="0" i="0" dirty="0" smtClean="0">
-                <a:solidFill>
-                  <a:srgbClr val="24292E"/>
-                </a:solidFill>
-                <a:effectLst/>
-                <a:latin typeface="-apple-system"/>
-              </a:rPr>
-              <a:t>Both the business models can be implemented </a:t>
-            </a:r>
-            <a:r>
-              <a:rPr lang="en-IN" b="0" i="0" dirty="0" smtClean="0">
-                <a:solidFill>
-                  <a:srgbClr val="24292E"/>
-                </a:solidFill>
-                <a:effectLst/>
-                <a:latin typeface="-apple-system"/>
-                <a:sym typeface="Wingdings" pitchFamily="2" charset="2"/>
-              </a:rPr>
-              <a:t> “</a:t>
-            </a:r>
-            <a:r>
-              <a:rPr lang="en-IN" b="1" i="0" dirty="0" smtClean="0">
-                <a:solidFill>
-                  <a:srgbClr val="24292E"/>
-                </a:solidFill>
-                <a:effectLst/>
-                <a:latin typeface="-apple-system"/>
-                <a:sym typeface="Wingdings" pitchFamily="2" charset="2"/>
-              </a:rPr>
-              <a:t>Pay as per use</a:t>
-            </a:r>
-            <a:r>
-              <a:rPr lang="en-IN" b="0" i="0" dirty="0" smtClean="0">
-                <a:solidFill>
-                  <a:srgbClr val="24292E"/>
-                </a:solidFill>
-                <a:effectLst/>
-                <a:latin typeface="-apple-system"/>
-                <a:sym typeface="Wingdings" pitchFamily="2" charset="2"/>
-              </a:rPr>
-              <a:t>” &amp; “</a:t>
-            </a:r>
-            <a:r>
-              <a:rPr lang="en-IN" b="1" i="0" dirty="0" smtClean="0">
-                <a:solidFill>
-                  <a:srgbClr val="24292E"/>
-                </a:solidFill>
-                <a:effectLst/>
-                <a:latin typeface="-apple-system"/>
-                <a:sym typeface="Wingdings" pitchFamily="2" charset="2"/>
-              </a:rPr>
-              <a:t>One time investment  by investors</a:t>
-            </a:r>
-            <a:r>
-              <a:rPr lang="en-IN" b="0" i="0" dirty="0" smtClean="0">
-                <a:solidFill>
-                  <a:srgbClr val="24292E"/>
-                </a:solidFill>
-                <a:effectLst/>
-                <a:latin typeface="-apple-system"/>
-                <a:sym typeface="Wingdings" pitchFamily="2" charset="2"/>
-              </a:rPr>
-              <a:t>”</a:t>
-            </a:r>
-            <a:endParaRPr lang="en-US" b="0" i="0" dirty="0">
-              <a:solidFill>
-                <a:srgbClr val="24292E"/>
-              </a:solidFill>
-              <a:effectLst/>
-              <a:latin typeface="-apple-system"/>
-            </a:endParaRPr>
-          </a:p>
-          <a:p>
-            <a:endParaRPr lang="en-US" b="0" i="0" dirty="0">
-              <a:solidFill>
-                <a:srgbClr val="24292E"/>
-              </a:solidFill>
-              <a:effectLst/>
-              <a:latin typeface="-apple-system"/>
-            </a:endParaRPr>
-          </a:p>
-          <a:p>
-            <a:endParaRPr lang="en-US" dirty="0"/>
-          </a:p>
-        </p:txBody>
-      </p:sp>
-      <p:pic>
-        <p:nvPicPr>
-          <p:cNvPr id="5" name="Picture 4">
-            <a:extLst>
-              <a:ext uri="{FF2B5EF4-FFF2-40B4-BE49-F238E27FC236}">
-                <a16:creationId xmlns:a16="http://schemas.microsoft.com/office/drawing/2014/main" xmlns="" id="{F537BEB0-FF60-41FD-BF15-88BEB38D8587}"/>
+                <a16:creationId xmlns="" xmlns:a16="http://schemas.microsoft.com/office/drawing/2014/main" id="{AAA9D7D6-1B97-4854-BA9A-EFD9317ACB30}"/>
               </a:ext>
             </a:extLst>
           </p:cNvPr>
@@ -4492,8 +4377,82 @@
           </a:stretch>
         </p:blipFill>
         <p:spPr>
-          <a:xfrm>
-            <a:off x="9575111" y="497237"/>
+          <a:xfrm rot="197462">
+            <a:off x="409612" y="2628429"/>
+            <a:ext cx="11514818" cy="3749365"/>
+          </a:xfrm>
+          <a:prstGeom prst="rect">
+            <a:avLst/>
+          </a:prstGeom>
+        </p:spPr>
+      </p:pic>
+      <p:sp>
+        <p:nvSpPr>
+          <p:cNvPr id="5" name="TextBox 4">
+            <a:extLst>
+              <a:ext uri="{FF2B5EF4-FFF2-40B4-BE49-F238E27FC236}">
+                <a16:creationId xmlns="" xmlns:a16="http://schemas.microsoft.com/office/drawing/2014/main" id="{902EC33E-F7C3-4CFF-8DE4-B7A96777CD52}"/>
+              </a:ext>
+            </a:extLst>
+          </p:cNvPr>
+          <p:cNvSpPr txBox="1"/>
+          <p:nvPr/>
+        </p:nvSpPr>
+        <p:spPr>
+          <a:xfrm>
+            <a:off x="683580" y="1929896"/>
+            <a:ext cx="1012970" cy="369332"/>
+          </a:xfrm>
+          <a:prstGeom prst="rect">
+            <a:avLst/>
+          </a:prstGeom>
+          <a:solidFill>
+            <a:srgbClr val="FFC000"/>
+          </a:solidFill>
+          <a:effectLst>
+            <a:outerShdw blurRad="50800" dist="38100" dir="2700000" algn="tl" rotWithShape="0">
+              <a:prstClr val="black">
+                <a:alpha val="40000"/>
+              </a:prstClr>
+            </a:outerShdw>
+          </a:effectLst>
+        </p:spPr>
+        <p:txBody>
+          <a:bodyPr wrap="none" rtlCol="0">
+            <a:spAutoFit/>
+          </a:bodyPr>
+          <a:lstStyle/>
+          <a:p>
+            <a:r>
+              <a:rPr lang="en-US" dirty="0"/>
+              <a:t>Example</a:t>
+            </a:r>
+          </a:p>
+        </p:txBody>
+      </p:sp>
+      <p:pic>
+        <p:nvPicPr>
+          <p:cNvPr id="6" name="Picture 5">
+            <a:extLst>
+              <a:ext uri="{FF2B5EF4-FFF2-40B4-BE49-F238E27FC236}">
+                <a16:creationId xmlns="" xmlns:a16="http://schemas.microsoft.com/office/drawing/2014/main" id="{66939B56-B43E-4F80-9A70-BEDBC9414853}"/>
+              </a:ext>
+            </a:extLst>
+          </p:cNvPr>
+          <p:cNvPicPr>
+            <a:picLocks noChangeAspect="1"/>
+          </p:cNvPicPr>
+          <p:nvPr/>
+        </p:nvPicPr>
+        <p:blipFill>
+          <a:blip r:embed="rId3"/>
+          <a:stretch>
+            <a:fillRect/>
+          </a:stretch>
+        </p:blipFill>
+        <p:spPr>
+          <a:xfrm>
+            <a:off x="9582860" y="504986"/>
             <a:ext cx="2457091" cy="793645"/>
           </a:xfrm>
           <a:prstGeom prst="rect">
@@ -4504,7 +4463,7 @@
     </p:spTree>
     <p:extLst>
       <p:ext uri="{BB962C8B-B14F-4D97-AF65-F5344CB8AC3E}">
-        <p14:creationId xmlns:p14="http://schemas.microsoft.com/office/powerpoint/2010/main" xmlns="" val="588069994"/>
+        <p14:creationId xmlns="" xmlns:p14="http://schemas.microsoft.com/office/powerpoint/2010/main" val="2531434088"/>
       </p:ext>
     </p:extLst>
   </p:cSld>
@@ -4536,7 +4495,7 @@
           <p:cNvPr id="2" name="Title 1">
             <a:extLst>
               <a:ext uri="{FF2B5EF4-FFF2-40B4-BE49-F238E27FC236}">
-                <a16:creationId xmlns:a16="http://schemas.microsoft.com/office/drawing/2014/main" xmlns="" id="{DBC6775C-1BF0-434F-A429-28C52C8BEFD7}"/>
+                <a16:creationId xmlns="" xmlns:a16="http://schemas.microsoft.com/office/drawing/2014/main" id="{B332D024-7CF7-40A7-8F6F-984DC362FDF1}"/>
               </a:ext>
             </a:extLst>
           </p:cNvPr>
@@ -4547,54 +4506,168 @@
             <p:ph type="title"/>
           </p:nvPr>
         </p:nvSpPr>
+        <p:spPr/>
+        <p:txBody>
+          <a:bodyPr/>
+          <a:lstStyle/>
+          <a:p>
+            <a:r>
+              <a:rPr lang="en-US" dirty="0"/>
+              <a:t>Why EOSIO?</a:t>
+            </a:r>
+          </a:p>
+        </p:txBody>
+      </p:sp>
+      <p:sp>
+        <p:nvSpPr>
+          <p:cNvPr id="3" name="Content Placeholder 2">
+            <a:extLst>
+              <a:ext uri="{FF2B5EF4-FFF2-40B4-BE49-F238E27FC236}">
+                <a16:creationId xmlns="" xmlns:a16="http://schemas.microsoft.com/office/drawing/2014/main" id="{1361F634-45EC-4A65-94AE-CFEB178B8661}"/>
+              </a:ext>
+            </a:extLst>
+          </p:cNvPr>
+          <p:cNvSpPr>
+            <a:spLocks noGrp="1"/>
+          </p:cNvSpPr>
+          <p:nvPr>
+            <p:ph idx="1"/>
+          </p:nvPr>
+        </p:nvSpPr>
         <p:spPr>
           <a:xfrm>
-            <a:off x="3224813" y="2341486"/>
-            <a:ext cx="5742373" cy="2175028"/>
-          </a:xfrm>
-        </p:spPr>
-        <p:txBody>
-          <a:bodyPr>
-            <a:noAutofit/>
-          </a:bodyPr>
+            <a:off x="581193" y="2197682"/>
+            <a:ext cx="5514807" cy="3634486"/>
+          </a:xfrm>
+        </p:spPr>
+        <p:txBody>
+          <a:bodyPr/>
           <a:lstStyle/>
           <a:p>
-            <a:pPr algn="ctr"/>
-            <a:r>
-              <a:rPr lang="en-US" sz="4400" dirty="0">
+            <a:r>
+              <a:rPr lang="en-US" b="0" i="0" dirty="0" smtClean="0">
                 <a:solidFill>
-                  <a:schemeClr val="tx1">
-                    <a:lumMod val="50000"/>
-                    <a:lumOff val="50000"/>
-                  </a:schemeClr>
+                  <a:srgbClr val="24292E"/>
                 </a:solidFill>
+                <a:effectLst/>
+                <a:latin typeface="-apple-system"/>
               </a:rPr>
-              <a:t>Block Explorer</a:t>
-            </a:r>
-            <a:r>
-              <a:rPr lang="en-US" sz="3200" dirty="0"/>
-              <a:t/>
-            </a:r>
-            <a:br>
-              <a:rPr lang="en-US" sz="3200" dirty="0"/>
-            </a:br>
-            <a:endParaRPr lang="en-US" sz="4400" dirty="0">
+              <a:t>The protocol can be used as either of the 4 different types of </a:t>
+            </a:r>
+            <a:r>
+              <a:rPr lang="en-US" b="0" i="0" dirty="0" err="1" smtClean="0">
+                <a:solidFill>
+                  <a:srgbClr val="24292E"/>
+                </a:solidFill>
+                <a:effectLst/>
+                <a:latin typeface="-apple-system"/>
+              </a:rPr>
+              <a:t>Blockchain</a:t>
+            </a:r>
+            <a:r>
+              <a:rPr lang="en-US" dirty="0" smtClean="0">
+                <a:solidFill>
+                  <a:srgbClr val="24292E"/>
+                </a:solidFill>
+                <a:latin typeface="-apple-system"/>
+              </a:rPr>
+              <a:t>  i.e. for any type of industry use cases, in order to power their own cloud servers.</a:t>
+            </a:r>
+          </a:p>
+          <a:p>
+            <a:r>
+              <a:rPr lang="en-IN" b="0" i="0" dirty="0" smtClean="0">
+                <a:solidFill>
+                  <a:srgbClr val="24292E"/>
+                </a:solidFill>
+                <a:effectLst/>
+                <a:latin typeface="-apple-system"/>
+              </a:rPr>
+              <a:t>Both the business models can be implemented </a:t>
+            </a:r>
+            <a:r>
+              <a:rPr lang="en-IN" b="0" i="0" dirty="0" smtClean="0">
+                <a:solidFill>
+                  <a:srgbClr val="24292E"/>
+                </a:solidFill>
+                <a:effectLst/>
+                <a:latin typeface="-apple-system"/>
+                <a:sym typeface="Wingdings" pitchFamily="2" charset="2"/>
+              </a:rPr>
+              <a:t> “</a:t>
+            </a:r>
+            <a:r>
+              <a:rPr lang="en-IN" b="1" i="0" dirty="0" smtClean="0">
+                <a:solidFill>
+                  <a:srgbClr val="24292E"/>
+                </a:solidFill>
+                <a:effectLst/>
+                <a:latin typeface="-apple-system"/>
+                <a:sym typeface="Wingdings" pitchFamily="2" charset="2"/>
+              </a:rPr>
+              <a:t>Pay as per use</a:t>
+            </a:r>
+            <a:r>
+              <a:rPr lang="en-IN" b="0" i="0" dirty="0" smtClean="0">
+                <a:solidFill>
+                  <a:srgbClr val="24292E"/>
+                </a:solidFill>
+                <a:effectLst/>
+                <a:latin typeface="-apple-system"/>
+                <a:sym typeface="Wingdings" pitchFamily="2" charset="2"/>
+              </a:rPr>
+              <a:t>” &amp; “</a:t>
+            </a:r>
+            <a:r>
+              <a:rPr lang="en-IN" b="1" i="0" dirty="0" smtClean="0">
+                <a:solidFill>
+                  <a:srgbClr val="24292E"/>
+                </a:solidFill>
+                <a:effectLst/>
+                <a:latin typeface="-apple-system"/>
+                <a:sym typeface="Wingdings" pitchFamily="2" charset="2"/>
+              </a:rPr>
+              <a:t>One time investment  by investors</a:t>
+            </a:r>
+            <a:r>
+              <a:rPr lang="en-IN" b="0" i="0" dirty="0" smtClean="0">
+                <a:solidFill>
+                  <a:srgbClr val="24292E"/>
+                </a:solidFill>
+                <a:effectLst/>
+                <a:latin typeface="-apple-system"/>
+                <a:sym typeface="Wingdings" pitchFamily="2" charset="2"/>
+              </a:rPr>
+              <a:t>”</a:t>
+            </a:r>
+            <a:endParaRPr lang="en-US" b="0" i="0" dirty="0">
               <a:solidFill>
-                <a:schemeClr val="tx1">
-                  <a:lumMod val="50000"/>
-                  <a:lumOff val="50000"/>
-                </a:schemeClr>
+                <a:srgbClr val="24292E"/>
               </a:solidFill>
+              <a:effectLst/>
+              <a:latin typeface="-apple-system"/>
             </a:endParaRPr>
+          </a:p>
+          <a:p>
+            <a:endParaRPr lang="en-US" b="0" i="0" dirty="0">
+              <a:solidFill>
+                <a:srgbClr val="24292E"/>
+              </a:solidFill>
+              <a:effectLst/>
+              <a:latin typeface="-apple-system"/>
+            </a:endParaRPr>
+          </a:p>
+          <a:p>
+            <a:endParaRPr lang="en-US" dirty="0"/>
           </a:p>
         </p:txBody>
       </p:sp>
       <p:pic>
         <p:nvPicPr>
-          <p:cNvPr id="3" name="Picture 2">
+          <p:cNvPr id="5" name="Picture 4">
             <a:extLst>
               <a:ext uri="{FF2B5EF4-FFF2-40B4-BE49-F238E27FC236}">
-                <a16:creationId xmlns:a16="http://schemas.microsoft.com/office/drawing/2014/main" xmlns="" id="{23290E1D-59B3-445E-8085-B4BA2CF51FB1}"/>
+                <a16:creationId xmlns="" xmlns:a16="http://schemas.microsoft.com/office/drawing/2014/main" id="{F537BEB0-FF60-41FD-BF15-88BEB38D8587}"/>
               </a:ext>
             </a:extLst>
           </p:cNvPr>
@@ -4622,7 +4695,7 @@
     </p:spTree>
     <p:extLst>
       <p:ext uri="{BB962C8B-B14F-4D97-AF65-F5344CB8AC3E}">
-        <p14:creationId xmlns:p14="http://schemas.microsoft.com/office/powerpoint/2010/main" xmlns="" val="3315502033"/>
+        <p14:creationId xmlns="" xmlns:p14="http://schemas.microsoft.com/office/powerpoint/2010/main" val="588069994"/>
       </p:ext>
     </p:extLst>
   </p:cSld>
@@ -4649,42 +4722,70 @@
           <a:chExt cx="0" cy="0"/>
         </a:xfrm>
       </p:grpSpPr>
-      <p:pic>
-        <p:nvPicPr>
-          <p:cNvPr id="7" name="Content Placeholder 6">
-            <a:hlinkClick r:id="rId2"/>
+      <p:sp>
+        <p:nvSpPr>
+          <p:cNvPr id="2" name="Title 1">
             <a:extLst>
               <a:ext uri="{FF2B5EF4-FFF2-40B4-BE49-F238E27FC236}">
-                <a16:creationId xmlns:a16="http://schemas.microsoft.com/office/drawing/2014/main" xmlns="" id="{63816459-461E-4B4F-81FA-AF665B4B7FBF}"/>
+                <a16:creationId xmlns="" xmlns:a16="http://schemas.microsoft.com/office/drawing/2014/main" id="{DBC6775C-1BF0-434F-A429-28C52C8BEFD7}"/>
               </a:ext>
             </a:extLst>
           </p:cNvPr>
-          <p:cNvPicPr>
-            <a:picLocks noGrp="1" noChangeAspect="1"/>
-          </p:cNvPicPr>
-          <p:nvPr>
-            <p:ph idx="1"/>
-          </p:nvPr>
-        </p:nvPicPr>
-        <p:blipFill>
-          <a:blip r:embed="rId3"/>
-          <a:stretch>
-            <a:fillRect/>
-          </a:stretch>
-        </p:blipFill>
+          <p:cNvSpPr>
+            <a:spLocks noGrp="1"/>
+          </p:cNvSpPr>
+          <p:nvPr>
+            <p:ph type="title"/>
+          </p:nvPr>
+        </p:nvSpPr>
         <p:spPr>
           <a:xfrm>
-            <a:off x="0" y="790936"/>
-            <a:ext cx="12192000" cy="6047849"/>
-          </a:xfrm>
-        </p:spPr>
-      </p:pic>
+            <a:off x="3224813" y="2341486"/>
+            <a:ext cx="5742373" cy="2175028"/>
+          </a:xfrm>
+        </p:spPr>
+        <p:txBody>
+          <a:bodyPr>
+            <a:noAutofit/>
+          </a:bodyPr>
+          <a:lstStyle/>
+          <a:p>
+            <a:pPr algn="ctr"/>
+            <a:r>
+              <a:rPr lang="en-US" sz="4400" dirty="0">
+                <a:solidFill>
+                  <a:schemeClr val="tx1">
+                    <a:lumMod val="50000"/>
+                    <a:lumOff val="50000"/>
+                  </a:schemeClr>
+                </a:solidFill>
+              </a:rPr>
+              <a:t>Block Explorer</a:t>
+            </a:r>
+            <a:r>
+              <a:rPr lang="en-US" sz="3200" dirty="0"/>
+              <a:t/>
+            </a:r>
+            <a:br>
+              <a:rPr lang="en-US" sz="3200" dirty="0"/>
+            </a:br>
+            <a:endParaRPr lang="en-US" sz="4400" dirty="0">
+              <a:solidFill>
+                <a:schemeClr val="tx1">
+                  <a:lumMod val="50000"/>
+                  <a:lumOff val="50000"/>
+                </a:schemeClr>
+              </a:solidFill>
+            </a:endParaRPr>
+          </a:p>
+        </p:txBody>
+      </p:sp>
       <p:pic>
         <p:nvPicPr>
-          <p:cNvPr id="4" name="Picture 3">
+          <p:cNvPr id="3" name="Picture 2">
             <a:extLst>
               <a:ext uri="{FF2B5EF4-FFF2-40B4-BE49-F238E27FC236}">
-                <a16:creationId xmlns:a16="http://schemas.microsoft.com/office/drawing/2014/main" xmlns="" id="{448DD441-D7B1-4AAC-90BF-1D766109F833}"/>
+                <a16:creationId xmlns="" xmlns:a16="http://schemas.microsoft.com/office/drawing/2014/main" id="{23290E1D-59B3-445E-8085-B4BA2CF51FB1}"/>
               </a:ext>
             </a:extLst>
           </p:cNvPr>
@@ -4694,14 +4795,14 @@
           <p:nvPr/>
         </p:nvPicPr>
         <p:blipFill>
-          <a:blip r:embed="rId4"/>
+          <a:blip r:embed="rId2"/>
           <a:stretch>
             <a:fillRect/>
           </a:stretch>
         </p:blipFill>
         <p:spPr>
           <a:xfrm>
-            <a:off x="9663888" y="-135054"/>
+            <a:off x="9575111" y="497237"/>
             <a:ext cx="2457091" cy="793645"/>
           </a:xfrm>
           <a:prstGeom prst="rect">
@@ -4712,7 +4813,7 @@
     </p:spTree>
     <p:extLst>
       <p:ext uri="{BB962C8B-B14F-4D97-AF65-F5344CB8AC3E}">
-        <p14:creationId xmlns:p14="http://schemas.microsoft.com/office/powerpoint/2010/main" xmlns="" val="13144033"/>
+        <p14:creationId xmlns="" xmlns:p14="http://schemas.microsoft.com/office/powerpoint/2010/main" val="3315502033"/>
       </p:ext>
     </p:extLst>
   </p:cSld>
@@ -4739,63 +4840,42 @@
           <a:chExt cx="0" cy="0"/>
         </a:xfrm>
       </p:grpSpPr>
-      <p:sp>
-        <p:nvSpPr>
-          <p:cNvPr id="2" name="Title 1">
+      <p:pic>
+        <p:nvPicPr>
+          <p:cNvPr id="7" name="Content Placeholder 6">
+            <a:hlinkClick r:id="rId2"/>
             <a:extLst>
               <a:ext uri="{FF2B5EF4-FFF2-40B4-BE49-F238E27FC236}">
-                <a16:creationId xmlns:a16="http://schemas.microsoft.com/office/drawing/2014/main" xmlns="" id="{DBC6775C-1BF0-434F-A429-28C52C8BEFD7}"/>
+                <a16:creationId xmlns="" xmlns:a16="http://schemas.microsoft.com/office/drawing/2014/main" id="{63816459-461E-4B4F-81FA-AF665B4B7FBF}"/>
               </a:ext>
             </a:extLst>
           </p:cNvPr>
-          <p:cNvSpPr>
-            <a:spLocks noGrp="1"/>
-          </p:cNvSpPr>
-          <p:nvPr>
-            <p:ph type="title"/>
-          </p:nvPr>
-        </p:nvSpPr>
+          <p:cNvPicPr>
+            <a:picLocks noGrp="1" noChangeAspect="1"/>
+          </p:cNvPicPr>
+          <p:nvPr>
+            <p:ph idx="1"/>
+          </p:nvPr>
+        </p:nvPicPr>
+        <p:blipFill>
+          <a:blip r:embed="rId3"/>
+          <a:stretch>
+            <a:fillRect/>
+          </a:stretch>
+        </p:blipFill>
         <p:spPr>
           <a:xfrm>
-            <a:off x="3211751" y="3122022"/>
-            <a:ext cx="5742373" cy="845851"/>
-          </a:xfrm>
-        </p:spPr>
-        <p:txBody>
-          <a:bodyPr>
-            <a:noAutofit/>
-          </a:bodyPr>
-          <a:lstStyle/>
-          <a:p>
-            <a:pPr algn="ctr"/>
-            <a:r>
-              <a:rPr lang="en-US" sz="4400" dirty="0" smtClean="0">
-                <a:solidFill>
-                  <a:schemeClr val="tx1">
-                    <a:lumMod val="50000"/>
-                    <a:lumOff val="50000"/>
-                  </a:schemeClr>
-                </a:solidFill>
-              </a:rPr>
-              <a:t>Applications</a:t>
-            </a:r>
-            <a:endParaRPr lang="en-US" sz="4400" dirty="0">
-              <a:solidFill>
-                <a:schemeClr val="tx1">
-                  <a:lumMod val="50000"/>
-                  <a:lumOff val="50000"/>
-                </a:schemeClr>
-              </a:solidFill>
-            </a:endParaRPr>
-          </a:p>
-        </p:txBody>
-      </p:sp>
+            <a:off x="0" y="790936"/>
+            <a:ext cx="12192000" cy="6047849"/>
+          </a:xfrm>
+        </p:spPr>
+      </p:pic>
       <p:pic>
         <p:nvPicPr>
-          <p:cNvPr id="3" name="Picture 2">
+          <p:cNvPr id="4" name="Picture 3">
             <a:extLst>
               <a:ext uri="{FF2B5EF4-FFF2-40B4-BE49-F238E27FC236}">
-                <a16:creationId xmlns:a16="http://schemas.microsoft.com/office/drawing/2014/main" xmlns="" id="{23290E1D-59B3-445E-8085-B4BA2CF51FB1}"/>
+                <a16:creationId xmlns="" xmlns:a16="http://schemas.microsoft.com/office/drawing/2014/main" id="{448DD441-D7B1-4AAC-90BF-1D766109F833}"/>
               </a:ext>
             </a:extLst>
           </p:cNvPr>
@@ -4805,14 +4885,14 @@
           <p:nvPr/>
         </p:nvPicPr>
         <p:blipFill>
-          <a:blip r:embed="rId2"/>
+          <a:blip r:embed="rId4"/>
           <a:stretch>
             <a:fillRect/>
           </a:stretch>
         </p:blipFill>
         <p:spPr>
           <a:xfrm>
-            <a:off x="9575111" y="497237"/>
+            <a:off x="9663888" y="-135054"/>
             <a:ext cx="2457091" cy="793645"/>
           </a:xfrm>
           <a:prstGeom prst="rect">
@@ -4823,7 +4903,7 @@
     </p:spTree>
     <p:extLst>
       <p:ext uri="{BB962C8B-B14F-4D97-AF65-F5344CB8AC3E}">
-        <p14:creationId xmlns:p14="http://schemas.microsoft.com/office/powerpoint/2010/main" xmlns="" val="3315502033"/>
+        <p14:creationId xmlns="" xmlns:p14="http://schemas.microsoft.com/office/powerpoint/2010/main" val="13144033"/>
       </p:ext>
     </p:extLst>
   </p:cSld>
@@ -4852,6 +4932,117 @@
       </p:grpSpPr>
       <p:sp>
         <p:nvSpPr>
+          <p:cNvPr id="2" name="Title 1">
+            <a:extLst>
+              <a:ext uri="{FF2B5EF4-FFF2-40B4-BE49-F238E27FC236}">
+                <a16:creationId xmlns="" xmlns:a16="http://schemas.microsoft.com/office/drawing/2014/main" id="{DBC6775C-1BF0-434F-A429-28C52C8BEFD7}"/>
+              </a:ext>
+            </a:extLst>
+          </p:cNvPr>
+          <p:cNvSpPr>
+            <a:spLocks noGrp="1"/>
+          </p:cNvSpPr>
+          <p:nvPr>
+            <p:ph type="title"/>
+          </p:nvPr>
+        </p:nvSpPr>
+        <p:spPr>
+          <a:xfrm>
+            <a:off x="3211751" y="3122022"/>
+            <a:ext cx="5742373" cy="845851"/>
+          </a:xfrm>
+        </p:spPr>
+        <p:txBody>
+          <a:bodyPr>
+            <a:noAutofit/>
+          </a:bodyPr>
+          <a:lstStyle/>
+          <a:p>
+            <a:pPr algn="ctr"/>
+            <a:r>
+              <a:rPr lang="en-US" sz="4400" dirty="0" smtClean="0">
+                <a:solidFill>
+                  <a:schemeClr val="tx1">
+                    <a:lumMod val="50000"/>
+                    <a:lumOff val="50000"/>
+                  </a:schemeClr>
+                </a:solidFill>
+              </a:rPr>
+              <a:t>Applications</a:t>
+            </a:r>
+            <a:endParaRPr lang="en-US" sz="4400" dirty="0">
+              <a:solidFill>
+                <a:schemeClr val="tx1">
+                  <a:lumMod val="50000"/>
+                  <a:lumOff val="50000"/>
+                </a:schemeClr>
+              </a:solidFill>
+            </a:endParaRPr>
+          </a:p>
+        </p:txBody>
+      </p:sp>
+      <p:pic>
+        <p:nvPicPr>
+          <p:cNvPr id="3" name="Picture 2">
+            <a:extLst>
+              <a:ext uri="{FF2B5EF4-FFF2-40B4-BE49-F238E27FC236}">
+                <a16:creationId xmlns="" xmlns:a16="http://schemas.microsoft.com/office/drawing/2014/main" id="{23290E1D-59B3-445E-8085-B4BA2CF51FB1}"/>
+              </a:ext>
+            </a:extLst>
+          </p:cNvPr>
+          <p:cNvPicPr>
+            <a:picLocks noChangeAspect="1"/>
+          </p:cNvPicPr>
+          <p:nvPr/>
+        </p:nvPicPr>
+        <p:blipFill>
+          <a:blip r:embed="rId2"/>
+          <a:stretch>
+            <a:fillRect/>
+          </a:stretch>
+        </p:blipFill>
+        <p:spPr>
+          <a:xfrm>
+            <a:off x="9575111" y="497237"/>
+            <a:ext cx="2457091" cy="793645"/>
+          </a:xfrm>
+          <a:prstGeom prst="rect">
+            <a:avLst/>
+          </a:prstGeom>
+        </p:spPr>
+      </p:pic>
+    </p:spTree>
+    <p:extLst>
+      <p:ext uri="{BB962C8B-B14F-4D97-AF65-F5344CB8AC3E}">
+        <p14:creationId xmlns="" xmlns:p14="http://schemas.microsoft.com/office/powerpoint/2010/main" val="3315502033"/>
+      </p:ext>
+    </p:extLst>
+  </p:cSld>
+  <p:clrMapOvr>
+    <a:masterClrMapping/>
+  </p:clrMapOvr>
+</p:sld>
+</file>
+
+<file path=ppt/slides/slide15.xml><?xml version="1.0" encoding="utf-8"?>
+<p:sld xmlns:a="http://schemas.openxmlformats.org/drawingml/2006/main" xmlns:r="http://schemas.openxmlformats.org/officeDocument/2006/relationships" xmlns:p="http://schemas.openxmlformats.org/presentationml/2006/main">
+  <p:cSld>
+    <p:spTree>
+      <p:nvGrpSpPr>
+        <p:cNvPr id="1" name=""/>
+        <p:cNvGrpSpPr/>
+        <p:nvPr/>
+      </p:nvGrpSpPr>
+      <p:grpSpPr>
+        <a:xfrm>
+          <a:off x="0" y="0"/>
+          <a:ext cx="0" cy="0"/>
+          <a:chOff x="0" y="0"/>
+          <a:chExt cx="0" cy="0"/>
+        </a:xfrm>
+      </p:grpSpPr>
+      <p:sp>
+        <p:nvSpPr>
           <p:cNvPr id="1026" name="AutoShape 2" descr="data:image/png;base64,iVBORw0KGgoAAAANSUhEUgAAAOEAAADhCAMAAAAJbSJIAAABHVBMVEX/vwv////o6O4aGlTR0dz/vgD/vAAAAFf/vwD/xQD/wQjn6vT/ugDn6fLp6e7/wwX/+/H/8tL/4p8VF1X/+egADVb/674AClbZ2eL/yj//xzP/xCLy8vX/5q7//fX/2oT/3pT/9dv/1XX/0Wr/57P/zl3/78zp5+b0043f3+f/0mb/zlQRFVX/yEf/2H//4Z3v3LUAAEv10X7KmCUcHFHxtRCadTbu3sHs4tGRbzjmrRcHEFU0LE6yhy0tJ0+6jSrdph89M0qgejMAAEaPj6fs4c6sgjSGZjrQnR+KajohIE95XkBIOkhxV0NZRkjqsBRkTkRbSESnqb1NTXfCwtFfX4NFOEuCgpxrU0JBQWxxcZBSQUmfn7MuMWarmYvkEbI1AAAPOElEQVR4nO2de1/ayBrHQ3QmIQSiIFBAUVCKFbBWxapooXZXvLXb7u30nO457/9lnEkCkstMMjPJIGH394efXjP5Zp65PDPPMyOlhKveKG3ld5qdSrVWq2mShn5WK53mTn6r1KiLL14S+Oy1Rml7t6LpOjQFAJCmQr+2/kzXtcrudqmxJvAtRBE29pq9mg0mBclGrfWaew1BbyKCsJHvaOFsPk6tk28IeJu4CddKh5oOgUoNN5MKoK4dluK22FgJN7ZaKsLjoHuuTKirra2NOF8qPsL6XkeNRDejVDt78XWycRGu78JY8KaQcHc9pjeLhXAtX9VhbHi2oF7Nx9IkYyBsHMZjnV4haz1sRH+9yITrLQh5ek4aqRC2IhtrRMLXldjN0y2oV16/IOHrji7CPN0CeicSYwTC9Q4UW39TQdiJYKvchGtNwfbpYtSb3P0qL+FbMD8+ixG8nSvh66o+Vz5TepWvOfIQ1ptCxr8wAdjkmctxEJbmbKAzQVCaA+HagS5qgA+Xqh8w9zishKXaS1WgLVhjrUZGwu0XaYFOAbgtkHCj+rIVaAtWmTxkFsKS+tIVaAuoLJbKQLjz4hY6FYA7AgjrnUWw0Klgh3popCXceOE+1CtYo22MlITr0qJY6FRAovQ36AhLDKu78xKgnOBQEebnP8+mkZ6Pi3BBASkRKQh3FquPcYpm1Agn3F7UGjSlh0/hQgkXGpAGMYxwZ7EBEWKYoYYQ5he3DU4FQ7qbYMKF7UWdCulRAwlLSQBEiIFDfxDh+uJNZPACQRO4AMKNhZuLkgSkgGk4mbBeSwogQqyRnSky4UL5g2GCHXbCBZ6r4USev5EIS8kCRIikDpVAuLEgi070AiqhtyEQVpMGiBCrLITbSbNRU4SlYixh4hqhLXxTxBGuJWgkdArUcNs2OMKDZFYhqsQDOsKEzLdxws3B/YR1rtDJxZAK/LM3P2EzqTZqCjbDCV8nGRAh+sIZfIQJHOud8o/7XsK3ye1mbOneuBsP4Vqya9AUWAskTHQ3Y8vb2bgJ15Nuo6b09QDCRPn1JMEWmTDhI8VUcJ1IuBRV6F20cRK+XoZWaEp/TSCsJH+osAUqeMKl6EhtObtTB2FrOVqhKWd3OiNsLA8gQmxgCA+XivDQT7imJtfx9UtV13yECdjtZdFsZ/iZMOF+oVczP3FKuERDha3nAWNKuLtcRorMdNdNWF82QIRYdxHuLSHhnouws1z9jCnQcRJuLNNYONVkQ9Em3Fo+I0VmuuUgbC2fkSIzbc0I15bRSJGZrj0TJni3KUj2TpS0dG7FTLaDYRFqy9gMUUPUpoSN5TRSZKaNCeGSOU4zWS6UxD2h0QwjbcowtLjfzFGEMSmCqwxrWmMSSsyDhZZOS6Ph7cV4PL64Hd710UvEjYmK6N8Nb8/ux+P7s+uTSwTKXISq2YSsS1CG0T95/KAoSrlcRCqjXz083l5q7G9AlJaWTsYPriKUp7ORxFqEuSAlsfoVaWn4uaAUCytOFQbWGxgG2wvgZeI9nnqLWOmWlavxiI3R9C8ktj1DQ7q5Ugaesp/f4MtQis6Y/uXsI6GIQrn4eJlmeJa5l4gIe9QdjZYenpaxZU8glYfrdCRGLd1/LJa75CKKxTHDVwQ9k5A+xkvrf1UC+KyvrFydROh0jP69UgwuYaV8ekJdjWYcmETf0RiXH8JKt+rxc5+3GtPDh3J4CQXlgroA1NVI1IGIxmglwHocKp4OWdrKszTtMcxEJlIeaRFhCRFSxpJql6d0gGwfeSaj/0RRgRPEz5QFwG1ESLuO+HFAWz56g68Sa2M0RqcsBVzQmQncRYR0+6LpR+oPbKr8gxHRuCvQmoiNeEJVi6CCCKlcJ+1OYSkfIX5jItRGbIArhVOq5yMHSqpTuU7pJ7YXQB95zNQWH5iff0v1fL0uUTqHD45ertAdlK2p4lTl4qDr7QULDwx82onPRFAhRXchaIrqmOoUH6laot6Q6AYL44P9jbtFc5795fHsdnhyNxqNLi8vRyfDm/H3jwXzJbqF51fo/mAwU2cjML8fetbp0+f7m+GdVcJodHcyvD67GH+9sgox/1n5jKoOYUmiWyo1hsoAVdzgz/H1yJxbGabLNhVy4tA8pj8aXny7KgzQNygP0E+6rmD6/O/o+ajOkDWcfvx+NjQLMdLuQgzLRzu5+VJAL1JW+lRfEG5JlA5++u7x6+1IDXIENdsj/uXu+uzx8+Md26iv3X5+HJ9ZrmY60Ns0wUdnny8u6UwE5iXaDC6N1svVbOefeTxkWC4wvyXl8+GOtATxlkGCTWkJd52cAi1paUK98AIVackiFLwCVan20u8gWLV/CBOvGrMflzQtO5+pZWfU/gbt8B/CpKv2N5jTLP+8dD6+hXVfzoscIN2ai38IQGf/6Gi/Mr1EAVBcIhSTkH84h1NaYOs8k8lmM/KRtTYLYG//6Oej456wWyOcZe/QrtNEKeQ4m5UtZdo9KMHqexnxZjO5ozmc3QDzlGttUcpoZuSpsrkO3M1Nf4+AhSPCLcr1Un6pmuxUuzWtUBO4LXysgiXaNW/+IvYzMlGZ96ItSG9Q7lvwC567od64EUVXol6n3HviFqjmXEirq6suwn2xlWjuPQnOqwS7LiN9hQhfOX6fFWym1v6h2FwSTzP0EsptsWOitQcs9kwo+D4bSCiLHTCsfXyxw4V6HkyYORZLWGKJp+ERqLg7Gh9h9kisCTWYYqI4BA4ywYTyuciGaMdEMcS1sQvmwwhzVYGIdlyb0PNMPB0NhjCzK/IDNzniS9mktkMJRU79J/GlArsaUPVMSv2E2fci69COEU5pwloCOAwllHOiCp/FeQtMPoR74YQZcT3dc6y+ODcfusd7POG+uA+cF54zo3qqMGcRuicBAsf855wZYQ4UaHm9Xwyh3BZFOMt7Epa75vfvMVYqZ0RNqhy5a6LyD+FRlobwUBChI/9QVA6pd7wnEIoa8x05pILygEHP0+LwhPK5GEJnHrCgXG7Q9C2zra56FmpMtWtCbMiVyx05H9+Mj/QXcURHmBFjQq58/IjTGkPqX476kjd6UfWO9yRC34KbZgWXRnkl75kKkfwLrX/zZ1lRBh+/XwxHjlREteprhnhC14KbGVkpXY6u7y+G0aIoPOdiRDjbRBt9UKwQ6e6gqJQ//BgPRzalf7wnEZ5rz3BgNBx/uVpRlGJZuaKMkiUQus82ibCmqF05M0EKXYS58u3mDr3vFiWhnKkgOE0aXY8/DspKcRot3j2li3TGA3rOp+E/YwgTZo8wkdU+3Z/7UEiEx6Pb8ZOCKs6dk1CmzIzByXfGEPc5UekzQjJN912Wsh3KuV/flYuYhAumeH+3/OdEcbtQ6XtCyl73t03aOsytvsM+onDV5yXEnPXFe16bcU3IF3r3k78KCYTypi8hxf5IT7x1iDuvjdvB6OPfbuXT7wyEf2Dz1pQz3naIO3OPe0HKGOLzIot+ECJh7i+cmZb/5OQjnJvIffalcbeCqYHuH5gqJBL+/glTg9+4h3z82Zf8A4bR/+Fvi+9+wnQ0JEJZ9tVht3wTw1DhJuTfK9XUe5+lYpshkTD3m2ewGDwwphU5RTqDNso5wulh2WOppz43MIhw81+uSiwoP7gTwqWAc4SjnAVteHL1u3/gjJRch786G+JgcBvlJBHyWdCRzvPW0sMHx9iPb4ZkwlezOiwoX37ht1Ap8DzvaAd6G/3vs2p8h22G5J5G/ve0IRa7t3yn0TwDBpzJHvGMT804+TBhLJxiMciEm/+x23GUIxkmCjxXP+peomHc2keDEJohmRBNvi2+H4zns/gVfDdC9Pst0v2zB1SP7/7CGmkA4WrX5ItybMhEIfdbxHBHSbp/86B8WmUklDf/q3w70aIfbxN2R0kc5wmj1xw+4Y00gDD3v8s4jigKv2cmnhsgtF1CQCKZMHsUy6IpxV1BsQQu+HZGwwnj2YKiue8plju7oG/DIpwwji0ouju7YtiJAj08RDBhDPFfdPeuxXB3HjgmGOmbAMIYAjFp786LHgfmjRPyEL7B/2U76lBIf/9h1HBFVSI1w0DCyBs09HdYRr2HFHRIwevBhBFjQljuIY047pPD8yeE+PlO9jxSHbLdJRvtPmBAaoa5QEI5F+W7st4HHKUpqhoBMIwwUsgC653OUe7lBqQpWxhhlNgh9nu5I/j7/hgTSkK5zV2HPHerp+q8oyJsEwBCCbmD+EDNP1sLJ0xtSFzl4bZ+aQk5Y0KAROhlQghT61yEELP1O1XgeGiOF5yE6wEUQYR8c3BMBAYtoZzlahm4+TYlYSpPg6iqwBK01SEDhhJm9icPgfYjqfY09a1AhmDC0J1hxAVq1V6ntds83rdFGu6p6vB88pD94+Zuq9OrSiA0I3q228tFmNoJqEUVgt7x0c/tXMapAMBQQjnrelQm1zYzokFQSrROHAgpCVPbREQo7Z9bOcsBSKyEPmIzBfx8XyOako6fbrMQkhAByMsB+a8xEdrKyPsEWw0HpCDEz99A9ZyZj5sQMZ5jZ+XkuRoTIa5HBdU2ByA/oZzBpX3rIZ0MNSEGEfDUYBRCVIs+QipAOsJUydMMAlPQA/TKIsTuDocjemI0AQgc6BkJU+vuOapKnFwH600EQk/KMJCCpmrshKmNmuML+tKZ5kLocpBhLWCyzUWYqjv8RbIHGKIoVupykGGH7C7xEpqjxvQb+rMM5kL47CADmlGCgzBVmixPqVXOZhiNUG5PEmqBStfHsBOmNqqWnZC3JcQSTnL3YZW2CbITmkvFINCLF0poLYoDwsJvXISpEupTyYtpggl3AepDWSyUhzC1dqC/YB3qB7jNl3gJzQnOyxGyViAfYar+lnOwiEiYfUs9CEYkTKU4XzFqX8r1rnMlDFsvTT4hPg94uQizRz3eOW1CCDNN6E+7XERCbjuTK6DC/X9zCSA0N7JBwKr/4hAS4vJCZa5E8K6AyPLmHAm5h4uaKqm1uQ4W8yW09weDtt8Wh5DLTLOTtSTOJQI+I+Ul5ELMToKeQIuHkBOQm5C9O81mjqcrSfA4cIcKK76ONAohay1mco5kaniQY2yLvDUYhRAx0tdjJvveueCKXPX3WXrGHD9fNEJqyGz7qOc63trcEu8d0XU4kfCiE9qYpnI5BIvjzW1uNrbe7jRblWqtVtMkDf2sVlrNnbdbjU3sFzIflMtZT43h7f4PLJ2Fp8YnxpUAAAAASUVORK5CYII="/>
           <p:cNvSpPr>
             <a:spLocks noChangeAspect="1" noChangeArrowheads="1"/>
@@ -4899,7 +5090,7 @@
             <p:cNvPr id="4" name="TextBox 3">
               <a:extLst>
                 <a:ext uri="{FF2B5EF4-FFF2-40B4-BE49-F238E27FC236}">
-                  <a16:creationId xmlns:a16="http://schemas.microsoft.com/office/drawing/2014/main" xmlns="" id="{9674CE2F-8E4B-4E87-8AD5-2A4452B2662D}"/>
+                  <a16:creationId xmlns="" xmlns:a16="http://schemas.microsoft.com/office/drawing/2014/main" id="{9674CE2F-8E4B-4E87-8AD5-2A4452B2662D}"/>
                 </a:ext>
               </a:extLst>
             </p:cNvPr>
@@ -5012,7 +5203,7 @@
           <p:cNvPr id="2" name="Title 1">
             <a:extLst>
               <a:ext uri="{FF2B5EF4-FFF2-40B4-BE49-F238E27FC236}">
-                <a16:creationId xmlns:a16="http://schemas.microsoft.com/office/drawing/2014/main" xmlns="" id="{5E562972-3449-42D1-8185-B4BEFD52AB44}"/>
+                <a16:creationId xmlns="" xmlns:a16="http://schemas.microsoft.com/office/drawing/2014/main" id="{5E562972-3449-42D1-8185-B4BEFD52AB44}"/>
               </a:ext>
             </a:extLst>
           </p:cNvPr>
@@ -5045,7 +5236,7 @@
           <p:cNvPr id="5" name="Content Placeholder 4">
             <a:extLst>
               <a:ext uri="{FF2B5EF4-FFF2-40B4-BE49-F238E27FC236}">
-                <a16:creationId xmlns:a16="http://schemas.microsoft.com/office/drawing/2014/main" xmlns="" id="{926AD263-543C-4FCA-8623-005292E20604}"/>
+                <a16:creationId xmlns="" xmlns:a16="http://schemas.microsoft.com/office/drawing/2014/main" id="{926AD263-543C-4FCA-8623-005292E20604}"/>
               </a:ext>
             </a:extLst>
           </p:cNvPr>
@@ -5416,7 +5607,7 @@
           <p:cNvPr id="4" name="Picture 3">
             <a:extLst>
               <a:ext uri="{FF2B5EF4-FFF2-40B4-BE49-F238E27FC236}">
-                <a16:creationId xmlns:a16="http://schemas.microsoft.com/office/drawing/2014/main" xmlns="" id="{CC39BCE5-6BEA-466E-BEFB-C39FA08D7DC7}"/>
+                <a16:creationId xmlns="" xmlns:a16="http://schemas.microsoft.com/office/drawing/2014/main" id="{CC39BCE5-6BEA-466E-BEFB-C39FA08D7DC7}"/>
               </a:ext>
             </a:extLst>
           </p:cNvPr>
@@ -5444,7 +5635,7 @@
     </p:spTree>
     <p:extLst>
       <p:ext uri="{BB962C8B-B14F-4D97-AF65-F5344CB8AC3E}">
-        <p14:creationId xmlns:p14="http://schemas.microsoft.com/office/powerpoint/2010/main" xmlns="" val="263784652"/>
+        <p14:creationId xmlns="" xmlns:p14="http://schemas.microsoft.com/office/powerpoint/2010/main" val="263784652"/>
       </p:ext>
     </p:extLst>
   </p:cSld>
@@ -5483,7 +5674,7 @@
           <p:cNvPr id="2" name="Title 1">
             <a:extLst>
               <a:ext uri="{FF2B5EF4-FFF2-40B4-BE49-F238E27FC236}">
-                <a16:creationId xmlns:a16="http://schemas.microsoft.com/office/drawing/2014/main" xmlns="" id="{DBC6775C-1BF0-434F-A429-28C52C8BEFD7}"/>
+                <a16:creationId xmlns="" xmlns:a16="http://schemas.microsoft.com/office/drawing/2014/main" id="{DBC6775C-1BF0-434F-A429-28C52C8BEFD7}"/>
               </a:ext>
             </a:extLst>
           </p:cNvPr>
@@ -5526,7 +5717,7 @@
           <p:cNvPr id="3" name="Picture 2">
             <a:extLst>
               <a:ext uri="{FF2B5EF4-FFF2-40B4-BE49-F238E27FC236}">
-                <a16:creationId xmlns:a16="http://schemas.microsoft.com/office/drawing/2014/main" xmlns="" id="{CDA99D69-C0AD-430E-8EFD-7CD800A1FCC0}"/>
+                <a16:creationId xmlns="" xmlns:a16="http://schemas.microsoft.com/office/drawing/2014/main" id="{CDA99D69-C0AD-430E-8EFD-7CD800A1FCC0}"/>
               </a:ext>
             </a:extLst>
           </p:cNvPr>
@@ -5554,7 +5745,7 @@
     </p:spTree>
     <p:extLst>
       <p:ext uri="{BB962C8B-B14F-4D97-AF65-F5344CB8AC3E}">
-        <p14:creationId xmlns:p14="http://schemas.microsoft.com/office/powerpoint/2010/main" xmlns="" val="3020031122"/>
+        <p14:creationId xmlns="" xmlns:p14="http://schemas.microsoft.com/office/powerpoint/2010/main" val="3020031122"/>
       </p:ext>
     </p:extLst>
   </p:cSld>
@@ -5640,7 +5831,7 @@
           <p:cNvPr id="4" name="Picture 2" descr="Image for post">
             <a:extLst>
               <a:ext uri="{FF2B5EF4-FFF2-40B4-BE49-F238E27FC236}">
-                <a16:creationId xmlns:a16="http://schemas.microsoft.com/office/drawing/2014/main" xmlns="" id="{4FC6EBF6-9E9B-4027-8418-B6DDB02DA89F}"/>
+                <a16:creationId xmlns="" xmlns:a16="http://schemas.microsoft.com/office/drawing/2014/main" id="{4FC6EBF6-9E9B-4027-8418-B6DDB02DA89F}"/>
               </a:ext>
             </a:extLst>
           </p:cNvPr>
@@ -5653,7 +5844,7 @@
           <a:blip r:embed="rId2">
             <a:extLst>
               <a:ext uri="{28A0092B-C50C-407E-A947-70E740481C1C}">
-                <a14:useLocalDpi xmlns:a14="http://schemas.microsoft.com/office/drawing/2010/main" xmlns="" val="0"/>
+                <a14:useLocalDpi xmlns="" xmlns:a14="http://schemas.microsoft.com/office/drawing/2010/main" val="0"/>
               </a:ext>
             </a:extLst>
           </a:blip>
@@ -5673,7 +5864,7 @@
           <a:noFill/>
           <a:extLst>
             <a:ext uri="{909E8E84-426E-40DD-AFC4-6F175D3DCCD1}">
-              <a14:hiddenFill xmlns:a14="http://schemas.microsoft.com/office/drawing/2010/main" xmlns="">
+              <a14:hiddenFill xmlns="" xmlns:a14="http://schemas.microsoft.com/office/drawing/2010/main">
                 <a:solidFill>
                   <a:srgbClr val="FFFFFF"/>
                 </a:solidFill>
@@ -5712,7 +5903,7 @@
           <p:cNvPr id="2" name="Title 1">
             <a:extLst>
               <a:ext uri="{FF2B5EF4-FFF2-40B4-BE49-F238E27FC236}">
-                <a16:creationId xmlns:a16="http://schemas.microsoft.com/office/drawing/2014/main" xmlns="" id="{1C618411-50A8-4BE8-AA9F-ADFDF09EFE42}"/>
+                <a16:creationId xmlns="" xmlns:a16="http://schemas.microsoft.com/office/drawing/2014/main" id="{1C618411-50A8-4BE8-AA9F-ADFDF09EFE42}"/>
               </a:ext>
             </a:extLst>
           </p:cNvPr>
@@ -5741,7 +5932,7 @@
           <p:cNvPr id="3" name="Content Placeholder 2">
             <a:extLst>
               <a:ext uri="{FF2B5EF4-FFF2-40B4-BE49-F238E27FC236}">
-                <a16:creationId xmlns:a16="http://schemas.microsoft.com/office/drawing/2014/main" xmlns="" id="{6D59F83B-DE4F-430A-9857-9FF87DC6F4FC}"/>
+                <a16:creationId xmlns="" xmlns:a16="http://schemas.microsoft.com/office/drawing/2014/main" id="{6D59F83B-DE4F-430A-9857-9FF87DC6F4FC}"/>
               </a:ext>
             </a:extLst>
           </p:cNvPr>
@@ -5763,53 +5954,105 @@
           <a:lstStyle/>
           <a:p>
             <a:r>
-              <a:rPr lang="en-US" dirty="0"/>
-              <a:t>EOS Launched in June 2018.</a:t>
-            </a:r>
-          </a:p>
-          <a:p>
-            <a:r>
-              <a:rPr lang="en-US" dirty="0"/>
+              <a:rPr lang="en-US" dirty="0" err="1" smtClean="0"/>
+              <a:t>Bitcoin</a:t>
+            </a:r>
+            <a:r>
+              <a:rPr lang="en-US" dirty="0" smtClean="0"/>
+              <a:t> is the first </a:t>
+            </a:r>
+            <a:r>
+              <a:rPr lang="en-US" dirty="0" err="1" smtClean="0"/>
+              <a:t>Blockchain</a:t>
+            </a:r>
+            <a:r>
+              <a:rPr lang="en-US" dirty="0" smtClean="0"/>
+              <a:t> launched in 2009.</a:t>
+            </a:r>
+            <a:endParaRPr lang="en-US" dirty="0"/>
+          </a:p>
+          <a:p>
+            <a:r>
+              <a:rPr lang="en-US" dirty="0">
+                <a:solidFill>
+                  <a:srgbClr val="FF0000"/>
+                </a:solidFill>
+              </a:rPr>
               <a:t>EOS use EOS.IO Software which is open-sourced on </a:t>
             </a:r>
             <a:r>
               <a:rPr lang="en-US" dirty="0">
+                <a:solidFill>
+                  <a:srgbClr val="FF0000"/>
+                </a:solidFill>
                 <a:hlinkClick r:id="rId2"/>
               </a:rPr>
               <a:t>Github</a:t>
             </a:r>
             <a:r>
-              <a:rPr lang="en-US" dirty="0"/>
+              <a:rPr lang="en-US" dirty="0">
+                <a:solidFill>
+                  <a:srgbClr val="FF0000"/>
+                </a:solidFill>
+              </a:rPr>
               <a:t>.</a:t>
             </a:r>
           </a:p>
           <a:p>
             <a:r>
-              <a:rPr lang="en-US" dirty="0"/>
+              <a:rPr lang="en-US" dirty="0">
+                <a:solidFill>
+                  <a:srgbClr val="FF0000"/>
+                </a:solidFill>
+              </a:rPr>
               <a:t>Using EOS.IO Software, many Blockchains like TELOS, WAX, Proton, BOS, </a:t>
             </a:r>
             <a:r>
-              <a:rPr lang="en-US" dirty="0" err="1"/>
+              <a:rPr lang="en-US" dirty="0" err="1">
+                <a:solidFill>
+                  <a:srgbClr val="FF0000"/>
+                </a:solidFill>
+              </a:rPr>
               <a:t>Worbli</a:t>
             </a:r>
             <a:r>
-              <a:rPr lang="en-US" dirty="0"/>
+              <a:rPr lang="en-US" dirty="0">
+                <a:solidFill>
+                  <a:srgbClr val="FF0000"/>
+                </a:solidFill>
+              </a:rPr>
               <a:t>, FIO, MEET.ONE, </a:t>
             </a:r>
             <a:r>
-              <a:rPr lang="en-US" dirty="0" err="1"/>
+              <a:rPr lang="en-US" dirty="0" err="1">
+                <a:solidFill>
+                  <a:srgbClr val="FF0000"/>
+                </a:solidFill>
+              </a:rPr>
               <a:t>Europechain</a:t>
             </a:r>
             <a:r>
-              <a:rPr lang="en-US" dirty="0"/>
+              <a:rPr lang="en-US" dirty="0">
+                <a:solidFill>
+                  <a:srgbClr val="FF0000"/>
+                </a:solidFill>
+              </a:rPr>
               <a:t>, COFEE, </a:t>
             </a:r>
             <a:r>
-              <a:rPr lang="en-US" dirty="0" err="1"/>
+              <a:rPr lang="en-US" dirty="0" err="1">
+                <a:solidFill>
+                  <a:srgbClr val="FF0000"/>
+                </a:solidFill>
+              </a:rPr>
               <a:t>Remme</a:t>
             </a:r>
             <a:r>
-              <a:rPr lang="en-US" dirty="0"/>
+              <a:rPr lang="en-US" dirty="0">
+                <a:solidFill>
+                  <a:srgbClr val="FF0000"/>
+                </a:solidFill>
+              </a:rPr>
               <a:t> have been launched so far and many others will be in future.</a:t>
             </a:r>
           </a:p>
@@ -5826,7 +6069,7 @@
           <p:cNvPr id="5" name="AutoShape 24">
             <a:extLst>
               <a:ext uri="{FF2B5EF4-FFF2-40B4-BE49-F238E27FC236}">
-                <a16:creationId xmlns:a16="http://schemas.microsoft.com/office/drawing/2014/main" xmlns="" id="{8BA9AC28-F55F-449F-AAE5-F4900F3C2C64}"/>
+                <a16:creationId xmlns="" xmlns:a16="http://schemas.microsoft.com/office/drawing/2014/main" id="{8BA9AC28-F55F-449F-AAE5-F4900F3C2C64}"/>
               </a:ext>
             </a:extLst>
           </p:cNvPr>
@@ -5846,7 +6089,7 @@
           <a:noFill/>
           <a:extLst>
             <a:ext uri="{909E8E84-426E-40DD-AFC4-6F175D3DCCD1}">
-              <a14:hiddenFill xmlns:a14="http://schemas.microsoft.com/office/drawing/2010/main" xmlns="">
+              <a14:hiddenFill xmlns="" xmlns:a14="http://schemas.microsoft.com/office/drawing/2010/main">
                 <a:solidFill>
                   <a:srgbClr val="FFFFFF"/>
                 </a:solidFill>
@@ -5868,10 +6111,10 @@
       </p:sp>
       <p:pic>
         <p:nvPicPr>
-          <p:cNvPr id="9" name="Picture 8">
+          <p:cNvPr id="8" name="Picture 7">
             <a:extLst>
               <a:ext uri="{FF2B5EF4-FFF2-40B4-BE49-F238E27FC236}">
-                <a16:creationId xmlns:a16="http://schemas.microsoft.com/office/drawing/2014/main" xmlns="" id="{34640D63-4EB2-40A2-BCAC-583083C78C97}"/>
+                <a16:creationId xmlns="" xmlns:a16="http://schemas.microsoft.com/office/drawing/2014/main" id="{2E6E5EE1-AD63-4067-A19B-83EA7E228AF4}"/>
               </a:ext>
             </a:extLst>
           </p:cNvPr>
@@ -5888,36 +6131,6 @@
         </p:blipFill>
         <p:spPr>
           <a:xfrm>
-            <a:off x="7770342" y="3581400"/>
-            <a:ext cx="3078747" cy="1944793"/>
-          </a:xfrm>
-          <a:prstGeom prst="rect">
-            <a:avLst/>
-          </a:prstGeom>
-        </p:spPr>
-      </p:pic>
-      <p:pic>
-        <p:nvPicPr>
-          <p:cNvPr id="8" name="Picture 7">
-            <a:extLst>
-              <a:ext uri="{FF2B5EF4-FFF2-40B4-BE49-F238E27FC236}">
-                <a16:creationId xmlns:a16="http://schemas.microsoft.com/office/drawing/2014/main" xmlns="" id="{2E6E5EE1-AD63-4067-A19B-83EA7E228AF4}"/>
-              </a:ext>
-            </a:extLst>
-          </p:cNvPr>
-          <p:cNvPicPr>
-            <a:picLocks noChangeAspect="1"/>
-          </p:cNvPicPr>
-          <p:nvPr/>
-        </p:nvPicPr>
-        <p:blipFill>
-          <a:blip r:embed="rId4"/>
-          <a:stretch>
-            <a:fillRect/>
-          </a:stretch>
-        </p:blipFill>
-        <p:spPr>
-          <a:xfrm>
             <a:off x="9575111" y="497237"/>
             <a:ext cx="2457091" cy="793645"/>
           </a:xfrm>
@@ -5929,7 +6142,7 @@
     </p:spTree>
     <p:extLst>
       <p:ext uri="{BB962C8B-B14F-4D97-AF65-F5344CB8AC3E}">
-        <p14:creationId xmlns:p14="http://schemas.microsoft.com/office/powerpoint/2010/main" xmlns="" val="3659069593"/>
+        <p14:creationId xmlns="" xmlns:p14="http://schemas.microsoft.com/office/powerpoint/2010/main" val="3659069593"/>
       </p:ext>
     </p:extLst>
   </p:cSld>
@@ -5973,7 +6186,7 @@
           <a:p>
             <a:r>
               <a:rPr lang="en-IN" dirty="0" smtClean="0"/>
-              <a:t>types</a:t>
+              <a:t>Consensus</a:t>
             </a:r>
             <a:endParaRPr lang="en-US" dirty="0"/>
           </a:p>
@@ -5996,19 +6209,75 @@
           <a:p>
             <a:r>
               <a:rPr lang="en-IN" dirty="0" smtClean="0"/>
-              <a:t>Public, </a:t>
+              <a:t>Every </a:t>
             </a:r>
             <a:r>
               <a:rPr lang="en-IN" dirty="0" err="1" smtClean="0"/>
-              <a:t>permissionless</a:t>
+              <a:t>Blockchains</a:t>
             </a:r>
             <a:r>
               <a:rPr lang="en-IN" dirty="0" smtClean="0"/>
-              <a:t>, private, </a:t>
+              <a:t> have different types of consensus algorithms followed like </a:t>
+            </a:r>
+            <a:br>
+              <a:rPr lang="en-IN" dirty="0" smtClean="0"/>
+            </a:br>
+            <a:r>
+              <a:rPr lang="en-IN" dirty="0" smtClean="0"/>
+              <a:t>- Proof of Work (</a:t>
             </a:r>
             <a:r>
               <a:rPr lang="en-IN" dirty="0" err="1" smtClean="0"/>
-              <a:t>permissioned</a:t>
+              <a:t>PoW</a:t>
+            </a:r>
+            <a:r>
+              <a:rPr lang="en-IN" dirty="0" smtClean="0"/>
+              <a:t>), </a:t>
+            </a:r>
+            <a:br>
+              <a:rPr lang="en-IN" dirty="0" smtClean="0"/>
+            </a:br>
+            <a:r>
+              <a:rPr lang="en-IN" dirty="0" smtClean="0"/>
+              <a:t>- Proof of Stake (</a:t>
+            </a:r>
+            <a:r>
+              <a:rPr lang="en-IN" dirty="0" err="1" smtClean="0"/>
+              <a:t>PoS</a:t>
+            </a:r>
+            <a:r>
+              <a:rPr lang="en-IN" dirty="0" smtClean="0"/>
+              <a:t>), </a:t>
+            </a:r>
+            <a:br>
+              <a:rPr lang="en-IN" dirty="0" smtClean="0"/>
+            </a:br>
+            <a:r>
+              <a:rPr lang="en-IN" dirty="0" smtClean="0"/>
+              <a:t>- Delegated Proof of Stake (</a:t>
+            </a:r>
+            <a:r>
+              <a:rPr lang="en-IN" dirty="0" err="1" smtClean="0"/>
+              <a:t>DPoS</a:t>
+            </a:r>
+            <a:r>
+              <a:rPr lang="en-IN" dirty="0" smtClean="0"/>
+              <a:t>), </a:t>
+            </a:r>
+            <a:br>
+              <a:rPr lang="en-IN" dirty="0" smtClean="0"/>
+            </a:br>
+            <a:r>
+              <a:rPr lang="en-IN" dirty="0" smtClean="0"/>
+              <a:t>- Proof-of-Brain (</a:t>
+            </a:r>
+            <a:r>
+              <a:rPr lang="en-IN" dirty="0" err="1" smtClean="0"/>
+              <a:t>PoB</a:t>
+            </a:r>
+            <a:r>
+              <a:rPr lang="en-IN" dirty="0" smtClean="0"/>
+              <a:t>) </a:t>
             </a:r>
             <a:endParaRPr lang="en-US" dirty="0"/>
           </a:p>
@@ -6041,13 +6310,7 @@
       </p:grpSpPr>
       <p:sp>
         <p:nvSpPr>
-          <p:cNvPr id="2" name="Title 1">
-            <a:extLst>
-              <a:ext uri="{FF2B5EF4-FFF2-40B4-BE49-F238E27FC236}">
-                <a16:creationId xmlns:a16="http://schemas.microsoft.com/office/drawing/2014/main" xmlns="" id="{1C618411-50A8-4BE8-AA9F-ADFDF09EFE42}"/>
-              </a:ext>
-            </a:extLst>
-          </p:cNvPr>
+          <p:cNvPr id="2" name="Title 1"/>
           <p:cNvSpPr>
             <a:spLocks noGrp="1"/>
           </p:cNvSpPr>
@@ -6061,12 +6324,8 @@
           <a:lstStyle/>
           <a:p>
             <a:r>
-              <a:rPr lang="en-US" dirty="0" err="1" smtClean="0"/>
-              <a:t>Cryptocurrency</a:t>
-            </a:r>
-            <a:r>
-              <a:rPr lang="en-US" dirty="0" smtClean="0"/>
-              <a:t>/COIN/TOKEN</a:t>
+              <a:rPr lang="en-IN" dirty="0" smtClean="0"/>
+              <a:t>types</a:t>
             </a:r>
             <a:endParaRPr lang="en-US" dirty="0"/>
           </a:p>
@@ -6074,13 +6333,7 @@
       </p:sp>
       <p:sp>
         <p:nvSpPr>
-          <p:cNvPr id="3" name="Content Placeholder 2">
-            <a:extLst>
-              <a:ext uri="{FF2B5EF4-FFF2-40B4-BE49-F238E27FC236}">
-                <a16:creationId xmlns:a16="http://schemas.microsoft.com/office/drawing/2014/main" xmlns="" id="{6D59F83B-DE4F-430A-9857-9FF87DC6F4FC}"/>
-              </a:ext>
-            </a:extLst>
-          </p:cNvPr>
+          <p:cNvPr id="3" name="Content Placeholder 2"/>
           <p:cNvSpPr>
             <a:spLocks noGrp="1"/>
           </p:cNvSpPr>
@@ -6088,186 +6341,32 @@
             <p:ph idx="1"/>
           </p:nvPr>
         </p:nvSpPr>
-        <p:spPr>
-          <a:xfrm>
-            <a:off x="581192" y="2340864"/>
-            <a:ext cx="6387779" cy="3634486"/>
-          </a:xfrm>
-        </p:spPr>
+        <p:spPr/>
         <p:txBody>
           <a:bodyPr/>
           <a:lstStyle/>
           <a:p>
             <a:r>
-              <a:rPr lang="en-US" dirty="0"/>
-              <a:t>EOS Launched in June 2018.</a:t>
-            </a:r>
-          </a:p>
-          <a:p>
-            <a:r>
-              <a:rPr lang="en-US" dirty="0"/>
-              <a:t>EOS use EOS.IO Software which is open-sourced on </a:t>
-            </a:r>
-            <a:r>
-              <a:rPr lang="en-US" dirty="0">
-                <a:hlinkClick r:id="rId2"/>
-              </a:rPr>
-              <a:t>Github</a:t>
-            </a:r>
-            <a:r>
-              <a:rPr lang="en-US" dirty="0"/>
-              <a:t>.</a:t>
-            </a:r>
-          </a:p>
-          <a:p>
-            <a:r>
-              <a:rPr lang="en-US" dirty="0"/>
-              <a:t>Using EOS.IO Software, many Blockchains like TELOS, WAX, Proton, BOS, </a:t>
-            </a:r>
-            <a:r>
-              <a:rPr lang="en-US" dirty="0" err="1"/>
-              <a:t>Worbli</a:t>
-            </a:r>
-            <a:r>
-              <a:rPr lang="en-US" dirty="0"/>
-              <a:t>, FIO, MEET.ONE, </a:t>
-            </a:r>
-            <a:r>
-              <a:rPr lang="en-US" dirty="0" err="1"/>
-              <a:t>Europechain</a:t>
-            </a:r>
-            <a:r>
-              <a:rPr lang="en-US" dirty="0"/>
-              <a:t>, COFEE, </a:t>
-            </a:r>
-            <a:r>
-              <a:rPr lang="en-US" dirty="0" err="1"/>
-              <a:t>Remme</a:t>
-            </a:r>
-            <a:r>
-              <a:rPr lang="en-US" dirty="0"/>
-              <a:t> have been launched so far and many others will be in future.</a:t>
-            </a:r>
-          </a:p>
-          <a:p>
+              <a:rPr lang="en-IN" dirty="0" smtClean="0"/>
+              <a:t>Public, </a:t>
+            </a:r>
+            <a:r>
+              <a:rPr lang="en-IN" dirty="0" err="1" smtClean="0"/>
+              <a:t>permissionless</a:t>
+            </a:r>
+            <a:r>
+              <a:rPr lang="en-IN" dirty="0" smtClean="0"/>
+              <a:t>, private, </a:t>
+            </a:r>
+            <a:r>
+              <a:rPr lang="en-IN" dirty="0" err="1" smtClean="0"/>
+              <a:t>permissioned</a:t>
+            </a:r>
             <a:endParaRPr lang="en-US" dirty="0"/>
           </a:p>
-          <a:p>
-            <a:endParaRPr lang="en-US" dirty="0"/>
-          </a:p>
-        </p:txBody>
-      </p:sp>
-      <p:sp>
-        <p:nvSpPr>
-          <p:cNvPr id="5" name="AutoShape 24">
-            <a:extLst>
-              <a:ext uri="{FF2B5EF4-FFF2-40B4-BE49-F238E27FC236}">
-                <a16:creationId xmlns:a16="http://schemas.microsoft.com/office/drawing/2014/main" xmlns="" id="{8BA9AC28-F55F-449F-AAE5-F4900F3C2C64}"/>
-              </a:ext>
-            </a:extLst>
-          </p:cNvPr>
-          <p:cNvSpPr>
-            <a:spLocks noChangeAspect="1" noChangeArrowheads="1"/>
-          </p:cNvSpPr>
-          <p:nvPr/>
-        </p:nvSpPr>
-        <p:spPr bwMode="auto">
-          <a:xfrm>
-            <a:off x="5943600" y="3276600"/>
-            <a:ext cx="304800" cy="304800"/>
-          </a:xfrm>
-          <a:prstGeom prst="rect">
-            <a:avLst/>
-          </a:prstGeom>
-          <a:noFill/>
-          <a:extLst>
-            <a:ext uri="{909E8E84-426E-40DD-AFC4-6F175D3DCCD1}">
-              <a14:hiddenFill xmlns:a14="http://schemas.microsoft.com/office/drawing/2010/main" xmlns="">
-                <a:solidFill>
-                  <a:srgbClr val="FFFFFF"/>
-                </a:solidFill>
-              </a14:hiddenFill>
-            </a:ext>
-          </a:extLst>
-        </p:spPr>
-        <p:txBody>
-          <a:bodyPr vert="horz" wrap="square" lIns="91440" tIns="45720" rIns="91440" bIns="45720" numCol="1" anchor="t" anchorCtr="0" compatLnSpc="1">
-            <a:prstTxWarp prst="textNoShape">
-              <a:avLst/>
-            </a:prstTxWarp>
-          </a:bodyPr>
-          <a:lstStyle/>
-          <a:p>
-            <a:endParaRPr lang="en-US"/>
-          </a:p>
-        </p:txBody>
-      </p:sp>
-      <p:pic>
-        <p:nvPicPr>
-          <p:cNvPr id="9" name="Picture 8">
-            <a:extLst>
-              <a:ext uri="{FF2B5EF4-FFF2-40B4-BE49-F238E27FC236}">
-                <a16:creationId xmlns:a16="http://schemas.microsoft.com/office/drawing/2014/main" xmlns="" id="{34640D63-4EB2-40A2-BCAC-583083C78C97}"/>
-              </a:ext>
-            </a:extLst>
-          </p:cNvPr>
-          <p:cNvPicPr>
-            <a:picLocks noChangeAspect="1"/>
-          </p:cNvPicPr>
-          <p:nvPr/>
-        </p:nvPicPr>
-        <p:blipFill>
-          <a:blip r:embed="rId3"/>
-          <a:stretch>
-            <a:fillRect/>
-          </a:stretch>
-        </p:blipFill>
-        <p:spPr>
-          <a:xfrm>
-            <a:off x="7770342" y="3581400"/>
-            <a:ext cx="3078747" cy="1944793"/>
-          </a:xfrm>
-          <a:prstGeom prst="rect">
-            <a:avLst/>
-          </a:prstGeom>
-        </p:spPr>
-      </p:pic>
-      <p:pic>
-        <p:nvPicPr>
-          <p:cNvPr id="8" name="Picture 7">
-            <a:extLst>
-              <a:ext uri="{FF2B5EF4-FFF2-40B4-BE49-F238E27FC236}">
-                <a16:creationId xmlns:a16="http://schemas.microsoft.com/office/drawing/2014/main" xmlns="" id="{2E6E5EE1-AD63-4067-A19B-83EA7E228AF4}"/>
-              </a:ext>
-            </a:extLst>
-          </p:cNvPr>
-          <p:cNvPicPr>
-            <a:picLocks noChangeAspect="1"/>
-          </p:cNvPicPr>
-          <p:nvPr/>
-        </p:nvPicPr>
-        <p:blipFill>
-          <a:blip r:embed="rId4"/>
-          <a:stretch>
-            <a:fillRect/>
-          </a:stretch>
-        </p:blipFill>
-        <p:spPr>
-          <a:xfrm>
-            <a:off x="9575111" y="497237"/>
-            <a:ext cx="2457091" cy="793645"/>
-          </a:xfrm>
-          <a:prstGeom prst="rect">
-            <a:avLst/>
-          </a:prstGeom>
-        </p:spPr>
-      </p:pic>
+        </p:txBody>
+      </p:sp>
     </p:spTree>
-    <p:extLst>
-      <p:ext uri="{BB962C8B-B14F-4D97-AF65-F5344CB8AC3E}">
-        <p14:creationId xmlns:p14="http://schemas.microsoft.com/office/powerpoint/2010/main" xmlns="" val="3659069593"/>
-      </p:ext>
-    </p:extLst>
   </p:cSld>
   <p:clrMapOvr>
     <a:masterClrMapping/>
@@ -6292,12 +6391,175 @@
           <a:chExt cx="0" cy="0"/>
         </a:xfrm>
       </p:grpSpPr>
+      <p:sp>
+        <p:nvSpPr>
+          <p:cNvPr id="2" name="Title 1">
+            <a:extLst>
+              <a:ext uri="{FF2B5EF4-FFF2-40B4-BE49-F238E27FC236}">
+                <a16:creationId xmlns="" xmlns:a16="http://schemas.microsoft.com/office/drawing/2014/main" id="{1C618411-50A8-4BE8-AA9F-ADFDF09EFE42}"/>
+              </a:ext>
+            </a:extLst>
+          </p:cNvPr>
+          <p:cNvSpPr>
+            <a:spLocks noGrp="1"/>
+          </p:cNvSpPr>
+          <p:nvPr>
+            <p:ph type="title"/>
+          </p:nvPr>
+        </p:nvSpPr>
+        <p:spPr/>
+        <p:txBody>
+          <a:bodyPr/>
+          <a:lstStyle/>
+          <a:p>
+            <a:r>
+              <a:rPr lang="en-US" dirty="0" err="1" smtClean="0"/>
+              <a:t>Cryptocurrency</a:t>
+            </a:r>
+            <a:r>
+              <a:rPr lang="en-US" dirty="0" smtClean="0"/>
+              <a:t>/COIN/TOKEN</a:t>
+            </a:r>
+            <a:endParaRPr lang="en-US" dirty="0"/>
+          </a:p>
+        </p:txBody>
+      </p:sp>
+      <p:sp>
+        <p:nvSpPr>
+          <p:cNvPr id="3" name="Content Placeholder 2">
+            <a:extLst>
+              <a:ext uri="{FF2B5EF4-FFF2-40B4-BE49-F238E27FC236}">
+                <a16:creationId xmlns="" xmlns:a16="http://schemas.microsoft.com/office/drawing/2014/main" id="{6D59F83B-DE4F-430A-9857-9FF87DC6F4FC}"/>
+              </a:ext>
+            </a:extLst>
+          </p:cNvPr>
+          <p:cNvSpPr>
+            <a:spLocks noGrp="1"/>
+          </p:cNvSpPr>
+          <p:nvPr>
+            <p:ph idx="1"/>
+          </p:nvPr>
+        </p:nvSpPr>
+        <p:spPr>
+          <a:xfrm>
+            <a:off x="581192" y="2340864"/>
+            <a:ext cx="6387779" cy="3634486"/>
+          </a:xfrm>
+        </p:spPr>
+        <p:txBody>
+          <a:bodyPr/>
+          <a:lstStyle/>
+          <a:p>
+            <a:r>
+              <a:rPr lang="en-US" dirty="0"/>
+              <a:t>EOS Launched in June 2018.</a:t>
+            </a:r>
+          </a:p>
+          <a:p>
+            <a:r>
+              <a:rPr lang="en-US" dirty="0"/>
+              <a:t>EOS use EOS.IO Software which is open-sourced on </a:t>
+            </a:r>
+            <a:r>
+              <a:rPr lang="en-US" dirty="0">
+                <a:hlinkClick r:id="rId2"/>
+              </a:rPr>
+              <a:t>Github</a:t>
+            </a:r>
+            <a:r>
+              <a:rPr lang="en-US" dirty="0"/>
+              <a:t>.</a:t>
+            </a:r>
+          </a:p>
+          <a:p>
+            <a:r>
+              <a:rPr lang="en-US" dirty="0"/>
+              <a:t>Using EOS.IO Software, many Blockchains like TELOS, WAX, Proton, BOS, </a:t>
+            </a:r>
+            <a:r>
+              <a:rPr lang="en-US" dirty="0" err="1"/>
+              <a:t>Worbli</a:t>
+            </a:r>
+            <a:r>
+              <a:rPr lang="en-US" dirty="0"/>
+              <a:t>, FIO, MEET.ONE, </a:t>
+            </a:r>
+            <a:r>
+              <a:rPr lang="en-US" dirty="0" err="1"/>
+              <a:t>Europechain</a:t>
+            </a:r>
+            <a:r>
+              <a:rPr lang="en-US" dirty="0"/>
+              <a:t>, COFEE, </a:t>
+            </a:r>
+            <a:r>
+              <a:rPr lang="en-US" dirty="0" err="1"/>
+              <a:t>Remme</a:t>
+            </a:r>
+            <a:r>
+              <a:rPr lang="en-US" dirty="0"/>
+              <a:t> have been launched so far and many others will be in future.</a:t>
+            </a:r>
+          </a:p>
+          <a:p>
+            <a:endParaRPr lang="en-US" dirty="0"/>
+          </a:p>
+          <a:p>
+            <a:endParaRPr lang="en-US" dirty="0"/>
+          </a:p>
+        </p:txBody>
+      </p:sp>
+      <p:sp>
+        <p:nvSpPr>
+          <p:cNvPr id="5" name="AutoShape 24">
+            <a:extLst>
+              <a:ext uri="{FF2B5EF4-FFF2-40B4-BE49-F238E27FC236}">
+                <a16:creationId xmlns="" xmlns:a16="http://schemas.microsoft.com/office/drawing/2014/main" id="{8BA9AC28-F55F-449F-AAE5-F4900F3C2C64}"/>
+              </a:ext>
+            </a:extLst>
+          </p:cNvPr>
+          <p:cNvSpPr>
+            <a:spLocks noChangeAspect="1" noChangeArrowheads="1"/>
+          </p:cNvSpPr>
+          <p:nvPr/>
+        </p:nvSpPr>
+        <p:spPr bwMode="auto">
+          <a:xfrm>
+            <a:off x="5943600" y="3276600"/>
+            <a:ext cx="304800" cy="304800"/>
+          </a:xfrm>
+          <a:prstGeom prst="rect">
+            <a:avLst/>
+          </a:prstGeom>
+          <a:noFill/>
+          <a:extLst>
+            <a:ext uri="{909E8E84-426E-40DD-AFC4-6F175D3DCCD1}">
+              <a14:hiddenFill xmlns="" xmlns:a14="http://schemas.microsoft.com/office/drawing/2010/main">
+                <a:solidFill>
+                  <a:srgbClr val="FFFFFF"/>
+                </a:solidFill>
+              </a14:hiddenFill>
+            </a:ext>
+          </a:extLst>
+        </p:spPr>
+        <p:txBody>
+          <a:bodyPr vert="horz" wrap="square" lIns="91440" tIns="45720" rIns="91440" bIns="45720" numCol="1" anchor="t" anchorCtr="0" compatLnSpc="1">
+            <a:prstTxWarp prst="textNoShape">
+              <a:avLst/>
+            </a:prstTxWarp>
+          </a:bodyPr>
+          <a:lstStyle/>
+          <a:p>
+            <a:endParaRPr lang="en-US"/>
+          </a:p>
+        </p:txBody>
+      </p:sp>
       <p:pic>
         <p:nvPicPr>
-          <p:cNvPr id="5" name="Picture 4">
+          <p:cNvPr id="9" name="Picture 8">
             <a:extLst>
               <a:ext uri="{FF2B5EF4-FFF2-40B4-BE49-F238E27FC236}">
-                <a16:creationId xmlns:a16="http://schemas.microsoft.com/office/drawing/2014/main" xmlns="" id="{F537BEB0-FF60-41FD-BF15-88BEB38D8587}"/>
+                <a16:creationId xmlns="" xmlns:a16="http://schemas.microsoft.com/office/drawing/2014/main" id="{34640D63-4EB2-40A2-BCAC-583083C78C97}"/>
               </a:ext>
             </a:extLst>
           </p:cNvPr>
@@ -6307,457 +6569,55 @@
           <p:nvPr/>
         </p:nvPicPr>
         <p:blipFill>
-          <a:blip r:embed="rId2"/>
+          <a:blip r:embed="rId3"/>
           <a:stretch>
             <a:fillRect/>
           </a:stretch>
         </p:blipFill>
         <p:spPr>
           <a:xfrm>
-            <a:off x="9575111" y="497237"/>
-            <a:ext cx="2457091" cy="793645"/>
+            <a:off x="7770342" y="3581400"/>
+            <a:ext cx="3078747" cy="1944793"/>
           </a:xfrm>
           <a:prstGeom prst="rect">
             <a:avLst/>
           </a:prstGeom>
         </p:spPr>
       </p:pic>
-      <p:sp>
-        <p:nvSpPr>
-          <p:cNvPr id="8" name="TextBox 7">
+      <p:pic>
+        <p:nvPicPr>
+          <p:cNvPr id="8" name="Picture 7">
             <a:extLst>
               <a:ext uri="{FF2B5EF4-FFF2-40B4-BE49-F238E27FC236}">
-                <a16:creationId xmlns:a16="http://schemas.microsoft.com/office/drawing/2014/main" xmlns="" id="{D11D760C-71BB-413C-9EEA-DED976BA19E6}"/>
-              </a:ext>
-            </a:extLst>
-          </p:cNvPr>
-          <p:cNvSpPr txBox="1"/>
-          <p:nvPr/>
-        </p:nvSpPr>
-        <p:spPr>
-          <a:xfrm>
-            <a:off x="2223192" y="1459539"/>
-            <a:ext cx="787395" cy="523220"/>
-          </a:xfrm>
-          <a:prstGeom prst="rect">
-            <a:avLst/>
-          </a:prstGeom>
-          <a:solidFill>
-            <a:schemeClr val="bg1">
-              <a:lumMod val="50000"/>
-            </a:schemeClr>
-          </a:solidFill>
-          <a:effectLst>
-            <a:outerShdw blurRad="50800" dist="38100" dir="2700000" algn="tl" rotWithShape="0">
-              <a:prstClr val="black">
-                <a:alpha val="40000"/>
-              </a:prstClr>
-            </a:outerShdw>
-          </a:effectLst>
-        </p:spPr>
-        <p:txBody>
-          <a:bodyPr wrap="none" rtlCol="0">
-            <a:spAutoFit/>
-          </a:bodyPr>
-          <a:lstStyle/>
-          <a:p>
-            <a:r>
-              <a:rPr lang="en-US" sz="2800" b="1" dirty="0">
-                <a:solidFill>
-                  <a:schemeClr val="bg1"/>
-                </a:solidFill>
-              </a:rPr>
-              <a:t>ETH</a:t>
-            </a:r>
-          </a:p>
-        </p:txBody>
-      </p:sp>
-      <p:sp>
-        <p:nvSpPr>
-          <p:cNvPr id="9" name="TextBox 8">
-            <a:extLst>
-              <a:ext uri="{FF2B5EF4-FFF2-40B4-BE49-F238E27FC236}">
-                <a16:creationId xmlns:a16="http://schemas.microsoft.com/office/drawing/2014/main" xmlns="" id="{CEE88A5C-BC11-487A-ADE7-3962DD93F9D2}"/>
-              </a:ext>
-            </a:extLst>
-          </p:cNvPr>
-          <p:cNvSpPr txBox="1"/>
-          <p:nvPr/>
-        </p:nvSpPr>
-        <p:spPr>
-          <a:xfrm>
-            <a:off x="8762068" y="1459539"/>
-            <a:ext cx="813043" cy="523220"/>
-          </a:xfrm>
-          <a:prstGeom prst="rect">
-            <a:avLst/>
-          </a:prstGeom>
-          <a:solidFill>
-            <a:schemeClr val="accent2">
-              <a:lumMod val="75000"/>
-            </a:schemeClr>
-          </a:solidFill>
-          <a:effectLst>
-            <a:outerShdw blurRad="50800" dist="38100" dir="2700000" algn="tl" rotWithShape="0">
-              <a:prstClr val="black">
-                <a:alpha val="40000"/>
-              </a:prstClr>
-            </a:outerShdw>
-          </a:effectLst>
-        </p:spPr>
-        <p:txBody>
-          <a:bodyPr wrap="none" rtlCol="0">
-            <a:spAutoFit/>
-          </a:bodyPr>
-          <a:lstStyle/>
-          <a:p>
-            <a:r>
-              <a:rPr lang="en-US" sz="2800" b="1" dirty="0">
-                <a:solidFill>
-                  <a:schemeClr val="bg1"/>
-                </a:solidFill>
-              </a:rPr>
-              <a:t>EOS</a:t>
-            </a:r>
-          </a:p>
-        </p:txBody>
-      </p:sp>
-      <p:pic>
-        <p:nvPicPr>
-          <p:cNvPr id="7" name="Picture 2">
-            <a:extLst>
-              <a:ext uri="{FF2B5EF4-FFF2-40B4-BE49-F238E27FC236}">
-                <a16:creationId xmlns:a16="http://schemas.microsoft.com/office/drawing/2014/main" xmlns="" id="{784EF727-FCD3-4AB6-B597-A89B3B9B97B1}"/>
+                <a16:creationId xmlns="" xmlns:a16="http://schemas.microsoft.com/office/drawing/2014/main" id="{2E6E5EE1-AD63-4067-A19B-83EA7E228AF4}"/>
               </a:ext>
             </a:extLst>
           </p:cNvPr>
           <p:cNvPicPr>
-            <a:picLocks noChangeAspect="1" noChangeArrowheads="1"/>
+            <a:picLocks noChangeAspect="1"/>
           </p:cNvPicPr>
           <p:nvPr/>
         </p:nvPicPr>
         <p:blipFill>
-          <a:blip r:embed="rId3">
-            <a:extLst>
-              <a:ext uri="{28A0092B-C50C-407E-A947-70E740481C1C}">
-                <a14:useLocalDpi xmlns:a14="http://schemas.microsoft.com/office/drawing/2010/main" xmlns="" val="0"/>
-              </a:ext>
-            </a:extLst>
-          </a:blip>
-          <a:srcRect/>
+          <a:blip r:embed="rId4"/>
           <a:stretch>
             <a:fillRect/>
           </a:stretch>
         </p:blipFill>
-        <p:spPr bwMode="auto">
-          <a:xfrm>
-            <a:off x="8906978" y="862881"/>
-            <a:ext cx="523221" cy="523221"/>
+        <p:spPr>
+          <a:xfrm>
+            <a:off x="9575111" y="497237"/>
+            <a:ext cx="2457091" cy="793645"/>
           </a:xfrm>
           <a:prstGeom prst="rect">
             <a:avLst/>
           </a:prstGeom>
-          <a:noFill/>
-          <a:extLst>
-            <a:ext uri="{909E8E84-426E-40DD-AFC4-6F175D3DCCD1}">
-              <a14:hiddenFill xmlns:a14="http://schemas.microsoft.com/office/drawing/2010/main" xmlns="">
-                <a:solidFill>
-                  <a:srgbClr val="FFFFFF"/>
-                </a:solidFill>
-              </a14:hiddenFill>
-            </a:ext>
-          </a:extLst>
         </p:spPr>
       </p:pic>
-      <p:pic>
-        <p:nvPicPr>
-          <p:cNvPr id="1028" name="Picture 4">
-            <a:extLst>
-              <a:ext uri="{FF2B5EF4-FFF2-40B4-BE49-F238E27FC236}">
-                <a16:creationId xmlns:a16="http://schemas.microsoft.com/office/drawing/2014/main" xmlns="" id="{B0814AAB-9489-4878-9125-14B41C987516}"/>
-              </a:ext>
-            </a:extLst>
-          </p:cNvPr>
-          <p:cNvPicPr>
-            <a:picLocks noChangeAspect="1" noChangeArrowheads="1"/>
-          </p:cNvPicPr>
-          <p:nvPr/>
-        </p:nvPicPr>
-        <p:blipFill>
-          <a:blip r:embed="rId4">
-            <a:extLst>
-              <a:ext uri="{28A0092B-C50C-407E-A947-70E740481C1C}">
-                <a14:useLocalDpi xmlns:a14="http://schemas.microsoft.com/office/drawing/2010/main" xmlns="" val="0"/>
-              </a:ext>
-            </a:extLst>
-          </a:blip>
-          <a:srcRect/>
-          <a:stretch>
-            <a:fillRect/>
-          </a:stretch>
-        </p:blipFill>
-        <p:spPr bwMode="auto">
-          <a:xfrm>
-            <a:off x="2355278" y="862881"/>
-            <a:ext cx="523221" cy="523221"/>
-          </a:xfrm>
-          <a:prstGeom prst="rect">
-            <a:avLst/>
-          </a:prstGeom>
-          <a:noFill/>
-          <a:extLst>
-            <a:ext uri="{909E8E84-426E-40DD-AFC4-6F175D3DCCD1}">
-              <a14:hiddenFill xmlns:a14="http://schemas.microsoft.com/office/drawing/2010/main" xmlns="">
-                <a:solidFill>
-                  <a:srgbClr val="FFFFFF"/>
-                </a:solidFill>
-              </a14:hiddenFill>
-            </a:ext>
-          </a:extLst>
-        </p:spPr>
-      </p:pic>
-      <p:sp>
-        <p:nvSpPr>
-          <p:cNvPr id="12" name="TextBox 11">
-            <a:extLst>
-              <a:ext uri="{FF2B5EF4-FFF2-40B4-BE49-F238E27FC236}">
-                <a16:creationId xmlns:a16="http://schemas.microsoft.com/office/drawing/2014/main" xmlns="" id="{2AF6CFC5-4A78-48C8-8772-3813D12A9B4D}"/>
-              </a:ext>
-            </a:extLst>
-          </p:cNvPr>
-          <p:cNvSpPr txBox="1"/>
-          <p:nvPr/>
-        </p:nvSpPr>
-        <p:spPr>
-          <a:xfrm>
-            <a:off x="715735" y="2247058"/>
-            <a:ext cx="4718118" cy="3693319"/>
-          </a:xfrm>
-          <a:prstGeom prst="rect">
-            <a:avLst/>
-          </a:prstGeom>
-          <a:noFill/>
-        </p:spPr>
-        <p:txBody>
-          <a:bodyPr wrap="square" rtlCol="0">
-            <a:spAutoFit/>
-          </a:bodyPr>
-          <a:lstStyle/>
-          <a:p>
-            <a:pPr marL="285750" indent="-285750">
-              <a:buFont typeface="Arial" panose="020B0604020202020204" pitchFamily="34" charset="0"/>
-              <a:buChar char="•"/>
-            </a:pPr>
-            <a:r>
-              <a:rPr lang="en-US" dirty="0"/>
-              <a:t>Zero account creation fee.</a:t>
-            </a:r>
-          </a:p>
-          <a:p>
-            <a:pPr marL="285750" indent="-285750">
-              <a:buFont typeface="Arial" panose="020B0604020202020204" pitchFamily="34" charset="0"/>
-              <a:buChar char="•"/>
-            </a:pPr>
-            <a:r>
-              <a:rPr lang="en-US" dirty="0"/>
-              <a:t>Has transaction fee (static or variable).</a:t>
-            </a:r>
-          </a:p>
-          <a:p>
-            <a:pPr marL="285750" indent="-285750">
-              <a:buFont typeface="Arial" panose="020B0604020202020204" pitchFamily="34" charset="0"/>
-              <a:buChar char="•"/>
-            </a:pPr>
-            <a:r>
-              <a:rPr lang="en-US" dirty="0"/>
-              <a:t>Resulting into losing of good portion of ETH tokens as </a:t>
-            </a:r>
-            <a:r>
-              <a:rPr lang="en-US" dirty="0" err="1"/>
-              <a:t>txn</a:t>
-            </a:r>
-            <a:r>
-              <a:rPr lang="en-US" dirty="0"/>
-              <a:t>-fee after multiple transactions.</a:t>
-            </a:r>
-          </a:p>
-          <a:p>
-            <a:pPr marL="285750" indent="-285750">
-              <a:buFont typeface="Arial" panose="020B0604020202020204" pitchFamily="34" charset="0"/>
-              <a:buChar char="•"/>
-            </a:pPr>
-            <a:r>
-              <a:rPr lang="en-US" dirty="0"/>
-              <a:t>Transaction fee + mined tokens becomes the earning for Miners/Block Producers.</a:t>
-            </a:r>
-          </a:p>
-          <a:p>
-            <a:pPr marL="285750" indent="-285750">
-              <a:buFont typeface="Arial" panose="020B0604020202020204" pitchFamily="34" charset="0"/>
-              <a:buChar char="•"/>
-            </a:pPr>
-            <a:r>
-              <a:rPr lang="en-IN" dirty="0"/>
-              <a:t>Each account is identified by public address/key.  E.g. </a:t>
-            </a:r>
-            <a:r>
-              <a:rPr lang="en-US" dirty="0">
-                <a:hlinkClick r:id="rId5"/>
-              </a:rPr>
-              <a:t>0x5AeE428438376A87d2FEd1De3920D105465926bB</a:t>
-            </a:r>
-            <a:endParaRPr lang="en-US" dirty="0">
-              <a:hlinkClick r:id="rId6"/>
-            </a:endParaRPr>
-          </a:p>
-          <a:p>
-            <a:pPr marL="285750" indent="-285750">
-              <a:buFont typeface="Arial" panose="020B0604020202020204" pitchFamily="34" charset="0"/>
-              <a:buChar char="•"/>
-            </a:pPr>
-            <a:r>
-              <a:rPr lang="en-US" dirty="0"/>
-              <a:t>Every </a:t>
-            </a:r>
-            <a:r>
-              <a:rPr lang="en-US" dirty="0" err="1"/>
-              <a:t>pub_key</a:t>
-            </a:r>
-            <a:r>
-              <a:rPr lang="en-US" dirty="0"/>
-              <a:t> starts with ‘</a:t>
-            </a:r>
-            <a:r>
-              <a:rPr lang="en-US" b="1" dirty="0"/>
-              <a:t>0x’</a:t>
-            </a:r>
-          </a:p>
-          <a:p>
-            <a:pPr marL="285750" indent="-285750">
-              <a:buFont typeface="Arial" panose="020B0604020202020204" pitchFamily="34" charset="0"/>
-              <a:buChar char="•"/>
-            </a:pPr>
-            <a:endParaRPr lang="en-US" dirty="0"/>
-          </a:p>
-        </p:txBody>
-      </p:sp>
-      <p:sp>
-        <p:nvSpPr>
-          <p:cNvPr id="13" name="TextBox 12">
-            <a:extLst>
-              <a:ext uri="{FF2B5EF4-FFF2-40B4-BE49-F238E27FC236}">
-                <a16:creationId xmlns:a16="http://schemas.microsoft.com/office/drawing/2014/main" xmlns="" id="{2C258202-B71B-4040-ABB7-6D57DFF4D825}"/>
-              </a:ext>
-            </a:extLst>
-          </p:cNvPr>
-          <p:cNvSpPr txBox="1"/>
-          <p:nvPr/>
-        </p:nvSpPr>
-        <p:spPr>
-          <a:xfrm>
-            <a:off x="6348248" y="2247058"/>
-            <a:ext cx="5507421" cy="3970318"/>
-          </a:xfrm>
-          <a:prstGeom prst="rect">
-            <a:avLst/>
-          </a:prstGeom>
-          <a:noFill/>
-        </p:spPr>
-        <p:txBody>
-          <a:bodyPr wrap="square" rtlCol="0">
-            <a:spAutoFit/>
-          </a:bodyPr>
-          <a:lstStyle/>
-          <a:p>
-            <a:pPr marL="285750" indent="-285750">
-              <a:buFont typeface="Arial" panose="020B0604020202020204" pitchFamily="34" charset="0"/>
-              <a:buChar char="•"/>
-            </a:pPr>
-            <a:r>
-              <a:rPr lang="en-US" dirty="0"/>
-              <a:t>One-time account creation fee (based on min. EOSIO resources needed &amp; its marketplace price).</a:t>
-            </a:r>
-          </a:p>
-          <a:p>
-            <a:pPr marL="285750" indent="-285750">
-              <a:buFont typeface="Arial" panose="020B0604020202020204" pitchFamily="34" charset="0"/>
-              <a:buChar char="•"/>
-            </a:pPr>
-            <a:r>
-              <a:rPr lang="en-US" dirty="0"/>
-              <a:t>Has no transaction fee. Instead follows staking model.</a:t>
-            </a:r>
-          </a:p>
-          <a:p>
-            <a:pPr marL="285750" indent="-285750">
-              <a:buFont typeface="Arial" panose="020B0604020202020204" pitchFamily="34" charset="0"/>
-              <a:buChar char="•"/>
-            </a:pPr>
-            <a:r>
-              <a:rPr lang="en-US" dirty="0"/>
-              <a:t>Exit can be made at anytime by unstaking the EOS tokens &amp; resulting into no loss of EOS tokens as there is no txn fee.</a:t>
-            </a:r>
-          </a:p>
-          <a:p>
-            <a:pPr marL="285750" indent="-285750">
-              <a:buFont typeface="Arial" panose="020B0604020202020204" pitchFamily="34" charset="0"/>
-              <a:buChar char="•"/>
-            </a:pPr>
-            <a:r>
-              <a:rPr lang="en-US" dirty="0"/>
-              <a:t>mined tokens (from inflation per year) becomes the earning for Block Producers.</a:t>
-            </a:r>
-          </a:p>
-          <a:p>
-            <a:pPr marL="285750" indent="-285750">
-              <a:buFont typeface="Arial" panose="020B0604020202020204" pitchFamily="34" charset="0"/>
-              <a:buChar char="•"/>
-            </a:pPr>
-            <a:r>
-              <a:rPr lang="en-IN" dirty="0"/>
-              <a:t>Each account is identified by human readable name. e.g. </a:t>
-            </a:r>
-            <a:r>
-              <a:rPr lang="en-IN" dirty="0">
-                <a:hlinkClick r:id="rId7"/>
-              </a:rPr>
-              <a:t>abhieosindia</a:t>
-            </a:r>
-            <a:endParaRPr lang="en-IN" dirty="0"/>
-          </a:p>
-          <a:p>
-            <a:pPr marL="285750" indent="-285750">
-              <a:buFont typeface="Arial" panose="020B0604020202020204" pitchFamily="34" charset="0"/>
-              <a:buChar char="•"/>
-            </a:pPr>
-            <a:r>
-              <a:rPr lang="en-IN" dirty="0"/>
-              <a:t>Every </a:t>
-            </a:r>
-            <a:r>
-              <a:rPr lang="en-IN" dirty="0" err="1"/>
-              <a:t>pub_key</a:t>
-            </a:r>
-            <a:r>
-              <a:rPr lang="en-IN" dirty="0"/>
-              <a:t> starts with </a:t>
-            </a:r>
-            <a:r>
-              <a:rPr lang="en-IN" b="1" dirty="0"/>
-              <a:t>‘EOS’. </a:t>
-            </a:r>
-            <a:r>
-              <a:rPr lang="en-IN" dirty="0"/>
-              <a:t>E.g. EOS5cjMNJETNS8HrKBRZ4zC3PDYHRUhpmje1j21JQfz7FE3QueaiF</a:t>
-            </a:r>
-            <a:endParaRPr lang="en-US" dirty="0"/>
-          </a:p>
-        </p:txBody>
-      </p:sp>
     </p:spTree>
     <p:extLst>
       <p:ext uri="{BB962C8B-B14F-4D97-AF65-F5344CB8AC3E}">
-        <p14:creationId xmlns:p14="http://schemas.microsoft.com/office/powerpoint/2010/main" xmlns="" val="1756368672"/>
+        <p14:creationId xmlns="" xmlns:p14="http://schemas.microsoft.com/office/powerpoint/2010/main" val="3659069593"/>
       </p:ext>
     </p:extLst>
   </p:cSld>
@@ -6784,68 +6644,12 @@
           <a:chExt cx="0" cy="0"/>
         </a:xfrm>
       </p:grpSpPr>
-      <p:sp>
-        <p:nvSpPr>
-          <p:cNvPr id="2" name="Title 1">
+      <p:pic>
+        <p:nvPicPr>
+          <p:cNvPr id="5" name="Picture 4">
             <a:extLst>
               <a:ext uri="{FF2B5EF4-FFF2-40B4-BE49-F238E27FC236}">
-                <a16:creationId xmlns:a16="http://schemas.microsoft.com/office/drawing/2014/main" xmlns="" id="{9B8A52B3-BB66-42EA-ADE2-07AE6302E721}"/>
-              </a:ext>
-            </a:extLst>
-          </p:cNvPr>
-          <p:cNvSpPr>
-            <a:spLocks noGrp="1"/>
-          </p:cNvSpPr>
-          <p:nvPr>
-            <p:ph type="title"/>
-          </p:nvPr>
-        </p:nvSpPr>
-        <p:spPr/>
-        <p:txBody>
-          <a:bodyPr/>
-          <a:lstStyle/>
-          <a:p>
-            <a:r>
-              <a:rPr lang="en-US" dirty="0">
-                <a:solidFill>
-                  <a:schemeClr val="bg1">
-                    <a:lumMod val="50000"/>
-                  </a:schemeClr>
-                </a:solidFill>
-              </a:rPr>
-              <a:t>ETH</a:t>
-            </a:r>
-            <a:r>
-              <a:rPr lang="en-US" dirty="0"/>
-              <a:t> </a:t>
-            </a:r>
-            <a:r>
-              <a:rPr lang="en-US" cap="none" dirty="0"/>
-              <a:t>vs</a:t>
-            </a:r>
-            <a:r>
-              <a:rPr lang="en-US" dirty="0"/>
-              <a:t> </a:t>
-            </a:r>
-            <a:r>
-              <a:rPr lang="en-US" dirty="0">
-                <a:solidFill>
-                  <a:schemeClr val="accent2">
-                    <a:lumMod val="75000"/>
-                  </a:schemeClr>
-                </a:solidFill>
-              </a:rPr>
-              <a:t>EOS</a:t>
-            </a:r>
-          </a:p>
-        </p:txBody>
-      </p:sp>
-      <p:pic>
-        <p:nvPicPr>
-          <p:cNvPr id="4" name="Picture 3">
-            <a:extLst>
-              <a:ext uri="{FF2B5EF4-FFF2-40B4-BE49-F238E27FC236}">
-                <a16:creationId xmlns:a16="http://schemas.microsoft.com/office/drawing/2014/main" xmlns="" id="{AAA9D7D6-1B97-4854-BA9A-EFD9317ACB30}"/>
+                <a16:creationId xmlns="" xmlns:a16="http://schemas.microsoft.com/office/drawing/2014/main" id="{F537BEB0-FF60-41FD-BF15-88BEB38D8587}"/>
               </a:ext>
             </a:extLst>
           </p:cNvPr>
@@ -6861,9 +6665,9 @@
           </a:stretch>
         </p:blipFill>
         <p:spPr>
-          <a:xfrm rot="197462">
-            <a:off x="409612" y="2628429"/>
-            <a:ext cx="11514818" cy="3749365"/>
+          <a:xfrm>
+            <a:off x="9575111" y="497237"/>
+            <a:ext cx="2457091" cy="793645"/>
           </a:xfrm>
           <a:prstGeom prst="rect">
             <a:avLst/>
@@ -6872,10 +6676,10 @@
       </p:pic>
       <p:sp>
         <p:nvSpPr>
-          <p:cNvPr id="5" name="TextBox 4">
+          <p:cNvPr id="8" name="TextBox 7">
             <a:extLst>
               <a:ext uri="{FF2B5EF4-FFF2-40B4-BE49-F238E27FC236}">
-                <a16:creationId xmlns:a16="http://schemas.microsoft.com/office/drawing/2014/main" xmlns="" id="{902EC33E-F7C3-4CFF-8DE4-B7A96777CD52}"/>
+                <a16:creationId xmlns="" xmlns:a16="http://schemas.microsoft.com/office/drawing/2014/main" id="{D11D760C-71BB-413C-9EEA-DED976BA19E6}"/>
               </a:ext>
             </a:extLst>
           </p:cNvPr>
@@ -6884,14 +6688,16 @@
         </p:nvSpPr>
         <p:spPr>
           <a:xfrm>
-            <a:off x="683580" y="1929896"/>
-            <a:ext cx="1012970" cy="369332"/>
+            <a:off x="2223192" y="1459539"/>
+            <a:ext cx="787395" cy="523220"/>
           </a:xfrm>
           <a:prstGeom prst="rect">
             <a:avLst/>
           </a:prstGeom>
           <a:solidFill>
-            <a:srgbClr val="FFC000"/>
+            <a:schemeClr val="bg1">
+              <a:lumMod val="50000"/>
+            </a:schemeClr>
           </a:solidFill>
           <a:effectLst>
             <a:outerShdw blurRad="50800" dist="38100" dir="2700000" algn="tl" rotWithShape="0">
@@ -6908,46 +6714,402 @@
           <a:lstStyle/>
           <a:p>
             <a:r>
-              <a:rPr lang="en-US" dirty="0"/>
-              <a:t>Example</a:t>
+              <a:rPr lang="en-US" sz="2800" b="1" dirty="0">
+                <a:solidFill>
+                  <a:schemeClr val="bg1"/>
+                </a:solidFill>
+              </a:rPr>
+              <a:t>ETH</a:t>
+            </a:r>
+          </a:p>
+        </p:txBody>
+      </p:sp>
+      <p:sp>
+        <p:nvSpPr>
+          <p:cNvPr id="9" name="TextBox 8">
+            <a:extLst>
+              <a:ext uri="{FF2B5EF4-FFF2-40B4-BE49-F238E27FC236}">
+                <a16:creationId xmlns="" xmlns:a16="http://schemas.microsoft.com/office/drawing/2014/main" id="{CEE88A5C-BC11-487A-ADE7-3962DD93F9D2}"/>
+              </a:ext>
+            </a:extLst>
+          </p:cNvPr>
+          <p:cNvSpPr txBox="1"/>
+          <p:nvPr/>
+        </p:nvSpPr>
+        <p:spPr>
+          <a:xfrm>
+            <a:off x="8762068" y="1459539"/>
+            <a:ext cx="813043" cy="523220"/>
+          </a:xfrm>
+          <a:prstGeom prst="rect">
+            <a:avLst/>
+          </a:prstGeom>
+          <a:solidFill>
+            <a:schemeClr val="accent2">
+              <a:lumMod val="75000"/>
+            </a:schemeClr>
+          </a:solidFill>
+          <a:effectLst>
+            <a:outerShdw blurRad="50800" dist="38100" dir="2700000" algn="tl" rotWithShape="0">
+              <a:prstClr val="black">
+                <a:alpha val="40000"/>
+              </a:prstClr>
+            </a:outerShdw>
+          </a:effectLst>
+        </p:spPr>
+        <p:txBody>
+          <a:bodyPr wrap="none" rtlCol="0">
+            <a:spAutoFit/>
+          </a:bodyPr>
+          <a:lstStyle/>
+          <a:p>
+            <a:r>
+              <a:rPr lang="en-US" sz="2800" b="1" dirty="0">
+                <a:solidFill>
+                  <a:schemeClr val="bg1"/>
+                </a:solidFill>
+              </a:rPr>
+              <a:t>EOS</a:t>
             </a:r>
           </a:p>
         </p:txBody>
       </p:sp>
       <p:pic>
         <p:nvPicPr>
-          <p:cNvPr id="6" name="Picture 5">
+          <p:cNvPr id="7" name="Picture 2">
             <a:extLst>
               <a:ext uri="{FF2B5EF4-FFF2-40B4-BE49-F238E27FC236}">
-                <a16:creationId xmlns:a16="http://schemas.microsoft.com/office/drawing/2014/main" xmlns="" id="{66939B56-B43E-4F80-9A70-BEDBC9414853}"/>
+                <a16:creationId xmlns="" xmlns:a16="http://schemas.microsoft.com/office/drawing/2014/main" id="{784EF727-FCD3-4AB6-B597-A89B3B9B97B1}"/>
               </a:ext>
             </a:extLst>
           </p:cNvPr>
           <p:cNvPicPr>
-            <a:picLocks noChangeAspect="1"/>
+            <a:picLocks noChangeAspect="1" noChangeArrowheads="1"/>
           </p:cNvPicPr>
           <p:nvPr/>
         </p:nvPicPr>
         <p:blipFill>
-          <a:blip r:embed="rId3"/>
+          <a:blip r:embed="rId3">
+            <a:extLst>
+              <a:ext uri="{28A0092B-C50C-407E-A947-70E740481C1C}">
+                <a14:useLocalDpi xmlns="" xmlns:a14="http://schemas.microsoft.com/office/drawing/2010/main" val="0"/>
+              </a:ext>
+            </a:extLst>
+          </a:blip>
+          <a:srcRect/>
           <a:stretch>
             <a:fillRect/>
           </a:stretch>
         </p:blipFill>
-        <p:spPr>
-          <a:xfrm>
-            <a:off x="9582860" y="504986"/>
-            <a:ext cx="2457091" cy="793645"/>
+        <p:spPr bwMode="auto">
+          <a:xfrm>
+            <a:off x="8906978" y="862881"/>
+            <a:ext cx="523221" cy="523221"/>
           </a:xfrm>
           <a:prstGeom prst="rect">
             <a:avLst/>
           </a:prstGeom>
+          <a:noFill/>
+          <a:extLst>
+            <a:ext uri="{909E8E84-426E-40DD-AFC4-6F175D3DCCD1}">
+              <a14:hiddenFill xmlns="" xmlns:a14="http://schemas.microsoft.com/office/drawing/2010/main">
+                <a:solidFill>
+                  <a:srgbClr val="FFFFFF"/>
+                </a:solidFill>
+              </a14:hiddenFill>
+            </a:ext>
+          </a:extLst>
         </p:spPr>
       </p:pic>
+      <p:pic>
+        <p:nvPicPr>
+          <p:cNvPr id="1028" name="Picture 4">
+            <a:extLst>
+              <a:ext uri="{FF2B5EF4-FFF2-40B4-BE49-F238E27FC236}">
+                <a16:creationId xmlns="" xmlns:a16="http://schemas.microsoft.com/office/drawing/2014/main" id="{B0814AAB-9489-4878-9125-14B41C987516}"/>
+              </a:ext>
+            </a:extLst>
+          </p:cNvPr>
+          <p:cNvPicPr>
+            <a:picLocks noChangeAspect="1" noChangeArrowheads="1"/>
+          </p:cNvPicPr>
+          <p:nvPr/>
+        </p:nvPicPr>
+        <p:blipFill>
+          <a:blip r:embed="rId4">
+            <a:extLst>
+              <a:ext uri="{28A0092B-C50C-407E-A947-70E740481C1C}">
+                <a14:useLocalDpi xmlns="" xmlns:a14="http://schemas.microsoft.com/office/drawing/2010/main" val="0"/>
+              </a:ext>
+            </a:extLst>
+          </a:blip>
+          <a:srcRect/>
+          <a:stretch>
+            <a:fillRect/>
+          </a:stretch>
+        </p:blipFill>
+        <p:spPr bwMode="auto">
+          <a:xfrm>
+            <a:off x="2355278" y="862881"/>
+            <a:ext cx="523221" cy="523221"/>
+          </a:xfrm>
+          <a:prstGeom prst="rect">
+            <a:avLst/>
+          </a:prstGeom>
+          <a:noFill/>
+          <a:extLst>
+            <a:ext uri="{909E8E84-426E-40DD-AFC4-6F175D3DCCD1}">
+              <a14:hiddenFill xmlns="" xmlns:a14="http://schemas.microsoft.com/office/drawing/2010/main">
+                <a:solidFill>
+                  <a:srgbClr val="FFFFFF"/>
+                </a:solidFill>
+              </a14:hiddenFill>
+            </a:ext>
+          </a:extLst>
+        </p:spPr>
+      </p:pic>
+      <p:sp>
+        <p:nvSpPr>
+          <p:cNvPr id="12" name="TextBox 11">
+            <a:extLst>
+              <a:ext uri="{FF2B5EF4-FFF2-40B4-BE49-F238E27FC236}">
+                <a16:creationId xmlns="" xmlns:a16="http://schemas.microsoft.com/office/drawing/2014/main" id="{2AF6CFC5-4A78-48C8-8772-3813D12A9B4D}"/>
+              </a:ext>
+            </a:extLst>
+          </p:cNvPr>
+          <p:cNvSpPr txBox="1"/>
+          <p:nvPr/>
+        </p:nvSpPr>
+        <p:spPr>
+          <a:xfrm>
+            <a:off x="715735" y="2247058"/>
+            <a:ext cx="4718118" cy="3693319"/>
+          </a:xfrm>
+          <a:prstGeom prst="rect">
+            <a:avLst/>
+          </a:prstGeom>
+          <a:noFill/>
+        </p:spPr>
+        <p:txBody>
+          <a:bodyPr wrap="square" rtlCol="0">
+            <a:spAutoFit/>
+          </a:bodyPr>
+          <a:lstStyle/>
+          <a:p>
+            <a:pPr marL="285750" indent="-285750">
+              <a:buFont typeface="Arial" panose="020B0604020202020204" pitchFamily="34" charset="0"/>
+              <a:buChar char="•"/>
+            </a:pPr>
+            <a:r>
+              <a:rPr lang="en-US" dirty="0"/>
+              <a:t>Zero account creation fee.</a:t>
+            </a:r>
+          </a:p>
+          <a:p>
+            <a:pPr marL="285750" indent="-285750">
+              <a:buFont typeface="Arial" panose="020B0604020202020204" pitchFamily="34" charset="0"/>
+              <a:buChar char="•"/>
+            </a:pPr>
+            <a:r>
+              <a:rPr lang="en-US" dirty="0"/>
+              <a:t>Has transaction fee (static or variable).</a:t>
+            </a:r>
+          </a:p>
+          <a:p>
+            <a:pPr marL="285750" indent="-285750">
+              <a:buFont typeface="Arial" panose="020B0604020202020204" pitchFamily="34" charset="0"/>
+              <a:buChar char="•"/>
+            </a:pPr>
+            <a:r>
+              <a:rPr lang="en-US" dirty="0"/>
+              <a:t>Resulting into losing of good portion of ETH tokens as </a:t>
+            </a:r>
+            <a:r>
+              <a:rPr lang="en-US" dirty="0" err="1"/>
+              <a:t>txn</a:t>
+            </a:r>
+            <a:r>
+              <a:rPr lang="en-US" dirty="0"/>
+              <a:t>-fee after multiple transactions.</a:t>
+            </a:r>
+          </a:p>
+          <a:p>
+            <a:pPr marL="285750" indent="-285750">
+              <a:buFont typeface="Arial" panose="020B0604020202020204" pitchFamily="34" charset="0"/>
+              <a:buChar char="•"/>
+            </a:pPr>
+            <a:r>
+              <a:rPr lang="en-US" dirty="0"/>
+              <a:t>Transaction fee + mined tokens becomes the earning for Miners/Block Producers.</a:t>
+            </a:r>
+          </a:p>
+          <a:p>
+            <a:pPr marL="285750" indent="-285750">
+              <a:buFont typeface="Arial" panose="020B0604020202020204" pitchFamily="34" charset="0"/>
+              <a:buChar char="•"/>
+            </a:pPr>
+            <a:r>
+              <a:rPr lang="en-IN" dirty="0"/>
+              <a:t>Each account is identified by public address/key.  E.g. </a:t>
+            </a:r>
+            <a:r>
+              <a:rPr lang="en-US" dirty="0">
+                <a:hlinkClick r:id="rId5"/>
+              </a:rPr>
+              <a:t>0x5AeE428438376A87d2FEd1De3920D105465926bB</a:t>
+            </a:r>
+            <a:endParaRPr lang="en-US" dirty="0">
+              <a:hlinkClick r:id="rId6"/>
+            </a:endParaRPr>
+          </a:p>
+          <a:p>
+            <a:pPr marL="285750" indent="-285750">
+              <a:buFont typeface="Arial" panose="020B0604020202020204" pitchFamily="34" charset="0"/>
+              <a:buChar char="•"/>
+            </a:pPr>
+            <a:r>
+              <a:rPr lang="en-US" dirty="0"/>
+              <a:t>Every </a:t>
+            </a:r>
+            <a:r>
+              <a:rPr lang="en-US" dirty="0" err="1"/>
+              <a:t>pub_key</a:t>
+            </a:r>
+            <a:r>
+              <a:rPr lang="en-US" dirty="0"/>
+              <a:t> starts with ‘</a:t>
+            </a:r>
+            <a:r>
+              <a:rPr lang="en-US" b="1" dirty="0"/>
+              <a:t>0x’</a:t>
+            </a:r>
+          </a:p>
+          <a:p>
+            <a:pPr marL="285750" indent="-285750">
+              <a:buFont typeface="Arial" panose="020B0604020202020204" pitchFamily="34" charset="0"/>
+              <a:buChar char="•"/>
+            </a:pPr>
+            <a:endParaRPr lang="en-US" dirty="0"/>
+          </a:p>
+        </p:txBody>
+      </p:sp>
+      <p:sp>
+        <p:nvSpPr>
+          <p:cNvPr id="13" name="TextBox 12">
+            <a:extLst>
+              <a:ext uri="{FF2B5EF4-FFF2-40B4-BE49-F238E27FC236}">
+                <a16:creationId xmlns="" xmlns:a16="http://schemas.microsoft.com/office/drawing/2014/main" id="{2C258202-B71B-4040-ABB7-6D57DFF4D825}"/>
+              </a:ext>
+            </a:extLst>
+          </p:cNvPr>
+          <p:cNvSpPr txBox="1"/>
+          <p:nvPr/>
+        </p:nvSpPr>
+        <p:spPr>
+          <a:xfrm>
+            <a:off x="6348248" y="2247058"/>
+            <a:ext cx="5507421" cy="3970318"/>
+          </a:xfrm>
+          <a:prstGeom prst="rect">
+            <a:avLst/>
+          </a:prstGeom>
+          <a:noFill/>
+        </p:spPr>
+        <p:txBody>
+          <a:bodyPr wrap="square" rtlCol="0">
+            <a:spAutoFit/>
+          </a:bodyPr>
+          <a:lstStyle/>
+          <a:p>
+            <a:pPr marL="285750" indent="-285750">
+              <a:buFont typeface="Arial" panose="020B0604020202020204" pitchFamily="34" charset="0"/>
+              <a:buChar char="•"/>
+            </a:pPr>
+            <a:r>
+              <a:rPr lang="en-US" dirty="0"/>
+              <a:t>One-time account creation fee (based on min. EOSIO resources needed &amp; its marketplace price).</a:t>
+            </a:r>
+          </a:p>
+          <a:p>
+            <a:pPr marL="285750" indent="-285750">
+              <a:buFont typeface="Arial" panose="020B0604020202020204" pitchFamily="34" charset="0"/>
+              <a:buChar char="•"/>
+            </a:pPr>
+            <a:r>
+              <a:rPr lang="en-US" dirty="0"/>
+              <a:t>Has no transaction fee. Instead follows staking model.</a:t>
+            </a:r>
+          </a:p>
+          <a:p>
+            <a:pPr marL="285750" indent="-285750">
+              <a:buFont typeface="Arial" panose="020B0604020202020204" pitchFamily="34" charset="0"/>
+              <a:buChar char="•"/>
+            </a:pPr>
+            <a:r>
+              <a:rPr lang="en-US" dirty="0"/>
+              <a:t>Exit can be made at anytime by unstaking the EOS tokens &amp; resulting into no loss of EOS tokens as there is no txn fee.</a:t>
+            </a:r>
+          </a:p>
+          <a:p>
+            <a:pPr marL="285750" indent="-285750">
+              <a:buFont typeface="Arial" panose="020B0604020202020204" pitchFamily="34" charset="0"/>
+              <a:buChar char="•"/>
+            </a:pPr>
+            <a:r>
+              <a:rPr lang="en-US" dirty="0"/>
+              <a:t>mined tokens (from inflation per year) becomes the earning for Block Producers.</a:t>
+            </a:r>
+          </a:p>
+          <a:p>
+            <a:pPr marL="285750" indent="-285750">
+              <a:buFont typeface="Arial" panose="020B0604020202020204" pitchFamily="34" charset="0"/>
+              <a:buChar char="•"/>
+            </a:pPr>
+            <a:r>
+              <a:rPr lang="en-IN" dirty="0"/>
+              <a:t>Each account is identified by human readable name. e.g. </a:t>
+            </a:r>
+            <a:r>
+              <a:rPr lang="en-IN" dirty="0">
+                <a:hlinkClick r:id="rId7"/>
+              </a:rPr>
+              <a:t>abhieosindia</a:t>
+            </a:r>
+            <a:endParaRPr lang="en-IN" dirty="0"/>
+          </a:p>
+          <a:p>
+            <a:pPr marL="285750" indent="-285750">
+              <a:buFont typeface="Arial" panose="020B0604020202020204" pitchFamily="34" charset="0"/>
+              <a:buChar char="•"/>
+            </a:pPr>
+            <a:r>
+              <a:rPr lang="en-IN" dirty="0"/>
+              <a:t>Every </a:t>
+            </a:r>
+            <a:r>
+              <a:rPr lang="en-IN" dirty="0" err="1"/>
+              <a:t>pub_key</a:t>
+            </a:r>
+            <a:r>
+              <a:rPr lang="en-IN" dirty="0"/>
+              <a:t> starts with </a:t>
+            </a:r>
+            <a:r>
+              <a:rPr lang="en-IN" b="1" dirty="0"/>
+              <a:t>‘EOS’. </a:t>
+            </a:r>
+            <a:r>
+              <a:rPr lang="en-IN" dirty="0"/>
+              <a:t>E.g. EOS5cjMNJETNS8HrKBRZ4zC3PDYHRUhpmje1j21JQfz7FE3QueaiF</a:t>
+            </a:r>
+            <a:endParaRPr lang="en-US" dirty="0"/>
+          </a:p>
+        </p:txBody>
+      </p:sp>
     </p:spTree>
     <p:extLst>
       <p:ext uri="{BB962C8B-B14F-4D97-AF65-F5344CB8AC3E}">
-        <p14:creationId xmlns:p14="http://schemas.microsoft.com/office/powerpoint/2010/main" xmlns="" val="2531434088"/>
+        <p14:creationId xmlns="" xmlns:p14="http://schemas.microsoft.com/office/powerpoint/2010/main" val="1756368672"/>
       </p:ext>
     </p:extLst>
   </p:cSld>
@@ -7220,19 +7382,19 @@
   <a:extraClrSchemeLst/>
   <a:extLst>
     <a:ext uri="{05A4C25C-085E-4340-85A3-A5531E510DB2}">
-      <thm15:themeFamily xmlns:thm15="http://schemas.microsoft.com/office/thememl/2012/main" xmlns="" name="DividendVTI" id="{97558BDE-0B66-457C-BB6F-7B1B22DAA9B8}" vid="{F53508A3-AC60-448A-AF37-934D5F1A0D5E}"/>
+      <thm15:themeFamily xmlns="" xmlns:thm15="http://schemas.microsoft.com/office/thememl/2012/main" name="DividendVTI" id="{97558BDE-0B66-457C-BB6F-7B1B22DAA9B8}" vid="{F53508A3-AC60-448A-AF37-934D5F1A0D5E}"/>
     </a:ext>
   </a:extLst>
 </a:theme>
 </file>
 
 <file path=customXml/item1.xml><?xml version="1.0" encoding="utf-8"?>
-<p:properties xmlns:p="http://schemas.microsoft.com/office/2006/metadata/properties" xmlns:xsi="http://www.w3.org/2001/XMLSchema-instance" xmlns:pc="http://schemas.microsoft.com/office/infopath/2007/PartnerControls">
-  <documentManagement>
-    <Status xmlns="71af3243-3dd4-4a8d-8c0d-dd76da1f02a5">Not started</Status>
-    <MediaServiceKeyPoints xmlns="71af3243-3dd4-4a8d-8c0d-dd76da1f02a5" xsi:nil="true"/>
-  </documentManagement>
-</p:properties>
+<?mso-contentType ?>
+<FormTemplates xmlns="http://schemas.microsoft.com/sharepoint/v3/contenttype/forms">
+  <Display>DocumentLibraryForm</Display>
+  <Edit>DocumentLibraryForm</Edit>
+  <New>DocumentLibraryForm</New>
+</FormTemplates>
 </file>
 
 <file path=customXml/item2.xml><?xml version="1.0" encoding="utf-8"?>
@@ -7457,20 +7619,18 @@
 </file>
 
 <file path=customXml/item3.xml><?xml version="1.0" encoding="utf-8"?>
-<?mso-contentType ?>
-<FormTemplates xmlns="http://schemas.microsoft.com/sharepoint/v3/contenttype/forms">
-  <Display>DocumentLibraryForm</Display>
-  <Edit>DocumentLibraryForm</Edit>
-  <New>DocumentLibraryForm</New>
-</FormTemplates>
+<p:properties xmlns:p="http://schemas.microsoft.com/office/2006/metadata/properties" xmlns:xsi="http://www.w3.org/2001/XMLSchema-instance" xmlns:pc="http://schemas.microsoft.com/office/infopath/2007/PartnerControls">
+  <documentManagement>
+    <Status xmlns="71af3243-3dd4-4a8d-8c0d-dd76da1f02a5">Not started</Status>
+    <MediaServiceKeyPoints xmlns="71af3243-3dd4-4a8d-8c0d-dd76da1f02a5" xsi:nil="true"/>
+  </documentManagement>
+</p:properties>
 </file>
 
 <file path=customXml/itemProps1.xml><?xml version="1.0" encoding="utf-8"?>
-<ds:datastoreItem xmlns:ds="http://schemas.openxmlformats.org/officeDocument/2006/customXml" ds:itemID="{8D289AE2-D2AE-49D1-AFAC-3A79F6794255}">
+<ds:datastoreItem xmlns:ds="http://schemas.openxmlformats.org/officeDocument/2006/customXml" ds:itemID="{927BD4C1-B6B1-4715-ABF9-E660A51A4EA0}">
   <ds:schemaRefs>
-    <ds:schemaRef ds:uri="http://schemas.microsoft.com/office/2006/metadata/properties"/>
-    <ds:schemaRef ds:uri="http://schemas.microsoft.com/office/infopath/2007/PartnerControls"/>
-    <ds:schemaRef ds:uri="71af3243-3dd4-4a8d-8c0d-dd76da1f02a5"/>
+    <ds:schemaRef ds:uri="http://schemas.microsoft.com/sharepoint/v3/contenttype/forms"/>
   </ds:schemaRefs>
 </ds:datastoreItem>
 </file>
@@ -7495,9 +7655,11 @@
 </file>
 
 <file path=customXml/itemProps3.xml><?xml version="1.0" encoding="utf-8"?>
-<ds:datastoreItem xmlns:ds="http://schemas.openxmlformats.org/officeDocument/2006/customXml" ds:itemID="{927BD4C1-B6B1-4715-ABF9-E660A51A4EA0}">
+<ds:datastoreItem xmlns:ds="http://schemas.openxmlformats.org/officeDocument/2006/customXml" ds:itemID="{8D289AE2-D2AE-49D1-AFAC-3A79F6794255}">
   <ds:schemaRefs>
-    <ds:schemaRef ds:uri="http://schemas.microsoft.com/sharepoint/v3/contenttype/forms"/>
+    <ds:schemaRef ds:uri="http://schemas.microsoft.com/office/2006/metadata/properties"/>
+    <ds:schemaRef ds:uri="http://schemas.microsoft.com/office/infopath/2007/PartnerControls"/>
+    <ds:schemaRef ds:uri="71af3243-3dd4-4a8d-8c0d-dd76da1f02a5"/>
   </ds:schemaRefs>
 </ds:datastoreItem>
 </file>
--- a/PPT.pptx
+++ b/PPT.pptx
@@ -120,7 +120,7 @@
   </p:defaultTextStyle>
   <p:extLst>
     <p:ext uri="{EFAFB233-063F-42B5-8137-9DF3F51BA10A}">
-      <p15:sldGuideLst xmlns="" xmlns:p15="http://schemas.microsoft.com/office/powerpoint/2012/main">
+      <p15:sldGuideLst xmlns:p15="http://schemas.microsoft.com/office/powerpoint/2012/main">
         <p15:guide id="1" orient="horz" pos="2160">
           <p15:clr>
             <a:srgbClr val="A4A3A4"/>
@@ -357,7 +357,7 @@
           <p:cNvPr id="8" name="Date Placeholder 7">
             <a:extLst>
               <a:ext uri="{FF2B5EF4-FFF2-40B4-BE49-F238E27FC236}">
-                <a16:creationId xmlns="" xmlns:a16="http://schemas.microsoft.com/office/drawing/2014/main" id="{7FA0ACE7-29A8-47D3-A7D9-257B711D8023}"/>
+                <a16:creationId xmlns:a16="http://schemas.microsoft.com/office/drawing/2014/main" id="{7FA0ACE7-29A8-47D3-A7D9-257B711D8023}"/>
               </a:ext>
             </a:extLst>
           </p:cNvPr>
@@ -376,7 +376,7 @@
             <a:fld id="{ED291B17-9318-49DB-B28B-6E5994AE9581}" type="datetime1">
               <a:rPr lang="en-US" smtClean="0"/>
               <a:pPr/>
-              <a:t>4/29/2021</a:t>
+              <a:t>30-Apr-21</a:t>
             </a:fld>
             <a:endParaRPr lang="en-US" dirty="0"/>
           </a:p>
@@ -387,7 +387,7 @@
           <p:cNvPr id="9" name="Footer Placeholder 8">
             <a:extLst>
               <a:ext uri="{FF2B5EF4-FFF2-40B4-BE49-F238E27FC236}">
-                <a16:creationId xmlns="" xmlns:a16="http://schemas.microsoft.com/office/drawing/2014/main" id="{DEC604B9-52E9-4810-8359-47206518D038}"/>
+                <a16:creationId xmlns:a16="http://schemas.microsoft.com/office/drawing/2014/main" id="{DEC604B9-52E9-4810-8359-47206518D038}"/>
               </a:ext>
             </a:extLst>
           </p:cNvPr>
@@ -412,7 +412,7 @@
           <p:cNvPr id="10" name="Slide Number Placeholder 9">
             <a:extLst>
               <a:ext uri="{FF2B5EF4-FFF2-40B4-BE49-F238E27FC236}">
-                <a16:creationId xmlns="" xmlns:a16="http://schemas.microsoft.com/office/drawing/2014/main" id="{5898A89F-CA25-400F-B05A-AECBF2517E4F}"/>
+                <a16:creationId xmlns:a16="http://schemas.microsoft.com/office/drawing/2014/main" id="{5898A89F-CA25-400F-B05A-AECBF2517E4F}"/>
               </a:ext>
             </a:extLst>
           </p:cNvPr>
@@ -440,7 +440,7 @@
     </p:spTree>
     <p:extLst>
       <p:ext uri="{BB962C8B-B14F-4D97-AF65-F5344CB8AC3E}">
-        <p14:creationId xmlns="" xmlns:p14="http://schemas.microsoft.com/office/powerpoint/2010/main" val="490017585"/>
+        <p14:creationId xmlns:p14="http://schemas.microsoft.com/office/powerpoint/2010/main" val="490017585"/>
       </p:ext>
     </p:extLst>
   </p:cSld>
@@ -581,7 +581,7 @@
             <a:fld id="{2CED4963-E985-44C4-B8C4-FDD613B7C2F8}" type="datetime1">
               <a:rPr lang="en-US" smtClean="0"/>
               <a:pPr/>
-              <a:t>4/29/2021</a:t>
+              <a:t>30-Apr-21</a:t>
             </a:fld>
             <a:endParaRPr lang="en-US" dirty="0"/>
           </a:p>
@@ -633,7 +633,7 @@
     </p:spTree>
     <p:extLst>
       <p:ext uri="{BB962C8B-B14F-4D97-AF65-F5344CB8AC3E}">
-        <p14:creationId xmlns="" xmlns:p14="http://schemas.microsoft.com/office/powerpoint/2010/main" val="1283591147"/>
+        <p14:creationId xmlns:p14="http://schemas.microsoft.com/office/powerpoint/2010/main" val="1283591147"/>
       </p:ext>
     </p:extLst>
   </p:cSld>
@@ -797,7 +797,7 @@
           <p:cNvPr id="8" name="Rectangle 7">
             <a:extLst>
               <a:ext uri="{FF2B5EF4-FFF2-40B4-BE49-F238E27FC236}">
-                <a16:creationId xmlns="" xmlns:a16="http://schemas.microsoft.com/office/drawing/2014/main" id="{F6423B97-A5D4-47B9-8861-73B3707A04CF}"/>
+                <a16:creationId xmlns:a16="http://schemas.microsoft.com/office/drawing/2014/main" id="{F6423B97-A5D4-47B9-8861-73B3707A04CF}"/>
               </a:ext>
             </a:extLst>
           </p:cNvPr>
@@ -840,7 +840,7 @@
           <p:cNvPr id="9" name="Rectangle 8">
             <a:extLst>
               <a:ext uri="{FF2B5EF4-FFF2-40B4-BE49-F238E27FC236}">
-                <a16:creationId xmlns="" xmlns:a16="http://schemas.microsoft.com/office/drawing/2014/main" id="{1AEC0421-37B4-4481-A10D-69FDF5EC7909}"/>
+                <a16:creationId xmlns:a16="http://schemas.microsoft.com/office/drawing/2014/main" id="{1AEC0421-37B4-4481-A10D-69FDF5EC7909}"/>
               </a:ext>
             </a:extLst>
           </p:cNvPr>
@@ -883,7 +883,7 @@
           <p:cNvPr id="10" name="Rectangle 9">
             <a:extLst>
               <a:ext uri="{FF2B5EF4-FFF2-40B4-BE49-F238E27FC236}">
-                <a16:creationId xmlns="" xmlns:a16="http://schemas.microsoft.com/office/drawing/2014/main" id="{5F7265B5-9F97-4F1E-99E9-74F7B7E62337}"/>
+                <a16:creationId xmlns:a16="http://schemas.microsoft.com/office/drawing/2014/main" id="{5F7265B5-9F97-4F1E-99E9-74F7B7E62337}"/>
               </a:ext>
             </a:extLst>
           </p:cNvPr>
@@ -926,7 +926,7 @@
           <p:cNvPr id="11" name="Date Placeholder 10">
             <a:extLst>
               <a:ext uri="{FF2B5EF4-FFF2-40B4-BE49-F238E27FC236}">
-                <a16:creationId xmlns="" xmlns:a16="http://schemas.microsoft.com/office/drawing/2014/main" id="{5C74A470-3BD3-4F33-80E5-67E6E87FCBE7}"/>
+                <a16:creationId xmlns:a16="http://schemas.microsoft.com/office/drawing/2014/main" id="{5C74A470-3BD3-4F33-80E5-67E6E87FCBE7}"/>
               </a:ext>
             </a:extLst>
           </p:cNvPr>
@@ -945,7 +945,7 @@
             <a:fld id="{ED291B17-9318-49DB-B28B-6E5994AE9581}" type="datetime1">
               <a:rPr lang="en-US" smtClean="0"/>
               <a:pPr/>
-              <a:t>4/29/2021</a:t>
+              <a:t>30-Apr-21</a:t>
             </a:fld>
             <a:endParaRPr lang="en-US" dirty="0"/>
           </a:p>
@@ -956,7 +956,7 @@
           <p:cNvPr id="12" name="Footer Placeholder 11">
             <a:extLst>
               <a:ext uri="{FF2B5EF4-FFF2-40B4-BE49-F238E27FC236}">
-                <a16:creationId xmlns="" xmlns:a16="http://schemas.microsoft.com/office/drawing/2014/main" id="{9A3A30BA-DB50-4D7D-BCDE-17D20FB354DF}"/>
+                <a16:creationId xmlns:a16="http://schemas.microsoft.com/office/drawing/2014/main" id="{9A3A30BA-DB50-4D7D-BCDE-17D20FB354DF}"/>
               </a:ext>
             </a:extLst>
           </p:cNvPr>
@@ -981,7 +981,7 @@
           <p:cNvPr id="13" name="Slide Number Placeholder 12">
             <a:extLst>
               <a:ext uri="{FF2B5EF4-FFF2-40B4-BE49-F238E27FC236}">
-                <a16:creationId xmlns="" xmlns:a16="http://schemas.microsoft.com/office/drawing/2014/main" id="{76FF9E58-C0B2-436B-A21C-DB45A00D6515}"/>
+                <a16:creationId xmlns:a16="http://schemas.microsoft.com/office/drawing/2014/main" id="{76FF9E58-C0B2-436B-A21C-DB45A00D6515}"/>
               </a:ext>
             </a:extLst>
           </p:cNvPr>
@@ -1009,7 +1009,7 @@
     </p:spTree>
     <p:extLst>
       <p:ext uri="{BB962C8B-B14F-4D97-AF65-F5344CB8AC3E}">
-        <p14:creationId xmlns="" xmlns:p14="http://schemas.microsoft.com/office/powerpoint/2010/main" val="3388849626"/>
+        <p14:creationId xmlns:p14="http://schemas.microsoft.com/office/powerpoint/2010/main" val="3388849626"/>
       </p:ext>
     </p:extLst>
   </p:cSld>
@@ -1126,7 +1126,7 @@
           <p:cNvPr id="8" name="Date Placeholder 7">
             <a:extLst>
               <a:ext uri="{FF2B5EF4-FFF2-40B4-BE49-F238E27FC236}">
-                <a16:creationId xmlns="" xmlns:a16="http://schemas.microsoft.com/office/drawing/2014/main" id="{770E6237-3456-439F-802D-3BA93FC7E3E5}"/>
+                <a16:creationId xmlns:a16="http://schemas.microsoft.com/office/drawing/2014/main" id="{770E6237-3456-439F-802D-3BA93FC7E3E5}"/>
               </a:ext>
             </a:extLst>
           </p:cNvPr>
@@ -1145,7 +1145,7 @@
             <a:fld id="{78DD82B9-B8EE-4375-B6FF-88FA6ABB15D9}" type="datetime1">
               <a:rPr lang="en-US" smtClean="0"/>
               <a:pPr/>
-              <a:t>4/29/2021</a:t>
+              <a:t>30-Apr-21</a:t>
             </a:fld>
             <a:endParaRPr lang="en-US" dirty="0"/>
           </a:p>
@@ -1156,7 +1156,7 @@
           <p:cNvPr id="9" name="Footer Placeholder 8">
             <a:extLst>
               <a:ext uri="{FF2B5EF4-FFF2-40B4-BE49-F238E27FC236}">
-                <a16:creationId xmlns="" xmlns:a16="http://schemas.microsoft.com/office/drawing/2014/main" id="{1356D3B5-6063-4A89-B88F-9D3043916FF8}"/>
+                <a16:creationId xmlns:a16="http://schemas.microsoft.com/office/drawing/2014/main" id="{1356D3B5-6063-4A89-B88F-9D3043916FF8}"/>
               </a:ext>
             </a:extLst>
           </p:cNvPr>
@@ -1181,7 +1181,7 @@
           <p:cNvPr id="10" name="Slide Number Placeholder 9">
             <a:extLst>
               <a:ext uri="{FF2B5EF4-FFF2-40B4-BE49-F238E27FC236}">
-                <a16:creationId xmlns="" xmlns:a16="http://schemas.microsoft.com/office/drawing/2014/main" id="{02B78BF7-69D3-4CE0-A631-50EFD41EEEB8}"/>
+                <a16:creationId xmlns:a16="http://schemas.microsoft.com/office/drawing/2014/main" id="{02B78BF7-69D3-4CE0-A631-50EFD41EEEB8}"/>
               </a:ext>
             </a:extLst>
           </p:cNvPr>
@@ -1209,7 +1209,7 @@
     </p:spTree>
     <p:extLst>
       <p:ext uri="{BB962C8B-B14F-4D97-AF65-F5344CB8AC3E}">
-        <p14:creationId xmlns="" xmlns:p14="http://schemas.microsoft.com/office/powerpoint/2010/main" val="852443411"/>
+        <p14:creationId xmlns:p14="http://schemas.microsoft.com/office/powerpoint/2010/main" val="852443411"/>
       </p:ext>
     </p:extLst>
   </p:cSld>
@@ -1440,7 +1440,7 @@
           <p:cNvPr id="7" name="Date Placeholder 6">
             <a:extLst>
               <a:ext uri="{FF2B5EF4-FFF2-40B4-BE49-F238E27FC236}">
-                <a16:creationId xmlns="" xmlns:a16="http://schemas.microsoft.com/office/drawing/2014/main" id="{61582016-5696-4A93-887F-BBB3B9002FE5}"/>
+                <a16:creationId xmlns:a16="http://schemas.microsoft.com/office/drawing/2014/main" id="{61582016-5696-4A93-887F-BBB3B9002FE5}"/>
               </a:ext>
             </a:extLst>
           </p:cNvPr>
@@ -1459,7 +1459,7 @@
             <a:fld id="{B2497495-0637-405E-AE64-5CC7506D51F5}" type="datetime1">
               <a:rPr lang="en-US" smtClean="0"/>
               <a:pPr/>
-              <a:t>4/29/2021</a:t>
+              <a:t>30-Apr-21</a:t>
             </a:fld>
             <a:endParaRPr lang="en-US" dirty="0"/>
           </a:p>
@@ -1470,7 +1470,7 @@
           <p:cNvPr id="9" name="Footer Placeholder 8">
             <a:extLst>
               <a:ext uri="{FF2B5EF4-FFF2-40B4-BE49-F238E27FC236}">
-                <a16:creationId xmlns="" xmlns:a16="http://schemas.microsoft.com/office/drawing/2014/main" id="{857CFCD5-1192-4E18-8A8F-29E153B44DA4}"/>
+                <a16:creationId xmlns:a16="http://schemas.microsoft.com/office/drawing/2014/main" id="{857CFCD5-1192-4E18-8A8F-29E153B44DA4}"/>
               </a:ext>
             </a:extLst>
           </p:cNvPr>
@@ -1495,7 +1495,7 @@
           <p:cNvPr id="10" name="Slide Number Placeholder 9">
             <a:extLst>
               <a:ext uri="{FF2B5EF4-FFF2-40B4-BE49-F238E27FC236}">
-                <a16:creationId xmlns="" xmlns:a16="http://schemas.microsoft.com/office/drawing/2014/main" id="{E39A109E-5018-4794-92B3-FD5E5BCD95E8}"/>
+                <a16:creationId xmlns:a16="http://schemas.microsoft.com/office/drawing/2014/main" id="{E39A109E-5018-4794-92B3-FD5E5BCD95E8}"/>
               </a:ext>
             </a:extLst>
           </p:cNvPr>
@@ -1523,7 +1523,7 @@
     </p:spTree>
     <p:extLst>
       <p:ext uri="{BB962C8B-B14F-4D97-AF65-F5344CB8AC3E}">
-        <p14:creationId xmlns="" xmlns:p14="http://schemas.microsoft.com/office/powerpoint/2010/main" val="366680978"/>
+        <p14:creationId xmlns:p14="http://schemas.microsoft.com/office/powerpoint/2010/main" val="366680978"/>
       </p:ext>
     </p:extLst>
   </p:cSld>
@@ -1714,7 +1714,7 @@
             <a:fld id="{7BFFD690-9426-415D-8B65-26881E07B2D4}" type="datetime1">
               <a:rPr lang="en-US" smtClean="0"/>
               <a:pPr/>
-              <a:t>4/29/2021</a:t>
+              <a:t>30-Apr-21</a:t>
             </a:fld>
             <a:endParaRPr lang="en-US" dirty="0"/>
           </a:p>
@@ -1766,7 +1766,7 @@
     </p:spTree>
     <p:extLst>
       <p:ext uri="{BB962C8B-B14F-4D97-AF65-F5344CB8AC3E}">
-        <p14:creationId xmlns="" xmlns:p14="http://schemas.microsoft.com/office/powerpoint/2010/main" val="2483323219"/>
+        <p14:creationId xmlns:p14="http://schemas.microsoft.com/office/powerpoint/2010/main" val="2483323219"/>
       </p:ext>
     </p:extLst>
   </p:cSld>
@@ -2138,7 +2138,7 @@
             <a:fld id="{04C4989A-474C-40DE-95B9-011C28B71673}" type="datetime1">
               <a:rPr lang="en-US" smtClean="0"/>
               <a:pPr/>
-              <a:t>4/29/2021</a:t>
+              <a:t>30-Apr-21</a:t>
             </a:fld>
             <a:endParaRPr lang="en-US" dirty="0"/>
           </a:p>
@@ -2190,7 +2190,7 @@
     </p:spTree>
     <p:extLst>
       <p:ext uri="{BB962C8B-B14F-4D97-AF65-F5344CB8AC3E}">
-        <p14:creationId xmlns="" xmlns:p14="http://schemas.microsoft.com/office/powerpoint/2010/main" val="1748046589"/>
+        <p14:creationId xmlns:p14="http://schemas.microsoft.com/office/powerpoint/2010/main" val="1748046589"/>
       </p:ext>
     </p:extLst>
   </p:cSld>
@@ -2263,7 +2263,7 @@
             <a:fld id="{5DB4ED54-5B5E-4A04-93D3-5772E3CE3818}" type="datetime1">
               <a:rPr lang="en-US" smtClean="0"/>
               <a:pPr/>
-              <a:t>4/29/2021</a:t>
+              <a:t>30-Apr-21</a:t>
             </a:fld>
             <a:endParaRPr lang="en-US" dirty="0"/>
           </a:p>
@@ -2315,7 +2315,7 @@
     </p:spTree>
     <p:extLst>
       <p:ext uri="{BB962C8B-B14F-4D97-AF65-F5344CB8AC3E}">
-        <p14:creationId xmlns="" xmlns:p14="http://schemas.microsoft.com/office/powerpoint/2010/main" val="112936382"/>
+        <p14:creationId xmlns:p14="http://schemas.microsoft.com/office/powerpoint/2010/main" val="112936382"/>
       </p:ext>
     </p:extLst>
   </p:cSld>
@@ -2360,7 +2360,7 @@
             <a:fld id="{4EDE50D6-574B-40AF-946F-D52A04ADE379}" type="datetime1">
               <a:rPr lang="en-US" smtClean="0"/>
               <a:pPr/>
-              <a:t>4/29/2021</a:t>
+              <a:t>30-Apr-21</a:t>
             </a:fld>
             <a:endParaRPr lang="en-US" dirty="0"/>
           </a:p>
@@ -2412,7 +2412,7 @@
     </p:spTree>
     <p:extLst>
       <p:ext uri="{BB962C8B-B14F-4D97-AF65-F5344CB8AC3E}">
-        <p14:creationId xmlns="" xmlns:p14="http://schemas.microsoft.com/office/powerpoint/2010/main" val="1129494974"/>
+        <p14:creationId xmlns:p14="http://schemas.microsoft.com/office/powerpoint/2010/main" val="1129494974"/>
       </p:ext>
     </p:extLst>
   </p:cSld>
@@ -2715,7 +2715,7 @@
           <p:cNvPr id="8" name="Date Placeholder 7">
             <a:extLst>
               <a:ext uri="{FF2B5EF4-FFF2-40B4-BE49-F238E27FC236}">
-                <a16:creationId xmlns="" xmlns:a16="http://schemas.microsoft.com/office/drawing/2014/main" id="{0B919CC2-2A65-446F-B538-9E6249035445}"/>
+                <a16:creationId xmlns:a16="http://schemas.microsoft.com/office/drawing/2014/main" id="{0B919CC2-2A65-446F-B538-9E6249035445}"/>
               </a:ext>
             </a:extLst>
           </p:cNvPr>
@@ -2739,7 +2739,7 @@
             <a:fld id="{D82884F1-FFEA-405F-9602-3DCA865EDA4E}" type="datetime1">
               <a:rPr lang="en-US" smtClean="0"/>
               <a:pPr/>
-              <a:t>4/29/2021</a:t>
+              <a:t>30-Apr-21</a:t>
             </a:fld>
             <a:endParaRPr lang="en-US" dirty="0"/>
           </a:p>
@@ -2750,7 +2750,7 @@
           <p:cNvPr id="10" name="Footer Placeholder 9">
             <a:extLst>
               <a:ext uri="{FF2B5EF4-FFF2-40B4-BE49-F238E27FC236}">
-                <a16:creationId xmlns="" xmlns:a16="http://schemas.microsoft.com/office/drawing/2014/main" id="{B72412AE-119E-4982-8B24-63365EFCA796}"/>
+                <a16:creationId xmlns:a16="http://schemas.microsoft.com/office/drawing/2014/main" id="{B72412AE-119E-4982-8B24-63365EFCA796}"/>
               </a:ext>
             </a:extLst>
           </p:cNvPr>
@@ -2780,7 +2780,7 @@
           <p:cNvPr id="11" name="Slide Number Placeholder 10">
             <a:extLst>
               <a:ext uri="{FF2B5EF4-FFF2-40B4-BE49-F238E27FC236}">
-                <a16:creationId xmlns="" xmlns:a16="http://schemas.microsoft.com/office/drawing/2014/main" id="{7FC4BB19-6AD1-45CF-9F99-00B109890FAB}"/>
+                <a16:creationId xmlns:a16="http://schemas.microsoft.com/office/drawing/2014/main" id="{7FC4BB19-6AD1-45CF-9F99-00B109890FAB}"/>
               </a:ext>
             </a:extLst>
           </p:cNvPr>
@@ -2813,7 +2813,7 @@
     </p:spTree>
     <p:extLst>
       <p:ext uri="{BB962C8B-B14F-4D97-AF65-F5344CB8AC3E}">
-        <p14:creationId xmlns="" xmlns:p14="http://schemas.microsoft.com/office/powerpoint/2010/main" val="1261766693"/>
+        <p14:creationId xmlns:p14="http://schemas.microsoft.com/office/powerpoint/2010/main" val="1261766693"/>
       </p:ext>
     </p:extLst>
   </p:cSld>
@@ -3033,7 +3033,7 @@
             <a:fld id="{7E18DB4A-8810-4A10-AD5C-D5E2C667F5B3}" type="datetime1">
               <a:rPr lang="en-US" smtClean="0"/>
               <a:pPr/>
-              <a:t>4/29/2021</a:t>
+              <a:t>30-Apr-21</a:t>
             </a:fld>
             <a:endParaRPr lang="en-US" dirty="0"/>
           </a:p>
@@ -3086,7 +3086,7 @@
     </p:spTree>
     <p:extLst>
       <p:ext uri="{BB962C8B-B14F-4D97-AF65-F5344CB8AC3E}">
-        <p14:creationId xmlns="" xmlns:p14="http://schemas.microsoft.com/office/powerpoint/2010/main" val="3573289553"/>
+        <p14:creationId xmlns:p14="http://schemas.microsoft.com/office/powerpoint/2010/main" val="3573289553"/>
       </p:ext>
     </p:extLst>
   </p:cSld>
@@ -3250,7 +3250,7 @@
             <a:fld id="{ED291B17-9318-49DB-B28B-6E5994AE9581}" type="datetime1">
               <a:rPr lang="en-US" smtClean="0"/>
               <a:pPr/>
-              <a:t>4/29/2021</a:t>
+              <a:t>30-Apr-21</a:t>
             </a:fld>
             <a:endParaRPr lang="en-US" dirty="0"/>
           </a:p>
@@ -3451,7 +3451,7 @@
     </p:spTree>
     <p:extLst>
       <p:ext uri="{BB962C8B-B14F-4D97-AF65-F5344CB8AC3E}">
-        <p14:creationId xmlns="" xmlns:p14="http://schemas.microsoft.com/office/powerpoint/2010/main" val="3000897896"/>
+        <p14:creationId xmlns:p14="http://schemas.microsoft.com/office/powerpoint/2010/main" val="3000897896"/>
       </p:ext>
     </p:extLst>
   </p:cSld>
@@ -3896,10 +3896,10 @@
           <p:cNvPr id="18" name="Rectangle 17">
             <a:extLst>
               <a:ext uri="{FF2B5EF4-FFF2-40B4-BE49-F238E27FC236}">
-                <a16:creationId xmlns="" xmlns:a16="http://schemas.microsoft.com/office/drawing/2014/main" id="{D6D7A0BC-0046-4CAA-8E7F-DCAFE511EA0E}"/>
+                <a16:creationId xmlns:a16="http://schemas.microsoft.com/office/drawing/2014/main" id="{D6D7A0BC-0046-4CAA-8E7F-DCAFE511EA0E}"/>
               </a:ext>
               <a:ext uri="{C183D7F6-B498-43B3-948B-1728B52AA6E4}">
-                <adec:decorative xmlns="" xmlns:adec="http://schemas.microsoft.com/office/drawing/2017/decorative" val="1"/>
+                <adec:decorative xmlns:adec="http://schemas.microsoft.com/office/drawing/2017/decorative" val="1"/>
               </a:ext>
             </a:extLst>
           </p:cNvPr>
@@ -3909,7 +3909,7 @@
           <p:nvPr>
             <p:extLst>
               <p:ext uri="{386F3935-93C4-4BCD-93E2-E3B085C9AB24}">
-                <p16:designElem xmlns="" xmlns:p16="http://schemas.microsoft.com/office/powerpoint/2015/main" val="1"/>
+                <p16:designElem xmlns:p16="http://schemas.microsoft.com/office/powerpoint/2015/main" val="1"/>
               </p:ext>
             </p:extLst>
           </p:nvPr>
@@ -3956,7 +3956,7 @@
           <p:cNvPr id="2" name="Title 1">
             <a:extLst>
               <a:ext uri="{FF2B5EF4-FFF2-40B4-BE49-F238E27FC236}">
-                <a16:creationId xmlns="" xmlns:a16="http://schemas.microsoft.com/office/drawing/2014/main" id="{1C21E816-31F5-48BB-BD02-D15F2F18B48A}"/>
+                <a16:creationId xmlns:a16="http://schemas.microsoft.com/office/drawing/2014/main" id="{1C21E816-31F5-48BB-BD02-D15F2F18B48A}"/>
               </a:ext>
             </a:extLst>
           </p:cNvPr>
@@ -3981,20 +3981,12 @@
           <a:p>
             <a:pPr algn="ctr"/>
             <a:r>
-              <a:rPr lang="en-US" dirty="0" smtClean="0">
+              <a:rPr lang="en-US" dirty="0">
                 <a:solidFill>
                   <a:schemeClr val="tx2"/>
                 </a:solidFill>
               </a:rPr>
-              <a:t>Blockchain, </a:t>
-            </a:r>
-            <a:r>
-              <a:rPr lang="en-US" dirty="0">
-                <a:solidFill>
-                  <a:schemeClr val="tx2"/>
-                </a:solidFill>
-              </a:rPr>
-              <a:t>CRYPTOCURRENCY &amp; MORE</a:t>
+              <a:t>Blockchain, CRYPTOCURRENCY &amp; MORE</a:t>
             </a:r>
           </a:p>
         </p:txBody>
@@ -4004,7 +3996,7 @@
           <p:cNvPr id="3" name="Subtitle 2">
             <a:extLst>
               <a:ext uri="{FF2B5EF4-FFF2-40B4-BE49-F238E27FC236}">
-                <a16:creationId xmlns="" xmlns:a16="http://schemas.microsoft.com/office/drawing/2014/main" id="{835D6E6B-3353-491C-A3C6-F278D6CED8B3}"/>
+                <a16:creationId xmlns:a16="http://schemas.microsoft.com/office/drawing/2014/main" id="{835D6E6B-3353-491C-A3C6-F278D6CED8B3}"/>
               </a:ext>
             </a:extLst>
           </p:cNvPr>
@@ -4029,16 +4021,12 @@
           <a:p>
             <a:pPr algn="ctr"/>
             <a:r>
-              <a:rPr lang="en-US" sz="2000" b="1" dirty="0" smtClean="0">
+              <a:rPr lang="en-US" sz="2000" b="1" dirty="0">
                 <a:latin typeface="Calibri" panose="020F0502020204030204" pitchFamily="34" charset="0"/>
                 <a:cs typeface="Calibri" panose="020F0502020204030204" pitchFamily="34" charset="0"/>
               </a:rPr>
               <a:t>Decentralize Everything</a:t>
             </a:r>
-            <a:endParaRPr lang="en-US" sz="2000" b="1" dirty="0">
-              <a:latin typeface="Calibri" panose="020F0502020204030204" pitchFamily="34" charset="0"/>
-              <a:cs typeface="Calibri" panose="020F0502020204030204" pitchFamily="34" charset="0"/>
-            </a:endParaRPr>
           </a:p>
         </p:txBody>
       </p:sp>
@@ -4047,10 +4035,10 @@
           <p:cNvPr id="20" name="Rectangle 19">
             <a:extLst>
               <a:ext uri="{FF2B5EF4-FFF2-40B4-BE49-F238E27FC236}">
-                <a16:creationId xmlns="" xmlns:a16="http://schemas.microsoft.com/office/drawing/2014/main" id="{E7C6334F-6411-41EC-AD7D-179EDD8B58CB}"/>
+                <a16:creationId xmlns:a16="http://schemas.microsoft.com/office/drawing/2014/main" id="{E7C6334F-6411-41EC-AD7D-179EDD8B58CB}"/>
               </a:ext>
               <a:ext uri="{C183D7F6-B498-43B3-948B-1728B52AA6E4}">
-                <adec:decorative xmlns="" xmlns:adec="http://schemas.microsoft.com/office/drawing/2017/decorative" val="1"/>
+                <adec:decorative xmlns:adec="http://schemas.microsoft.com/office/drawing/2017/decorative" val="1"/>
               </a:ext>
             </a:extLst>
           </p:cNvPr>
@@ -4060,7 +4048,7 @@
           <p:nvPr>
             <p:extLst>
               <p:ext uri="{386F3935-93C4-4BCD-93E2-E3B085C9AB24}">
-                <p16:designElem xmlns="" xmlns:p16="http://schemas.microsoft.com/office/powerpoint/2015/main" val="1"/>
+                <p16:designElem xmlns:p16="http://schemas.microsoft.com/office/powerpoint/2015/main" val="1"/>
               </p:ext>
             </p:extLst>
           </p:nvPr>
@@ -4101,10 +4089,10 @@
           <p:cNvPr id="22" name="Rectangle 21">
             <a:extLst>
               <a:ext uri="{FF2B5EF4-FFF2-40B4-BE49-F238E27FC236}">
-                <a16:creationId xmlns="" xmlns:a16="http://schemas.microsoft.com/office/drawing/2014/main" id="{E6B02CEE-3AF8-4349-9B3E-8970E6DF62B3}"/>
+                <a16:creationId xmlns:a16="http://schemas.microsoft.com/office/drawing/2014/main" id="{E6B02CEE-3AF8-4349-9B3E-8970E6DF62B3}"/>
               </a:ext>
               <a:ext uri="{C183D7F6-B498-43B3-948B-1728B52AA6E4}">
-                <adec:decorative xmlns="" xmlns:adec="http://schemas.microsoft.com/office/drawing/2017/decorative" val="1"/>
+                <adec:decorative xmlns:adec="http://schemas.microsoft.com/office/drawing/2017/decorative" val="1"/>
               </a:ext>
             </a:extLst>
           </p:cNvPr>
@@ -4114,7 +4102,7 @@
           <p:nvPr>
             <p:extLst>
               <p:ext uri="{386F3935-93C4-4BCD-93E2-E3B085C9AB24}">
-                <p16:designElem xmlns="" xmlns:p16="http://schemas.microsoft.com/office/powerpoint/2015/main" val="1"/>
+                <p16:designElem xmlns:p16="http://schemas.microsoft.com/office/powerpoint/2015/main" val="1"/>
               </p:ext>
             </p:extLst>
           </p:nvPr>
@@ -4155,10 +4143,10 @@
           <p:cNvPr id="24" name="Rectangle 23">
             <a:extLst>
               <a:ext uri="{FF2B5EF4-FFF2-40B4-BE49-F238E27FC236}">
-                <a16:creationId xmlns="" xmlns:a16="http://schemas.microsoft.com/office/drawing/2014/main" id="{AAA01CF0-3FB5-44EB-B7DE-F2E86374C2FB}"/>
+                <a16:creationId xmlns:a16="http://schemas.microsoft.com/office/drawing/2014/main" id="{AAA01CF0-3FB5-44EB-B7DE-F2E86374C2FB}"/>
               </a:ext>
               <a:ext uri="{C183D7F6-B498-43B3-948B-1728B52AA6E4}">
-                <adec:decorative xmlns="" xmlns:adec="http://schemas.microsoft.com/office/drawing/2017/decorative" val="1"/>
+                <adec:decorative xmlns:adec="http://schemas.microsoft.com/office/drawing/2017/decorative" val="1"/>
               </a:ext>
             </a:extLst>
           </p:cNvPr>
@@ -4168,7 +4156,7 @@
           <p:nvPr>
             <p:extLst>
               <p:ext uri="{386F3935-93C4-4BCD-93E2-E3B085C9AB24}">
-                <p16:designElem xmlns="" xmlns:p16="http://schemas.microsoft.com/office/powerpoint/2015/main" val="1"/>
+                <p16:designElem xmlns:p16="http://schemas.microsoft.com/office/powerpoint/2015/main" val="1"/>
               </p:ext>
             </p:extLst>
           </p:nvPr>
@@ -4209,7 +4197,7 @@
           <p:cNvPr id="6" name="Picture 5">
             <a:extLst>
               <a:ext uri="{FF2B5EF4-FFF2-40B4-BE49-F238E27FC236}">
-                <a16:creationId xmlns="" xmlns:a16="http://schemas.microsoft.com/office/drawing/2014/main" id="{F1A8C364-94D4-4630-BAD0-78722F347055}"/>
+                <a16:creationId xmlns:a16="http://schemas.microsoft.com/office/drawing/2014/main" id="{F1A8C364-94D4-4630-BAD0-78722F347055}"/>
               </a:ext>
             </a:extLst>
           </p:cNvPr>
@@ -4238,7 +4226,7 @@
           <p:cNvPr id="5" name="Picture 4">
             <a:extLst>
               <a:ext uri="{FF2B5EF4-FFF2-40B4-BE49-F238E27FC236}">
-                <a16:creationId xmlns="" xmlns:a16="http://schemas.microsoft.com/office/drawing/2014/main" id="{2DF2DA5F-92AD-4BB3-A745-CA1ECB503B1F}"/>
+                <a16:creationId xmlns:a16="http://schemas.microsoft.com/office/drawing/2014/main" id="{2DF2DA5F-92AD-4BB3-A745-CA1ECB503B1F}"/>
               </a:ext>
             </a:extLst>
           </p:cNvPr>
@@ -4266,20 +4254,13 @@
     </p:spTree>
     <p:extLst>
       <p:ext uri="{BB962C8B-B14F-4D97-AF65-F5344CB8AC3E}">
-        <p14:creationId xmlns="" xmlns:p14="http://schemas.microsoft.com/office/powerpoint/2010/main" val="2475805559"/>
+        <p14:creationId xmlns:p14="http://schemas.microsoft.com/office/powerpoint/2010/main" val="2475805559"/>
       </p:ext>
     </p:extLst>
   </p:cSld>
   <p:clrMapOvr>
     <a:masterClrMapping/>
   </p:clrMapOvr>
-  <p:timing>
-    <p:tnLst>
-      <p:par>
-        <p:cTn id="1" dur="indefinite" restart="never" nodeType="tmRoot"/>
-      </p:par>
-    </p:tnLst>
-  </p:timing>
 </p:sld>
 </file>
 
@@ -4305,7 +4286,7 @@
           <p:cNvPr id="2" name="Title 1">
             <a:extLst>
               <a:ext uri="{FF2B5EF4-FFF2-40B4-BE49-F238E27FC236}">
-                <a16:creationId xmlns="" xmlns:a16="http://schemas.microsoft.com/office/drawing/2014/main" id="{9B8A52B3-BB66-42EA-ADE2-07AE6302E721}"/>
+                <a16:creationId xmlns:a16="http://schemas.microsoft.com/office/drawing/2014/main" id="{9B8A52B3-BB66-42EA-ADE2-07AE6302E721}"/>
               </a:ext>
             </a:extLst>
           </p:cNvPr>
@@ -4361,7 +4342,7 @@
           <p:cNvPr id="4" name="Picture 3">
             <a:extLst>
               <a:ext uri="{FF2B5EF4-FFF2-40B4-BE49-F238E27FC236}">
-                <a16:creationId xmlns="" xmlns:a16="http://schemas.microsoft.com/office/drawing/2014/main" id="{AAA9D7D6-1B97-4854-BA9A-EFD9317ACB30}"/>
+                <a16:creationId xmlns:a16="http://schemas.microsoft.com/office/drawing/2014/main" id="{AAA9D7D6-1B97-4854-BA9A-EFD9317ACB30}"/>
               </a:ext>
             </a:extLst>
           </p:cNvPr>
@@ -4391,7 +4372,7 @@
           <p:cNvPr id="5" name="TextBox 4">
             <a:extLst>
               <a:ext uri="{FF2B5EF4-FFF2-40B4-BE49-F238E27FC236}">
-                <a16:creationId xmlns="" xmlns:a16="http://schemas.microsoft.com/office/drawing/2014/main" id="{902EC33E-F7C3-4CFF-8DE4-B7A96777CD52}"/>
+                <a16:creationId xmlns:a16="http://schemas.microsoft.com/office/drawing/2014/main" id="{902EC33E-F7C3-4CFF-8DE4-B7A96777CD52}"/>
               </a:ext>
             </a:extLst>
           </p:cNvPr>
@@ -4435,7 +4416,7 @@
           <p:cNvPr id="6" name="Picture 5">
             <a:extLst>
               <a:ext uri="{FF2B5EF4-FFF2-40B4-BE49-F238E27FC236}">
-                <a16:creationId xmlns="" xmlns:a16="http://schemas.microsoft.com/office/drawing/2014/main" id="{66939B56-B43E-4F80-9A70-BEDBC9414853}"/>
+                <a16:creationId xmlns:a16="http://schemas.microsoft.com/office/drawing/2014/main" id="{66939B56-B43E-4F80-9A70-BEDBC9414853}"/>
               </a:ext>
             </a:extLst>
           </p:cNvPr>
@@ -4463,7 +4444,7 @@
     </p:spTree>
     <p:extLst>
       <p:ext uri="{BB962C8B-B14F-4D97-AF65-F5344CB8AC3E}">
-        <p14:creationId xmlns="" xmlns:p14="http://schemas.microsoft.com/office/powerpoint/2010/main" val="2531434088"/>
+        <p14:creationId xmlns:p14="http://schemas.microsoft.com/office/powerpoint/2010/main" val="2531434088"/>
       </p:ext>
     </p:extLst>
   </p:cSld>
@@ -4495,7 +4476,7 @@
           <p:cNvPr id="2" name="Title 1">
             <a:extLst>
               <a:ext uri="{FF2B5EF4-FFF2-40B4-BE49-F238E27FC236}">
-                <a16:creationId xmlns="" xmlns:a16="http://schemas.microsoft.com/office/drawing/2014/main" id="{B332D024-7CF7-40A7-8F6F-984DC362FDF1}"/>
+                <a16:creationId xmlns:a16="http://schemas.microsoft.com/office/drawing/2014/main" id="{B332D024-7CF7-40A7-8F6F-984DC362FDF1}"/>
               </a:ext>
             </a:extLst>
           </p:cNvPr>
@@ -4523,7 +4504,7 @@
           <p:cNvPr id="3" name="Content Placeholder 2">
             <a:extLst>
               <a:ext uri="{FF2B5EF4-FFF2-40B4-BE49-F238E27FC236}">
-                <a16:creationId xmlns="" xmlns:a16="http://schemas.microsoft.com/office/drawing/2014/main" id="{1361F634-45EC-4A65-94AE-CFEB178B8661}"/>
+                <a16:creationId xmlns:a16="http://schemas.microsoft.com/office/drawing/2014/main" id="{1361F634-45EC-4A65-94AE-CFEB178B8661}"/>
               </a:ext>
             </a:extLst>
           </p:cNvPr>
@@ -4545,7 +4526,7 @@
           <a:lstStyle/>
           <a:p>
             <a:r>
-              <a:rPr lang="en-US" b="0" i="0" dirty="0" smtClean="0">
+              <a:rPr lang="en-US" b="0" i="0" dirty="0">
                 <a:solidFill>
                   <a:srgbClr val="24292E"/>
                 </a:solidFill>
@@ -4555,7 +4536,7 @@
               <a:t>The protocol can be used as either of the 4 different types of </a:t>
             </a:r>
             <a:r>
-              <a:rPr lang="en-US" b="0" i="0" dirty="0" err="1" smtClean="0">
+              <a:rPr lang="en-US" b="0" i="0" dirty="0" err="1">
                 <a:solidFill>
                   <a:srgbClr val="24292E"/>
                 </a:solidFill>
@@ -4565,7 +4546,7 @@
               <a:t>Blockchain</a:t>
             </a:r>
             <a:r>
-              <a:rPr lang="en-US" dirty="0" smtClean="0">
+              <a:rPr lang="en-US" dirty="0">
                 <a:solidFill>
                   <a:srgbClr val="24292E"/>
                 </a:solidFill>
@@ -4576,7 +4557,7 @@
           </a:p>
           <a:p>
             <a:r>
-              <a:rPr lang="en-IN" b="0" i="0" dirty="0" smtClean="0">
+              <a:rPr lang="en-IN" b="0" i="0" dirty="0">
                 <a:solidFill>
                   <a:srgbClr val="24292E"/>
                 </a:solidFill>
@@ -4586,7 +4567,7 @@
               <a:t>Both the business models can be implemented </a:t>
             </a:r>
             <a:r>
-              <a:rPr lang="en-IN" b="0" i="0" dirty="0" smtClean="0">
+              <a:rPr lang="en-IN" b="0" i="0" dirty="0">
                 <a:solidFill>
                   <a:srgbClr val="24292E"/>
                 </a:solidFill>
@@ -4597,7 +4578,7 @@
               <a:t> “</a:t>
             </a:r>
             <a:r>
-              <a:rPr lang="en-IN" b="1" i="0" dirty="0" smtClean="0">
+              <a:rPr lang="en-IN" b="1" i="0" dirty="0">
                 <a:solidFill>
                   <a:srgbClr val="24292E"/>
                 </a:solidFill>
@@ -4608,7 +4589,7 @@
               <a:t>Pay as per use</a:t>
             </a:r>
             <a:r>
-              <a:rPr lang="en-IN" b="0" i="0" dirty="0" smtClean="0">
+              <a:rPr lang="en-IN" b="0" i="0" dirty="0">
                 <a:solidFill>
                   <a:srgbClr val="24292E"/>
                 </a:solidFill>
@@ -4619,7 +4600,7 @@
               <a:t>” &amp; “</a:t>
             </a:r>
             <a:r>
-              <a:rPr lang="en-IN" b="1" i="0" dirty="0" smtClean="0">
+              <a:rPr lang="en-IN" b="1" i="0" dirty="0">
                 <a:solidFill>
                   <a:srgbClr val="24292E"/>
                 </a:solidFill>
@@ -4630,7 +4611,7 @@
               <a:t>One time investment  by investors</a:t>
             </a:r>
             <a:r>
-              <a:rPr lang="en-IN" b="0" i="0" dirty="0" smtClean="0">
+              <a:rPr lang="en-IN" b="0" i="0" dirty="0">
                 <a:solidFill>
                   <a:srgbClr val="24292E"/>
                 </a:solidFill>
@@ -4667,7 +4648,7 @@
           <p:cNvPr id="5" name="Picture 4">
             <a:extLst>
               <a:ext uri="{FF2B5EF4-FFF2-40B4-BE49-F238E27FC236}">
-                <a16:creationId xmlns="" xmlns:a16="http://schemas.microsoft.com/office/drawing/2014/main" id="{F537BEB0-FF60-41FD-BF15-88BEB38D8587}"/>
+                <a16:creationId xmlns:a16="http://schemas.microsoft.com/office/drawing/2014/main" id="{F537BEB0-FF60-41FD-BF15-88BEB38D8587}"/>
               </a:ext>
             </a:extLst>
           </p:cNvPr>
@@ -4695,7 +4676,7 @@
     </p:spTree>
     <p:extLst>
       <p:ext uri="{BB962C8B-B14F-4D97-AF65-F5344CB8AC3E}">
-        <p14:creationId xmlns="" xmlns:p14="http://schemas.microsoft.com/office/powerpoint/2010/main" val="588069994"/>
+        <p14:creationId xmlns:p14="http://schemas.microsoft.com/office/powerpoint/2010/main" val="588069994"/>
       </p:ext>
     </p:extLst>
   </p:cSld>
@@ -4727,7 +4708,7 @@
           <p:cNvPr id="2" name="Title 1">
             <a:extLst>
               <a:ext uri="{FF2B5EF4-FFF2-40B4-BE49-F238E27FC236}">
-                <a16:creationId xmlns="" xmlns:a16="http://schemas.microsoft.com/office/drawing/2014/main" id="{DBC6775C-1BF0-434F-A429-28C52C8BEFD7}"/>
+                <a16:creationId xmlns:a16="http://schemas.microsoft.com/office/drawing/2014/main" id="{DBC6775C-1BF0-434F-A429-28C52C8BEFD7}"/>
               </a:ext>
             </a:extLst>
           </p:cNvPr>
@@ -4761,10 +4742,6 @@
                 </a:solidFill>
               </a:rPr>
               <a:t>Block Explorer</a:t>
-            </a:r>
-            <a:r>
-              <a:rPr lang="en-US" sz="3200" dirty="0"/>
-              <a:t/>
             </a:r>
             <a:br>
               <a:rPr lang="en-US" sz="3200" dirty="0"/>
@@ -4785,7 +4762,7 @@
           <p:cNvPr id="3" name="Picture 2">
             <a:extLst>
               <a:ext uri="{FF2B5EF4-FFF2-40B4-BE49-F238E27FC236}">
-                <a16:creationId xmlns="" xmlns:a16="http://schemas.microsoft.com/office/drawing/2014/main" id="{23290E1D-59B3-445E-8085-B4BA2CF51FB1}"/>
+                <a16:creationId xmlns:a16="http://schemas.microsoft.com/office/drawing/2014/main" id="{23290E1D-59B3-445E-8085-B4BA2CF51FB1}"/>
               </a:ext>
             </a:extLst>
           </p:cNvPr>
@@ -4813,7 +4790,7 @@
     </p:spTree>
     <p:extLst>
       <p:ext uri="{BB962C8B-B14F-4D97-AF65-F5344CB8AC3E}">
-        <p14:creationId xmlns="" xmlns:p14="http://schemas.microsoft.com/office/powerpoint/2010/main" val="3315502033"/>
+        <p14:creationId xmlns:p14="http://schemas.microsoft.com/office/powerpoint/2010/main" val="3315502033"/>
       </p:ext>
     </p:extLst>
   </p:cSld>
@@ -4846,7 +4823,7 @@
             <a:hlinkClick r:id="rId2"/>
             <a:extLst>
               <a:ext uri="{FF2B5EF4-FFF2-40B4-BE49-F238E27FC236}">
-                <a16:creationId xmlns="" xmlns:a16="http://schemas.microsoft.com/office/drawing/2014/main" id="{63816459-461E-4B4F-81FA-AF665B4B7FBF}"/>
+                <a16:creationId xmlns:a16="http://schemas.microsoft.com/office/drawing/2014/main" id="{63816459-461E-4B4F-81FA-AF665B4B7FBF}"/>
               </a:ext>
             </a:extLst>
           </p:cNvPr>
@@ -4875,7 +4852,7 @@
           <p:cNvPr id="4" name="Picture 3">
             <a:extLst>
               <a:ext uri="{FF2B5EF4-FFF2-40B4-BE49-F238E27FC236}">
-                <a16:creationId xmlns="" xmlns:a16="http://schemas.microsoft.com/office/drawing/2014/main" id="{448DD441-D7B1-4AAC-90BF-1D766109F833}"/>
+                <a16:creationId xmlns:a16="http://schemas.microsoft.com/office/drawing/2014/main" id="{448DD441-D7B1-4AAC-90BF-1D766109F833}"/>
               </a:ext>
             </a:extLst>
           </p:cNvPr>
@@ -4903,7 +4880,7 @@
     </p:spTree>
     <p:extLst>
       <p:ext uri="{BB962C8B-B14F-4D97-AF65-F5344CB8AC3E}">
-        <p14:creationId xmlns="" xmlns:p14="http://schemas.microsoft.com/office/powerpoint/2010/main" val="13144033"/>
+        <p14:creationId xmlns:p14="http://schemas.microsoft.com/office/powerpoint/2010/main" val="13144033"/>
       </p:ext>
     </p:extLst>
   </p:cSld>
@@ -4935,7 +4912,7 @@
           <p:cNvPr id="2" name="Title 1">
             <a:extLst>
               <a:ext uri="{FF2B5EF4-FFF2-40B4-BE49-F238E27FC236}">
-                <a16:creationId xmlns="" xmlns:a16="http://schemas.microsoft.com/office/drawing/2014/main" id="{DBC6775C-1BF0-434F-A429-28C52C8BEFD7}"/>
+                <a16:creationId xmlns:a16="http://schemas.microsoft.com/office/drawing/2014/main" id="{DBC6775C-1BF0-434F-A429-28C52C8BEFD7}"/>
               </a:ext>
             </a:extLst>
           </p:cNvPr>
@@ -4960,7 +4937,7 @@
           <a:p>
             <a:pPr algn="ctr"/>
             <a:r>
-              <a:rPr lang="en-US" sz="4400" dirty="0" smtClean="0">
+              <a:rPr lang="en-US" sz="4400" dirty="0">
                 <a:solidFill>
                   <a:schemeClr val="tx1">
                     <a:lumMod val="50000"/>
@@ -4970,14 +4947,6 @@
               </a:rPr>
               <a:t>Applications</a:t>
             </a:r>
-            <a:endParaRPr lang="en-US" sz="4400" dirty="0">
-              <a:solidFill>
-                <a:schemeClr val="tx1">
-                  <a:lumMod val="50000"/>
-                  <a:lumOff val="50000"/>
-                </a:schemeClr>
-              </a:solidFill>
-            </a:endParaRPr>
           </a:p>
         </p:txBody>
       </p:sp>
@@ -4986,7 +4955,7 @@
           <p:cNvPr id="3" name="Picture 2">
             <a:extLst>
               <a:ext uri="{FF2B5EF4-FFF2-40B4-BE49-F238E27FC236}">
-                <a16:creationId xmlns="" xmlns:a16="http://schemas.microsoft.com/office/drawing/2014/main" id="{23290E1D-59B3-445E-8085-B4BA2CF51FB1}"/>
+                <a16:creationId xmlns:a16="http://schemas.microsoft.com/office/drawing/2014/main" id="{23290E1D-59B3-445E-8085-B4BA2CF51FB1}"/>
               </a:ext>
             </a:extLst>
           </p:cNvPr>
@@ -5014,7 +4983,7 @@
     </p:spTree>
     <p:extLst>
       <p:ext uri="{BB962C8B-B14F-4D97-AF65-F5344CB8AC3E}">
-        <p14:creationId xmlns="" xmlns:p14="http://schemas.microsoft.com/office/powerpoint/2010/main" val="3315502033"/>
+        <p14:creationId xmlns:p14="http://schemas.microsoft.com/office/powerpoint/2010/main" val="3315502033"/>
       </p:ext>
     </p:extLst>
   </p:cSld>
@@ -5090,7 +5059,7 @@
             <p:cNvPr id="4" name="TextBox 3">
               <a:extLst>
                 <a:ext uri="{FF2B5EF4-FFF2-40B4-BE49-F238E27FC236}">
-                  <a16:creationId xmlns="" xmlns:a16="http://schemas.microsoft.com/office/drawing/2014/main" id="{9674CE2F-8E4B-4E87-8AD5-2A4452B2662D}"/>
+                  <a16:creationId xmlns:a16="http://schemas.microsoft.com/office/drawing/2014/main" id="{9674CE2F-8E4B-4E87-8AD5-2A4452B2662D}"/>
                 </a:ext>
               </a:extLst>
             </p:cNvPr>
@@ -5203,7 +5172,7 @@
           <p:cNvPr id="2" name="Title 1">
             <a:extLst>
               <a:ext uri="{FF2B5EF4-FFF2-40B4-BE49-F238E27FC236}">
-                <a16:creationId xmlns="" xmlns:a16="http://schemas.microsoft.com/office/drawing/2014/main" id="{5E562972-3449-42D1-8185-B4BEFD52AB44}"/>
+                <a16:creationId xmlns:a16="http://schemas.microsoft.com/office/drawing/2014/main" id="{5E562972-3449-42D1-8185-B4BEFD52AB44}"/>
               </a:ext>
             </a:extLst>
           </p:cNvPr>
@@ -5236,7 +5205,7 @@
           <p:cNvPr id="5" name="Content Placeholder 4">
             <a:extLst>
               <a:ext uri="{FF2B5EF4-FFF2-40B4-BE49-F238E27FC236}">
-                <a16:creationId xmlns="" xmlns:a16="http://schemas.microsoft.com/office/drawing/2014/main" id="{926AD263-543C-4FCA-8623-005292E20604}"/>
+                <a16:creationId xmlns:a16="http://schemas.microsoft.com/office/drawing/2014/main" id="{926AD263-543C-4FCA-8623-005292E20604}"/>
               </a:ext>
             </a:extLst>
           </p:cNvPr>
@@ -5260,340 +5229,289 @@
           <a:lstStyle/>
           <a:p>
             <a:r>
-              <a:rPr lang="en-US" dirty="0" smtClean="0">
+              <a:rPr lang="en-US" dirty="0">
                 <a:hlinkClick r:id="rId2" action="ppaction://hlinksldjump"/>
               </a:rPr>
               <a:t>Overview</a:t>
             </a:r>
-            <a:r>
-              <a:rPr lang="en-US" dirty="0" smtClean="0"/>
-              <a:t/>
-            </a:r>
             <a:br>
-              <a:rPr lang="en-US" dirty="0" smtClean="0"/>
+              <a:rPr lang="en-US" dirty="0"/>
             </a:br>
             <a:r>
-              <a:rPr lang="en-US" dirty="0" smtClean="0">
+              <a:rPr lang="en-US" dirty="0">
                 <a:latin typeface="Aparajita" pitchFamily="18" charset="0"/>
                 <a:cs typeface="Aparajita" pitchFamily="18" charset="0"/>
               </a:rPr>
               <a:t>- Two General’s Problem</a:t>
             </a:r>
             <a:br>
-              <a:rPr lang="en-US" dirty="0" smtClean="0">
+              <a:rPr lang="en-US" dirty="0">
                 <a:latin typeface="Aparajita" pitchFamily="18" charset="0"/>
                 <a:cs typeface="Aparajita" pitchFamily="18" charset="0"/>
               </a:rPr>
             </a:br>
             <a:r>
-              <a:rPr lang="en-US" dirty="0" smtClean="0">
+              <a:rPr lang="en-US" dirty="0">
                 <a:latin typeface="Aparajita" pitchFamily="18" charset="0"/>
                 <a:cs typeface="Aparajita" pitchFamily="18" charset="0"/>
               </a:rPr>
               <a:t>- </a:t>
             </a:r>
             <a:r>
-              <a:rPr lang="en-US" dirty="0" err="1" smtClean="0">
+              <a:rPr lang="en-US" dirty="0" err="1">
                 <a:latin typeface="Aparajita" pitchFamily="18" charset="0"/>
                 <a:cs typeface="Aparajita" pitchFamily="18" charset="0"/>
               </a:rPr>
               <a:t>Blockchain</a:t>
             </a:r>
-            <a:r>
-              <a:rPr lang="en-US" dirty="0" smtClean="0">
-                <a:latin typeface="Aparajita" pitchFamily="18" charset="0"/>
-                <a:cs typeface="Aparajita" pitchFamily="18" charset="0"/>
-              </a:rPr>
-              <a:t/>
-            </a:r>
             <a:br>
-              <a:rPr lang="en-US" dirty="0" smtClean="0">
+              <a:rPr lang="en-US" dirty="0">
                 <a:latin typeface="Aparajita" pitchFamily="18" charset="0"/>
                 <a:cs typeface="Aparajita" pitchFamily="18" charset="0"/>
               </a:rPr>
             </a:br>
             <a:r>
-              <a:rPr lang="en-US" dirty="0" smtClean="0">
+              <a:rPr lang="en-US" dirty="0">
                 <a:latin typeface="Aparajita" pitchFamily="18" charset="0"/>
                 <a:cs typeface="Aparajita" pitchFamily="18" charset="0"/>
               </a:rPr>
               <a:t>- Consensus</a:t>
             </a:r>
             <a:br>
-              <a:rPr lang="en-US" dirty="0" smtClean="0">
+              <a:rPr lang="en-US" dirty="0">
                 <a:latin typeface="Aparajita" pitchFamily="18" charset="0"/>
                 <a:cs typeface="Aparajita" pitchFamily="18" charset="0"/>
               </a:rPr>
             </a:br>
             <a:r>
-              <a:rPr lang="en-US" dirty="0" smtClean="0">
+              <a:rPr lang="en-US" dirty="0">
                 <a:latin typeface="Aparajita" pitchFamily="18" charset="0"/>
                 <a:cs typeface="Aparajita" pitchFamily="18" charset="0"/>
               </a:rPr>
               <a:t>- </a:t>
             </a:r>
             <a:r>
-              <a:rPr lang="en-US" dirty="0" err="1" smtClean="0">
+              <a:rPr lang="en-US" dirty="0" err="1">
                 <a:latin typeface="Aparajita" pitchFamily="18" charset="0"/>
                 <a:cs typeface="Aparajita" pitchFamily="18" charset="0"/>
               </a:rPr>
               <a:t>Cryptocurrency</a:t>
             </a:r>
-            <a:r>
-              <a:rPr lang="en-US" dirty="0" smtClean="0">
-                <a:latin typeface="Aparajita" pitchFamily="18" charset="0"/>
-                <a:cs typeface="Aparajita" pitchFamily="18" charset="0"/>
-              </a:rPr>
-              <a:t/>
-            </a:r>
             <a:br>
-              <a:rPr lang="en-US" dirty="0" smtClean="0">
+              <a:rPr lang="en-US" dirty="0">
                 <a:latin typeface="Aparajita" pitchFamily="18" charset="0"/>
                 <a:cs typeface="Aparajita" pitchFamily="18" charset="0"/>
               </a:rPr>
             </a:br>
             <a:r>
-              <a:rPr lang="en-US" dirty="0" smtClean="0">
+              <a:rPr lang="en-US" dirty="0">
                 <a:latin typeface="Aparajita" pitchFamily="18" charset="0"/>
                 <a:cs typeface="Aparajita" pitchFamily="18" charset="0"/>
               </a:rPr>
               <a:t>- ETH </a:t>
             </a:r>
             <a:r>
-              <a:rPr lang="en-US" dirty="0" err="1" smtClean="0">
+              <a:rPr lang="en-US" dirty="0" err="1">
                 <a:latin typeface="Aparajita" pitchFamily="18" charset="0"/>
                 <a:cs typeface="Aparajita" pitchFamily="18" charset="0"/>
               </a:rPr>
               <a:t>vs</a:t>
             </a:r>
             <a:r>
-              <a:rPr lang="en-US" dirty="0" smtClean="0">
+              <a:rPr lang="en-US" dirty="0">
                 <a:latin typeface="Aparajita" pitchFamily="18" charset="0"/>
                 <a:cs typeface="Aparajita" pitchFamily="18" charset="0"/>
               </a:rPr>
               <a:t> EOS</a:t>
             </a:r>
             <a:br>
-              <a:rPr lang="en-US" dirty="0" smtClean="0">
+              <a:rPr lang="en-US" dirty="0">
                 <a:latin typeface="Aparajita" pitchFamily="18" charset="0"/>
                 <a:cs typeface="Aparajita" pitchFamily="18" charset="0"/>
               </a:rPr>
             </a:br>
             <a:r>
-              <a:rPr lang="en-US" dirty="0" smtClean="0">
+              <a:rPr lang="en-US" dirty="0">
                 <a:latin typeface="Aparajita" pitchFamily="18" charset="0"/>
                 <a:cs typeface="Aparajita" pitchFamily="18" charset="0"/>
               </a:rPr>
               <a:t>- Why EOSIO?</a:t>
             </a:r>
-            <a:endParaRPr lang="en-US" dirty="0">
-              <a:latin typeface="Aparajita" pitchFamily="18" charset="0"/>
-              <a:cs typeface="Aparajita" pitchFamily="18" charset="0"/>
-            </a:endParaRPr>
           </a:p>
           <a:p>
             <a:r>
               <a:rPr lang="en-US" dirty="0">
                 <a:hlinkClick r:id="rId3" action="ppaction://hlinksldjump"/>
               </a:rPr>
-              <a:t>Block </a:t>
-            </a:r>
-            <a:r>
-              <a:rPr lang="en-US" dirty="0" smtClean="0">
-                <a:hlinkClick r:id="rId3" action="ppaction://hlinksldjump"/>
-              </a:rPr>
-              <a:t>Explorer</a:t>
-            </a:r>
-            <a:r>
-              <a:rPr lang="en-US" dirty="0" smtClean="0"/>
-              <a:t/>
+              <a:t>Block Explorer</a:t>
             </a:r>
             <a:br>
-              <a:rPr lang="en-US" dirty="0" smtClean="0"/>
+              <a:rPr lang="en-US" dirty="0"/>
             </a:br>
             <a:r>
-              <a:rPr lang="en-US" dirty="0" smtClean="0">
+              <a:rPr lang="en-US" dirty="0">
                 <a:latin typeface="Aparajita" pitchFamily="18" charset="0"/>
                 <a:cs typeface="Aparajita" pitchFamily="18" charset="0"/>
               </a:rPr>
               <a:t>- Producer/Miner/</a:t>
             </a:r>
             <a:r>
-              <a:rPr lang="en-US" dirty="0" err="1" smtClean="0">
+              <a:rPr lang="en-US" dirty="0" err="1">
                 <a:latin typeface="Aparajita" pitchFamily="18" charset="0"/>
                 <a:cs typeface="Aparajita" pitchFamily="18" charset="0"/>
               </a:rPr>
               <a:t>Validator</a:t>
             </a:r>
-            <a:r>
-              <a:rPr lang="en-US" dirty="0" smtClean="0">
-                <a:latin typeface="Aparajita" pitchFamily="18" charset="0"/>
-                <a:cs typeface="Aparajita" pitchFamily="18" charset="0"/>
-              </a:rPr>
-              <a:t/>
-            </a:r>
             <a:br>
-              <a:rPr lang="en-US" dirty="0" smtClean="0">
+              <a:rPr lang="en-US" dirty="0">
                 <a:latin typeface="Aparajita" pitchFamily="18" charset="0"/>
                 <a:cs typeface="Aparajita" pitchFamily="18" charset="0"/>
               </a:rPr>
             </a:br>
             <a:r>
-              <a:rPr lang="en-US" dirty="0" smtClean="0">
+              <a:rPr lang="en-US" dirty="0">
                 <a:latin typeface="Aparajita" pitchFamily="18" charset="0"/>
                 <a:cs typeface="Aparajita" pitchFamily="18" charset="0"/>
               </a:rPr>
               <a:t>- Blocks</a:t>
             </a:r>
             <a:br>
-              <a:rPr lang="en-US" dirty="0" smtClean="0">
+              <a:rPr lang="en-US" dirty="0">
                 <a:latin typeface="Aparajita" pitchFamily="18" charset="0"/>
                 <a:cs typeface="Aparajita" pitchFamily="18" charset="0"/>
               </a:rPr>
             </a:br>
             <a:r>
-              <a:rPr lang="en-US" dirty="0" smtClean="0">
+              <a:rPr lang="en-US" dirty="0">
                 <a:latin typeface="Aparajita" pitchFamily="18" charset="0"/>
                 <a:cs typeface="Aparajita" pitchFamily="18" charset="0"/>
               </a:rPr>
               <a:t>- Transactions</a:t>
             </a:r>
             <a:br>
-              <a:rPr lang="en-US" dirty="0" smtClean="0">
+              <a:rPr lang="en-US" dirty="0">
                 <a:latin typeface="Aparajita" pitchFamily="18" charset="0"/>
                 <a:cs typeface="Aparajita" pitchFamily="18" charset="0"/>
               </a:rPr>
             </a:br>
             <a:r>
-              <a:rPr lang="en-US" dirty="0" smtClean="0">
+              <a:rPr lang="en-US" dirty="0">
                 <a:latin typeface="Aparajita" pitchFamily="18" charset="0"/>
                 <a:cs typeface="Aparajita" pitchFamily="18" charset="0"/>
               </a:rPr>
               <a:t>- Activity</a:t>
             </a:r>
             <a:br>
-              <a:rPr lang="en-US" dirty="0" smtClean="0">
+              <a:rPr lang="en-US" dirty="0">
                 <a:latin typeface="Aparajita" pitchFamily="18" charset="0"/>
                 <a:cs typeface="Aparajita" pitchFamily="18" charset="0"/>
               </a:rPr>
             </a:br>
             <a:r>
-              <a:rPr lang="en-US" dirty="0" smtClean="0">
+              <a:rPr lang="en-US" dirty="0">
                 <a:latin typeface="Aparajita" pitchFamily="18" charset="0"/>
                 <a:cs typeface="Aparajita" pitchFamily="18" charset="0"/>
               </a:rPr>
               <a:t>- Incentives</a:t>
             </a:r>
-            <a:endParaRPr lang="en-US" dirty="0">
-              <a:latin typeface="Aparajita" pitchFamily="18" charset="0"/>
-              <a:cs typeface="Aparajita" pitchFamily="18" charset="0"/>
-            </a:endParaRPr>
-          </a:p>
-          <a:p>
-            <a:r>
-              <a:rPr lang="en-US" dirty="0" smtClean="0">
+          </a:p>
+          <a:p>
+            <a:r>
+              <a:rPr lang="en-US" dirty="0">
                 <a:hlinkClick r:id="rId4" action="ppaction://hlinksldjump"/>
               </a:rPr>
               <a:t>Applications</a:t>
             </a:r>
-            <a:r>
-              <a:rPr lang="en-US" dirty="0" smtClean="0"/>
-              <a:t/>
-            </a:r>
             <a:br>
-              <a:rPr lang="en-US" dirty="0" smtClean="0"/>
+              <a:rPr lang="en-US" dirty="0"/>
             </a:br>
             <a:r>
-              <a:rPr lang="en-US" dirty="0" smtClean="0">
+              <a:rPr lang="en-US" dirty="0">
                 <a:latin typeface="Aparajita" pitchFamily="18" charset="0"/>
                 <a:cs typeface="Aparajita" pitchFamily="18" charset="0"/>
               </a:rPr>
               <a:t>- Banking</a:t>
             </a:r>
             <a:br>
-              <a:rPr lang="en-US" dirty="0" smtClean="0">
+              <a:rPr lang="en-US" dirty="0">
                 <a:latin typeface="Aparajita" pitchFamily="18" charset="0"/>
                 <a:cs typeface="Aparajita" pitchFamily="18" charset="0"/>
               </a:rPr>
             </a:br>
             <a:r>
-              <a:rPr lang="en-US" dirty="0" smtClean="0">
+              <a:rPr lang="en-US" dirty="0">
                 <a:latin typeface="Aparajita" pitchFamily="18" charset="0"/>
                 <a:cs typeface="Aparajita" pitchFamily="18" charset="0"/>
               </a:rPr>
               <a:t>- Real Estate</a:t>
             </a:r>
             <a:br>
-              <a:rPr lang="en-US" dirty="0" smtClean="0">
+              <a:rPr lang="en-US" dirty="0">
                 <a:latin typeface="Aparajita" pitchFamily="18" charset="0"/>
                 <a:cs typeface="Aparajita" pitchFamily="18" charset="0"/>
               </a:rPr>
             </a:br>
             <a:r>
-              <a:rPr lang="en-US" dirty="0" smtClean="0">
+              <a:rPr lang="en-US" dirty="0">
                 <a:latin typeface="Aparajita" pitchFamily="18" charset="0"/>
                 <a:cs typeface="Aparajita" pitchFamily="18" charset="0"/>
               </a:rPr>
               <a:t>- Logistics</a:t>
             </a:r>
             <a:br>
-              <a:rPr lang="en-US" dirty="0" smtClean="0">
+              <a:rPr lang="en-US" dirty="0">
                 <a:latin typeface="Aparajita" pitchFamily="18" charset="0"/>
                 <a:cs typeface="Aparajita" pitchFamily="18" charset="0"/>
               </a:rPr>
             </a:br>
             <a:r>
-              <a:rPr lang="en-US" dirty="0" smtClean="0">
+              <a:rPr lang="en-US" dirty="0">
                 <a:latin typeface="Aparajita" pitchFamily="18" charset="0"/>
                 <a:cs typeface="Aparajita" pitchFamily="18" charset="0"/>
               </a:rPr>
               <a:t>- Healthcare</a:t>
             </a:r>
             <a:br>
-              <a:rPr lang="en-US" dirty="0" smtClean="0">
+              <a:rPr lang="en-US" dirty="0">
                 <a:latin typeface="Aparajita" pitchFamily="18" charset="0"/>
                 <a:cs typeface="Aparajita" pitchFamily="18" charset="0"/>
               </a:rPr>
             </a:br>
             <a:r>
-              <a:rPr lang="en-US" dirty="0" smtClean="0">
+              <a:rPr lang="en-US" dirty="0">
                 <a:latin typeface="Aparajita" pitchFamily="18" charset="0"/>
                 <a:cs typeface="Aparajita" pitchFamily="18" charset="0"/>
               </a:rPr>
               <a:t>- Food delivery</a:t>
             </a:r>
             <a:br>
-              <a:rPr lang="en-US" dirty="0" smtClean="0">
+              <a:rPr lang="en-US" dirty="0">
                 <a:latin typeface="Aparajita" pitchFamily="18" charset="0"/>
                 <a:cs typeface="Aparajita" pitchFamily="18" charset="0"/>
               </a:rPr>
             </a:br>
             <a:r>
-              <a:rPr lang="en-US" dirty="0" smtClean="0">
+              <a:rPr lang="en-US" dirty="0">
                 <a:latin typeface="Aparajita" pitchFamily="18" charset="0"/>
                 <a:cs typeface="Aparajita" pitchFamily="18" charset="0"/>
               </a:rPr>
               <a:t>- Cab request</a:t>
             </a:r>
             <a:br>
-              <a:rPr lang="en-US" dirty="0" smtClean="0">
+              <a:rPr lang="en-US" dirty="0">
                 <a:latin typeface="Aparajita" pitchFamily="18" charset="0"/>
                 <a:cs typeface="Aparajita" pitchFamily="18" charset="0"/>
               </a:rPr>
             </a:br>
             <a:r>
-              <a:rPr lang="en-US" dirty="0" smtClean="0">
+              <a:rPr lang="en-US" dirty="0">
                 <a:latin typeface="Aparajita" pitchFamily="18" charset="0"/>
                 <a:cs typeface="Aparajita" pitchFamily="18" charset="0"/>
               </a:rPr>
               <a:t>- E-commerce</a:t>
             </a:r>
-            <a:r>
-              <a:rPr lang="en-US" dirty="0" smtClean="0"/>
-              <a:t/>
-            </a:r>
             <a:br>
-              <a:rPr lang="en-US" dirty="0" smtClean="0"/>
+              <a:rPr lang="en-US" dirty="0"/>
             </a:br>
             <a:endParaRPr lang="en-US" dirty="0"/>
           </a:p>
@@ -5607,7 +5525,7 @@
           <p:cNvPr id="4" name="Picture 3">
             <a:extLst>
               <a:ext uri="{FF2B5EF4-FFF2-40B4-BE49-F238E27FC236}">
-                <a16:creationId xmlns="" xmlns:a16="http://schemas.microsoft.com/office/drawing/2014/main" id="{CC39BCE5-6BEA-466E-BEFB-C39FA08D7DC7}"/>
+                <a16:creationId xmlns:a16="http://schemas.microsoft.com/office/drawing/2014/main" id="{CC39BCE5-6BEA-466E-BEFB-C39FA08D7DC7}"/>
               </a:ext>
             </a:extLst>
           </p:cNvPr>
@@ -5635,20 +5553,13 @@
     </p:spTree>
     <p:extLst>
       <p:ext uri="{BB962C8B-B14F-4D97-AF65-F5344CB8AC3E}">
-        <p14:creationId xmlns="" xmlns:p14="http://schemas.microsoft.com/office/powerpoint/2010/main" val="263784652"/>
+        <p14:creationId xmlns:p14="http://schemas.microsoft.com/office/powerpoint/2010/main" val="263784652"/>
       </p:ext>
     </p:extLst>
   </p:cSld>
   <p:clrMapOvr>
     <a:masterClrMapping/>
   </p:clrMapOvr>
-  <p:timing>
-    <p:tnLst>
-      <p:par>
-        <p:cTn id="1" dur="indefinite" restart="never" nodeType="tmRoot"/>
-      </p:par>
-    </p:tnLst>
-  </p:timing>
 </p:sld>
 </file>
 
@@ -5674,7 +5585,7 @@
           <p:cNvPr id="2" name="Title 1">
             <a:extLst>
               <a:ext uri="{FF2B5EF4-FFF2-40B4-BE49-F238E27FC236}">
-                <a16:creationId xmlns="" xmlns:a16="http://schemas.microsoft.com/office/drawing/2014/main" id="{DBC6775C-1BF0-434F-A429-28C52C8BEFD7}"/>
+                <a16:creationId xmlns:a16="http://schemas.microsoft.com/office/drawing/2014/main" id="{DBC6775C-1BF0-434F-A429-28C52C8BEFD7}"/>
               </a:ext>
             </a:extLst>
           </p:cNvPr>
@@ -5717,7 +5628,7 @@
           <p:cNvPr id="3" name="Picture 2">
             <a:extLst>
               <a:ext uri="{FF2B5EF4-FFF2-40B4-BE49-F238E27FC236}">
-                <a16:creationId xmlns="" xmlns:a16="http://schemas.microsoft.com/office/drawing/2014/main" id="{CDA99D69-C0AD-430E-8EFD-7CD800A1FCC0}"/>
+                <a16:creationId xmlns:a16="http://schemas.microsoft.com/office/drawing/2014/main" id="{CDA99D69-C0AD-430E-8EFD-7CD800A1FCC0}"/>
               </a:ext>
             </a:extLst>
           </p:cNvPr>
@@ -5745,20 +5656,13 @@
     </p:spTree>
     <p:extLst>
       <p:ext uri="{BB962C8B-B14F-4D97-AF65-F5344CB8AC3E}">
-        <p14:creationId xmlns="" xmlns:p14="http://schemas.microsoft.com/office/powerpoint/2010/main" val="3020031122"/>
+        <p14:creationId xmlns:p14="http://schemas.microsoft.com/office/powerpoint/2010/main" val="3020031122"/>
       </p:ext>
     </p:extLst>
   </p:cSld>
   <p:clrMapOvr>
     <a:masterClrMapping/>
   </p:clrMapOvr>
-  <p:timing>
-    <p:tnLst>
-      <p:par>
-        <p:cTn id="1" dur="indefinite" restart="never" nodeType="tmRoot"/>
-      </p:par>
-    </p:tnLst>
-  </p:timing>
 </p:sld>
 </file>
 
@@ -5795,7 +5699,7 @@
           <a:lstStyle/>
           <a:p>
             <a:r>
-              <a:rPr lang="en-IN" dirty="0" smtClean="0"/>
+              <a:rPr lang="en-IN" dirty="0"/>
               <a:t>Two General’s Problem</a:t>
             </a:r>
             <a:endParaRPr lang="en-US" dirty="0"/>
@@ -5822,7 +5726,30 @@
           <a:bodyPr/>
           <a:lstStyle/>
           <a:p>
-            <a:endParaRPr lang="en-US" dirty="0"/>
+            <a:r>
+              <a:rPr lang="en-US" dirty="0"/>
+              <a:t>Basically, there is a problem of consensus b/w the 2 armies.</a:t>
+            </a:r>
+          </a:p>
+          <a:p>
+            <a:r>
+              <a:rPr lang="en-US" dirty="0"/>
+              <a:t>Therefore, no sync ever.</a:t>
+            </a:r>
+          </a:p>
+          <a:p>
+            <a:r>
+              <a:rPr lang="en-US" dirty="0"/>
+              <a:t>Also, there is a problem of attack of messenger by 3</a:t>
+            </a:r>
+            <a:r>
+              <a:rPr lang="en-US" baseline="30000" dirty="0"/>
+              <a:t>rd</a:t>
+            </a:r>
+            <a:r>
+              <a:rPr lang="en-US" dirty="0"/>
+              <a:t> party.</a:t>
+            </a:r>
           </a:p>
         </p:txBody>
       </p:sp>
@@ -5831,7 +5758,7 @@
           <p:cNvPr id="4" name="Picture 2" descr="Image for post">
             <a:extLst>
               <a:ext uri="{FF2B5EF4-FFF2-40B4-BE49-F238E27FC236}">
-                <a16:creationId xmlns="" xmlns:a16="http://schemas.microsoft.com/office/drawing/2014/main" id="{4FC6EBF6-9E9B-4027-8418-B6DDB02DA89F}"/>
+                <a16:creationId xmlns:a16="http://schemas.microsoft.com/office/drawing/2014/main" id="{4FC6EBF6-9E9B-4027-8418-B6DDB02DA89F}"/>
               </a:ext>
             </a:extLst>
           </p:cNvPr>
@@ -5844,7 +5771,7 @@
           <a:blip r:embed="rId2">
             <a:extLst>
               <a:ext uri="{28A0092B-C50C-407E-A947-70E740481C1C}">
-                <a14:useLocalDpi xmlns="" xmlns:a14="http://schemas.microsoft.com/office/drawing/2010/main" val="0"/>
+                <a14:useLocalDpi xmlns:a14="http://schemas.microsoft.com/office/drawing/2010/main" val="0"/>
               </a:ext>
             </a:extLst>
           </a:blip>
@@ -5864,7 +5791,7 @@
           <a:noFill/>
           <a:extLst>
             <a:ext uri="{909E8E84-426E-40DD-AFC4-6F175D3DCCD1}">
-              <a14:hiddenFill xmlns="" xmlns:a14="http://schemas.microsoft.com/office/drawing/2010/main">
+              <a14:hiddenFill xmlns:a14="http://schemas.microsoft.com/office/drawing/2010/main">
                 <a:solidFill>
                   <a:srgbClr val="FFFFFF"/>
                 </a:solidFill>
@@ -5903,7 +5830,7 @@
           <p:cNvPr id="2" name="Title 1">
             <a:extLst>
               <a:ext uri="{FF2B5EF4-FFF2-40B4-BE49-F238E27FC236}">
-                <a16:creationId xmlns="" xmlns:a16="http://schemas.microsoft.com/office/drawing/2014/main" id="{1C618411-50A8-4BE8-AA9F-ADFDF09EFE42}"/>
+                <a16:creationId xmlns:a16="http://schemas.microsoft.com/office/drawing/2014/main" id="{1C618411-50A8-4BE8-AA9F-ADFDF09EFE42}"/>
               </a:ext>
             </a:extLst>
           </p:cNvPr>
@@ -5920,10 +5847,9 @@
           <a:lstStyle/>
           <a:p>
             <a:r>
-              <a:rPr lang="en-US" dirty="0" smtClean="0"/>
+              <a:rPr lang="en-US" dirty="0"/>
               <a:t>Blockchain</a:t>
             </a:r>
-            <a:endParaRPr lang="en-US" dirty="0"/>
           </a:p>
         </p:txBody>
       </p:sp>
@@ -5932,7 +5858,7 @@
           <p:cNvPr id="3" name="Content Placeholder 2">
             <a:extLst>
               <a:ext uri="{FF2B5EF4-FFF2-40B4-BE49-F238E27FC236}">
-                <a16:creationId xmlns="" xmlns:a16="http://schemas.microsoft.com/office/drawing/2014/main" id="{6D59F83B-DE4F-430A-9857-9FF87DC6F4FC}"/>
+                <a16:creationId xmlns:a16="http://schemas.microsoft.com/office/drawing/2014/main" id="{6D59F83B-DE4F-430A-9857-9FF87DC6F4FC}"/>
               </a:ext>
             </a:extLst>
           </p:cNvPr>
@@ -5945,8 +5871,8 @@
         </p:nvSpPr>
         <p:spPr>
           <a:xfrm>
-            <a:off x="581192" y="2340864"/>
-            <a:ext cx="6387779" cy="3634486"/>
+            <a:off x="581192" y="2003513"/>
+            <a:ext cx="6183592" cy="3634486"/>
           </a:xfrm>
         </p:spPr>
         <p:txBody>
@@ -5954,114 +5880,133 @@
           <a:lstStyle/>
           <a:p>
             <a:r>
-              <a:rPr lang="en-US" dirty="0" err="1" smtClean="0"/>
+              <a:rPr lang="en-US" dirty="0">
+                <a:solidFill>
+                  <a:schemeClr val="bg1"/>
+                </a:solidFill>
+                <a:highlight>
+                  <a:srgbClr val="FF0000"/>
+                </a:highlight>
+              </a:rPr>
               <a:t>Bitcoin</a:t>
             </a:r>
             <a:r>
-              <a:rPr lang="en-US" dirty="0" smtClean="0"/>
-              <a:t> is the first </a:t>
-            </a:r>
-            <a:r>
-              <a:rPr lang="en-US" dirty="0" err="1" smtClean="0"/>
-              <a:t>Blockchain</a:t>
-            </a:r>
-            <a:r>
-              <a:rPr lang="en-US" dirty="0" smtClean="0"/>
-              <a:t> launched in 2009.</a:t>
-            </a:r>
+              <a:rPr lang="en-US" dirty="0"/>
+              <a:t> is the first Blockchain launched in 2009 just after “global financial crisis”. It’s only use case was to transfer money. It’s also the slowest out of all networks.</a:t>
+            </a:r>
+          </a:p>
+          <a:p>
+            <a:r>
+              <a:rPr lang="en-US" dirty="0">
+                <a:solidFill>
+                  <a:schemeClr val="tx1"/>
+                </a:solidFill>
+              </a:rPr>
+              <a:t>The 1</a:t>
+            </a:r>
+            <a:r>
+              <a:rPr lang="en-US" baseline="30000" dirty="0">
+                <a:solidFill>
+                  <a:schemeClr val="tx1"/>
+                </a:solidFill>
+              </a:rPr>
+              <a:t>st</a:t>
+            </a:r>
+            <a:r>
+              <a:rPr lang="en-US" dirty="0">
+                <a:solidFill>
+                  <a:schemeClr val="tx1"/>
+                </a:solidFill>
+              </a:rPr>
+              <a:t> general purpose Blockchain – </a:t>
+            </a:r>
+            <a:r>
+              <a:rPr lang="en-US" dirty="0">
+                <a:solidFill>
+                  <a:schemeClr val="bg1"/>
+                </a:solidFill>
+                <a:highlight>
+                  <a:srgbClr val="000080"/>
+                </a:highlight>
+              </a:rPr>
+              <a:t>Ethereum</a:t>
+            </a:r>
+            <a:r>
+              <a:rPr lang="en-US" dirty="0">
+                <a:solidFill>
+                  <a:schemeClr val="tx1"/>
+                </a:solidFill>
+              </a:rPr>
+              <a:t> (whitepaper shown in 2013 &amp; released in 2015). Here, multiple </a:t>
+            </a:r>
+            <a:r>
+              <a:rPr lang="en-US" dirty="0" err="1">
+                <a:solidFill>
+                  <a:schemeClr val="tx1"/>
+                </a:solidFill>
+              </a:rPr>
+              <a:t>Dapps</a:t>
+            </a:r>
+            <a:r>
+              <a:rPr lang="en-US" dirty="0">
+                <a:solidFill>
+                  <a:schemeClr val="tx1"/>
+                </a:solidFill>
+              </a:rPr>
+              <a:t> can be deployed on top of it like Google’s </a:t>
+            </a:r>
+            <a:r>
+              <a:rPr lang="en-US" dirty="0" err="1">
+                <a:solidFill>
+                  <a:schemeClr val="tx1"/>
+                </a:solidFill>
+              </a:rPr>
+              <a:t>Playstore</a:t>
+            </a:r>
+            <a:r>
+              <a:rPr lang="en-US" dirty="0">
+                <a:solidFill>
+                  <a:schemeClr val="tx1"/>
+                </a:solidFill>
+              </a:rPr>
+              <a:t>, Apple’s Appstore.</a:t>
+            </a:r>
+          </a:p>
+          <a:p>
+            <a:r>
+              <a:rPr lang="en-US" dirty="0">
+                <a:solidFill>
+                  <a:schemeClr val="tx1"/>
+                </a:solidFill>
+              </a:rPr>
+              <a:t>Currently, the fastest Blockchain is </a:t>
+            </a:r>
+            <a:r>
+              <a:rPr lang="en-US" dirty="0">
+                <a:solidFill>
+                  <a:schemeClr val="tx1">
+                    <a:lumMod val="65000"/>
+                    <a:lumOff val="35000"/>
+                  </a:schemeClr>
+                </a:solidFill>
+                <a:highlight>
+                  <a:srgbClr val="C0C0C0"/>
+                </a:highlight>
+              </a:rPr>
+              <a:t>EOSIO</a:t>
+            </a:r>
+            <a:r>
+              <a:rPr lang="en-US" dirty="0">
+                <a:solidFill>
+                  <a:schemeClr val="tx1"/>
+                </a:solidFill>
+              </a:rPr>
+              <a:t> protocol based launched in 2018.</a:t>
+            </a:r>
+          </a:p>
+          <a:p>
             <a:endParaRPr lang="en-US" dirty="0"/>
           </a:p>
-          <a:p>
-            <a:r>
-              <a:rPr lang="en-US" dirty="0">
-                <a:solidFill>
-                  <a:srgbClr val="FF0000"/>
-                </a:solidFill>
-              </a:rPr>
-              <a:t>EOS use EOS.IO Software which is open-sourced on </a:t>
-            </a:r>
-            <a:r>
-              <a:rPr lang="en-US" dirty="0">
-                <a:solidFill>
-                  <a:srgbClr val="FF0000"/>
-                </a:solidFill>
-                <a:hlinkClick r:id="rId2"/>
-              </a:rPr>
-              <a:t>Github</a:t>
-            </a:r>
-            <a:r>
-              <a:rPr lang="en-US" dirty="0">
-                <a:solidFill>
-                  <a:srgbClr val="FF0000"/>
-                </a:solidFill>
-              </a:rPr>
-              <a:t>.</a:t>
-            </a:r>
-          </a:p>
-          <a:p>
-            <a:r>
-              <a:rPr lang="en-US" dirty="0">
-                <a:solidFill>
-                  <a:srgbClr val="FF0000"/>
-                </a:solidFill>
-              </a:rPr>
-              <a:t>Using EOS.IO Software, many Blockchains like TELOS, WAX, Proton, BOS, </a:t>
-            </a:r>
-            <a:r>
-              <a:rPr lang="en-US" dirty="0" err="1">
-                <a:solidFill>
-                  <a:srgbClr val="FF0000"/>
-                </a:solidFill>
-              </a:rPr>
-              <a:t>Worbli</a:t>
-            </a:r>
-            <a:r>
-              <a:rPr lang="en-US" dirty="0">
-                <a:solidFill>
-                  <a:srgbClr val="FF0000"/>
-                </a:solidFill>
-              </a:rPr>
-              <a:t>, FIO, MEET.ONE, </a:t>
-            </a:r>
-            <a:r>
-              <a:rPr lang="en-US" dirty="0" err="1">
-                <a:solidFill>
-                  <a:srgbClr val="FF0000"/>
-                </a:solidFill>
-              </a:rPr>
-              <a:t>Europechain</a:t>
-            </a:r>
-            <a:r>
-              <a:rPr lang="en-US" dirty="0">
-                <a:solidFill>
-                  <a:srgbClr val="FF0000"/>
-                </a:solidFill>
-              </a:rPr>
-              <a:t>, COFEE, </a:t>
-            </a:r>
-            <a:r>
-              <a:rPr lang="en-US" dirty="0" err="1">
-                <a:solidFill>
-                  <a:srgbClr val="FF0000"/>
-                </a:solidFill>
-              </a:rPr>
-              <a:t>Remme</a:t>
-            </a:r>
-            <a:r>
-              <a:rPr lang="en-US" dirty="0">
-                <a:solidFill>
-                  <a:srgbClr val="FF0000"/>
-                </a:solidFill>
-              </a:rPr>
-              <a:t> have been launched so far and many others will be in future.</a:t>
-            </a:r>
-          </a:p>
-          <a:p>
-            <a:endParaRPr lang="en-US" dirty="0"/>
-          </a:p>
-          <a:p>
-            <a:endParaRPr lang="en-US" dirty="0"/>
-          </a:p>
         </p:txBody>
       </p:sp>
       <p:sp>
@@ -6069,7 +6014,7 @@
           <p:cNvPr id="5" name="AutoShape 24">
             <a:extLst>
               <a:ext uri="{FF2B5EF4-FFF2-40B4-BE49-F238E27FC236}">
-                <a16:creationId xmlns="" xmlns:a16="http://schemas.microsoft.com/office/drawing/2014/main" id="{8BA9AC28-F55F-449F-AAE5-F4900F3C2C64}"/>
+                <a16:creationId xmlns:a16="http://schemas.microsoft.com/office/drawing/2014/main" id="{8BA9AC28-F55F-449F-AAE5-F4900F3C2C64}"/>
               </a:ext>
             </a:extLst>
           </p:cNvPr>
@@ -6080,7 +6025,7 @@
         </p:nvSpPr>
         <p:spPr bwMode="auto">
           <a:xfrm>
-            <a:off x="5943600" y="3276600"/>
+            <a:off x="5943600" y="2974754"/>
             <a:ext cx="304800" cy="304800"/>
           </a:xfrm>
           <a:prstGeom prst="rect">
@@ -6089,7 +6034,7 @@
           <a:noFill/>
           <a:extLst>
             <a:ext uri="{909E8E84-426E-40DD-AFC4-6F175D3DCCD1}">
-              <a14:hiddenFill xmlns="" xmlns:a14="http://schemas.microsoft.com/office/drawing/2010/main">
+              <a14:hiddenFill xmlns:a14="http://schemas.microsoft.com/office/drawing/2010/main">
                 <a:solidFill>
                   <a:srgbClr val="FFFFFF"/>
                 </a:solidFill>
@@ -6114,7 +6059,7 @@
           <p:cNvPr id="8" name="Picture 7">
             <a:extLst>
               <a:ext uri="{FF2B5EF4-FFF2-40B4-BE49-F238E27FC236}">
-                <a16:creationId xmlns="" xmlns:a16="http://schemas.microsoft.com/office/drawing/2014/main" id="{2E6E5EE1-AD63-4067-A19B-83EA7E228AF4}"/>
+                <a16:creationId xmlns:a16="http://schemas.microsoft.com/office/drawing/2014/main" id="{2E6E5EE1-AD63-4067-A19B-83EA7E228AF4}"/>
               </a:ext>
             </a:extLst>
           </p:cNvPr>
@@ -6124,7 +6069,7 @@
           <p:nvPr/>
         </p:nvPicPr>
         <p:blipFill>
-          <a:blip r:embed="rId3"/>
+          <a:blip r:embed="rId2"/>
           <a:stretch>
             <a:fillRect/>
           </a:stretch>
@@ -6139,10 +6084,748 @@
           </a:prstGeom>
         </p:spPr>
       </p:pic>
+      <p:pic>
+        <p:nvPicPr>
+          <p:cNvPr id="1026" name="Picture 2" descr="One on One: Asking for a Bitcoin This Year? - Chapelboro.com">
+            <a:extLst>
+              <a:ext uri="{FF2B5EF4-FFF2-40B4-BE49-F238E27FC236}">
+                <a16:creationId xmlns:a16="http://schemas.microsoft.com/office/drawing/2014/main" id="{A9502630-1B98-4277-932D-4A1AE9557D3E}"/>
+              </a:ext>
+            </a:extLst>
+          </p:cNvPr>
+          <p:cNvPicPr>
+            <a:picLocks noChangeAspect="1" noChangeArrowheads="1"/>
+          </p:cNvPicPr>
+          <p:nvPr/>
+        </p:nvPicPr>
+        <p:blipFill>
+          <a:blip r:embed="rId3">
+            <a:extLst>
+              <a:ext uri="{28A0092B-C50C-407E-A947-70E740481C1C}">
+                <a14:useLocalDpi xmlns:a14="http://schemas.microsoft.com/office/drawing/2010/main" val="0"/>
+              </a:ext>
+            </a:extLst>
+          </a:blip>
+          <a:srcRect/>
+          <a:stretch>
+            <a:fillRect/>
+          </a:stretch>
+        </p:blipFill>
+        <p:spPr bwMode="auto">
+          <a:xfrm>
+            <a:off x="7527042" y="2444962"/>
+            <a:ext cx="633155" cy="633155"/>
+          </a:xfrm>
+          <a:prstGeom prst="rect">
+            <a:avLst/>
+          </a:prstGeom>
+          <a:noFill/>
+          <a:extLst>
+            <a:ext uri="{909E8E84-426E-40DD-AFC4-6F175D3DCCD1}">
+              <a14:hiddenFill xmlns:a14="http://schemas.microsoft.com/office/drawing/2010/main">
+                <a:solidFill>
+                  <a:srgbClr val="FFFFFF"/>
+                </a:solidFill>
+              </a14:hiddenFill>
+            </a:ext>
+          </a:extLst>
+        </p:spPr>
+      </p:pic>
+      <p:pic>
+        <p:nvPicPr>
+          <p:cNvPr id="1028" name="Picture 4" descr="Ethereum - Wikipedia">
+            <a:extLst>
+              <a:ext uri="{FF2B5EF4-FFF2-40B4-BE49-F238E27FC236}">
+                <a16:creationId xmlns:a16="http://schemas.microsoft.com/office/drawing/2014/main" id="{8B581ADE-F67B-4DDF-A2F6-899205180805}"/>
+              </a:ext>
+            </a:extLst>
+          </p:cNvPr>
+          <p:cNvPicPr>
+            <a:picLocks noChangeAspect="1" noChangeArrowheads="1"/>
+          </p:cNvPicPr>
+          <p:nvPr/>
+        </p:nvPicPr>
+        <p:blipFill>
+          <a:blip r:embed="rId4">
+            <a:extLst>
+              <a:ext uri="{28A0092B-C50C-407E-A947-70E740481C1C}">
+                <a14:useLocalDpi xmlns:a14="http://schemas.microsoft.com/office/drawing/2010/main" val="0"/>
+              </a:ext>
+            </a:extLst>
+          </a:blip>
+          <a:srcRect/>
+          <a:stretch>
+            <a:fillRect/>
+          </a:stretch>
+        </p:blipFill>
+        <p:spPr bwMode="auto">
+          <a:xfrm>
+            <a:off x="7412591" y="3437079"/>
+            <a:ext cx="862058" cy="862058"/>
+          </a:xfrm>
+          <a:prstGeom prst="rect">
+            <a:avLst/>
+          </a:prstGeom>
+          <a:noFill/>
+          <a:extLst>
+            <a:ext uri="{909E8E84-426E-40DD-AFC4-6F175D3DCCD1}">
+              <a14:hiddenFill xmlns:a14="http://schemas.microsoft.com/office/drawing/2010/main">
+                <a:solidFill>
+                  <a:srgbClr val="FFFFFF"/>
+                </a:solidFill>
+              </a14:hiddenFill>
+            </a:ext>
+          </a:extLst>
+        </p:spPr>
+      </p:pic>
+      <p:pic>
+        <p:nvPicPr>
+          <p:cNvPr id="1032" name="Picture 8" descr="Where can I find the Google Play Store on my Samsung Galaxy device? |  Samsung UK">
+            <a:extLst>
+              <a:ext uri="{FF2B5EF4-FFF2-40B4-BE49-F238E27FC236}">
+                <a16:creationId xmlns:a16="http://schemas.microsoft.com/office/drawing/2014/main" id="{054934C7-B972-495E-9A7C-7437FC2908D2}"/>
+              </a:ext>
+            </a:extLst>
+          </p:cNvPr>
+          <p:cNvPicPr>
+            <a:picLocks noChangeAspect="1" noChangeArrowheads="1"/>
+          </p:cNvPicPr>
+          <p:nvPr/>
+        </p:nvPicPr>
+        <p:blipFill>
+          <a:blip r:embed="rId5">
+            <a:extLst>
+              <a:ext uri="{28A0092B-C50C-407E-A947-70E740481C1C}">
+                <a14:useLocalDpi xmlns:a14="http://schemas.microsoft.com/office/drawing/2010/main" val="0"/>
+              </a:ext>
+            </a:extLst>
+          </a:blip>
+          <a:srcRect/>
+          <a:stretch>
+            <a:fillRect/>
+          </a:stretch>
+        </p:blipFill>
+        <p:spPr bwMode="auto">
+          <a:xfrm>
+            <a:off x="9247797" y="2800300"/>
+            <a:ext cx="1150670" cy="937796"/>
+          </a:xfrm>
+          <a:prstGeom prst="rect">
+            <a:avLst/>
+          </a:prstGeom>
+          <a:noFill/>
+          <a:extLst>
+            <a:ext uri="{909E8E84-426E-40DD-AFC4-6F175D3DCCD1}">
+              <a14:hiddenFill xmlns:a14="http://schemas.microsoft.com/office/drawing/2010/main">
+                <a:solidFill>
+                  <a:srgbClr val="FFFFFF"/>
+                </a:solidFill>
+              </a14:hiddenFill>
+            </a:ext>
+          </a:extLst>
+        </p:spPr>
+      </p:pic>
+      <p:pic>
+        <p:nvPicPr>
+          <p:cNvPr id="1034" name="Picture 10" descr="App Store - Apple (IN)">
+            <a:extLst>
+              <a:ext uri="{FF2B5EF4-FFF2-40B4-BE49-F238E27FC236}">
+                <a16:creationId xmlns:a16="http://schemas.microsoft.com/office/drawing/2014/main" id="{A38FDC16-069E-4313-A630-B092C3462F82}"/>
+              </a:ext>
+            </a:extLst>
+          </p:cNvPr>
+          <p:cNvPicPr>
+            <a:picLocks noChangeAspect="1" noChangeArrowheads="1"/>
+          </p:cNvPicPr>
+          <p:nvPr/>
+        </p:nvPicPr>
+        <p:blipFill>
+          <a:blip r:embed="rId6">
+            <a:extLst>
+              <a:ext uri="{28A0092B-C50C-407E-A947-70E740481C1C}">
+                <a14:useLocalDpi xmlns:a14="http://schemas.microsoft.com/office/drawing/2010/main" val="0"/>
+              </a:ext>
+            </a:extLst>
+          </a:blip>
+          <a:srcRect/>
+          <a:stretch>
+            <a:fillRect/>
+          </a:stretch>
+        </p:blipFill>
+        <p:spPr bwMode="auto">
+          <a:xfrm>
+            <a:off x="9467101" y="3945264"/>
+            <a:ext cx="862058" cy="862058"/>
+          </a:xfrm>
+          <a:prstGeom prst="rect">
+            <a:avLst/>
+          </a:prstGeom>
+          <a:noFill/>
+          <a:extLst>
+            <a:ext uri="{909E8E84-426E-40DD-AFC4-6F175D3DCCD1}">
+              <a14:hiddenFill xmlns:a14="http://schemas.microsoft.com/office/drawing/2010/main">
+                <a:solidFill>
+                  <a:srgbClr val="FFFFFF"/>
+                </a:solidFill>
+              </a14:hiddenFill>
+            </a:ext>
+          </a:extLst>
+        </p:spPr>
+      </p:pic>
+      <p:cxnSp>
+        <p:nvCxnSpPr>
+          <p:cNvPr id="6" name="Straight Arrow Connector 5">
+            <a:extLst>
+              <a:ext uri="{FF2B5EF4-FFF2-40B4-BE49-F238E27FC236}">
+                <a16:creationId xmlns:a16="http://schemas.microsoft.com/office/drawing/2014/main" id="{89D83D1C-2167-4A4F-97DF-FC71754A13CD}"/>
+              </a:ext>
+            </a:extLst>
+          </p:cNvPr>
+          <p:cNvCxnSpPr>
+            <a:cxnSpLocks/>
+          </p:cNvCxnSpPr>
+          <p:nvPr/>
+        </p:nvCxnSpPr>
+        <p:spPr>
+          <a:xfrm>
+            <a:off x="8429888" y="3868108"/>
+            <a:ext cx="572066" cy="0"/>
+          </a:xfrm>
+          <a:prstGeom prst="straightConnector1">
+            <a:avLst/>
+          </a:prstGeom>
+          <a:ln>
+            <a:headEnd type="triangle"/>
+            <a:tailEnd type="triangle"/>
+          </a:ln>
+        </p:spPr>
+        <p:style>
+          <a:lnRef idx="1">
+            <a:schemeClr val="accent1"/>
+          </a:lnRef>
+          <a:fillRef idx="0">
+            <a:schemeClr val="accent1"/>
+          </a:fillRef>
+          <a:effectRef idx="0">
+            <a:schemeClr val="accent1"/>
+          </a:effectRef>
+          <a:fontRef idx="minor">
+            <a:schemeClr val="tx1"/>
+          </a:fontRef>
+        </p:style>
+      </p:cxnSp>
+      <p:pic>
+        <p:nvPicPr>
+          <p:cNvPr id="1038" name="Picture 14" descr="Announcing the Unity Editor for LinuxLinux に Unity エディターがやってきます - Unity  Technologies Blog">
+            <a:extLst>
+              <a:ext uri="{FF2B5EF4-FFF2-40B4-BE49-F238E27FC236}">
+                <a16:creationId xmlns:a16="http://schemas.microsoft.com/office/drawing/2014/main" id="{E1849C8A-4946-4A52-822E-7F92B2FBFD03}"/>
+              </a:ext>
+            </a:extLst>
+          </p:cNvPr>
+          <p:cNvPicPr>
+            <a:picLocks noChangeAspect="1" noChangeArrowheads="1"/>
+          </p:cNvPicPr>
+          <p:nvPr/>
+        </p:nvPicPr>
+        <p:blipFill>
+          <a:blip r:embed="rId7">
+            <a:extLst>
+              <a:ext uri="{28A0092B-C50C-407E-A947-70E740481C1C}">
+                <a14:useLocalDpi xmlns:a14="http://schemas.microsoft.com/office/drawing/2010/main" val="0"/>
+              </a:ext>
+            </a:extLst>
+          </a:blip>
+          <a:srcRect/>
+          <a:stretch>
+            <a:fillRect/>
+          </a:stretch>
+        </p:blipFill>
+        <p:spPr bwMode="auto">
+          <a:xfrm>
+            <a:off x="7298139" y="5154732"/>
+            <a:ext cx="2113280" cy="1188720"/>
+          </a:xfrm>
+          <a:prstGeom prst="rect">
+            <a:avLst/>
+          </a:prstGeom>
+          <a:noFill/>
+          <a:effectLst>
+            <a:outerShdw blurRad="76200" dir="18900000" sy="23000" kx="-1200000" algn="bl" rotWithShape="0">
+              <a:prstClr val="black">
+                <a:alpha val="20000"/>
+              </a:prstClr>
+            </a:outerShdw>
+          </a:effectLst>
+          <a:extLst>
+            <a:ext uri="{909E8E84-426E-40DD-AFC4-6F175D3DCCD1}">
+              <a14:hiddenFill xmlns:a14="http://schemas.microsoft.com/office/drawing/2010/main">
+                <a:solidFill>
+                  <a:srgbClr val="FFFFFF"/>
+                </a:solidFill>
+              </a14:hiddenFill>
+            </a:ext>
+          </a:extLst>
+        </p:spPr>
+      </p:pic>
+      <p:cxnSp>
+        <p:nvCxnSpPr>
+          <p:cNvPr id="17" name="Straight Arrow Connector 16">
+            <a:extLst>
+              <a:ext uri="{FF2B5EF4-FFF2-40B4-BE49-F238E27FC236}">
+                <a16:creationId xmlns:a16="http://schemas.microsoft.com/office/drawing/2014/main" id="{327D7E49-AE6A-4EC1-8145-7CAFA18B0291}"/>
+              </a:ext>
+            </a:extLst>
+          </p:cNvPr>
+          <p:cNvCxnSpPr>
+            <a:cxnSpLocks/>
+          </p:cNvCxnSpPr>
+          <p:nvPr/>
+        </p:nvCxnSpPr>
+        <p:spPr>
+          <a:xfrm>
+            <a:off x="6590261" y="5739336"/>
+            <a:ext cx="572066" cy="0"/>
+          </a:xfrm>
+          <a:prstGeom prst="straightConnector1">
+            <a:avLst/>
+          </a:prstGeom>
+          <a:ln>
+            <a:headEnd type="triangle"/>
+            <a:tailEnd type="triangle"/>
+          </a:ln>
+        </p:spPr>
+        <p:style>
+          <a:lnRef idx="1">
+            <a:schemeClr val="accent1"/>
+          </a:lnRef>
+          <a:fillRef idx="0">
+            <a:schemeClr val="accent1"/>
+          </a:fillRef>
+          <a:effectRef idx="0">
+            <a:schemeClr val="accent1"/>
+          </a:effectRef>
+          <a:fontRef idx="minor">
+            <a:schemeClr val="tx1"/>
+          </a:fontRef>
+        </p:style>
+      </p:cxnSp>
+      <p:pic>
+        <p:nvPicPr>
+          <p:cNvPr id="20" name="Picture 19">
+            <a:extLst>
+              <a:ext uri="{FF2B5EF4-FFF2-40B4-BE49-F238E27FC236}">
+                <a16:creationId xmlns:a16="http://schemas.microsoft.com/office/drawing/2014/main" id="{0E3805A4-5C12-46CC-B6C8-FB238E476CD6}"/>
+              </a:ext>
+            </a:extLst>
+          </p:cNvPr>
+          <p:cNvPicPr>
+            <a:picLocks noChangeAspect="1"/>
+          </p:cNvPicPr>
+          <p:nvPr/>
+        </p:nvPicPr>
+        <p:blipFill>
+          <a:blip r:embed="rId8"/>
+          <a:stretch>
+            <a:fillRect/>
+          </a:stretch>
+        </p:blipFill>
+        <p:spPr>
+          <a:xfrm>
+            <a:off x="2245749" y="5279396"/>
+            <a:ext cx="1669455" cy="1054567"/>
+          </a:xfrm>
+          <a:prstGeom prst="rect">
+            <a:avLst/>
+          </a:prstGeom>
+        </p:spPr>
+      </p:pic>
+      <p:pic>
+        <p:nvPicPr>
+          <p:cNvPr id="21" name="Picture 12" descr="4 Strong Reasons to Consider EOS.IO for Blockchain Related Projects">
+            <a:extLst>
+              <a:ext uri="{FF2B5EF4-FFF2-40B4-BE49-F238E27FC236}">
+                <a16:creationId xmlns:a16="http://schemas.microsoft.com/office/drawing/2014/main" id="{C37BE664-EBB5-4FEC-A2EF-6B4279C79DAA}"/>
+              </a:ext>
+            </a:extLst>
+          </p:cNvPr>
+          <p:cNvPicPr>
+            <a:picLocks noChangeAspect="1" noChangeArrowheads="1"/>
+          </p:cNvPicPr>
+          <p:nvPr/>
+        </p:nvPicPr>
+        <p:blipFill>
+          <a:blip r:embed="rId9">
+            <a:extLst>
+              <a:ext uri="{28A0092B-C50C-407E-A947-70E740481C1C}">
+                <a14:useLocalDpi xmlns:a14="http://schemas.microsoft.com/office/drawing/2010/main" val="0"/>
+              </a:ext>
+            </a:extLst>
+          </a:blip>
+          <a:srcRect/>
+          <a:stretch>
+            <a:fillRect/>
+          </a:stretch>
+        </p:blipFill>
+        <p:spPr bwMode="auto">
+          <a:xfrm>
+            <a:off x="3911325" y="5240701"/>
+            <a:ext cx="2229409" cy="1117801"/>
+          </a:xfrm>
+          <a:prstGeom prst="rect">
+            <a:avLst/>
+          </a:prstGeom>
+          <a:effectLst>
+            <a:outerShdw blurRad="76200" dir="13500000" sy="23000" kx="1200000" algn="br" rotWithShape="0">
+              <a:prstClr val="black">
+                <a:alpha val="20000"/>
+              </a:prstClr>
+            </a:outerShdw>
+          </a:effectLst>
+          <a:extLst>
+            <a:ext uri="{909E8E84-426E-40DD-AFC4-6F175D3DCCD1}">
+              <a14:hiddenFill xmlns:a14="http://schemas.microsoft.com/office/drawing/2010/main">
+                <a:solidFill>
+                  <a:srgbClr val="FFFFFF"/>
+                </a:solidFill>
+              </a14:hiddenFill>
+            </a:ext>
+          </a:extLst>
+        </p:spPr>
+      </p:pic>
+      <p:pic>
+        <p:nvPicPr>
+          <p:cNvPr id="1042" name="Picture 18" descr="Download Support Ubuntu Apt Linux Long-Term Distribution Canonical HQ PNG  Image | FreePNGImg">
+            <a:extLst>
+              <a:ext uri="{FF2B5EF4-FFF2-40B4-BE49-F238E27FC236}">
+                <a16:creationId xmlns:a16="http://schemas.microsoft.com/office/drawing/2014/main" id="{CC733D21-A3F7-4FB8-AD00-62B05B9F043A}"/>
+              </a:ext>
+            </a:extLst>
+          </p:cNvPr>
+          <p:cNvPicPr>
+            <a:picLocks noChangeAspect="1" noChangeArrowheads="1"/>
+          </p:cNvPicPr>
+          <p:nvPr/>
+        </p:nvPicPr>
+        <p:blipFill>
+          <a:blip r:embed="rId10">
+            <a:extLst>
+              <a:ext uri="{28A0092B-C50C-407E-A947-70E740481C1C}">
+                <a14:useLocalDpi xmlns:a14="http://schemas.microsoft.com/office/drawing/2010/main" val="0"/>
+              </a:ext>
+            </a:extLst>
+          </a:blip>
+          <a:srcRect/>
+          <a:stretch>
+            <a:fillRect/>
+          </a:stretch>
+        </p:blipFill>
+        <p:spPr bwMode="auto">
+          <a:xfrm>
+            <a:off x="9375224" y="5238226"/>
+            <a:ext cx="399773" cy="399773"/>
+          </a:xfrm>
+          <a:prstGeom prst="rect">
+            <a:avLst/>
+          </a:prstGeom>
+          <a:noFill/>
+          <a:extLst>
+            <a:ext uri="{909E8E84-426E-40DD-AFC4-6F175D3DCCD1}">
+              <a14:hiddenFill xmlns:a14="http://schemas.microsoft.com/office/drawing/2010/main">
+                <a:solidFill>
+                  <a:srgbClr val="FFFFFF"/>
+                </a:solidFill>
+              </a14:hiddenFill>
+            </a:ext>
+          </a:extLst>
+        </p:spPr>
+      </p:pic>
+      <p:pic>
+        <p:nvPicPr>
+          <p:cNvPr id="1044" name="Picture 20" descr="Red Hat OpenShift optimiert Kubernetes-Einsatz">
+            <a:extLst>
+              <a:ext uri="{FF2B5EF4-FFF2-40B4-BE49-F238E27FC236}">
+                <a16:creationId xmlns:a16="http://schemas.microsoft.com/office/drawing/2014/main" id="{9738FCE5-2462-4ED7-8596-E57874B6D39F}"/>
+              </a:ext>
+            </a:extLst>
+          </p:cNvPr>
+          <p:cNvPicPr>
+            <a:picLocks noChangeAspect="1" noChangeArrowheads="1"/>
+          </p:cNvPicPr>
+          <p:nvPr/>
+        </p:nvPicPr>
+        <p:blipFill>
+          <a:blip r:embed="rId11">
+            <a:extLst>
+              <a:ext uri="{28A0092B-C50C-407E-A947-70E740481C1C}">
+                <a14:useLocalDpi xmlns:a14="http://schemas.microsoft.com/office/drawing/2010/main" val="0"/>
+              </a:ext>
+            </a:extLst>
+          </a:blip>
+          <a:srcRect/>
+          <a:stretch>
+            <a:fillRect/>
+          </a:stretch>
+        </p:blipFill>
+        <p:spPr bwMode="auto">
+          <a:xfrm>
+            <a:off x="9895030" y="5238225"/>
+            <a:ext cx="399774" cy="399774"/>
+          </a:xfrm>
+          <a:prstGeom prst="rect">
+            <a:avLst/>
+          </a:prstGeom>
+          <a:noFill/>
+          <a:extLst>
+            <a:ext uri="{909E8E84-426E-40DD-AFC4-6F175D3DCCD1}">
+              <a14:hiddenFill xmlns:a14="http://schemas.microsoft.com/office/drawing/2010/main">
+                <a:solidFill>
+                  <a:srgbClr val="FFFFFF"/>
+                </a:solidFill>
+              </a14:hiddenFill>
+            </a:ext>
+          </a:extLst>
+        </p:spPr>
+      </p:pic>
+      <p:pic>
+        <p:nvPicPr>
+          <p:cNvPr id="1046" name="Picture 22" descr="Linux Mint Logo- v2 - cccliparts.org">
+            <a:extLst>
+              <a:ext uri="{FF2B5EF4-FFF2-40B4-BE49-F238E27FC236}">
+                <a16:creationId xmlns:a16="http://schemas.microsoft.com/office/drawing/2014/main" id="{4B734100-5B4B-420A-B3EA-031D1DEF7C1F}"/>
+              </a:ext>
+            </a:extLst>
+          </p:cNvPr>
+          <p:cNvPicPr>
+            <a:picLocks noChangeAspect="1" noChangeArrowheads="1"/>
+          </p:cNvPicPr>
+          <p:nvPr/>
+        </p:nvPicPr>
+        <p:blipFill>
+          <a:blip r:embed="rId12">
+            <a:extLst>
+              <a:ext uri="{28A0092B-C50C-407E-A947-70E740481C1C}">
+                <a14:useLocalDpi xmlns:a14="http://schemas.microsoft.com/office/drawing/2010/main" val="0"/>
+              </a:ext>
+            </a:extLst>
+          </a:blip>
+          <a:srcRect/>
+          <a:stretch>
+            <a:fillRect/>
+          </a:stretch>
+        </p:blipFill>
+        <p:spPr bwMode="auto">
+          <a:xfrm>
+            <a:off x="9446775" y="5694637"/>
+            <a:ext cx="292865" cy="296088"/>
+          </a:xfrm>
+          <a:prstGeom prst="rect">
+            <a:avLst/>
+          </a:prstGeom>
+          <a:noFill/>
+          <a:extLst>
+            <a:ext uri="{909E8E84-426E-40DD-AFC4-6F175D3DCCD1}">
+              <a14:hiddenFill xmlns:a14="http://schemas.microsoft.com/office/drawing/2010/main">
+                <a:solidFill>
+                  <a:srgbClr val="FFFFFF"/>
+                </a:solidFill>
+              </a14:hiddenFill>
+            </a:ext>
+          </a:extLst>
+        </p:spPr>
+      </p:pic>
+      <p:pic>
+        <p:nvPicPr>
+          <p:cNvPr id="1052" name="Picture 28" descr="Download Free Project Distribution Installation Fedora Linux Free  Transparent Image HD ICON favicon | FreePNGImg">
+            <a:extLst>
+              <a:ext uri="{FF2B5EF4-FFF2-40B4-BE49-F238E27FC236}">
+                <a16:creationId xmlns:a16="http://schemas.microsoft.com/office/drawing/2014/main" id="{6D71D2D0-1E51-4627-BEDC-CC633C1BF43B}"/>
+              </a:ext>
+            </a:extLst>
+          </p:cNvPr>
+          <p:cNvPicPr>
+            <a:picLocks noChangeAspect="1" noChangeArrowheads="1"/>
+          </p:cNvPicPr>
+          <p:nvPr/>
+        </p:nvPicPr>
+        <p:blipFill>
+          <a:blip r:embed="rId13">
+            <a:extLst>
+              <a:ext uri="{28A0092B-C50C-407E-A947-70E740481C1C}">
+                <a14:useLocalDpi xmlns:a14="http://schemas.microsoft.com/office/drawing/2010/main" val="0"/>
+              </a:ext>
+            </a:extLst>
+          </a:blip>
+          <a:srcRect/>
+          <a:stretch>
+            <a:fillRect/>
+          </a:stretch>
+        </p:blipFill>
+        <p:spPr bwMode="auto">
+          <a:xfrm>
+            <a:off x="10398467" y="5306385"/>
+            <a:ext cx="263454" cy="263454"/>
+          </a:xfrm>
+          <a:prstGeom prst="rect">
+            <a:avLst/>
+          </a:prstGeom>
+          <a:noFill/>
+          <a:extLst>
+            <a:ext uri="{909E8E84-426E-40DD-AFC4-6F175D3DCCD1}">
+              <a14:hiddenFill xmlns:a14="http://schemas.microsoft.com/office/drawing/2010/main">
+                <a:solidFill>
+                  <a:srgbClr val="FFFFFF"/>
+                </a:solidFill>
+              </a14:hiddenFill>
+            </a:ext>
+          </a:extLst>
+        </p:spPr>
+      </p:pic>
+      <p:pic>
+        <p:nvPicPr>
+          <p:cNvPr id="1054" name="Picture 30" descr="centos">
+            <a:extLst>
+              <a:ext uri="{FF2B5EF4-FFF2-40B4-BE49-F238E27FC236}">
+                <a16:creationId xmlns:a16="http://schemas.microsoft.com/office/drawing/2014/main" id="{5AA8BA3D-300C-43A4-BF2E-A3E6E4AC16DA}"/>
+              </a:ext>
+            </a:extLst>
+          </p:cNvPr>
+          <p:cNvPicPr>
+            <a:picLocks noChangeAspect="1" noChangeArrowheads="1"/>
+          </p:cNvPicPr>
+          <p:nvPr/>
+        </p:nvPicPr>
+        <p:blipFill>
+          <a:blip r:embed="rId14">
+            <a:extLst>
+              <a:ext uri="{28A0092B-C50C-407E-A947-70E740481C1C}">
+                <a14:useLocalDpi xmlns:a14="http://schemas.microsoft.com/office/drawing/2010/main" val="0"/>
+              </a:ext>
+            </a:extLst>
+          </a:blip>
+          <a:srcRect/>
+          <a:stretch>
+            <a:fillRect/>
+          </a:stretch>
+        </p:blipFill>
+        <p:spPr bwMode="auto">
+          <a:xfrm>
+            <a:off x="9903817" y="5599738"/>
+            <a:ext cx="390987" cy="390987"/>
+          </a:xfrm>
+          <a:prstGeom prst="rect">
+            <a:avLst/>
+          </a:prstGeom>
+          <a:noFill/>
+          <a:extLst>
+            <a:ext uri="{909E8E84-426E-40DD-AFC4-6F175D3DCCD1}">
+              <a14:hiddenFill xmlns:a14="http://schemas.microsoft.com/office/drawing/2010/main">
+                <a:solidFill>
+                  <a:srgbClr val="FFFFFF"/>
+                </a:solidFill>
+              </a14:hiddenFill>
+            </a:ext>
+          </a:extLst>
+        </p:spPr>
+      </p:pic>
+      <p:pic>
+        <p:nvPicPr>
+          <p:cNvPr id="1056" name="Picture 32" descr="I changed the dragon a little bit in the Kali Linux logo lol : Kalilinux">
+            <a:extLst>
+              <a:ext uri="{FF2B5EF4-FFF2-40B4-BE49-F238E27FC236}">
+                <a16:creationId xmlns:a16="http://schemas.microsoft.com/office/drawing/2014/main" id="{9078EB60-5CE5-485D-A05F-9E653C4EE58A}"/>
+              </a:ext>
+            </a:extLst>
+          </p:cNvPr>
+          <p:cNvPicPr>
+            <a:picLocks noChangeAspect="1" noChangeArrowheads="1"/>
+          </p:cNvPicPr>
+          <p:nvPr/>
+        </p:nvPicPr>
+        <p:blipFill>
+          <a:blip r:embed="rId15">
+            <a:extLst>
+              <a:ext uri="{28A0092B-C50C-407E-A947-70E740481C1C}">
+                <a14:useLocalDpi xmlns:a14="http://schemas.microsoft.com/office/drawing/2010/main" val="0"/>
+              </a:ext>
+            </a:extLst>
+          </a:blip>
+          <a:srcRect/>
+          <a:stretch>
+            <a:fillRect/>
+          </a:stretch>
+        </p:blipFill>
+        <p:spPr bwMode="auto">
+          <a:xfrm>
+            <a:off x="10404145" y="5739336"/>
+            <a:ext cx="257776" cy="257776"/>
+          </a:xfrm>
+          <a:prstGeom prst="rect">
+            <a:avLst/>
+          </a:prstGeom>
+          <a:noFill/>
+          <a:extLst>
+            <a:ext uri="{909E8E84-426E-40DD-AFC4-6F175D3DCCD1}">
+              <a14:hiddenFill xmlns:a14="http://schemas.microsoft.com/office/drawing/2010/main">
+                <a:solidFill>
+                  <a:srgbClr val="FFFFFF"/>
+                </a:solidFill>
+              </a14:hiddenFill>
+            </a:ext>
+          </a:extLst>
+        </p:spPr>
+      </p:pic>
+      <p:pic>
+        <p:nvPicPr>
+          <p:cNvPr id="1058" name="Picture 34" descr="plymouth-theme-gentoo-logo-new - KDE Store">
+            <a:extLst>
+              <a:ext uri="{FF2B5EF4-FFF2-40B4-BE49-F238E27FC236}">
+                <a16:creationId xmlns:a16="http://schemas.microsoft.com/office/drawing/2014/main" id="{10579599-87C5-437E-A6EB-0575A8E0FF19}"/>
+              </a:ext>
+            </a:extLst>
+          </p:cNvPr>
+          <p:cNvPicPr>
+            <a:picLocks noChangeAspect="1" noChangeArrowheads="1"/>
+          </p:cNvPicPr>
+          <p:nvPr/>
+        </p:nvPicPr>
+        <p:blipFill>
+          <a:blip r:embed="rId16">
+            <a:extLst>
+              <a:ext uri="{28A0092B-C50C-407E-A947-70E740481C1C}">
+                <a14:useLocalDpi xmlns:a14="http://schemas.microsoft.com/office/drawing/2010/main" val="0"/>
+              </a:ext>
+            </a:extLst>
+          </a:blip>
+          <a:srcRect/>
+          <a:stretch>
+            <a:fillRect/>
+          </a:stretch>
+        </p:blipFill>
+        <p:spPr bwMode="auto">
+          <a:xfrm>
+            <a:off x="10803656" y="5709903"/>
+            <a:ext cx="238125" cy="316642"/>
+          </a:xfrm>
+          <a:prstGeom prst="rect">
+            <a:avLst/>
+          </a:prstGeom>
+          <a:noFill/>
+          <a:extLst>
+            <a:ext uri="{909E8E84-426E-40DD-AFC4-6F175D3DCCD1}">
+              <a14:hiddenFill xmlns:a14="http://schemas.microsoft.com/office/drawing/2010/main">
+                <a:solidFill>
+                  <a:srgbClr val="FFFFFF"/>
+                </a:solidFill>
+              </a14:hiddenFill>
+            </a:ext>
+          </a:extLst>
+        </p:spPr>
+      </p:pic>
     </p:spTree>
     <p:extLst>
       <p:ext uri="{BB962C8B-B14F-4D97-AF65-F5344CB8AC3E}">
-        <p14:creationId xmlns="" xmlns:p14="http://schemas.microsoft.com/office/powerpoint/2010/main" val="3659069593"/>
+        <p14:creationId xmlns:p14="http://schemas.microsoft.com/office/powerpoint/2010/main" val="3659069593"/>
       </p:ext>
     </p:extLst>
   </p:cSld>
@@ -6185,7 +6868,7 @@
           <a:lstStyle/>
           <a:p>
             <a:r>
-              <a:rPr lang="en-IN" dirty="0" smtClean="0"/>
+              <a:rPr lang="en-IN" dirty="0"/>
               <a:t>Consensus</a:t>
             </a:r>
             <a:endParaRPr lang="en-US" dirty="0"/>
@@ -6202,87 +6885,251 @@
             <p:ph idx="1"/>
           </p:nvPr>
         </p:nvSpPr>
-        <p:spPr/>
+        <p:spPr>
+          <a:xfrm>
+            <a:off x="581193" y="2340864"/>
+            <a:ext cx="5286948" cy="3634486"/>
+          </a:xfrm>
+        </p:spPr>
         <p:txBody>
           <a:bodyPr/>
           <a:lstStyle/>
           <a:p>
             <a:r>
-              <a:rPr lang="en-IN" dirty="0" smtClean="0"/>
-              <a:t>Every </a:t>
-            </a:r>
-            <a:r>
-              <a:rPr lang="en-IN" dirty="0" err="1" smtClean="0"/>
-              <a:t>Blockchains</a:t>
-            </a:r>
-            <a:r>
-              <a:rPr lang="en-IN" dirty="0" smtClean="0"/>
-              <a:t> have different types of consensus algorithms followed like </a:t>
+              <a:rPr lang="en-IN" dirty="0"/>
+              <a:t>Every Blockchains have different types of consensus algorithms followed like:</a:t>
             </a:r>
             <a:br>
-              <a:rPr lang="en-IN" dirty="0" smtClean="0"/>
+              <a:rPr lang="en-IN" dirty="0"/>
             </a:br>
-            <a:r>
-              <a:rPr lang="en-IN" dirty="0" smtClean="0"/>
+            <a:br>
+              <a:rPr lang="en-IN" dirty="0"/>
+            </a:br>
+            <a:r>
+              <a:rPr lang="en-IN" dirty="0"/>
               <a:t>- Proof of Work (</a:t>
             </a:r>
             <a:r>
-              <a:rPr lang="en-IN" dirty="0" err="1" smtClean="0"/>
+              <a:rPr lang="en-IN" dirty="0" err="1"/>
               <a:t>PoW</a:t>
             </a:r>
             <a:r>
-              <a:rPr lang="en-IN" dirty="0" smtClean="0"/>
+              <a:rPr lang="en-IN" dirty="0"/>
               <a:t>), </a:t>
             </a:r>
             <a:br>
-              <a:rPr lang="en-IN" dirty="0" smtClean="0"/>
+              <a:rPr lang="en-IN" dirty="0"/>
             </a:br>
             <a:r>
-              <a:rPr lang="en-IN" dirty="0" smtClean="0"/>
+              <a:rPr lang="en-IN" dirty="0"/>
               <a:t>- Proof of Stake (</a:t>
             </a:r>
             <a:r>
-              <a:rPr lang="en-IN" dirty="0" err="1" smtClean="0"/>
+              <a:rPr lang="en-IN" dirty="0" err="1"/>
               <a:t>PoS</a:t>
             </a:r>
             <a:r>
-              <a:rPr lang="en-IN" dirty="0" smtClean="0"/>
+              <a:rPr lang="en-IN" dirty="0"/>
               <a:t>), </a:t>
             </a:r>
             <a:br>
-              <a:rPr lang="en-IN" dirty="0" smtClean="0"/>
+              <a:rPr lang="en-IN" dirty="0"/>
             </a:br>
             <a:r>
-              <a:rPr lang="en-IN" dirty="0" smtClean="0"/>
+              <a:rPr lang="en-IN" dirty="0"/>
               <a:t>- Delegated Proof of Stake (</a:t>
             </a:r>
             <a:r>
-              <a:rPr lang="en-IN" dirty="0" err="1" smtClean="0"/>
+              <a:rPr lang="en-IN" dirty="0" err="1"/>
               <a:t>DPoS</a:t>
             </a:r>
             <a:r>
-              <a:rPr lang="en-IN" dirty="0" smtClean="0"/>
+              <a:rPr lang="en-IN" dirty="0"/>
               <a:t>), </a:t>
             </a:r>
             <a:br>
-              <a:rPr lang="en-IN" dirty="0" smtClean="0"/>
+              <a:rPr lang="en-IN" dirty="0"/>
             </a:br>
             <a:r>
-              <a:rPr lang="en-IN" dirty="0" smtClean="0"/>
-              <a:t>- Proof-of-Brain (</a:t>
-            </a:r>
-            <a:r>
-              <a:rPr lang="en-IN" dirty="0" err="1" smtClean="0"/>
-              <a:t>PoB</a:t>
-            </a:r>
-            <a:r>
-              <a:rPr lang="en-IN" dirty="0" smtClean="0"/>
-              <a:t>) </a:t>
-            </a:r>
-            <a:endParaRPr lang="en-US" dirty="0"/>
-          </a:p>
-        </p:txBody>
-      </p:sp>
+              <a:rPr lang="en-IN" dirty="0"/>
+              <a:t>- Proof of Authority (</a:t>
+            </a:r>
+            <a:r>
+              <a:rPr lang="en-IN" dirty="0" err="1"/>
+              <a:t>PoA</a:t>
+            </a:r>
+            <a:r>
+              <a:rPr lang="en-IN" dirty="0"/>
+              <a:t>),</a:t>
+            </a:r>
+            <a:br>
+              <a:rPr lang="en-US" dirty="0"/>
+            </a:br>
+            <a:r>
+              <a:rPr lang="en-US" dirty="0"/>
+              <a:t>- Hybrid </a:t>
+            </a:r>
+            <a:r>
+              <a:rPr lang="en-US" dirty="0" err="1"/>
+              <a:t>PoW</a:t>
+            </a:r>
+            <a:r>
+              <a:rPr lang="en-US" dirty="0"/>
+              <a:t>/</a:t>
+            </a:r>
+            <a:r>
+              <a:rPr lang="en-US" dirty="0" err="1"/>
+              <a:t>PoS</a:t>
+            </a:r>
+            <a:r>
+              <a:rPr lang="en-US" dirty="0"/>
+              <a:t>,</a:t>
+            </a:r>
+            <a:endParaRPr lang="en-IN" dirty="0"/>
+          </a:p>
+        </p:txBody>
+      </p:sp>
+      <p:pic>
+        <p:nvPicPr>
+          <p:cNvPr id="2050" name="Picture 2" descr="The Environmental Impact of Proof of Work">
+            <a:extLst>
+              <a:ext uri="{FF2B5EF4-FFF2-40B4-BE49-F238E27FC236}">
+                <a16:creationId xmlns:a16="http://schemas.microsoft.com/office/drawing/2014/main" id="{EB66C3FD-2B0B-4099-A9BA-3C3CF99C09F1}"/>
+              </a:ext>
+            </a:extLst>
+          </p:cNvPr>
+          <p:cNvPicPr>
+            <a:picLocks noChangeAspect="1" noChangeArrowheads="1"/>
+          </p:cNvPicPr>
+          <p:nvPr/>
+        </p:nvPicPr>
+        <p:blipFill>
+          <a:blip r:embed="rId2">
+            <a:extLst>
+              <a:ext uri="{28A0092B-C50C-407E-A947-70E740481C1C}">
+                <a14:useLocalDpi xmlns:a14="http://schemas.microsoft.com/office/drawing/2010/main" val="0"/>
+              </a:ext>
+            </a:extLst>
+          </a:blip>
+          <a:srcRect/>
+          <a:stretch>
+            <a:fillRect/>
+          </a:stretch>
+        </p:blipFill>
+        <p:spPr bwMode="auto">
+          <a:xfrm>
+            <a:off x="6678321" y="2182519"/>
+            <a:ext cx="2140906" cy="2140906"/>
+          </a:xfrm>
+          <a:prstGeom prst="rect">
+            <a:avLst/>
+          </a:prstGeom>
+          <a:noFill/>
+          <a:extLst>
+            <a:ext uri="{909E8E84-426E-40DD-AFC4-6F175D3DCCD1}">
+              <a14:hiddenFill xmlns:a14="http://schemas.microsoft.com/office/drawing/2010/main">
+                <a:solidFill>
+                  <a:srgbClr val="FFFFFF"/>
+                </a:solidFill>
+              </a14:hiddenFill>
+            </a:ext>
+          </a:extLst>
+        </p:spPr>
+      </p:pic>
+      <p:pic>
+        <p:nvPicPr>
+          <p:cNvPr id="2052" name="Picture 4" descr="Understanding Blockchain Fundamentals, Part 2: Proof of Work &amp; Proof of  Stake | by Georgios Konstantopoulos | Loom Network | Medium">
+            <a:extLst>
+              <a:ext uri="{FF2B5EF4-FFF2-40B4-BE49-F238E27FC236}">
+                <a16:creationId xmlns:a16="http://schemas.microsoft.com/office/drawing/2014/main" id="{E7ED8CFD-7053-47DC-8B71-5838CBD6AA3E}"/>
+              </a:ext>
+            </a:extLst>
+          </p:cNvPr>
+          <p:cNvPicPr>
+            <a:picLocks noChangeAspect="1" noChangeArrowheads="1"/>
+          </p:cNvPicPr>
+          <p:nvPr/>
+        </p:nvPicPr>
+        <p:blipFill>
+          <a:blip r:embed="rId3">
+            <a:extLst>
+              <a:ext uri="{28A0092B-C50C-407E-A947-70E740481C1C}">
+                <a14:useLocalDpi xmlns:a14="http://schemas.microsoft.com/office/drawing/2010/main" val="0"/>
+              </a:ext>
+            </a:extLst>
+          </a:blip>
+          <a:srcRect/>
+          <a:stretch>
+            <a:fillRect/>
+          </a:stretch>
+        </p:blipFill>
+        <p:spPr bwMode="auto">
+          <a:xfrm>
+            <a:off x="9374818" y="2340864"/>
+            <a:ext cx="2077375" cy="1984056"/>
+          </a:xfrm>
+          <a:prstGeom prst="rect">
+            <a:avLst/>
+          </a:prstGeom>
+          <a:noFill/>
+          <a:extLst>
+            <a:ext uri="{909E8E84-426E-40DD-AFC4-6F175D3DCCD1}">
+              <a14:hiddenFill xmlns:a14="http://schemas.microsoft.com/office/drawing/2010/main">
+                <a:solidFill>
+                  <a:srgbClr val="FFFFFF"/>
+                </a:solidFill>
+              </a14:hiddenFill>
+            </a:ext>
+          </a:extLst>
+        </p:spPr>
+      </p:pic>
+      <p:pic>
+        <p:nvPicPr>
+          <p:cNvPr id="2054" name="Picture 6" descr="Delegated Proof-of-Stake Consensus (DPoS) - BitcoinWiki">
+            <a:extLst>
+              <a:ext uri="{FF2B5EF4-FFF2-40B4-BE49-F238E27FC236}">
+                <a16:creationId xmlns:a16="http://schemas.microsoft.com/office/drawing/2014/main" id="{D8C11144-A5F1-47AC-AB7E-05CEDBE3E162}"/>
+              </a:ext>
+            </a:extLst>
+          </p:cNvPr>
+          <p:cNvPicPr>
+            <a:picLocks noChangeAspect="1" noChangeArrowheads="1"/>
+          </p:cNvPicPr>
+          <p:nvPr/>
+        </p:nvPicPr>
+        <p:blipFill>
+          <a:blip r:embed="rId4">
+            <a:extLst>
+              <a:ext uri="{28A0092B-C50C-407E-A947-70E740481C1C}">
+                <a14:useLocalDpi xmlns:a14="http://schemas.microsoft.com/office/drawing/2010/main" val="0"/>
+              </a:ext>
+            </a:extLst>
+          </a:blip>
+          <a:srcRect/>
+          <a:stretch>
+            <a:fillRect/>
+          </a:stretch>
+        </p:blipFill>
+        <p:spPr bwMode="auto">
+          <a:xfrm>
+            <a:off x="6621354" y="4631844"/>
+            <a:ext cx="2000250" cy="1524000"/>
+          </a:xfrm>
+          <a:prstGeom prst="rect">
+            <a:avLst/>
+          </a:prstGeom>
+          <a:noFill/>
+          <a:extLst>
+            <a:ext uri="{909E8E84-426E-40DD-AFC4-6F175D3DCCD1}">
+              <a14:hiddenFill xmlns:a14="http://schemas.microsoft.com/office/drawing/2010/main">
+                <a:solidFill>
+                  <a:srgbClr val="FFFFFF"/>
+                </a:solidFill>
+              </a14:hiddenFill>
+            </a:ext>
+          </a:extLst>
+        </p:spPr>
+      </p:pic>
     </p:spTree>
   </p:cSld>
   <p:clrMapOvr>
@@ -6324,7 +7171,7 @@
           <a:lstStyle/>
           <a:p>
             <a:r>
-              <a:rPr lang="en-IN" dirty="0" smtClean="0"/>
+              <a:rPr lang="en-IN" dirty="0"/>
               <a:t>types</a:t>
             </a:r>
             <a:endParaRPr lang="en-US" dirty="0"/>
@@ -6347,19 +7194,19 @@
           <a:lstStyle/>
           <a:p>
             <a:r>
-              <a:rPr lang="en-IN" dirty="0" smtClean="0"/>
+              <a:rPr lang="en-IN" dirty="0"/>
               <a:t>Public, </a:t>
             </a:r>
             <a:r>
-              <a:rPr lang="en-IN" dirty="0" err="1" smtClean="0"/>
+              <a:rPr lang="en-IN" dirty="0" err="1"/>
               <a:t>permissionless</a:t>
             </a:r>
             <a:r>
-              <a:rPr lang="en-IN" dirty="0" smtClean="0"/>
+              <a:rPr lang="en-IN" dirty="0"/>
               <a:t>, private, </a:t>
             </a:r>
             <a:r>
-              <a:rPr lang="en-IN" dirty="0" err="1" smtClean="0"/>
+              <a:rPr lang="en-IN" dirty="0" err="1"/>
               <a:t>permissioned</a:t>
             </a:r>
             <a:endParaRPr lang="en-US" dirty="0"/>
@@ -6396,7 +7243,7 @@
           <p:cNvPr id="2" name="Title 1">
             <a:extLst>
               <a:ext uri="{FF2B5EF4-FFF2-40B4-BE49-F238E27FC236}">
-                <a16:creationId xmlns="" xmlns:a16="http://schemas.microsoft.com/office/drawing/2014/main" id="{1C618411-50A8-4BE8-AA9F-ADFDF09EFE42}"/>
+                <a16:creationId xmlns:a16="http://schemas.microsoft.com/office/drawing/2014/main" id="{1C618411-50A8-4BE8-AA9F-ADFDF09EFE42}"/>
               </a:ext>
             </a:extLst>
           </p:cNvPr>
@@ -6413,14 +7260,13 @@
           <a:lstStyle/>
           <a:p>
             <a:r>
-              <a:rPr lang="en-US" dirty="0" err="1" smtClean="0"/>
+              <a:rPr lang="en-US" dirty="0" err="1"/>
               <a:t>Cryptocurrency</a:t>
             </a:r>
             <a:r>
-              <a:rPr lang="en-US" dirty="0" smtClean="0"/>
+              <a:rPr lang="en-US" dirty="0"/>
               <a:t>/COIN/TOKEN</a:t>
             </a:r>
-            <a:endParaRPr lang="en-US" dirty="0"/>
           </a:p>
         </p:txBody>
       </p:sp>
@@ -6429,7 +7275,7 @@
           <p:cNvPr id="3" name="Content Placeholder 2">
             <a:extLst>
               <a:ext uri="{FF2B5EF4-FFF2-40B4-BE49-F238E27FC236}">
-                <a16:creationId xmlns="" xmlns:a16="http://schemas.microsoft.com/office/drawing/2014/main" id="{6D59F83B-DE4F-430A-9857-9FF87DC6F4FC}"/>
+                <a16:creationId xmlns:a16="http://schemas.microsoft.com/office/drawing/2014/main" id="{6D59F83B-DE4F-430A-9857-9FF87DC6F4FC}"/>
               </a:ext>
             </a:extLst>
           </p:cNvPr>
@@ -6514,7 +7360,7 @@
           <p:cNvPr id="5" name="AutoShape 24">
             <a:extLst>
               <a:ext uri="{FF2B5EF4-FFF2-40B4-BE49-F238E27FC236}">
-                <a16:creationId xmlns="" xmlns:a16="http://schemas.microsoft.com/office/drawing/2014/main" id="{8BA9AC28-F55F-449F-AAE5-F4900F3C2C64}"/>
+                <a16:creationId xmlns:a16="http://schemas.microsoft.com/office/drawing/2014/main" id="{8BA9AC28-F55F-449F-AAE5-F4900F3C2C64}"/>
               </a:ext>
             </a:extLst>
           </p:cNvPr>
@@ -6534,7 +7380,7 @@
           <a:noFill/>
           <a:extLst>
             <a:ext uri="{909E8E84-426E-40DD-AFC4-6F175D3DCCD1}">
-              <a14:hiddenFill xmlns="" xmlns:a14="http://schemas.microsoft.com/office/drawing/2010/main">
+              <a14:hiddenFill xmlns:a14="http://schemas.microsoft.com/office/drawing/2010/main">
                 <a:solidFill>
                   <a:srgbClr val="FFFFFF"/>
                 </a:solidFill>
@@ -6559,7 +7405,7 @@
           <p:cNvPr id="9" name="Picture 8">
             <a:extLst>
               <a:ext uri="{FF2B5EF4-FFF2-40B4-BE49-F238E27FC236}">
-                <a16:creationId xmlns="" xmlns:a16="http://schemas.microsoft.com/office/drawing/2014/main" id="{34640D63-4EB2-40A2-BCAC-583083C78C97}"/>
+                <a16:creationId xmlns:a16="http://schemas.microsoft.com/office/drawing/2014/main" id="{34640D63-4EB2-40A2-BCAC-583083C78C97}"/>
               </a:ext>
             </a:extLst>
           </p:cNvPr>
@@ -6589,7 +7435,7 @@
           <p:cNvPr id="8" name="Picture 7">
             <a:extLst>
               <a:ext uri="{FF2B5EF4-FFF2-40B4-BE49-F238E27FC236}">
-                <a16:creationId xmlns="" xmlns:a16="http://schemas.microsoft.com/office/drawing/2014/main" id="{2E6E5EE1-AD63-4067-A19B-83EA7E228AF4}"/>
+                <a16:creationId xmlns:a16="http://schemas.microsoft.com/office/drawing/2014/main" id="{2E6E5EE1-AD63-4067-A19B-83EA7E228AF4}"/>
               </a:ext>
             </a:extLst>
           </p:cNvPr>
@@ -6617,7 +7463,7 @@
     </p:spTree>
     <p:extLst>
       <p:ext uri="{BB962C8B-B14F-4D97-AF65-F5344CB8AC3E}">
-        <p14:creationId xmlns="" xmlns:p14="http://schemas.microsoft.com/office/powerpoint/2010/main" val="3659069593"/>
+        <p14:creationId xmlns:p14="http://schemas.microsoft.com/office/powerpoint/2010/main" val="3659069593"/>
       </p:ext>
     </p:extLst>
   </p:cSld>
@@ -6649,7 +7495,7 @@
           <p:cNvPr id="5" name="Picture 4">
             <a:extLst>
               <a:ext uri="{FF2B5EF4-FFF2-40B4-BE49-F238E27FC236}">
-                <a16:creationId xmlns="" xmlns:a16="http://schemas.microsoft.com/office/drawing/2014/main" id="{F537BEB0-FF60-41FD-BF15-88BEB38D8587}"/>
+                <a16:creationId xmlns:a16="http://schemas.microsoft.com/office/drawing/2014/main" id="{F537BEB0-FF60-41FD-BF15-88BEB38D8587}"/>
               </a:ext>
             </a:extLst>
           </p:cNvPr>
@@ -6679,7 +7525,7 @@
           <p:cNvPr id="8" name="TextBox 7">
             <a:extLst>
               <a:ext uri="{FF2B5EF4-FFF2-40B4-BE49-F238E27FC236}">
-                <a16:creationId xmlns="" xmlns:a16="http://schemas.microsoft.com/office/drawing/2014/main" id="{D11D760C-71BB-413C-9EEA-DED976BA19E6}"/>
+                <a16:creationId xmlns:a16="http://schemas.microsoft.com/office/drawing/2014/main" id="{D11D760C-71BB-413C-9EEA-DED976BA19E6}"/>
               </a:ext>
             </a:extLst>
           </p:cNvPr>
@@ -6729,7 +7575,7 @@
           <p:cNvPr id="9" name="TextBox 8">
             <a:extLst>
               <a:ext uri="{FF2B5EF4-FFF2-40B4-BE49-F238E27FC236}">
-                <a16:creationId xmlns="" xmlns:a16="http://schemas.microsoft.com/office/drawing/2014/main" id="{CEE88A5C-BC11-487A-ADE7-3962DD93F9D2}"/>
+                <a16:creationId xmlns:a16="http://schemas.microsoft.com/office/drawing/2014/main" id="{CEE88A5C-BC11-487A-ADE7-3962DD93F9D2}"/>
               </a:ext>
             </a:extLst>
           </p:cNvPr>
@@ -6779,7 +7625,7 @@
           <p:cNvPr id="7" name="Picture 2">
             <a:extLst>
               <a:ext uri="{FF2B5EF4-FFF2-40B4-BE49-F238E27FC236}">
-                <a16:creationId xmlns="" xmlns:a16="http://schemas.microsoft.com/office/drawing/2014/main" id="{784EF727-FCD3-4AB6-B597-A89B3B9B97B1}"/>
+                <a16:creationId xmlns:a16="http://schemas.microsoft.com/office/drawing/2014/main" id="{784EF727-FCD3-4AB6-B597-A89B3B9B97B1}"/>
               </a:ext>
             </a:extLst>
           </p:cNvPr>
@@ -6792,7 +7638,7 @@
           <a:blip r:embed="rId3">
             <a:extLst>
               <a:ext uri="{28A0092B-C50C-407E-A947-70E740481C1C}">
-                <a14:useLocalDpi xmlns="" xmlns:a14="http://schemas.microsoft.com/office/drawing/2010/main" val="0"/>
+                <a14:useLocalDpi xmlns:a14="http://schemas.microsoft.com/office/drawing/2010/main" val="0"/>
               </a:ext>
             </a:extLst>
           </a:blip>
@@ -6812,7 +7658,7 @@
           <a:noFill/>
           <a:extLst>
             <a:ext uri="{909E8E84-426E-40DD-AFC4-6F175D3DCCD1}">
-              <a14:hiddenFill xmlns="" xmlns:a14="http://schemas.microsoft.com/office/drawing/2010/main">
+              <a14:hiddenFill xmlns:a14="http://schemas.microsoft.com/office/drawing/2010/main">
                 <a:solidFill>
                   <a:srgbClr val="FFFFFF"/>
                 </a:solidFill>
@@ -6826,7 +7672,7 @@
           <p:cNvPr id="1028" name="Picture 4">
             <a:extLst>
               <a:ext uri="{FF2B5EF4-FFF2-40B4-BE49-F238E27FC236}">
-                <a16:creationId xmlns="" xmlns:a16="http://schemas.microsoft.com/office/drawing/2014/main" id="{B0814AAB-9489-4878-9125-14B41C987516}"/>
+                <a16:creationId xmlns:a16="http://schemas.microsoft.com/office/drawing/2014/main" id="{B0814AAB-9489-4878-9125-14B41C987516}"/>
               </a:ext>
             </a:extLst>
           </p:cNvPr>
@@ -6839,7 +7685,7 @@
           <a:blip r:embed="rId4">
             <a:extLst>
               <a:ext uri="{28A0092B-C50C-407E-A947-70E740481C1C}">
-                <a14:useLocalDpi xmlns="" xmlns:a14="http://schemas.microsoft.com/office/drawing/2010/main" val="0"/>
+                <a14:useLocalDpi xmlns:a14="http://schemas.microsoft.com/office/drawing/2010/main" val="0"/>
               </a:ext>
             </a:extLst>
           </a:blip>
@@ -6859,7 +7705,7 @@
           <a:noFill/>
           <a:extLst>
             <a:ext uri="{909E8E84-426E-40DD-AFC4-6F175D3DCCD1}">
-              <a14:hiddenFill xmlns="" xmlns:a14="http://schemas.microsoft.com/office/drawing/2010/main">
+              <a14:hiddenFill xmlns:a14="http://schemas.microsoft.com/office/drawing/2010/main">
                 <a:solidFill>
                   <a:srgbClr val="FFFFFF"/>
                 </a:solidFill>
@@ -6873,7 +7719,7 @@
           <p:cNvPr id="12" name="TextBox 11">
             <a:extLst>
               <a:ext uri="{FF2B5EF4-FFF2-40B4-BE49-F238E27FC236}">
-                <a16:creationId xmlns="" xmlns:a16="http://schemas.microsoft.com/office/drawing/2014/main" id="{2AF6CFC5-4A78-48C8-8772-3813D12A9B4D}"/>
+                <a16:creationId xmlns:a16="http://schemas.microsoft.com/office/drawing/2014/main" id="{2AF6CFC5-4A78-48C8-8772-3813D12A9B4D}"/>
               </a:ext>
             </a:extLst>
           </p:cNvPr>
@@ -6998,7 +7844,7 @@
           <p:cNvPr id="13" name="TextBox 12">
             <a:extLst>
               <a:ext uri="{FF2B5EF4-FFF2-40B4-BE49-F238E27FC236}">
-                <a16:creationId xmlns="" xmlns:a16="http://schemas.microsoft.com/office/drawing/2014/main" id="{2C258202-B71B-4040-ABB7-6D57DFF4D825}"/>
+                <a16:creationId xmlns:a16="http://schemas.microsoft.com/office/drawing/2014/main" id="{2C258202-B71B-4040-ABB7-6D57DFF4D825}"/>
               </a:ext>
             </a:extLst>
           </p:cNvPr>
@@ -7109,7 +7955,7 @@
     </p:spTree>
     <p:extLst>
       <p:ext uri="{BB962C8B-B14F-4D97-AF65-F5344CB8AC3E}">
-        <p14:creationId xmlns="" xmlns:p14="http://schemas.microsoft.com/office/powerpoint/2010/main" val="1756368672"/>
+        <p14:creationId xmlns:p14="http://schemas.microsoft.com/office/powerpoint/2010/main" val="1756368672"/>
       </p:ext>
     </p:extLst>
   </p:cSld>
@@ -7382,7 +8228,7 @@
   <a:extraClrSchemeLst/>
   <a:extLst>
     <a:ext uri="{05A4C25C-085E-4340-85A3-A5531E510DB2}">
-      <thm15:themeFamily xmlns="" xmlns:thm15="http://schemas.microsoft.com/office/thememl/2012/main" name="DividendVTI" id="{97558BDE-0B66-457C-BB6F-7B1B22DAA9B8}" vid="{F53508A3-AC60-448A-AF37-934D5F1A0D5E}"/>
+      <thm15:themeFamily xmlns:thm15="http://schemas.microsoft.com/office/thememl/2012/main" name="DividendVTI" id="{97558BDE-0B66-457C-BB6F-7B1B22DAA9B8}" vid="{F53508A3-AC60-448A-AF37-934D5F1A0D5E}"/>
     </a:ext>
   </a:extLst>
 </a:theme>
@@ -7398,6 +8244,15 @@
 </file>
 
 <file path=customXml/item2.xml><?xml version="1.0" encoding="utf-8"?>
+<p:properties xmlns:p="http://schemas.microsoft.com/office/2006/metadata/properties" xmlns:xsi="http://www.w3.org/2001/XMLSchema-instance" xmlns:pc="http://schemas.microsoft.com/office/infopath/2007/PartnerControls">
+  <documentManagement>
+    <Status xmlns="71af3243-3dd4-4a8d-8c0d-dd76da1f02a5">Not started</Status>
+    <MediaServiceKeyPoints xmlns="71af3243-3dd4-4a8d-8c0d-dd76da1f02a5" xsi:nil="true"/>
+  </documentManagement>
+</p:properties>
+</file>
+
+<file path=customXml/item3.xml><?xml version="1.0" encoding="utf-8"?>
 <ct:contentTypeSchema xmlns:ct="http://schemas.microsoft.com/office/2006/metadata/contentType" xmlns:ma="http://schemas.microsoft.com/office/2006/metadata/properties/metaAttributes" ct:_="" ma:_="" ma:contentTypeName="Document" ma:contentTypeID="0x01010079F111ED35F8CC479449609E8A0923A6" ma:contentTypeVersion="12" ma:contentTypeDescription="Create a new document." ma:contentTypeScope="" ma:versionID="a410dd7f93c95333ffa1b60ed6adedd1">
   <xsd:schema xmlns:xsd="http://www.w3.org/2001/XMLSchema" xmlns:xs="http://www.w3.org/2001/XMLSchema" xmlns:p="http://schemas.microsoft.com/office/2006/metadata/properties" xmlns:ns2="71af3243-3dd4-4a8d-8c0d-dd76da1f02a5" xmlns:ns3="16c05727-aa75-4e4a-9b5f-8a80a1165891" targetNamespace="http://schemas.microsoft.com/office/2006/metadata/properties" ma:root="true" ma:fieldsID="a936d9baba76aa3866493feff160faab" ns2:_="" ns3:_="">
     <xsd:import namespace="71af3243-3dd4-4a8d-8c0d-dd76da1f02a5"/>
@@ -7618,15 +8473,6 @@
 </ct:contentTypeSchema>
 </file>
 
-<file path=customXml/item3.xml><?xml version="1.0" encoding="utf-8"?>
-<p:properties xmlns:p="http://schemas.microsoft.com/office/2006/metadata/properties" xmlns:xsi="http://www.w3.org/2001/XMLSchema-instance" xmlns:pc="http://schemas.microsoft.com/office/infopath/2007/PartnerControls">
-  <documentManagement>
-    <Status xmlns="71af3243-3dd4-4a8d-8c0d-dd76da1f02a5">Not started</Status>
-    <MediaServiceKeyPoints xmlns="71af3243-3dd4-4a8d-8c0d-dd76da1f02a5" xsi:nil="true"/>
-  </documentManagement>
-</p:properties>
-</file>
-
 <file path=customXml/itemProps1.xml><?xml version="1.0" encoding="utf-8"?>
 <ds:datastoreItem xmlns:ds="http://schemas.openxmlformats.org/officeDocument/2006/customXml" ds:itemID="{927BD4C1-B6B1-4715-ABF9-E660A51A4EA0}">
   <ds:schemaRefs>
@@ -7636,6 +8482,16 @@
 </file>
 
 <file path=customXml/itemProps2.xml><?xml version="1.0" encoding="utf-8"?>
+<ds:datastoreItem xmlns:ds="http://schemas.openxmlformats.org/officeDocument/2006/customXml" ds:itemID="{8D289AE2-D2AE-49D1-AFAC-3A79F6794255}">
+  <ds:schemaRefs>
+    <ds:schemaRef ds:uri="http://schemas.microsoft.com/office/2006/metadata/properties"/>
+    <ds:schemaRef ds:uri="http://schemas.microsoft.com/office/infopath/2007/PartnerControls"/>
+    <ds:schemaRef ds:uri="71af3243-3dd4-4a8d-8c0d-dd76da1f02a5"/>
+  </ds:schemaRefs>
+</ds:datastoreItem>
+</file>
+
+<file path=customXml/itemProps3.xml><?xml version="1.0" encoding="utf-8"?>
 <ds:datastoreItem xmlns:ds="http://schemas.openxmlformats.org/officeDocument/2006/customXml" ds:itemID="{41E7CA09-9778-4414-AE97-8064B12DA30E}">
   <ds:schemaRefs>
     <ds:schemaRef ds:uri="http://schemas.microsoft.com/office/2006/metadata/contentType"/>
@@ -7652,14 +8508,4 @@
     <ds:schemaRef ds:uri="http://schemas.microsoft.com/internal/obd"/>
   </ds:schemaRefs>
 </ds:datastoreItem>
-</file>
-
-<file path=customXml/itemProps3.xml><?xml version="1.0" encoding="utf-8"?>
-<ds:datastoreItem xmlns:ds="http://schemas.openxmlformats.org/officeDocument/2006/customXml" ds:itemID="{8D289AE2-D2AE-49D1-AFAC-3A79F6794255}">
-  <ds:schemaRefs>
-    <ds:schemaRef ds:uri="http://schemas.microsoft.com/office/2006/metadata/properties"/>
-    <ds:schemaRef ds:uri="http://schemas.microsoft.com/office/infopath/2007/PartnerControls"/>
-    <ds:schemaRef ds:uri="71af3243-3dd4-4a8d-8c0d-dd76da1f02a5"/>
-  </ds:schemaRefs>
-</ds:datastoreItem>
 </file>